--- a/Assicurazioni/Algoritmi di consenso distribuito_ita.pptx
+++ b/Assicurazioni/Algoritmi di consenso distribuito_ita.pptx
@@ -5,12 +5,14 @@
     <p:sldMasterId id="2147483648" r:id="rId5"/>
   </p:sldMasterIdLst>
   <p:notesMasterIdLst>
-    <p:notesMasterId r:id="rId9"/>
+    <p:notesMasterId r:id="rId11"/>
   </p:notesMasterIdLst>
   <p:sldIdLst>
     <p:sldId id="256" r:id="rId6"/>
     <p:sldId id="365" r:id="rId7"/>
-    <p:sldId id="343" r:id="rId8"/>
+    <p:sldId id="366" r:id="rId8"/>
+    <p:sldId id="367" r:id="rId9"/>
+    <p:sldId id="343" r:id="rId10"/>
   </p:sldIdLst>
   <p:sldSz cx="12192000" cy="6858000"/>
   <p:notesSz cx="6858000" cy="9144000"/>
@@ -268,7 +270,7 @@
               <a:pPr>
                 <a:defRPr/>
               </a:pPr>
-              <a:t>3/8/2023</a:t>
+              <a:t>3/11/2023</a:t>
             </a:fld>
             <a:endParaRPr lang="en-US"/>
           </a:p>
@@ -6898,7 +6900,80 @@
                 <a:ea typeface="Tahoma" panose="020B0604030504040204" pitchFamily="34" charset="0"/>
                 <a:cs typeface="Tahoma" panose="020B0604030504040204" pitchFamily="34" charset="0"/>
               </a:rPr>
-              <a:t>. Deve garantire che tutti gli agenti nel sistema possano concordare su una singola fonte di verità, anche se alcuni agenti falliscono.</a:t>
+              <a:t>. </a:t>
+            </a:r>
+          </a:p>
+          <a:p>
+            <a:pPr marL="342900" indent="-342900" algn="just">
+              <a:lnSpc>
+                <a:spcPct val="115000"/>
+              </a:lnSpc>
+              <a:spcBef>
+                <a:spcPts val="2400"/>
+              </a:spcBef>
+              <a:buFont typeface="Wingdings" panose="05000000000000000000" pitchFamily="2" charset="2"/>
+              <a:buChar char="ü"/>
+              <a:tabLst>
+                <a:tab pos="457200" algn="l"/>
+              </a:tabLst>
+            </a:pPr>
+            <a:r>
+              <a:rPr lang="it-IT" sz="2400">
+                <a:solidFill>
+                  <a:schemeClr val="tx1"/>
+                </a:solidFill>
+                <a:latin typeface="Tahoma" panose="020B0604030504040204" pitchFamily="34" charset="0"/>
+                <a:ea typeface="Tahoma" panose="020B0604030504040204" pitchFamily="34" charset="0"/>
+                <a:cs typeface="Tahoma" panose="020B0604030504040204" pitchFamily="34" charset="0"/>
+              </a:rPr>
+              <a:t>Deve garantire che tutti gli agenti nel sistema possano concordare su una singola fonte di verità, anche se alcuni agenti falliscono.</a:t>
+            </a:r>
+          </a:p>
+          <a:p>
+            <a:pPr marL="342900" indent="-342900" algn="just">
+              <a:lnSpc>
+                <a:spcPct val="115000"/>
+              </a:lnSpc>
+              <a:spcBef>
+                <a:spcPts val="2400"/>
+              </a:spcBef>
+              <a:buFont typeface="Wingdings" panose="05000000000000000000" pitchFamily="2" charset="2"/>
+              <a:buChar char="ü"/>
+              <a:tabLst>
+                <a:tab pos="457200" algn="l"/>
+              </a:tabLst>
+            </a:pPr>
+            <a:r>
+              <a:rPr lang="it-IT" sz="2400" b="0" i="0">
+                <a:solidFill>
+                  <a:srgbClr val="14151A"/>
+                </a:solidFill>
+                <a:effectLst/>
+                <a:latin typeface="Binance Plex"/>
+              </a:rPr>
+              <a:t> </a:t>
+            </a:r>
+            <a:r>
+              <a:rPr lang="it-IT" sz="2400">
+                <a:solidFill>
+                  <a:schemeClr val="tx1"/>
+                </a:solidFill>
+                <a:latin typeface="Tahoma" panose="020B0604030504040204" pitchFamily="34" charset="0"/>
+                <a:ea typeface="Tahoma" panose="020B0604030504040204" pitchFamily="34" charset="0"/>
+                <a:cs typeface="Tahoma" panose="020B0604030504040204" pitchFamily="34" charset="0"/>
+              </a:rPr>
+              <a:t>In  altre parole, il sistema deve essere </a:t>
+            </a:r>
+            <a:r>
+              <a:rPr lang="it-IT" sz="2400" b="1">
+                <a:solidFill>
+                  <a:schemeClr val="tx1"/>
+                </a:solidFill>
+                <a:latin typeface="Tahoma" panose="020B0604030504040204" pitchFamily="34" charset="0"/>
+                <a:ea typeface="Tahoma" panose="020B0604030504040204" pitchFamily="34" charset="0"/>
+                <a:cs typeface="Tahoma" panose="020B0604030504040204" pitchFamily="34" charset="0"/>
+              </a:rPr>
+              <a:t>fault-tolerant.</a:t>
             </a:r>
           </a:p>
         </p:txBody>
@@ -7044,6 +7119,129 @@
       </p:grpSpPr>
       <p:sp>
         <p:nvSpPr>
+          <p:cNvPr id="2" name="Segnaposto testo 1">
+            <a:extLst>
+              <a:ext uri="{FF2B5EF4-FFF2-40B4-BE49-F238E27FC236}">
+                <a16:creationId xmlns:a16="http://schemas.microsoft.com/office/drawing/2014/main" id="{E5AE986C-196F-4141-A898-FA4C4198CDCC}"/>
+              </a:ext>
+            </a:extLst>
+          </p:cNvPr>
+          <p:cNvSpPr>
+            <a:spLocks noGrp="1"/>
+          </p:cNvSpPr>
+          <p:nvPr>
+            <p:ph type="body" idx="1"/>
+          </p:nvPr>
+        </p:nvSpPr>
+        <p:spPr>
+          <a:xfrm>
+            <a:off x="326297" y="1213806"/>
+            <a:ext cx="7607881" cy="4392612"/>
+          </a:xfrm>
+        </p:spPr>
+        <p:txBody>
+          <a:bodyPr/>
+          <a:lstStyle/>
+          <a:p>
+            <a:pPr marL="342900" indent="-342900" algn="just">
+              <a:lnSpc>
+                <a:spcPct val="115000"/>
+              </a:lnSpc>
+              <a:spcBef>
+                <a:spcPts val="2400"/>
+              </a:spcBef>
+              <a:buFont typeface="Wingdings" panose="05000000000000000000" pitchFamily="2" charset="2"/>
+              <a:buChar char="ü"/>
+              <a:tabLst>
+                <a:tab pos="457200" algn="l"/>
+              </a:tabLst>
+            </a:pPr>
+            <a:r>
+              <a:rPr lang="it-IT" sz="2400">
+                <a:solidFill>
+                  <a:schemeClr val="tx1"/>
+                </a:solidFill>
+                <a:latin typeface="Tahoma" panose="020B0604030504040204" pitchFamily="34" charset="0"/>
+                <a:ea typeface="Tahoma" panose="020B0604030504040204" pitchFamily="34" charset="0"/>
+                <a:cs typeface="Tahoma" panose="020B0604030504040204" pitchFamily="34" charset="0"/>
+              </a:rPr>
+              <a:t>In una configurazione centralizzata, una singola entità ha </a:t>
+            </a:r>
+            <a:r>
+              <a:rPr lang="it-IT" sz="2400" b="1">
+                <a:solidFill>
+                  <a:schemeClr val="tx1"/>
+                </a:solidFill>
+                <a:latin typeface="Tahoma" panose="020B0604030504040204" pitchFamily="34" charset="0"/>
+                <a:ea typeface="Tahoma" panose="020B0604030504040204" pitchFamily="34" charset="0"/>
+                <a:cs typeface="Tahoma" panose="020B0604030504040204" pitchFamily="34" charset="0"/>
+              </a:rPr>
+              <a:t>potere sul sistema</a:t>
+            </a:r>
+            <a:r>
+              <a:rPr lang="it-IT" sz="2400">
+                <a:solidFill>
+                  <a:schemeClr val="tx1"/>
+                </a:solidFill>
+                <a:latin typeface="Tahoma" panose="020B0604030504040204" pitchFamily="34" charset="0"/>
+                <a:ea typeface="Tahoma" panose="020B0604030504040204" pitchFamily="34" charset="0"/>
+                <a:cs typeface="Tahoma" panose="020B0604030504040204" pitchFamily="34" charset="0"/>
+              </a:rPr>
+              <a:t>. In gran parte dei casi, possono apportare modifiche come vogliono – non esiste un complesso sistema di governance per raggiungere il consenso tra diversi amministratori. </a:t>
+            </a:r>
+          </a:p>
+          <a:p>
+            <a:pPr marL="342900" indent="-342900" algn="just">
+              <a:lnSpc>
+                <a:spcPct val="115000"/>
+              </a:lnSpc>
+              <a:spcBef>
+                <a:spcPts val="2400"/>
+              </a:spcBef>
+              <a:buFont typeface="Wingdings" panose="05000000000000000000" pitchFamily="2" charset="2"/>
+              <a:buChar char="ü"/>
+              <a:tabLst>
+                <a:tab pos="457200" algn="l"/>
+              </a:tabLst>
+            </a:pPr>
+            <a:r>
+              <a:rPr lang="it-IT" sz="2400">
+                <a:solidFill>
+                  <a:schemeClr val="tx1"/>
+                </a:solidFill>
+                <a:latin typeface="Tahoma" panose="020B0604030504040204" pitchFamily="34" charset="0"/>
+                <a:ea typeface="Tahoma" panose="020B0604030504040204" pitchFamily="34" charset="0"/>
+                <a:cs typeface="Tahoma" panose="020B0604030504040204" pitchFamily="34" charset="0"/>
+              </a:rPr>
+              <a:t>In una configurazione decentralizzata, invece, è tutta un'altra storia. Supponiamo di avere un </a:t>
+            </a:r>
+            <a:r>
+              <a:rPr lang="it-IT" sz="2400" b="1">
+                <a:solidFill>
+                  <a:schemeClr val="tx1"/>
+                </a:solidFill>
+                <a:latin typeface="Tahoma" panose="020B0604030504040204" pitchFamily="34" charset="0"/>
+                <a:ea typeface="Tahoma" panose="020B0604030504040204" pitchFamily="34" charset="0"/>
+                <a:cs typeface="Tahoma" panose="020B0604030504040204" pitchFamily="34" charset="0"/>
+              </a:rPr>
+              <a:t>database distribuito</a:t>
+            </a:r>
+            <a:r>
+              <a:rPr lang="it-IT" sz="2400">
+                <a:solidFill>
+                  <a:schemeClr val="tx1"/>
+                </a:solidFill>
+                <a:latin typeface="Tahoma" panose="020B0604030504040204" pitchFamily="34" charset="0"/>
+                <a:ea typeface="Tahoma" panose="020B0604030504040204" pitchFamily="34" charset="0"/>
+                <a:cs typeface="Tahoma" panose="020B0604030504040204" pitchFamily="34" charset="0"/>
+              </a:rPr>
+              <a:t> – come facciamo a raggiungere un accordo su quali voci debbano essere aggiunte?</a:t>
+            </a:r>
+          </a:p>
+        </p:txBody>
+      </p:sp>
+      <p:sp>
+        <p:nvSpPr>
           <p:cNvPr id="7" name="Segnaposto numero diapositiva 6">
             <a:extLst>
               <a:ext uri="{FF2B5EF4-FFF2-40B4-BE49-F238E27FC236}">
@@ -7072,6 +7270,363 @@
                 <a:defRPr/>
               </a:pPr>
               <a:t>3</a:t>
+            </a:fld>
+            <a:endParaRPr lang="en-US" dirty="0"/>
+          </a:p>
+        </p:txBody>
+      </p:sp>
+      <p:sp>
+        <p:nvSpPr>
+          <p:cNvPr id="6" name="Titolo 4">
+            <a:extLst>
+              <a:ext uri="{FF2B5EF4-FFF2-40B4-BE49-F238E27FC236}">
+                <a16:creationId xmlns:a16="http://schemas.microsoft.com/office/drawing/2014/main" id="{CF9A4806-60B4-80DC-1F76-D2EB3E6C376B}"/>
+              </a:ext>
+            </a:extLst>
+          </p:cNvPr>
+          <p:cNvSpPr>
+            <a:spLocks noGrp="1"/>
+          </p:cNvSpPr>
+          <p:nvPr>
+            <p:ph type="title"/>
+          </p:nvPr>
+        </p:nvSpPr>
+        <p:spPr>
+          <a:xfrm>
+            <a:off x="468313" y="286788"/>
+            <a:ext cx="11269662" cy="769441"/>
+          </a:xfrm>
+        </p:spPr>
+        <p:txBody>
+          <a:bodyPr/>
+          <a:lstStyle/>
+          <a:p>
+            <a:r>
+              <a:rPr lang="it-IT" sz="2800">
+                <a:solidFill>
+                  <a:schemeClr val="tx1"/>
+                </a:solidFill>
+                <a:latin typeface="Tahoma" panose="020B0604030504040204" pitchFamily="34" charset="0"/>
+                <a:ea typeface="Tahoma" panose="020B0604030504040204" pitchFamily="34" charset="0"/>
+                <a:cs typeface="Tahoma" panose="020B0604030504040204" pitchFamily="34" charset="0"/>
+              </a:rPr>
+              <a:t>Algoritmi di consenso distribuito</a:t>
+            </a:r>
+            <a:br>
+              <a:rPr lang="it-IT"/>
+            </a:br>
+            <a:endParaRPr lang="it-IT" dirty="0"/>
+          </a:p>
+        </p:txBody>
+      </p:sp>
+      <p:pic>
+        <p:nvPicPr>
+          <p:cNvPr id="5" name="Immagine 4" descr="Immagine che contiene testo&#10;&#10;Descrizione generata automaticamente">
+            <a:extLst>
+              <a:ext uri="{FF2B5EF4-FFF2-40B4-BE49-F238E27FC236}">
+                <a16:creationId xmlns:a16="http://schemas.microsoft.com/office/drawing/2014/main" id="{78FB4ACE-942E-986C-A09C-E00B26A9DADC}"/>
+              </a:ext>
+            </a:extLst>
+          </p:cNvPr>
+          <p:cNvPicPr>
+            <a:picLocks noChangeAspect="1"/>
+          </p:cNvPicPr>
+          <p:nvPr/>
+        </p:nvPicPr>
+        <p:blipFill>
+          <a:blip r:embed="rId2"/>
+          <a:stretch>
+            <a:fillRect/>
+          </a:stretch>
+        </p:blipFill>
+        <p:spPr>
+          <a:xfrm>
+            <a:off x="8375333" y="3092474"/>
+            <a:ext cx="3129769" cy="1950595"/>
+          </a:xfrm>
+          <a:prstGeom prst="rect">
+            <a:avLst/>
+          </a:prstGeom>
+        </p:spPr>
+      </p:pic>
+    </p:spTree>
+    <p:extLst>
+      <p:ext uri="{BB962C8B-B14F-4D97-AF65-F5344CB8AC3E}">
+        <p14:creationId xmlns:p14="http://schemas.microsoft.com/office/powerpoint/2010/main" val="1823348842"/>
+      </p:ext>
+    </p:extLst>
+  </p:cSld>
+  <p:clrMapOvr>
+    <a:masterClrMapping/>
+  </p:clrMapOvr>
+</p:sld>
+</file>
+
+<file path=ppt/slides/slide4.xml><?xml version="1.0" encoding="utf-8"?>
+<p:sld xmlns:a="http://schemas.openxmlformats.org/drawingml/2006/main" xmlns:r="http://schemas.openxmlformats.org/officeDocument/2006/relationships" xmlns:p="http://schemas.openxmlformats.org/presentationml/2006/main">
+  <p:cSld>
+    <p:spTree>
+      <p:nvGrpSpPr>
+        <p:cNvPr id="1" name=""/>
+        <p:cNvGrpSpPr/>
+        <p:nvPr/>
+      </p:nvGrpSpPr>
+      <p:grpSpPr>
+        <a:xfrm>
+          <a:off x="0" y="0"/>
+          <a:ext cx="0" cy="0"/>
+          <a:chOff x="0" y="0"/>
+          <a:chExt cx="0" cy="0"/>
+        </a:xfrm>
+      </p:grpSpPr>
+      <p:sp>
+        <p:nvSpPr>
+          <p:cNvPr id="2" name="Segnaposto testo 1">
+            <a:extLst>
+              <a:ext uri="{FF2B5EF4-FFF2-40B4-BE49-F238E27FC236}">
+                <a16:creationId xmlns:a16="http://schemas.microsoft.com/office/drawing/2014/main" id="{E5AE986C-196F-4141-A898-FA4C4198CDCC}"/>
+              </a:ext>
+            </a:extLst>
+          </p:cNvPr>
+          <p:cNvSpPr>
+            <a:spLocks noGrp="1"/>
+          </p:cNvSpPr>
+          <p:nvPr>
+            <p:ph type="body" idx="1"/>
+          </p:nvPr>
+        </p:nvSpPr>
+        <p:spPr>
+          <a:xfrm>
+            <a:off x="326297" y="1213806"/>
+            <a:ext cx="7607881" cy="4392612"/>
+          </a:xfrm>
+        </p:spPr>
+        <p:txBody>
+          <a:bodyPr/>
+          <a:lstStyle/>
+          <a:p>
+            <a:pPr marL="342900" indent="-342900" algn="just">
+              <a:lnSpc>
+                <a:spcPct val="115000"/>
+              </a:lnSpc>
+              <a:spcBef>
+                <a:spcPts val="2400"/>
+              </a:spcBef>
+              <a:buFont typeface="Wingdings" panose="05000000000000000000" pitchFamily="2" charset="2"/>
+              <a:buChar char="ü"/>
+              <a:tabLst>
+                <a:tab pos="457200" algn="l"/>
+              </a:tabLst>
+            </a:pPr>
+            <a:r>
+              <a:rPr lang="it-IT" sz="2400">
+                <a:solidFill>
+                  <a:schemeClr val="tx1"/>
+                </a:solidFill>
+                <a:latin typeface="Tahoma" panose="020B0604030504040204" pitchFamily="34" charset="0"/>
+                <a:ea typeface="Tahoma" panose="020B0604030504040204" pitchFamily="34" charset="0"/>
+                <a:cs typeface="Tahoma" panose="020B0604030504040204" pitchFamily="34" charset="0"/>
+              </a:rPr>
+              <a:t>Superare questa sfida in un ambiente in cui sconosciuti non si fidano gli uni degli altri è stato forse lo sviluppo più cruciale per aprire la strada alle blockchain. </a:t>
+            </a:r>
+          </a:p>
+          <a:p>
+            <a:pPr marL="342900" indent="-342900" algn="just">
+              <a:lnSpc>
+                <a:spcPct val="115000"/>
+              </a:lnSpc>
+              <a:spcBef>
+                <a:spcPts val="2400"/>
+              </a:spcBef>
+              <a:buFont typeface="Wingdings" panose="05000000000000000000" pitchFamily="2" charset="2"/>
+              <a:buChar char="ü"/>
+              <a:tabLst>
+                <a:tab pos="457200" algn="l"/>
+              </a:tabLst>
+            </a:pPr>
+            <a:r>
+              <a:rPr lang="it-IT" sz="2400">
+                <a:solidFill>
+                  <a:schemeClr val="tx1"/>
+                </a:solidFill>
+                <a:latin typeface="Tahoma" panose="020B0604030504040204" pitchFamily="34" charset="0"/>
+                <a:ea typeface="Tahoma" panose="020B0604030504040204" pitchFamily="34" charset="0"/>
+                <a:cs typeface="Tahoma" panose="020B0604030504040204" pitchFamily="34" charset="0"/>
+              </a:rPr>
+              <a:t>Vediamo come gli algoritmi di consenso sono vitali per il funzionamento delle criptovalute e dei registri distribuiti.</a:t>
+            </a:r>
+          </a:p>
+        </p:txBody>
+      </p:sp>
+      <p:sp>
+        <p:nvSpPr>
+          <p:cNvPr id="7" name="Segnaposto numero diapositiva 6">
+            <a:extLst>
+              <a:ext uri="{FF2B5EF4-FFF2-40B4-BE49-F238E27FC236}">
+                <a16:creationId xmlns:a16="http://schemas.microsoft.com/office/drawing/2014/main" id="{AB740BE9-E218-4144-BFDE-AE473D230A3D}"/>
+              </a:ext>
+            </a:extLst>
+          </p:cNvPr>
+          <p:cNvSpPr>
+            <a:spLocks noGrp="1"/>
+          </p:cNvSpPr>
+          <p:nvPr>
+            <p:ph type="sldNum" sz="quarter" idx="12"/>
+          </p:nvPr>
+        </p:nvSpPr>
+        <p:spPr/>
+        <p:txBody>
+          <a:bodyPr/>
+          <a:lstStyle/>
+          <a:p>
+            <a:pPr>
+              <a:defRPr/>
+            </a:pPr>
+            <a:fld id="{48B4153A-D4C5-4CEF-8992-0D8815C829E3}" type="slidenum">
+              <a:rPr lang="en-US" smtClean="0"/>
+              <a:pPr>
+                <a:defRPr/>
+              </a:pPr>
+              <a:t>4</a:t>
+            </a:fld>
+            <a:endParaRPr lang="en-US" dirty="0"/>
+          </a:p>
+        </p:txBody>
+      </p:sp>
+      <p:sp>
+        <p:nvSpPr>
+          <p:cNvPr id="6" name="Titolo 4">
+            <a:extLst>
+              <a:ext uri="{FF2B5EF4-FFF2-40B4-BE49-F238E27FC236}">
+                <a16:creationId xmlns:a16="http://schemas.microsoft.com/office/drawing/2014/main" id="{CF9A4806-60B4-80DC-1F76-D2EB3E6C376B}"/>
+              </a:ext>
+            </a:extLst>
+          </p:cNvPr>
+          <p:cNvSpPr>
+            <a:spLocks noGrp="1"/>
+          </p:cNvSpPr>
+          <p:nvPr>
+            <p:ph type="title"/>
+          </p:nvPr>
+        </p:nvSpPr>
+        <p:spPr>
+          <a:xfrm>
+            <a:off x="468313" y="286788"/>
+            <a:ext cx="11269662" cy="769441"/>
+          </a:xfrm>
+        </p:spPr>
+        <p:txBody>
+          <a:bodyPr/>
+          <a:lstStyle/>
+          <a:p>
+            <a:r>
+              <a:rPr lang="it-IT" sz="2800">
+                <a:solidFill>
+                  <a:schemeClr val="tx1"/>
+                </a:solidFill>
+                <a:latin typeface="Tahoma" panose="020B0604030504040204" pitchFamily="34" charset="0"/>
+                <a:ea typeface="Tahoma" panose="020B0604030504040204" pitchFamily="34" charset="0"/>
+                <a:cs typeface="Tahoma" panose="020B0604030504040204" pitchFamily="34" charset="0"/>
+              </a:rPr>
+              <a:t>Algoritmi di consenso distribuito</a:t>
+            </a:r>
+            <a:br>
+              <a:rPr lang="it-IT"/>
+            </a:br>
+            <a:endParaRPr lang="it-IT" dirty="0"/>
+          </a:p>
+        </p:txBody>
+      </p:sp>
+      <p:pic>
+        <p:nvPicPr>
+          <p:cNvPr id="4" name="Immagine 3" descr="Immagine che contiene testo, lavagna, nero&#10;&#10;Descrizione generata automaticamente">
+            <a:extLst>
+              <a:ext uri="{FF2B5EF4-FFF2-40B4-BE49-F238E27FC236}">
+                <a16:creationId xmlns:a16="http://schemas.microsoft.com/office/drawing/2014/main" id="{27E09A2C-1221-9783-FB77-554318304400}"/>
+              </a:ext>
+            </a:extLst>
+          </p:cNvPr>
+          <p:cNvPicPr>
+            <a:picLocks noChangeAspect="1"/>
+          </p:cNvPicPr>
+          <p:nvPr/>
+        </p:nvPicPr>
+        <p:blipFill>
+          <a:blip r:embed="rId2"/>
+          <a:stretch>
+            <a:fillRect/>
+          </a:stretch>
+        </p:blipFill>
+        <p:spPr>
+          <a:xfrm>
+            <a:off x="8345438" y="2824748"/>
+            <a:ext cx="3450111" cy="2295892"/>
+          </a:xfrm>
+          <a:prstGeom prst="rect">
+            <a:avLst/>
+          </a:prstGeom>
+        </p:spPr>
+      </p:pic>
+    </p:spTree>
+    <p:extLst>
+      <p:ext uri="{BB962C8B-B14F-4D97-AF65-F5344CB8AC3E}">
+        <p14:creationId xmlns:p14="http://schemas.microsoft.com/office/powerpoint/2010/main" val="2450284862"/>
+      </p:ext>
+    </p:extLst>
+  </p:cSld>
+  <p:clrMapOvr>
+    <a:masterClrMapping/>
+  </p:clrMapOvr>
+</p:sld>
+</file>
+
+<file path=ppt/slides/slide5.xml><?xml version="1.0" encoding="utf-8"?>
+<p:sld xmlns:a="http://schemas.openxmlformats.org/drawingml/2006/main" xmlns:r="http://schemas.openxmlformats.org/officeDocument/2006/relationships" xmlns:p="http://schemas.openxmlformats.org/presentationml/2006/main">
+  <p:cSld>
+    <p:spTree>
+      <p:nvGrpSpPr>
+        <p:cNvPr id="1" name=""/>
+        <p:cNvGrpSpPr/>
+        <p:nvPr/>
+      </p:nvGrpSpPr>
+      <p:grpSpPr>
+        <a:xfrm>
+          <a:off x="0" y="0"/>
+          <a:ext cx="0" cy="0"/>
+          <a:chOff x="0" y="0"/>
+          <a:chExt cx="0" cy="0"/>
+        </a:xfrm>
+      </p:grpSpPr>
+      <p:sp>
+        <p:nvSpPr>
+          <p:cNvPr id="7" name="Segnaposto numero diapositiva 6">
+            <a:extLst>
+              <a:ext uri="{FF2B5EF4-FFF2-40B4-BE49-F238E27FC236}">
+                <a16:creationId xmlns:a16="http://schemas.microsoft.com/office/drawing/2014/main" id="{AB740BE9-E218-4144-BFDE-AE473D230A3D}"/>
+              </a:ext>
+            </a:extLst>
+          </p:cNvPr>
+          <p:cNvSpPr>
+            <a:spLocks noGrp="1"/>
+          </p:cNvSpPr>
+          <p:nvPr>
+            <p:ph type="sldNum" sz="quarter" idx="12"/>
+          </p:nvPr>
+        </p:nvSpPr>
+        <p:spPr/>
+        <p:txBody>
+          <a:bodyPr/>
+          <a:lstStyle/>
+          <a:p>
+            <a:pPr>
+              <a:defRPr/>
+            </a:pPr>
+            <a:fld id="{48B4153A-D4C5-4CEF-8992-0D8815C829E3}" type="slidenum">
+              <a:rPr lang="en-US" smtClean="0"/>
+              <a:pPr>
+                <a:defRPr/>
+              </a:pPr>
+              <a:t>5</a:t>
             </a:fld>
             <a:endParaRPr lang="en-US" dirty="0"/>
           </a:p>
@@ -7757,6 +8312,79 @@
 </file>
 
 <file path=customXml/item1.xml><?xml version="1.0" encoding="utf-8"?>
+<p:properties xmlns:p="http://schemas.microsoft.com/office/2006/metadata/properties" xmlns:xsi="http://www.w3.org/2001/XMLSchema-instance" xmlns:pc="http://schemas.microsoft.com/office/infopath/2007/PartnerControls">
+  <documentManagement>
+    <SottoCategoria xmlns="679261c3-551f-4e86-913f-177e0e529669">-</SottoCategoria>
+    <Categoria xmlns="c58f2efd-82a8-4ecf-b395-8c25e928921d">Power Point</Categoria>
+    <_dlc_DocId xmlns="459159c4-d20a-4ff3-9b11-fbd127bd52e5">INTRANET-14-158</_dlc_DocId>
+    <_dlc_DocIdUrl xmlns="459159c4-d20a-4ff3-9b11-fbd127bd52e5">
+      <Url>https://intranet.istat.it/Collaborativi/_layouts/15/DocIdRedir.aspx?ID=INTRANET-14-158</Url>
+      <Description>INTRANET-14-158</Description>
+    </_dlc_DocIdUrl>
+  </documentManagement>
+</p:properties>
+</file>
+
+<file path=customXml/item2.xml><?xml version="1.0" encoding="utf-8"?>
+<?mso-contentType ?>
+<FormTemplates xmlns="http://schemas.microsoft.com/sharepoint/v3/contenttype/forms">
+  <Display>DocumentLibraryForm</Display>
+  <Edit>DocumentLibraryForm</Edit>
+  <New>DocumentLibraryForm</New>
+</FormTemplates>
+</file>
+
+<file path=customXml/item3.xml><?xml version="1.0" encoding="utf-8"?>
+<?mso-contentType ?>
+<spe:Receivers xmlns:spe="http://schemas.microsoft.com/sharepoint/events">
+  <Receiver>
+    <Name>Document ID Generator</Name>
+    <Synchronization>Synchronous</Synchronization>
+    <Type>10001</Type>
+    <SequenceNumber>1000</SequenceNumber>
+    <Url/>
+    <Assembly>Microsoft.Office.DocumentManagement, Version=15.0.0.0, Culture=neutral, PublicKeyToken=71e9bce111e9429c</Assembly>
+    <Class>Microsoft.Office.DocumentManagement.Internal.DocIdHandler</Class>
+    <Data/>
+    <Filter/>
+  </Receiver>
+  <Receiver>
+    <Name>Document ID Generator</Name>
+    <Synchronization>Synchronous</Synchronization>
+    <Type>10002</Type>
+    <SequenceNumber>1001</SequenceNumber>
+    <Url/>
+    <Assembly>Microsoft.Office.DocumentManagement, Version=15.0.0.0, Culture=neutral, PublicKeyToken=71e9bce111e9429c</Assembly>
+    <Class>Microsoft.Office.DocumentManagement.Internal.DocIdHandler</Class>
+    <Data/>
+    <Filter/>
+  </Receiver>
+  <Receiver>
+    <Name>Document ID Generator</Name>
+    <Synchronization>Synchronous</Synchronization>
+    <Type>10004</Type>
+    <SequenceNumber>1002</SequenceNumber>
+    <Url/>
+    <Assembly>Microsoft.Office.DocumentManagement, Version=15.0.0.0, Culture=neutral, PublicKeyToken=71e9bce111e9429c</Assembly>
+    <Class>Microsoft.Office.DocumentManagement.Internal.DocIdHandler</Class>
+    <Data/>
+    <Filter/>
+  </Receiver>
+  <Receiver>
+    <Name>Document ID Generator</Name>
+    <Synchronization>Synchronous</Synchronization>
+    <Type>10006</Type>
+    <SequenceNumber>1003</SequenceNumber>
+    <Url/>
+    <Assembly>Microsoft.Office.DocumentManagement, Version=15.0.0.0, Culture=neutral, PublicKeyToken=71e9bce111e9429c</Assembly>
+    <Class>Microsoft.Office.DocumentManagement.Internal.DocIdHandler</Class>
+    <Data/>
+    <Filter/>
+  </Receiver>
+</spe:Receivers>
+</file>
+
+<file path=customXml/item4.xml><?xml version="1.0" encoding="utf-8"?>
 <ct:contentTypeSchema xmlns:ct="http://schemas.microsoft.com/office/2006/metadata/contentType" xmlns:ma="http://schemas.microsoft.com/office/2006/metadata/properties/metaAttributes" ct:_="" ma:_="" ma:contentTypeName="Documento" ma:contentTypeID="0x010100661A2BE3120D674DA36C11D6006822D4" ma:contentTypeVersion="3" ma:contentTypeDescription="Creare un nuovo documento." ma:contentTypeScope="" ma:versionID="2ad8b07f9840a1ce9cd199d874146b74">
   <xsd:schema xmlns:xsd="http://www.w3.org/2001/XMLSchema" xmlns:xs="http://www.w3.org/2001/XMLSchema" xmlns:p="http://schemas.microsoft.com/office/2006/metadata/properties" xmlns:ns2="c58f2efd-82a8-4ecf-b395-8c25e928921d" xmlns:ns3="459159c4-d20a-4ff3-9b11-fbd127bd52e5" xmlns:ns4="679261c3-551f-4e86-913f-177e0e529669" targetNamespace="http://schemas.microsoft.com/office/2006/metadata/properties" ma:root="true" ma:fieldsID="fffb0e16fb90ffea59fef1085e90ecca" ns2:_="" ns3:_="" ns4:_="">
     <xsd:import namespace="c58f2efd-82a8-4ecf-b395-8c25e928921d"/>
@@ -7943,80 +8571,41 @@
 </ct:contentTypeSchema>
 </file>
 
-<file path=customXml/item2.xml><?xml version="1.0" encoding="utf-8"?>
-<?mso-contentType ?>
-<spe:Receivers xmlns:spe="http://schemas.microsoft.com/sharepoint/events">
-  <Receiver>
-    <Name>Document ID Generator</Name>
-    <Synchronization>Synchronous</Synchronization>
-    <Type>10001</Type>
-    <SequenceNumber>1000</SequenceNumber>
-    <Url/>
-    <Assembly>Microsoft.Office.DocumentManagement, Version=15.0.0.0, Culture=neutral, PublicKeyToken=71e9bce111e9429c</Assembly>
-    <Class>Microsoft.Office.DocumentManagement.Internal.DocIdHandler</Class>
-    <Data/>
-    <Filter/>
-  </Receiver>
-  <Receiver>
-    <Name>Document ID Generator</Name>
-    <Synchronization>Synchronous</Synchronization>
-    <Type>10002</Type>
-    <SequenceNumber>1001</SequenceNumber>
-    <Url/>
-    <Assembly>Microsoft.Office.DocumentManagement, Version=15.0.0.0, Culture=neutral, PublicKeyToken=71e9bce111e9429c</Assembly>
-    <Class>Microsoft.Office.DocumentManagement.Internal.DocIdHandler</Class>
-    <Data/>
-    <Filter/>
-  </Receiver>
-  <Receiver>
-    <Name>Document ID Generator</Name>
-    <Synchronization>Synchronous</Synchronization>
-    <Type>10004</Type>
-    <SequenceNumber>1002</SequenceNumber>
-    <Url/>
-    <Assembly>Microsoft.Office.DocumentManagement, Version=15.0.0.0, Culture=neutral, PublicKeyToken=71e9bce111e9429c</Assembly>
-    <Class>Microsoft.Office.DocumentManagement.Internal.DocIdHandler</Class>
-    <Data/>
-    <Filter/>
-  </Receiver>
-  <Receiver>
-    <Name>Document ID Generator</Name>
-    <Synchronization>Synchronous</Synchronization>
-    <Type>10006</Type>
-    <SequenceNumber>1003</SequenceNumber>
-    <Url/>
-    <Assembly>Microsoft.Office.DocumentManagement, Version=15.0.0.0, Culture=neutral, PublicKeyToken=71e9bce111e9429c</Assembly>
-    <Class>Microsoft.Office.DocumentManagement.Internal.DocIdHandler</Class>
-    <Data/>
-    <Filter/>
-  </Receiver>
-</spe:Receivers>
+<file path=customXml/itemProps1.xml><?xml version="1.0" encoding="utf-8"?>
+<ds:datastoreItem xmlns:ds="http://schemas.openxmlformats.org/officeDocument/2006/customXml" ds:itemID="{3EF378BC-F4D0-4510-B4EC-07B6EFE18CF8}">
+  <ds:schemaRefs>
+    <ds:schemaRef ds:uri="http://schemas.microsoft.com/office/infopath/2007/PartnerControls"/>
+    <ds:schemaRef ds:uri="http://purl.org/dc/elements/1.1/"/>
+    <ds:schemaRef ds:uri="http://schemas.microsoft.com/office/2006/metadata/properties"/>
+    <ds:schemaRef ds:uri="http://schemas.openxmlformats.org/package/2006/metadata/core-properties"/>
+    <ds:schemaRef ds:uri="http://purl.org/dc/terms/"/>
+    <ds:schemaRef ds:uri="679261c3-551f-4e86-913f-177e0e529669"/>
+    <ds:schemaRef ds:uri="459159c4-d20a-4ff3-9b11-fbd127bd52e5"/>
+    <ds:schemaRef ds:uri="http://schemas.microsoft.com/office/2006/documentManagement/types"/>
+    <ds:schemaRef ds:uri="c58f2efd-82a8-4ecf-b395-8c25e928921d"/>
+    <ds:schemaRef ds:uri="http://www.w3.org/XML/1998/namespace"/>
+    <ds:schemaRef ds:uri="http://purl.org/dc/dcmitype/"/>
+  </ds:schemaRefs>
+</ds:datastoreItem>
 </file>
 
-<file path=customXml/item3.xml><?xml version="1.0" encoding="utf-8"?>
-<?mso-contentType ?>
-<FormTemplates xmlns="http://schemas.microsoft.com/sharepoint/v3/contenttype/forms">
-  <Display>DocumentLibraryForm</Display>
-  <Edit>DocumentLibraryForm</Edit>
-  <New>DocumentLibraryForm</New>
-</FormTemplates>
+<file path=customXml/itemProps2.xml><?xml version="1.0" encoding="utf-8"?>
+<ds:datastoreItem xmlns:ds="http://schemas.openxmlformats.org/officeDocument/2006/customXml" ds:itemID="{BD9C238D-4D5C-4783-820B-4854DCE45D41}">
+  <ds:schemaRefs>
+    <ds:schemaRef ds:uri="http://schemas.microsoft.com/sharepoint/v3/contenttype/forms"/>
+  </ds:schemaRefs>
+</ds:datastoreItem>
 </file>
 
-<file path=customXml/item4.xml><?xml version="1.0" encoding="utf-8"?>
-<p:properties xmlns:p="http://schemas.microsoft.com/office/2006/metadata/properties" xmlns:xsi="http://www.w3.org/2001/XMLSchema-instance" xmlns:pc="http://schemas.microsoft.com/office/infopath/2007/PartnerControls">
-  <documentManagement>
-    <SottoCategoria xmlns="679261c3-551f-4e86-913f-177e0e529669">-</SottoCategoria>
-    <Categoria xmlns="c58f2efd-82a8-4ecf-b395-8c25e928921d">Power Point</Categoria>
-    <_dlc_DocId xmlns="459159c4-d20a-4ff3-9b11-fbd127bd52e5">INTRANET-14-158</_dlc_DocId>
-    <_dlc_DocIdUrl xmlns="459159c4-d20a-4ff3-9b11-fbd127bd52e5">
-      <Url>https://intranet.istat.it/Collaborativi/_layouts/15/DocIdRedir.aspx?ID=INTRANET-14-158</Url>
-      <Description>INTRANET-14-158</Description>
-    </_dlc_DocIdUrl>
-  </documentManagement>
-</p:properties>
+<file path=customXml/itemProps3.xml><?xml version="1.0" encoding="utf-8"?>
+<ds:datastoreItem xmlns:ds="http://schemas.openxmlformats.org/officeDocument/2006/customXml" ds:itemID="{D9296C4F-9DE9-4B43-AA80-1FC85656CFFA}">
+  <ds:schemaRefs>
+    <ds:schemaRef ds:uri="http://schemas.microsoft.com/sharepoint/events"/>
+  </ds:schemaRefs>
+</ds:datastoreItem>
 </file>
 
-<file path=customXml/itemProps1.xml><?xml version="1.0" encoding="utf-8"?>
+<file path=customXml/itemProps4.xml><?xml version="1.0" encoding="utf-8"?>
 <ds:datastoreItem xmlns:ds="http://schemas.openxmlformats.org/officeDocument/2006/customXml" ds:itemID="{3F66F418-6054-4EA5-BF8E-6AF3CEAE6265}">
   <ds:schemaRefs>
     <ds:schemaRef ds:uri="http://schemas.microsoft.com/office/2006/metadata/contentType"/>
@@ -8034,38 +8623,4 @@
     <ds:schemaRef ds:uri="http://schemas.microsoft.com/internal/obd"/>
   </ds:schemaRefs>
 </ds:datastoreItem>
-</file>
-
-<file path=customXml/itemProps2.xml><?xml version="1.0" encoding="utf-8"?>
-<ds:datastoreItem xmlns:ds="http://schemas.openxmlformats.org/officeDocument/2006/customXml" ds:itemID="{D9296C4F-9DE9-4B43-AA80-1FC85656CFFA}">
-  <ds:schemaRefs>
-    <ds:schemaRef ds:uri="http://schemas.microsoft.com/sharepoint/events"/>
-  </ds:schemaRefs>
-</ds:datastoreItem>
-</file>
-
-<file path=customXml/itemProps3.xml><?xml version="1.0" encoding="utf-8"?>
-<ds:datastoreItem xmlns:ds="http://schemas.openxmlformats.org/officeDocument/2006/customXml" ds:itemID="{BD9C238D-4D5C-4783-820B-4854DCE45D41}">
-  <ds:schemaRefs>
-    <ds:schemaRef ds:uri="http://schemas.microsoft.com/sharepoint/v3/contenttype/forms"/>
-  </ds:schemaRefs>
-</ds:datastoreItem>
-</file>
-
-<file path=customXml/itemProps4.xml><?xml version="1.0" encoding="utf-8"?>
-<ds:datastoreItem xmlns:ds="http://schemas.openxmlformats.org/officeDocument/2006/customXml" ds:itemID="{3EF378BC-F4D0-4510-B4EC-07B6EFE18CF8}">
-  <ds:schemaRefs>
-    <ds:schemaRef ds:uri="http://schemas.microsoft.com/office/infopath/2007/PartnerControls"/>
-    <ds:schemaRef ds:uri="http://purl.org/dc/elements/1.1/"/>
-    <ds:schemaRef ds:uri="http://schemas.microsoft.com/office/2006/metadata/properties"/>
-    <ds:schemaRef ds:uri="http://schemas.openxmlformats.org/package/2006/metadata/core-properties"/>
-    <ds:schemaRef ds:uri="http://purl.org/dc/terms/"/>
-    <ds:schemaRef ds:uri="679261c3-551f-4e86-913f-177e0e529669"/>
-    <ds:schemaRef ds:uri="459159c4-d20a-4ff3-9b11-fbd127bd52e5"/>
-    <ds:schemaRef ds:uri="http://schemas.microsoft.com/office/2006/documentManagement/types"/>
-    <ds:schemaRef ds:uri="c58f2efd-82a8-4ecf-b395-8c25e928921d"/>
-    <ds:schemaRef ds:uri="http://www.w3.org/XML/1998/namespace"/>
-    <ds:schemaRef ds:uri="http://purl.org/dc/dcmitype/"/>
-  </ds:schemaRefs>
-</ds:datastoreItem>
 </file>
--- a/Assicurazioni/Algoritmi di consenso distribuito_ita.pptx
+++ b/Assicurazioni/Algoritmi di consenso distribuito_ita.pptx
@@ -5,14 +5,18 @@
     <p:sldMasterId id="2147483648" r:id="rId5"/>
   </p:sldMasterIdLst>
   <p:notesMasterIdLst>
-    <p:notesMasterId r:id="rId11"/>
+    <p:notesMasterId r:id="rId15"/>
   </p:notesMasterIdLst>
   <p:sldIdLst>
     <p:sldId id="256" r:id="rId6"/>
     <p:sldId id="365" r:id="rId7"/>
     <p:sldId id="366" r:id="rId8"/>
     <p:sldId id="367" r:id="rId9"/>
-    <p:sldId id="343" r:id="rId10"/>
+    <p:sldId id="368" r:id="rId10"/>
+    <p:sldId id="369" r:id="rId11"/>
+    <p:sldId id="370" r:id="rId12"/>
+    <p:sldId id="371" r:id="rId13"/>
+    <p:sldId id="343" r:id="rId14"/>
   </p:sldIdLst>
   <p:sldSz cx="12192000" cy="6858000"/>
   <p:notesSz cx="6858000" cy="9144000"/>
@@ -270,7 +274,7 @@
               <a:pPr>
                 <a:defRPr/>
               </a:pPr>
-              <a:t>3/11/2023</a:t>
+              <a:t>3/21/2023</a:t>
             </a:fld>
             <a:endParaRPr lang="en-US"/>
           </a:p>
@@ -7427,7 +7431,29 @@
                 <a:ea typeface="Tahoma" panose="020B0604030504040204" pitchFamily="34" charset="0"/>
                 <a:cs typeface="Tahoma" panose="020B0604030504040204" pitchFamily="34" charset="0"/>
               </a:rPr>
-              <a:t>Superare questa sfida in un ambiente in cui sconosciuti non si fidano gli uni degli altri è stato forse lo sviluppo più cruciale per aprire la strada alle blockchain. </a:t>
+              <a:t>Superare questa sfida in un ambiente in cui sconosciuti non si fidano gli uni degli altri è stato forse lo sviluppo più cruciale per aprire la strada alle </a:t>
+            </a:r>
+            <a:r>
+              <a:rPr lang="it-IT" sz="2400" b="1">
+                <a:solidFill>
+                  <a:schemeClr val="tx1"/>
+                </a:solidFill>
+                <a:latin typeface="Tahoma" panose="020B0604030504040204" pitchFamily="34" charset="0"/>
+                <a:ea typeface="Tahoma" panose="020B0604030504040204" pitchFamily="34" charset="0"/>
+                <a:cs typeface="Tahoma" panose="020B0604030504040204" pitchFamily="34" charset="0"/>
+              </a:rPr>
+              <a:t>blockchain</a:t>
+            </a:r>
+            <a:r>
+              <a:rPr lang="it-IT" sz="2400">
+                <a:solidFill>
+                  <a:schemeClr val="tx1"/>
+                </a:solidFill>
+                <a:latin typeface="Tahoma" panose="020B0604030504040204" pitchFamily="34" charset="0"/>
+                <a:ea typeface="Tahoma" panose="020B0604030504040204" pitchFamily="34" charset="0"/>
+                <a:cs typeface="Tahoma" panose="020B0604030504040204" pitchFamily="34" charset="0"/>
+              </a:rPr>
+              <a:t>. </a:t>
             </a:r>
           </a:p>
           <a:p>
@@ -7453,7 +7479,29 @@
                 <a:ea typeface="Tahoma" panose="020B0604030504040204" pitchFamily="34" charset="0"/>
                 <a:cs typeface="Tahoma" panose="020B0604030504040204" pitchFamily="34" charset="0"/>
               </a:rPr>
-              <a:t>Vediamo come gli algoritmi di consenso sono vitali per il funzionamento delle criptovalute e dei registri distribuiti.</a:t>
+              <a:t>Vediamo come gli algoritmi di consenso sono vitali per il funzionamento delle </a:t>
+            </a:r>
+            <a:r>
+              <a:rPr lang="it-IT" sz="2400" b="1">
+                <a:solidFill>
+                  <a:schemeClr val="tx1"/>
+                </a:solidFill>
+                <a:latin typeface="Tahoma" panose="020B0604030504040204" pitchFamily="34" charset="0"/>
+                <a:ea typeface="Tahoma" panose="020B0604030504040204" pitchFamily="34" charset="0"/>
+                <a:cs typeface="Tahoma" panose="020B0604030504040204" pitchFamily="34" charset="0"/>
+              </a:rPr>
+              <a:t>criptovalute</a:t>
+            </a:r>
+            <a:r>
+              <a:rPr lang="it-IT" sz="2400">
+                <a:solidFill>
+                  <a:schemeClr val="tx1"/>
+                </a:solidFill>
+                <a:latin typeface="Tahoma" panose="020B0604030504040204" pitchFamily="34" charset="0"/>
+                <a:ea typeface="Tahoma" panose="020B0604030504040204" pitchFamily="34" charset="0"/>
+                <a:cs typeface="Tahoma" panose="020B0604030504040204" pitchFamily="34" charset="0"/>
+              </a:rPr>
+              <a:t> e dei registri distribuiti.</a:t>
             </a:r>
           </a:p>
         </p:txBody>
@@ -7599,6 +7647,287 @@
       </p:grpSpPr>
       <p:sp>
         <p:nvSpPr>
+          <p:cNvPr id="2" name="Segnaposto testo 1">
+            <a:extLst>
+              <a:ext uri="{FF2B5EF4-FFF2-40B4-BE49-F238E27FC236}">
+                <a16:creationId xmlns:a16="http://schemas.microsoft.com/office/drawing/2014/main" id="{E5AE986C-196F-4141-A898-FA4C4198CDCC}"/>
+              </a:ext>
+            </a:extLst>
+          </p:cNvPr>
+          <p:cNvSpPr>
+            <a:spLocks noGrp="1"/>
+          </p:cNvSpPr>
+          <p:nvPr>
+            <p:ph type="body" idx="1"/>
+          </p:nvPr>
+        </p:nvSpPr>
+        <p:spPr>
+          <a:xfrm>
+            <a:off x="326297" y="1213806"/>
+            <a:ext cx="11269662" cy="4392612"/>
+          </a:xfrm>
+        </p:spPr>
+        <p:txBody>
+          <a:bodyPr/>
+          <a:lstStyle/>
+          <a:p>
+            <a:pPr marL="342900" indent="-342900" algn="just">
+              <a:lnSpc>
+                <a:spcPct val="115000"/>
+              </a:lnSpc>
+              <a:spcBef>
+                <a:spcPts val="2400"/>
+              </a:spcBef>
+              <a:buFont typeface="Wingdings" panose="05000000000000000000" pitchFamily="2" charset="2"/>
+              <a:buChar char="ü"/>
+              <a:tabLst>
+                <a:tab pos="457200" algn="l"/>
+              </a:tabLst>
+            </a:pPr>
+            <a:r>
+              <a:rPr lang="it-IT" sz="2400">
+                <a:solidFill>
+                  <a:schemeClr val="tx1"/>
+                </a:solidFill>
+                <a:latin typeface="Tahoma" panose="020B0604030504040204" pitchFamily="34" charset="0"/>
+                <a:ea typeface="Tahoma" panose="020B0604030504040204" pitchFamily="34" charset="0"/>
+                <a:cs typeface="Tahoma" panose="020B0604030504040204" pitchFamily="34" charset="0"/>
+              </a:rPr>
+              <a:t>Nelle </a:t>
+            </a:r>
+            <a:r>
+              <a:rPr lang="it-IT" sz="2400" b="1">
+                <a:solidFill>
+                  <a:schemeClr val="tx1"/>
+                </a:solidFill>
+                <a:latin typeface="Tahoma" panose="020B0604030504040204" pitchFamily="34" charset="0"/>
+                <a:ea typeface="Tahoma" panose="020B0604030504040204" pitchFamily="34" charset="0"/>
+                <a:cs typeface="Tahoma" panose="020B0604030504040204" pitchFamily="34" charset="0"/>
+              </a:rPr>
+              <a:t>criptovalute</a:t>
+            </a:r>
+            <a:r>
+              <a:rPr lang="it-IT" sz="2400">
+                <a:solidFill>
+                  <a:schemeClr val="tx1"/>
+                </a:solidFill>
+                <a:latin typeface="Tahoma" panose="020B0604030504040204" pitchFamily="34" charset="0"/>
+                <a:ea typeface="Tahoma" panose="020B0604030504040204" pitchFamily="34" charset="0"/>
+                <a:cs typeface="Tahoma" panose="020B0604030504040204" pitchFamily="34" charset="0"/>
+              </a:rPr>
+              <a:t>, i saldi degli utenti vengono registrati in un database – la </a:t>
+            </a:r>
+            <a:r>
+              <a:rPr lang="it-IT" sz="2400" b="1">
+                <a:solidFill>
+                  <a:schemeClr val="tx1"/>
+                </a:solidFill>
+                <a:latin typeface="Tahoma" panose="020B0604030504040204" pitchFamily="34" charset="0"/>
+                <a:ea typeface="Tahoma" panose="020B0604030504040204" pitchFamily="34" charset="0"/>
+                <a:cs typeface="Tahoma" panose="020B0604030504040204" pitchFamily="34" charset="0"/>
+              </a:rPr>
+              <a:t>blockchain</a:t>
+            </a:r>
+            <a:r>
+              <a:rPr lang="it-IT" sz="2400">
+                <a:solidFill>
+                  <a:schemeClr val="tx1"/>
+                </a:solidFill>
+                <a:latin typeface="Tahoma" panose="020B0604030504040204" pitchFamily="34" charset="0"/>
+                <a:ea typeface="Tahoma" panose="020B0604030504040204" pitchFamily="34" charset="0"/>
+                <a:cs typeface="Tahoma" panose="020B0604030504040204" pitchFamily="34" charset="0"/>
+              </a:rPr>
+              <a:t>. </a:t>
+            </a:r>
+          </a:p>
+          <a:p>
+            <a:pPr marL="342900" indent="-342900" algn="just">
+              <a:lnSpc>
+                <a:spcPct val="115000"/>
+              </a:lnSpc>
+              <a:spcBef>
+                <a:spcPts val="2400"/>
+              </a:spcBef>
+              <a:buFont typeface="Wingdings" panose="05000000000000000000" pitchFamily="2" charset="2"/>
+              <a:buChar char="ü"/>
+              <a:tabLst>
+                <a:tab pos="457200" algn="l"/>
+              </a:tabLst>
+            </a:pPr>
+            <a:r>
+              <a:rPr lang="it-IT" sz="2400">
+                <a:solidFill>
+                  <a:schemeClr val="tx1"/>
+                </a:solidFill>
+                <a:latin typeface="Tahoma" panose="020B0604030504040204" pitchFamily="34" charset="0"/>
+                <a:ea typeface="Tahoma" panose="020B0604030504040204" pitchFamily="34" charset="0"/>
+                <a:cs typeface="Tahoma" panose="020B0604030504040204" pitchFamily="34" charset="0"/>
+              </a:rPr>
+              <a:t>E' fondamentale che tutti (o, più precisamente, tutti i </a:t>
+            </a:r>
+            <a:r>
+              <a:rPr lang="it-IT" sz="2400" b="1">
+                <a:solidFill>
+                  <a:schemeClr val="tx1"/>
+                </a:solidFill>
+                <a:latin typeface="Tahoma" panose="020B0604030504040204" pitchFamily="34" charset="0"/>
+                <a:ea typeface="Tahoma" panose="020B0604030504040204" pitchFamily="34" charset="0"/>
+                <a:cs typeface="Tahoma" panose="020B0604030504040204" pitchFamily="34" charset="0"/>
+              </a:rPr>
+              <a:t>nodi</a:t>
+            </a:r>
+            <a:r>
+              <a:rPr lang="it-IT" sz="2400">
+                <a:solidFill>
+                  <a:schemeClr val="tx1"/>
+                </a:solidFill>
+                <a:latin typeface="Tahoma" panose="020B0604030504040204" pitchFamily="34" charset="0"/>
+                <a:ea typeface="Tahoma" panose="020B0604030504040204" pitchFamily="34" charset="0"/>
+                <a:cs typeface="Tahoma" panose="020B0604030504040204" pitchFamily="34" charset="0"/>
+              </a:rPr>
+              <a:t>) mantengano una copia </a:t>
+            </a:r>
+            <a:r>
+              <a:rPr lang="it-IT" sz="2400" b="1">
+                <a:solidFill>
+                  <a:schemeClr val="tx1"/>
+                </a:solidFill>
+                <a:latin typeface="Tahoma" panose="020B0604030504040204" pitchFamily="34" charset="0"/>
+                <a:ea typeface="Tahoma" panose="020B0604030504040204" pitchFamily="34" charset="0"/>
+                <a:cs typeface="Tahoma" panose="020B0604030504040204" pitchFamily="34" charset="0"/>
+              </a:rPr>
+              <a:t>identica</a:t>
+            </a:r>
+            <a:r>
+              <a:rPr lang="it-IT" sz="2400">
+                <a:solidFill>
+                  <a:schemeClr val="tx1"/>
+                </a:solidFill>
+                <a:latin typeface="Tahoma" panose="020B0604030504040204" pitchFamily="34" charset="0"/>
+                <a:ea typeface="Tahoma" panose="020B0604030504040204" pitchFamily="34" charset="0"/>
+                <a:cs typeface="Tahoma" panose="020B0604030504040204" pitchFamily="34" charset="0"/>
+              </a:rPr>
+              <a:t> </a:t>
+            </a:r>
+            <a:r>
+              <a:rPr lang="it-IT" sz="2400" b="1">
+                <a:solidFill>
+                  <a:schemeClr val="tx1"/>
+                </a:solidFill>
+                <a:latin typeface="Tahoma" panose="020B0604030504040204" pitchFamily="34" charset="0"/>
+                <a:ea typeface="Tahoma" panose="020B0604030504040204" pitchFamily="34" charset="0"/>
+                <a:cs typeface="Tahoma" panose="020B0604030504040204" pitchFamily="34" charset="0"/>
+              </a:rPr>
+              <a:t>del</a:t>
+            </a:r>
+            <a:r>
+              <a:rPr lang="it-IT" sz="2400">
+                <a:solidFill>
+                  <a:schemeClr val="tx1"/>
+                </a:solidFill>
+                <a:latin typeface="Tahoma" panose="020B0604030504040204" pitchFamily="34" charset="0"/>
+                <a:ea typeface="Tahoma" panose="020B0604030504040204" pitchFamily="34" charset="0"/>
+                <a:cs typeface="Tahoma" panose="020B0604030504040204" pitchFamily="34" charset="0"/>
+              </a:rPr>
+              <a:t> </a:t>
+            </a:r>
+            <a:r>
+              <a:rPr lang="it-IT" sz="2400" b="1">
+                <a:solidFill>
+                  <a:schemeClr val="tx1"/>
+                </a:solidFill>
+                <a:latin typeface="Tahoma" panose="020B0604030504040204" pitchFamily="34" charset="0"/>
+                <a:ea typeface="Tahoma" panose="020B0604030504040204" pitchFamily="34" charset="0"/>
+                <a:cs typeface="Tahoma" panose="020B0604030504040204" pitchFamily="34" charset="0"/>
+              </a:rPr>
+              <a:t>database</a:t>
+            </a:r>
+            <a:r>
+              <a:rPr lang="it-IT" sz="2400">
+                <a:solidFill>
+                  <a:schemeClr val="tx1"/>
+                </a:solidFill>
+                <a:latin typeface="Tahoma" panose="020B0604030504040204" pitchFamily="34" charset="0"/>
+                <a:ea typeface="Tahoma" panose="020B0604030504040204" pitchFamily="34" charset="0"/>
+                <a:cs typeface="Tahoma" panose="020B0604030504040204" pitchFamily="34" charset="0"/>
+              </a:rPr>
+              <a:t>. Altrimenti, finiremmo presto con informazioni contrastanti, compromettendo totalmente lo scopo del network di criptovaluta.</a:t>
+            </a:r>
+          </a:p>
+          <a:p>
+            <a:pPr marL="342900" indent="-342900" algn="just">
+              <a:lnSpc>
+                <a:spcPct val="115000"/>
+              </a:lnSpc>
+              <a:spcBef>
+                <a:spcPts val="2400"/>
+              </a:spcBef>
+              <a:buFont typeface="Wingdings" panose="05000000000000000000" pitchFamily="2" charset="2"/>
+              <a:buChar char="ü"/>
+              <a:tabLst>
+                <a:tab pos="457200" algn="l"/>
+              </a:tabLst>
+            </a:pPr>
+            <a:r>
+              <a:rPr lang="it-IT" sz="2400">
+                <a:solidFill>
+                  <a:schemeClr val="tx1"/>
+                </a:solidFill>
+                <a:latin typeface="Tahoma" panose="020B0604030504040204" pitchFamily="34" charset="0"/>
+                <a:ea typeface="Tahoma" panose="020B0604030504040204" pitchFamily="34" charset="0"/>
+                <a:cs typeface="Tahoma" panose="020B0604030504040204" pitchFamily="34" charset="0"/>
+              </a:rPr>
+              <a:t>La </a:t>
+            </a:r>
+            <a:r>
+              <a:rPr lang="it-IT" sz="2400" b="1">
+                <a:solidFill>
+                  <a:schemeClr val="tx1"/>
+                </a:solidFill>
+                <a:latin typeface="Tahoma" panose="020B0604030504040204" pitchFamily="34" charset="0"/>
+                <a:ea typeface="Tahoma" panose="020B0604030504040204" pitchFamily="34" charset="0"/>
+                <a:cs typeface="Tahoma" panose="020B0604030504040204" pitchFamily="34" charset="0"/>
+              </a:rPr>
+              <a:t>crittografia a chiave pubblica </a:t>
+            </a:r>
+            <a:r>
+              <a:rPr lang="it-IT" sz="2400">
+                <a:solidFill>
+                  <a:schemeClr val="tx1"/>
+                </a:solidFill>
+                <a:latin typeface="Tahoma" panose="020B0604030504040204" pitchFamily="34" charset="0"/>
+                <a:ea typeface="Tahoma" panose="020B0604030504040204" pitchFamily="34" charset="0"/>
+                <a:cs typeface="Tahoma" panose="020B0604030504040204" pitchFamily="34" charset="0"/>
+              </a:rPr>
+              <a:t>garantisce che gli utenti non possono spendere le </a:t>
+            </a:r>
+            <a:r>
+              <a:rPr lang="it-IT" sz="2400" b="1">
+                <a:solidFill>
+                  <a:schemeClr val="tx1"/>
+                </a:solidFill>
+                <a:latin typeface="Tahoma" panose="020B0604030504040204" pitchFamily="34" charset="0"/>
+                <a:ea typeface="Tahoma" panose="020B0604030504040204" pitchFamily="34" charset="0"/>
+                <a:cs typeface="Tahoma" panose="020B0604030504040204" pitchFamily="34" charset="0"/>
+              </a:rPr>
+              <a:t>monete </a:t>
+            </a:r>
+            <a:r>
+              <a:rPr lang="it-IT" sz="2400">
+                <a:solidFill>
+                  <a:schemeClr val="tx1"/>
+                </a:solidFill>
+                <a:latin typeface="Tahoma" panose="020B0604030504040204" pitchFamily="34" charset="0"/>
+                <a:ea typeface="Tahoma" panose="020B0604030504040204" pitchFamily="34" charset="0"/>
+                <a:cs typeface="Tahoma" panose="020B0604030504040204" pitchFamily="34" charset="0"/>
+              </a:rPr>
+              <a:t>di altri, ma deve comunque esserci una singola fonte di verità su cui i partecipanti al network si basano, per riuscire a determinare se i fondi sono già stati spesi.</a:t>
+            </a:r>
+          </a:p>
+        </p:txBody>
+      </p:sp>
+      <p:sp>
+        <p:nvSpPr>
           <p:cNvPr id="7" name="Segnaposto numero diapositiva 6">
             <a:extLst>
               <a:ext uri="{FF2B5EF4-FFF2-40B4-BE49-F238E27FC236}">
@@ -7634,10 +7963,10 @@
       </p:sp>
       <p:sp>
         <p:nvSpPr>
-          <p:cNvPr id="5" name="Titolo 4">
-            <a:extLst>
-              <a:ext uri="{FF2B5EF4-FFF2-40B4-BE49-F238E27FC236}">
-                <a16:creationId xmlns:a16="http://schemas.microsoft.com/office/drawing/2014/main" id="{82C46BA2-B380-4357-B125-BA9F08A643F5}"/>
+          <p:cNvPr id="6" name="Titolo 4">
+            <a:extLst>
+              <a:ext uri="{FF2B5EF4-FFF2-40B4-BE49-F238E27FC236}">
+                <a16:creationId xmlns:a16="http://schemas.microsoft.com/office/drawing/2014/main" id="{CF9A4806-60B4-80DC-1F76-D2EB3E6C376B}"/>
               </a:ext>
             </a:extLst>
           </p:cNvPr>
@@ -7650,8 +7979,8 @@
         </p:nvSpPr>
         <p:spPr>
           <a:xfrm>
-            <a:off x="468895" y="503475"/>
-            <a:ext cx="11269308" cy="384721"/>
+            <a:off x="461169" y="422999"/>
+            <a:ext cx="11269662" cy="384721"/>
           </a:xfrm>
         </p:spPr>
         <p:txBody>
@@ -7659,19 +7988,56 @@
           <a:lstStyle/>
           <a:p>
             <a:r>
-              <a:rPr lang="it-IT" altLang="it-IT"/>
-              <a:t>Bibliografia</a:t>
+              <a:rPr lang="it-IT" sz="2800">
+                <a:solidFill>
+                  <a:schemeClr val="tx1"/>
+                </a:solidFill>
+                <a:latin typeface="Tahoma" panose="020B0604030504040204" pitchFamily="34" charset="0"/>
+                <a:ea typeface="Tahoma" panose="020B0604030504040204" pitchFamily="34" charset="0"/>
+                <a:cs typeface="Tahoma" panose="020B0604030504040204" pitchFamily="34" charset="0"/>
+              </a:rPr>
+              <a:t>Algoritmi di consenso e criptovalute</a:t>
             </a:r>
             <a:endParaRPr lang="it-IT" dirty="0"/>
           </a:p>
         </p:txBody>
       </p:sp>
-      <p:sp>
-        <p:nvSpPr>
-          <p:cNvPr id="3" name="Segnaposto testo 2">
-            <a:extLst>
-              <a:ext uri="{FF2B5EF4-FFF2-40B4-BE49-F238E27FC236}">
-                <a16:creationId xmlns:a16="http://schemas.microsoft.com/office/drawing/2014/main" id="{15CD42DB-61E6-AA3D-7125-BF4BEDB5D886}"/>
+    </p:spTree>
+    <p:extLst>
+      <p:ext uri="{BB962C8B-B14F-4D97-AF65-F5344CB8AC3E}">
+        <p14:creationId xmlns:p14="http://schemas.microsoft.com/office/powerpoint/2010/main" val="2904986367"/>
+      </p:ext>
+    </p:extLst>
+  </p:cSld>
+  <p:clrMapOvr>
+    <a:masterClrMapping/>
+  </p:clrMapOvr>
+</p:sld>
+</file>
+
+<file path=ppt/slides/slide6.xml><?xml version="1.0" encoding="utf-8"?>
+<p:sld xmlns:a="http://schemas.openxmlformats.org/drawingml/2006/main" xmlns:r="http://schemas.openxmlformats.org/officeDocument/2006/relationships" xmlns:p="http://schemas.openxmlformats.org/presentationml/2006/main">
+  <p:cSld>
+    <p:spTree>
+      <p:nvGrpSpPr>
+        <p:cNvPr id="1" name=""/>
+        <p:cNvGrpSpPr/>
+        <p:nvPr/>
+      </p:nvGrpSpPr>
+      <p:grpSpPr>
+        <a:xfrm>
+          <a:off x="0" y="0"/>
+          <a:ext cx="0" cy="0"/>
+          <a:chOff x="0" y="0"/>
+          <a:chExt cx="0" cy="0"/>
+        </a:xfrm>
+      </p:grpSpPr>
+      <p:sp>
+        <p:nvSpPr>
+          <p:cNvPr id="2" name="Segnaposto testo 1">
+            <a:extLst>
+              <a:ext uri="{FF2B5EF4-FFF2-40B4-BE49-F238E27FC236}">
+                <a16:creationId xmlns:a16="http://schemas.microsoft.com/office/drawing/2014/main" id="{E5AE986C-196F-4141-A898-FA4C4198CDCC}"/>
               </a:ext>
             </a:extLst>
           </p:cNvPr>
@@ -7684,27 +8050,547 @@
         </p:nvSpPr>
         <p:spPr>
           <a:xfrm>
-            <a:off x="477519" y="1557338"/>
-            <a:ext cx="11043921" cy="4392612"/>
+            <a:off x="3756073" y="1630149"/>
+            <a:ext cx="7853953" cy="4392612"/>
           </a:xfrm>
         </p:spPr>
         <p:txBody>
           <a:bodyPr/>
           <a:lstStyle/>
           <a:p>
+            <a:pPr marL="342900" indent="-342900" algn="just">
+              <a:lnSpc>
+                <a:spcPct val="115000"/>
+              </a:lnSpc>
+              <a:spcBef>
+                <a:spcPts val="2400"/>
+              </a:spcBef>
+              <a:buFont typeface="Wingdings" panose="05000000000000000000" pitchFamily="2" charset="2"/>
+              <a:buChar char="ü"/>
+              <a:tabLst>
+                <a:tab pos="457200" algn="l"/>
+              </a:tabLst>
+            </a:pPr>
+            <a:r>
+              <a:rPr lang="it-IT" sz="2400">
+                <a:solidFill>
+                  <a:schemeClr val="tx1"/>
+                </a:solidFill>
+                <a:latin typeface="Tahoma" panose="020B0604030504040204" pitchFamily="34" charset="0"/>
+                <a:ea typeface="Tahoma" panose="020B0604030504040204" pitchFamily="34" charset="0"/>
+                <a:cs typeface="Tahoma" panose="020B0604030504040204" pitchFamily="34" charset="0"/>
+              </a:rPr>
+              <a:t>Per prima cosa, chiediamo agli utenti che vogliono aggiungere </a:t>
+            </a:r>
+            <a:r>
+              <a:rPr lang="it-IT" sz="2400" b="1">
+                <a:solidFill>
+                  <a:schemeClr val="tx1"/>
+                </a:solidFill>
+                <a:latin typeface="Tahoma" panose="020B0604030504040204" pitchFamily="34" charset="0"/>
+                <a:ea typeface="Tahoma" panose="020B0604030504040204" pitchFamily="34" charset="0"/>
+                <a:cs typeface="Tahoma" panose="020B0604030504040204" pitchFamily="34" charset="0"/>
+              </a:rPr>
+              <a:t>blocchi</a:t>
+            </a:r>
+            <a:r>
+              <a:rPr lang="it-IT" sz="2400">
+                <a:solidFill>
+                  <a:schemeClr val="tx1"/>
+                </a:solidFill>
+                <a:latin typeface="Tahoma" panose="020B0604030504040204" pitchFamily="34" charset="0"/>
+                <a:ea typeface="Tahoma" panose="020B0604030504040204" pitchFamily="34" charset="0"/>
+                <a:cs typeface="Tahoma" panose="020B0604030504040204" pitchFamily="34" charset="0"/>
+              </a:rPr>
+              <a:t> (chiamiamoli validatori) di fornire una </a:t>
+            </a:r>
+            <a:r>
+              <a:rPr lang="it-IT" sz="2400" b="1">
+                <a:solidFill>
+                  <a:schemeClr val="tx1"/>
+                </a:solidFill>
+                <a:latin typeface="Tahoma" panose="020B0604030504040204" pitchFamily="34" charset="0"/>
+                <a:ea typeface="Tahoma" panose="020B0604030504040204" pitchFamily="34" charset="0"/>
+                <a:cs typeface="Tahoma" panose="020B0604030504040204" pitchFamily="34" charset="0"/>
+              </a:rPr>
+              <a:t>stake</a:t>
+            </a:r>
+            <a:r>
+              <a:rPr lang="it-IT" sz="2400">
+                <a:solidFill>
+                  <a:schemeClr val="tx1"/>
+                </a:solidFill>
+                <a:latin typeface="Tahoma" panose="020B0604030504040204" pitchFamily="34" charset="0"/>
+                <a:ea typeface="Tahoma" panose="020B0604030504040204" pitchFamily="34" charset="0"/>
+                <a:cs typeface="Tahoma" panose="020B0604030504040204" pitchFamily="34" charset="0"/>
+              </a:rPr>
+              <a:t>. </a:t>
+            </a:r>
+          </a:p>
+          <a:p>
+            <a:pPr marL="342900" indent="-342900" algn="just">
+              <a:lnSpc>
+                <a:spcPct val="115000"/>
+              </a:lnSpc>
+              <a:spcBef>
+                <a:spcPts val="2400"/>
+              </a:spcBef>
+              <a:buFont typeface="Wingdings" panose="05000000000000000000" pitchFamily="2" charset="2"/>
+              <a:buChar char="ü"/>
+              <a:tabLst>
+                <a:tab pos="457200" algn="l"/>
+              </a:tabLst>
+            </a:pPr>
+            <a:r>
+              <a:rPr lang="it-IT" sz="2400">
+                <a:solidFill>
+                  <a:schemeClr val="tx1"/>
+                </a:solidFill>
+                <a:latin typeface="Tahoma" panose="020B0604030504040204" pitchFamily="34" charset="0"/>
+                <a:ea typeface="Tahoma" panose="020B0604030504040204" pitchFamily="34" charset="0"/>
+                <a:cs typeface="Tahoma" panose="020B0604030504040204" pitchFamily="34" charset="0"/>
+              </a:rPr>
+              <a:t>La </a:t>
+            </a:r>
+            <a:r>
+              <a:rPr lang="it-IT" sz="2400" b="1">
+                <a:solidFill>
+                  <a:schemeClr val="tx1"/>
+                </a:solidFill>
+                <a:latin typeface="Tahoma" panose="020B0604030504040204" pitchFamily="34" charset="0"/>
+                <a:ea typeface="Tahoma" panose="020B0604030504040204" pitchFamily="34" charset="0"/>
+                <a:cs typeface="Tahoma" panose="020B0604030504040204" pitchFamily="34" charset="0"/>
+              </a:rPr>
+              <a:t>stake</a:t>
+            </a:r>
+            <a:r>
+              <a:rPr lang="it-IT" sz="2400">
+                <a:solidFill>
+                  <a:schemeClr val="tx1"/>
+                </a:solidFill>
+                <a:latin typeface="Tahoma" panose="020B0604030504040204" pitchFamily="34" charset="0"/>
+                <a:ea typeface="Tahoma" panose="020B0604030504040204" pitchFamily="34" charset="0"/>
+                <a:cs typeface="Tahoma" panose="020B0604030504040204" pitchFamily="34" charset="0"/>
+              </a:rPr>
+              <a:t> è una qualche sorta di valore che il validatore deve mettere in gioco, con l'obiettivo di dissuaderlo dall'agire in modo disonesto. Se imbroglia, perderà la sua posta in gioco. </a:t>
+            </a:r>
+          </a:p>
+          <a:p>
+            <a:pPr marL="342900" indent="-342900" algn="just">
+              <a:lnSpc>
+                <a:spcPct val="115000"/>
+              </a:lnSpc>
+              <a:spcBef>
+                <a:spcPts val="2400"/>
+              </a:spcBef>
+              <a:buFont typeface="Wingdings" panose="05000000000000000000" pitchFamily="2" charset="2"/>
+              <a:buChar char="ü"/>
+              <a:tabLst>
+                <a:tab pos="457200" algn="l"/>
+              </a:tabLst>
+            </a:pPr>
+            <a:r>
+              <a:rPr lang="it-IT" sz="2400">
+                <a:solidFill>
+                  <a:schemeClr val="tx1"/>
+                </a:solidFill>
+                <a:latin typeface="Tahoma" panose="020B0604030504040204" pitchFamily="34" charset="0"/>
+                <a:ea typeface="Tahoma" panose="020B0604030504040204" pitchFamily="34" charset="0"/>
+                <a:cs typeface="Tahoma" panose="020B0604030504040204" pitchFamily="34" charset="0"/>
+              </a:rPr>
+              <a:t>Esempi di questa stake includono potenza computazionale, criptovaluta o persino reputazione. </a:t>
+            </a:r>
+          </a:p>
+          <a:p>
+            <a:pPr algn="just">
+              <a:lnSpc>
+                <a:spcPct val="115000"/>
+              </a:lnSpc>
+              <a:spcBef>
+                <a:spcPts val="2400"/>
+              </a:spcBef>
+              <a:tabLst>
+                <a:tab pos="457200" algn="l"/>
+              </a:tabLst>
+            </a:pPr>
+            <a:endParaRPr lang="it-IT" sz="2400">
+              <a:solidFill>
+                <a:schemeClr val="tx1"/>
+              </a:solidFill>
+              <a:latin typeface="Tahoma" panose="020B0604030504040204" pitchFamily="34" charset="0"/>
+              <a:ea typeface="Tahoma" panose="020B0604030504040204" pitchFamily="34" charset="0"/>
+              <a:cs typeface="Tahoma" panose="020B0604030504040204" pitchFamily="34" charset="0"/>
+            </a:endParaRPr>
+          </a:p>
+        </p:txBody>
+      </p:sp>
+      <p:sp>
+        <p:nvSpPr>
+          <p:cNvPr id="7" name="Segnaposto numero diapositiva 6">
+            <a:extLst>
+              <a:ext uri="{FF2B5EF4-FFF2-40B4-BE49-F238E27FC236}">
+                <a16:creationId xmlns:a16="http://schemas.microsoft.com/office/drawing/2014/main" id="{AB740BE9-E218-4144-BFDE-AE473D230A3D}"/>
+              </a:ext>
+            </a:extLst>
+          </p:cNvPr>
+          <p:cNvSpPr>
+            <a:spLocks noGrp="1"/>
+          </p:cNvSpPr>
+          <p:nvPr>
+            <p:ph type="sldNum" sz="quarter" idx="12"/>
+          </p:nvPr>
+        </p:nvSpPr>
+        <p:spPr/>
+        <p:txBody>
+          <a:bodyPr/>
+          <a:lstStyle/>
+          <a:p>
+            <a:pPr>
+              <a:defRPr/>
+            </a:pPr>
+            <a:fld id="{48B4153A-D4C5-4CEF-8992-0D8815C829E3}" type="slidenum">
+              <a:rPr lang="en-US" smtClean="0"/>
+              <a:pPr>
+                <a:defRPr/>
+              </a:pPr>
+              <a:t>6</a:t>
+            </a:fld>
+            <a:endParaRPr lang="en-US" dirty="0"/>
+          </a:p>
+        </p:txBody>
+      </p:sp>
+      <p:sp>
+        <p:nvSpPr>
+          <p:cNvPr id="6" name="Titolo 4">
+            <a:extLst>
+              <a:ext uri="{FF2B5EF4-FFF2-40B4-BE49-F238E27FC236}">
+                <a16:creationId xmlns:a16="http://schemas.microsoft.com/office/drawing/2014/main" id="{CF9A4806-60B4-80DC-1F76-D2EB3E6C376B}"/>
+              </a:ext>
+            </a:extLst>
+          </p:cNvPr>
+          <p:cNvSpPr>
+            <a:spLocks noGrp="1"/>
+          </p:cNvSpPr>
+          <p:nvPr>
+            <p:ph type="title"/>
+          </p:nvPr>
+        </p:nvSpPr>
+        <p:spPr>
+          <a:xfrm>
+            <a:off x="461169" y="422999"/>
+            <a:ext cx="11269662" cy="384721"/>
+          </a:xfrm>
+        </p:spPr>
+        <p:txBody>
+          <a:bodyPr/>
+          <a:lstStyle/>
+          <a:p>
+            <a:r>
+              <a:rPr lang="it-IT" sz="2800">
+                <a:solidFill>
+                  <a:schemeClr val="tx1"/>
+                </a:solidFill>
+                <a:latin typeface="Tahoma" panose="020B0604030504040204" pitchFamily="34" charset="0"/>
+                <a:ea typeface="Tahoma" panose="020B0604030504040204" pitchFamily="34" charset="0"/>
+                <a:cs typeface="Tahoma" panose="020B0604030504040204" pitchFamily="34" charset="0"/>
+              </a:rPr>
+              <a:t>Funzionamento degli Algoritmi di consenso</a:t>
+            </a:r>
             <a:endParaRPr lang="it-IT" dirty="0"/>
           </a:p>
-          <a:p>
+        </p:txBody>
+      </p:sp>
+      <p:pic>
+        <p:nvPicPr>
+          <p:cNvPr id="4" name="Immagine 3" descr="Immagine che contiene elettronica, circuito&#10;&#10;Descrizione generata automaticamente">
+            <a:extLst>
+              <a:ext uri="{FF2B5EF4-FFF2-40B4-BE49-F238E27FC236}">
+                <a16:creationId xmlns:a16="http://schemas.microsoft.com/office/drawing/2014/main" id="{4BBD8D35-3FCF-1FCB-8BC0-F8FE569ACD3E}"/>
+              </a:ext>
+            </a:extLst>
+          </p:cNvPr>
+          <p:cNvPicPr>
+            <a:picLocks noChangeAspect="1"/>
+          </p:cNvPicPr>
+          <p:nvPr/>
+        </p:nvPicPr>
+        <p:blipFill>
+          <a:blip r:embed="rId2"/>
+          <a:stretch>
+            <a:fillRect/>
+          </a:stretch>
+        </p:blipFill>
+        <p:spPr>
+          <a:xfrm>
+            <a:off x="825119" y="2954918"/>
+            <a:ext cx="2619375" cy="1743075"/>
+          </a:xfrm>
+          <a:prstGeom prst="rect">
+            <a:avLst/>
+          </a:prstGeom>
+        </p:spPr>
+      </p:pic>
+    </p:spTree>
+    <p:extLst>
+      <p:ext uri="{BB962C8B-B14F-4D97-AF65-F5344CB8AC3E}">
+        <p14:creationId xmlns:p14="http://schemas.microsoft.com/office/powerpoint/2010/main" val="359403284"/>
+      </p:ext>
+    </p:extLst>
+  </p:cSld>
+  <p:clrMapOvr>
+    <a:masterClrMapping/>
+  </p:clrMapOvr>
+</p:sld>
+</file>
+
+<file path=ppt/slides/slide7.xml><?xml version="1.0" encoding="utf-8"?>
+<p:sld xmlns:a="http://schemas.openxmlformats.org/drawingml/2006/main" xmlns:r="http://schemas.openxmlformats.org/officeDocument/2006/relationships" xmlns:p="http://schemas.openxmlformats.org/presentationml/2006/main">
+  <p:cSld>
+    <p:spTree>
+      <p:nvGrpSpPr>
+        <p:cNvPr id="1" name=""/>
+        <p:cNvGrpSpPr/>
+        <p:nvPr/>
+      </p:nvGrpSpPr>
+      <p:grpSpPr>
+        <a:xfrm>
+          <a:off x="0" y="0"/>
+          <a:ext cx="0" cy="0"/>
+          <a:chOff x="0" y="0"/>
+          <a:chExt cx="0" cy="0"/>
+        </a:xfrm>
+      </p:grpSpPr>
+      <p:sp>
+        <p:nvSpPr>
+          <p:cNvPr id="2" name="Segnaposto testo 1">
+            <a:extLst>
+              <a:ext uri="{FF2B5EF4-FFF2-40B4-BE49-F238E27FC236}">
+                <a16:creationId xmlns:a16="http://schemas.microsoft.com/office/drawing/2014/main" id="{E5AE986C-196F-4141-A898-FA4C4198CDCC}"/>
+              </a:ext>
+            </a:extLst>
+          </p:cNvPr>
+          <p:cNvSpPr>
+            <a:spLocks noGrp="1"/>
+          </p:cNvSpPr>
+          <p:nvPr>
+            <p:ph type="body" idx="1"/>
+          </p:nvPr>
+        </p:nvSpPr>
+        <p:spPr>
+          <a:xfrm>
+            <a:off x="590843" y="1406166"/>
+            <a:ext cx="11005115" cy="4392612"/>
+          </a:xfrm>
+        </p:spPr>
+        <p:txBody>
+          <a:bodyPr/>
+          <a:lstStyle/>
+          <a:p>
+            <a:pPr marL="342900" indent="-342900" algn="just">
+              <a:lnSpc>
+                <a:spcPct val="115000"/>
+              </a:lnSpc>
+              <a:spcBef>
+                <a:spcPts val="2400"/>
+              </a:spcBef>
+              <a:buFont typeface="Wingdings" panose="05000000000000000000" pitchFamily="2" charset="2"/>
+              <a:buChar char="ü"/>
+              <a:tabLst>
+                <a:tab pos="457200" algn="l"/>
+              </a:tabLst>
+            </a:pPr>
+            <a:r>
+              <a:rPr lang="it-IT" sz="2400">
+                <a:solidFill>
+                  <a:schemeClr val="tx1"/>
+                </a:solidFill>
+                <a:latin typeface="Tahoma" panose="020B0604030504040204" pitchFamily="34" charset="0"/>
+                <a:ea typeface="Tahoma" panose="020B0604030504040204" pitchFamily="34" charset="0"/>
+                <a:cs typeface="Tahoma" panose="020B0604030504040204" pitchFamily="34" charset="0"/>
+              </a:rPr>
+              <a:t>Perché i </a:t>
+            </a:r>
+            <a:r>
+              <a:rPr lang="it-IT" sz="2400" b="1">
+                <a:solidFill>
+                  <a:schemeClr val="tx1"/>
+                </a:solidFill>
+                <a:latin typeface="Tahoma" panose="020B0604030504040204" pitchFamily="34" charset="0"/>
+                <a:ea typeface="Tahoma" panose="020B0604030504040204" pitchFamily="34" charset="0"/>
+                <a:cs typeface="Tahoma" panose="020B0604030504040204" pitchFamily="34" charset="0"/>
+              </a:rPr>
+              <a:t>validatori</a:t>
+            </a:r>
+            <a:r>
+              <a:rPr lang="it-IT" sz="2400">
+                <a:solidFill>
+                  <a:schemeClr val="tx1"/>
+                </a:solidFill>
+                <a:latin typeface="Tahoma" panose="020B0604030504040204" pitchFamily="34" charset="0"/>
+                <a:ea typeface="Tahoma" panose="020B0604030504040204" pitchFamily="34" charset="0"/>
+                <a:cs typeface="Tahoma" panose="020B0604030504040204" pitchFamily="34" charset="0"/>
+              </a:rPr>
+              <a:t> dovrebbero rischiare le proprie risorse? Beh, c'è anche una ricompensa in palio. Questa consiste solitamente nella </a:t>
+            </a:r>
+            <a:r>
+              <a:rPr lang="it-IT" sz="2400" b="1">
+                <a:solidFill>
+                  <a:schemeClr val="tx1"/>
+                </a:solidFill>
+                <a:latin typeface="Tahoma" panose="020B0604030504040204" pitchFamily="34" charset="0"/>
+                <a:ea typeface="Tahoma" panose="020B0604030504040204" pitchFamily="34" charset="0"/>
+                <a:cs typeface="Tahoma" panose="020B0604030504040204" pitchFamily="34" charset="0"/>
+              </a:rPr>
+              <a:t>criptovaluta</a:t>
+            </a:r>
+            <a:r>
+              <a:rPr lang="it-IT" sz="2400">
+                <a:solidFill>
+                  <a:schemeClr val="tx1"/>
+                </a:solidFill>
+                <a:latin typeface="Tahoma" panose="020B0604030504040204" pitchFamily="34" charset="0"/>
+                <a:ea typeface="Tahoma" panose="020B0604030504040204" pitchFamily="34" charset="0"/>
+                <a:cs typeface="Tahoma" panose="020B0604030504040204" pitchFamily="34" charset="0"/>
+              </a:rPr>
+              <a:t> </a:t>
+            </a:r>
+            <a:r>
+              <a:rPr lang="it-IT" sz="2400" b="1">
+                <a:solidFill>
+                  <a:schemeClr val="tx1"/>
+                </a:solidFill>
+                <a:latin typeface="Tahoma" panose="020B0604030504040204" pitchFamily="34" charset="0"/>
+                <a:ea typeface="Tahoma" panose="020B0604030504040204" pitchFamily="34" charset="0"/>
+                <a:cs typeface="Tahoma" panose="020B0604030504040204" pitchFamily="34" charset="0"/>
+              </a:rPr>
+              <a:t>nativa</a:t>
+            </a:r>
+            <a:r>
+              <a:rPr lang="it-IT" sz="2400">
+                <a:solidFill>
+                  <a:schemeClr val="tx1"/>
+                </a:solidFill>
+                <a:latin typeface="Tahoma" panose="020B0604030504040204" pitchFamily="34" charset="0"/>
+                <a:ea typeface="Tahoma" panose="020B0604030504040204" pitchFamily="34" charset="0"/>
+                <a:cs typeface="Tahoma" panose="020B0604030504040204" pitchFamily="34" charset="0"/>
+              </a:rPr>
+              <a:t> del protocollo ed è composta dalle commissioni pagate da altri utenti, unità di criptovaluta appena generate o entrambi.</a:t>
+            </a:r>
+          </a:p>
+        </p:txBody>
+      </p:sp>
+      <p:sp>
+        <p:nvSpPr>
+          <p:cNvPr id="7" name="Segnaposto numero diapositiva 6">
+            <a:extLst>
+              <a:ext uri="{FF2B5EF4-FFF2-40B4-BE49-F238E27FC236}">
+                <a16:creationId xmlns:a16="http://schemas.microsoft.com/office/drawing/2014/main" id="{AB740BE9-E218-4144-BFDE-AE473D230A3D}"/>
+              </a:ext>
+            </a:extLst>
+          </p:cNvPr>
+          <p:cNvSpPr>
+            <a:spLocks noGrp="1"/>
+          </p:cNvSpPr>
+          <p:nvPr>
+            <p:ph type="sldNum" sz="quarter" idx="12"/>
+          </p:nvPr>
+        </p:nvSpPr>
+        <p:spPr/>
+        <p:txBody>
+          <a:bodyPr/>
+          <a:lstStyle/>
+          <a:p>
+            <a:pPr>
+              <a:defRPr/>
+            </a:pPr>
+            <a:fld id="{48B4153A-D4C5-4CEF-8992-0D8815C829E3}" type="slidenum">
+              <a:rPr lang="en-US" smtClean="0"/>
+              <a:pPr>
+                <a:defRPr/>
+              </a:pPr>
+              <a:t>7</a:t>
+            </a:fld>
+            <a:endParaRPr lang="en-US" dirty="0"/>
+          </a:p>
+        </p:txBody>
+      </p:sp>
+      <p:sp>
+        <p:nvSpPr>
+          <p:cNvPr id="6" name="Titolo 4">
+            <a:extLst>
+              <a:ext uri="{FF2B5EF4-FFF2-40B4-BE49-F238E27FC236}">
+                <a16:creationId xmlns:a16="http://schemas.microsoft.com/office/drawing/2014/main" id="{CF9A4806-60B4-80DC-1F76-D2EB3E6C376B}"/>
+              </a:ext>
+            </a:extLst>
+          </p:cNvPr>
+          <p:cNvSpPr>
+            <a:spLocks noGrp="1"/>
+          </p:cNvSpPr>
+          <p:nvPr>
+            <p:ph type="title"/>
+          </p:nvPr>
+        </p:nvSpPr>
+        <p:spPr>
+          <a:xfrm>
+            <a:off x="461169" y="422999"/>
+            <a:ext cx="11269662" cy="384721"/>
+          </a:xfrm>
+        </p:spPr>
+        <p:txBody>
+          <a:bodyPr/>
+          <a:lstStyle/>
+          <a:p>
+            <a:r>
+              <a:rPr lang="it-IT" sz="2800">
+                <a:solidFill>
+                  <a:schemeClr val="tx1"/>
+                </a:solidFill>
+                <a:latin typeface="Tahoma" panose="020B0604030504040204" pitchFamily="34" charset="0"/>
+                <a:ea typeface="Tahoma" panose="020B0604030504040204" pitchFamily="34" charset="0"/>
+                <a:cs typeface="Tahoma" panose="020B0604030504040204" pitchFamily="34" charset="0"/>
+              </a:rPr>
+              <a:t>Funzionamento degli Algoritmi di consenso</a:t>
+            </a:r>
             <a:endParaRPr lang="it-IT" dirty="0"/>
           </a:p>
         </p:txBody>
       </p:sp>
-      <p:sp>
-        <p:nvSpPr>
-          <p:cNvPr id="4" name="CasellaDiTesto 3">
-            <a:extLst>
-              <a:ext uri="{FF2B5EF4-FFF2-40B4-BE49-F238E27FC236}">
-                <a16:creationId xmlns:a16="http://schemas.microsoft.com/office/drawing/2014/main" id="{9322B210-1466-C4E8-AD81-696A0B3E32CF}"/>
+      <p:pic>
+        <p:nvPicPr>
+          <p:cNvPr id="5" name="Immagine 4" descr="Immagine che contiene testo, orologio&#10;&#10;Descrizione generata automaticamente">
+            <a:extLst>
+              <a:ext uri="{FF2B5EF4-FFF2-40B4-BE49-F238E27FC236}">
+                <a16:creationId xmlns:a16="http://schemas.microsoft.com/office/drawing/2014/main" id="{494E9DE6-B00C-99E2-6B6C-68303632649F}"/>
+              </a:ext>
+            </a:extLst>
+          </p:cNvPr>
+          <p:cNvPicPr>
+            <a:picLocks noChangeAspect="1"/>
+          </p:cNvPicPr>
+          <p:nvPr/>
+        </p:nvPicPr>
+        <p:blipFill>
+          <a:blip r:embed="rId2"/>
+          <a:stretch>
+            <a:fillRect/>
+          </a:stretch>
+        </p:blipFill>
+        <p:spPr>
+          <a:xfrm>
+            <a:off x="7147242" y="3724454"/>
+            <a:ext cx="4219639" cy="2373547"/>
+          </a:xfrm>
+          <a:prstGeom prst="rect">
+            <a:avLst/>
+          </a:prstGeom>
+        </p:spPr>
+      </p:pic>
+      <p:sp>
+        <p:nvSpPr>
+          <p:cNvPr id="9" name="CasellaDiTesto 8">
+            <a:extLst>
+              <a:ext uri="{FF2B5EF4-FFF2-40B4-BE49-F238E27FC236}">
+                <a16:creationId xmlns:a16="http://schemas.microsoft.com/office/drawing/2014/main" id="{F5DF5435-BE14-7EB4-A07E-139D3CA23AB3}"/>
               </a:ext>
             </a:extLst>
           </p:cNvPr>
@@ -7713,7 +8599,579 @@
         </p:nvSpPr>
         <p:spPr>
           <a:xfrm>
-            <a:off x="825119" y="1335471"/>
+            <a:off x="877221" y="3429000"/>
+            <a:ext cx="5983644" cy="3046988"/>
+          </a:xfrm>
+          <a:prstGeom prst="rect">
+            <a:avLst/>
+          </a:prstGeom>
+          <a:noFill/>
+        </p:spPr>
+        <p:txBody>
+          <a:bodyPr wrap="square">
+            <a:spAutoFit/>
+          </a:bodyPr>
+          <a:lstStyle/>
+          <a:p>
+            <a:r>
+              <a:rPr lang="it-IT" sz="2400">
+                <a:latin typeface="Tahoma" panose="020B0604030504040204" pitchFamily="34" charset="0"/>
+                <a:ea typeface="Tahoma" panose="020B0604030504040204" pitchFamily="34" charset="0"/>
+                <a:cs typeface="Tahoma" panose="020B0604030504040204" pitchFamily="34" charset="0"/>
+              </a:rPr>
+              <a:t>L'ultimo elemento di cui abbiamo bisogno è la </a:t>
+            </a:r>
+            <a:r>
+              <a:rPr lang="it-IT" sz="2400" b="1">
+                <a:latin typeface="Tahoma" panose="020B0604030504040204" pitchFamily="34" charset="0"/>
+                <a:ea typeface="Tahoma" panose="020B0604030504040204" pitchFamily="34" charset="0"/>
+                <a:cs typeface="Tahoma" panose="020B0604030504040204" pitchFamily="34" charset="0"/>
+              </a:rPr>
+              <a:t>trasparenza</a:t>
+            </a:r>
+            <a:r>
+              <a:rPr lang="it-IT" sz="2400">
+                <a:latin typeface="Tahoma" panose="020B0604030504040204" pitchFamily="34" charset="0"/>
+                <a:ea typeface="Tahoma" panose="020B0604030504040204" pitchFamily="34" charset="0"/>
+                <a:cs typeface="Tahoma" panose="020B0604030504040204" pitchFamily="34" charset="0"/>
+              </a:rPr>
+              <a:t>. Dobbiamo essere in grado di scoprire quando qualcuno sta imbrogliando. Idealmente, dovrebbe essere costoso produrre </a:t>
+            </a:r>
+            <a:r>
+              <a:rPr lang="it-IT" sz="2400" b="1">
+                <a:latin typeface="Tahoma" panose="020B0604030504040204" pitchFamily="34" charset="0"/>
+                <a:ea typeface="Tahoma" panose="020B0604030504040204" pitchFamily="34" charset="0"/>
+                <a:cs typeface="Tahoma" panose="020B0604030504040204" pitchFamily="34" charset="0"/>
+              </a:rPr>
+              <a:t>blocchi </a:t>
+            </a:r>
+            <a:r>
+              <a:rPr lang="it-IT" sz="2400">
+                <a:latin typeface="Tahoma" panose="020B0604030504040204" pitchFamily="34" charset="0"/>
+                <a:ea typeface="Tahoma" panose="020B0604030504040204" pitchFamily="34" charset="0"/>
+                <a:cs typeface="Tahoma" panose="020B0604030504040204" pitchFamily="34" charset="0"/>
+              </a:rPr>
+              <a:t>ma economico per chiunque verificarli. Ciò garantisce che i </a:t>
+            </a:r>
+            <a:r>
+              <a:rPr lang="it-IT" sz="2400" b="1">
+                <a:latin typeface="Tahoma" panose="020B0604030504040204" pitchFamily="34" charset="0"/>
+                <a:ea typeface="Tahoma" panose="020B0604030504040204" pitchFamily="34" charset="0"/>
+                <a:cs typeface="Tahoma" panose="020B0604030504040204" pitchFamily="34" charset="0"/>
+              </a:rPr>
+              <a:t>validatori</a:t>
+            </a:r>
+            <a:r>
+              <a:rPr lang="it-IT" sz="2400">
+                <a:latin typeface="Tahoma" panose="020B0604030504040204" pitchFamily="34" charset="0"/>
+                <a:ea typeface="Tahoma" panose="020B0604030504040204" pitchFamily="34" charset="0"/>
+                <a:cs typeface="Tahoma" panose="020B0604030504040204" pitchFamily="34" charset="0"/>
+              </a:rPr>
+              <a:t> sono tenuti sotto controllo dagli utenti regolari.</a:t>
+            </a:r>
+          </a:p>
+        </p:txBody>
+      </p:sp>
+    </p:spTree>
+    <p:extLst>
+      <p:ext uri="{BB962C8B-B14F-4D97-AF65-F5344CB8AC3E}">
+        <p14:creationId xmlns:p14="http://schemas.microsoft.com/office/powerpoint/2010/main" val="620624187"/>
+      </p:ext>
+    </p:extLst>
+  </p:cSld>
+  <p:clrMapOvr>
+    <a:masterClrMapping/>
+  </p:clrMapOvr>
+</p:sld>
+</file>
+
+<file path=ppt/slides/slide8.xml><?xml version="1.0" encoding="utf-8"?>
+<p:sld xmlns:a="http://schemas.openxmlformats.org/drawingml/2006/main" xmlns:r="http://schemas.openxmlformats.org/officeDocument/2006/relationships" xmlns:p="http://schemas.openxmlformats.org/presentationml/2006/main">
+  <p:cSld>
+    <p:spTree>
+      <p:nvGrpSpPr>
+        <p:cNvPr id="1" name=""/>
+        <p:cNvGrpSpPr/>
+        <p:nvPr/>
+      </p:nvGrpSpPr>
+      <p:grpSpPr>
+        <a:xfrm>
+          <a:off x="0" y="0"/>
+          <a:ext cx="0" cy="0"/>
+          <a:chOff x="0" y="0"/>
+          <a:chExt cx="0" cy="0"/>
+        </a:xfrm>
+      </p:grpSpPr>
+      <p:sp>
+        <p:nvSpPr>
+          <p:cNvPr id="2" name="Segnaposto testo 1">
+            <a:extLst>
+              <a:ext uri="{FF2B5EF4-FFF2-40B4-BE49-F238E27FC236}">
+                <a16:creationId xmlns:a16="http://schemas.microsoft.com/office/drawing/2014/main" id="{E5AE986C-196F-4141-A898-FA4C4198CDCC}"/>
+              </a:ext>
+            </a:extLst>
+          </p:cNvPr>
+          <p:cNvSpPr>
+            <a:spLocks noGrp="1"/>
+          </p:cNvSpPr>
+          <p:nvPr>
+            <p:ph type="body" idx="1"/>
+          </p:nvPr>
+        </p:nvSpPr>
+        <p:spPr>
+          <a:xfrm>
+            <a:off x="862818" y="1406166"/>
+            <a:ext cx="10466363" cy="4392612"/>
+          </a:xfrm>
+        </p:spPr>
+        <p:txBody>
+          <a:bodyPr/>
+          <a:lstStyle/>
+          <a:p>
+            <a:pPr marL="342900" indent="-342900" algn="just">
+              <a:lnSpc>
+                <a:spcPct val="115000"/>
+              </a:lnSpc>
+              <a:spcBef>
+                <a:spcPts val="2400"/>
+              </a:spcBef>
+              <a:buFont typeface="Wingdings" panose="05000000000000000000" pitchFamily="2" charset="2"/>
+              <a:buChar char="ü"/>
+              <a:tabLst>
+                <a:tab pos="457200" algn="l"/>
+              </a:tabLst>
+            </a:pPr>
+            <a:r>
+              <a:rPr lang="it-IT" sz="2400">
+                <a:solidFill>
+                  <a:schemeClr val="tx1"/>
+                </a:solidFill>
+                <a:latin typeface="Tahoma" panose="020B0604030504040204" pitchFamily="34" charset="0"/>
+                <a:ea typeface="Tahoma" panose="020B0604030504040204" pitchFamily="34" charset="0"/>
+                <a:cs typeface="Tahoma" panose="020B0604030504040204" pitchFamily="34" charset="0"/>
+              </a:rPr>
+              <a:t>La </a:t>
+            </a:r>
+            <a:r>
+              <a:rPr lang="it-IT" sz="2400" b="1">
+                <a:solidFill>
+                  <a:schemeClr val="tx1"/>
+                </a:solidFill>
+                <a:latin typeface="Tahoma" panose="020B0604030504040204" pitchFamily="34" charset="0"/>
+                <a:ea typeface="Tahoma" panose="020B0604030504040204" pitchFamily="34" charset="0"/>
+                <a:cs typeface="Tahoma" panose="020B0604030504040204" pitchFamily="34" charset="0"/>
+              </a:rPr>
+              <a:t>Proof of Work </a:t>
+            </a:r>
+            <a:r>
+              <a:rPr lang="it-IT" sz="2400">
+                <a:solidFill>
+                  <a:schemeClr val="tx1"/>
+                </a:solidFill>
+                <a:latin typeface="Tahoma" panose="020B0604030504040204" pitchFamily="34" charset="0"/>
+                <a:ea typeface="Tahoma" panose="020B0604030504040204" pitchFamily="34" charset="0"/>
+                <a:cs typeface="Tahoma" panose="020B0604030504040204" pitchFamily="34" charset="0"/>
+              </a:rPr>
+              <a:t>è il padrino degli algoritmi di consenso </a:t>
+            </a:r>
+            <a:r>
+              <a:rPr lang="it-IT" sz="2400" b="1">
+                <a:solidFill>
+                  <a:schemeClr val="tx1"/>
+                </a:solidFill>
+                <a:latin typeface="Tahoma" panose="020B0604030504040204" pitchFamily="34" charset="0"/>
+                <a:ea typeface="Tahoma" panose="020B0604030504040204" pitchFamily="34" charset="0"/>
+                <a:cs typeface="Tahoma" panose="020B0604030504040204" pitchFamily="34" charset="0"/>
+              </a:rPr>
+              <a:t>blockchain</a:t>
+            </a:r>
+            <a:r>
+              <a:rPr lang="it-IT" sz="2400">
+                <a:solidFill>
+                  <a:schemeClr val="tx1"/>
+                </a:solidFill>
+                <a:latin typeface="Tahoma" panose="020B0604030504040204" pitchFamily="34" charset="0"/>
+                <a:ea typeface="Tahoma" panose="020B0604030504040204" pitchFamily="34" charset="0"/>
+                <a:cs typeface="Tahoma" panose="020B0604030504040204" pitchFamily="34" charset="0"/>
+              </a:rPr>
+              <a:t>. E' stato implementato per la prima volta in </a:t>
+            </a:r>
+            <a:r>
+              <a:rPr lang="it-IT" sz="2400" b="1">
+                <a:solidFill>
+                  <a:schemeClr val="tx1"/>
+                </a:solidFill>
+                <a:latin typeface="Tahoma" panose="020B0604030504040204" pitchFamily="34" charset="0"/>
+                <a:ea typeface="Tahoma" panose="020B0604030504040204" pitchFamily="34" charset="0"/>
+                <a:cs typeface="Tahoma" panose="020B0604030504040204" pitchFamily="34" charset="0"/>
+              </a:rPr>
+              <a:t>Bitcoin</a:t>
+            </a:r>
+            <a:r>
+              <a:rPr lang="it-IT" sz="2400">
+                <a:solidFill>
+                  <a:schemeClr val="tx1"/>
+                </a:solidFill>
+                <a:latin typeface="Tahoma" panose="020B0604030504040204" pitchFamily="34" charset="0"/>
+                <a:ea typeface="Tahoma" panose="020B0604030504040204" pitchFamily="34" charset="0"/>
+                <a:cs typeface="Tahoma" panose="020B0604030504040204" pitchFamily="34" charset="0"/>
+              </a:rPr>
+              <a:t>, ma il concetto è in circolazione da ben prima. Nella Proof of Work, i </a:t>
+            </a:r>
+            <a:r>
+              <a:rPr lang="it-IT" sz="2400" b="1">
+                <a:solidFill>
+                  <a:schemeClr val="tx1"/>
+                </a:solidFill>
+                <a:latin typeface="Tahoma" panose="020B0604030504040204" pitchFamily="34" charset="0"/>
+                <a:ea typeface="Tahoma" panose="020B0604030504040204" pitchFamily="34" charset="0"/>
+                <a:cs typeface="Tahoma" panose="020B0604030504040204" pitchFamily="34" charset="0"/>
+              </a:rPr>
+              <a:t>validatori</a:t>
+            </a:r>
+            <a:r>
+              <a:rPr lang="it-IT" sz="2400">
+                <a:solidFill>
+                  <a:schemeClr val="tx1"/>
+                </a:solidFill>
+                <a:latin typeface="Tahoma" panose="020B0604030504040204" pitchFamily="34" charset="0"/>
+                <a:ea typeface="Tahoma" panose="020B0604030504040204" pitchFamily="34" charset="0"/>
+                <a:cs typeface="Tahoma" panose="020B0604030504040204" pitchFamily="34" charset="0"/>
+              </a:rPr>
+              <a:t> (denominati miner) elaborano tramite </a:t>
+            </a:r>
+            <a:r>
+              <a:rPr lang="it-IT" sz="2400" b="1">
+                <a:solidFill>
+                  <a:schemeClr val="tx1"/>
+                </a:solidFill>
+                <a:latin typeface="Tahoma" panose="020B0604030504040204" pitchFamily="34" charset="0"/>
+                <a:ea typeface="Tahoma" panose="020B0604030504040204" pitchFamily="34" charset="0"/>
+                <a:cs typeface="Tahoma" panose="020B0604030504040204" pitchFamily="34" charset="0"/>
+              </a:rPr>
+              <a:t>hash </a:t>
+            </a:r>
+            <a:r>
+              <a:rPr lang="it-IT" sz="2400">
+                <a:solidFill>
+                  <a:schemeClr val="tx1"/>
+                </a:solidFill>
+                <a:latin typeface="Tahoma" panose="020B0604030504040204" pitchFamily="34" charset="0"/>
+                <a:ea typeface="Tahoma" panose="020B0604030504040204" pitchFamily="34" charset="0"/>
+                <a:cs typeface="Tahoma" panose="020B0604030504040204" pitchFamily="34" charset="0"/>
+              </a:rPr>
+              <a:t>i dati che vogliono aggiungere fino a quando non producono una soluzione specifica.</a:t>
+            </a:r>
+          </a:p>
+          <a:p>
+            <a:pPr marL="342900" indent="-342900" algn="just">
+              <a:lnSpc>
+                <a:spcPct val="115000"/>
+              </a:lnSpc>
+              <a:spcBef>
+                <a:spcPts val="2400"/>
+              </a:spcBef>
+              <a:buFont typeface="Wingdings" panose="05000000000000000000" pitchFamily="2" charset="2"/>
+              <a:buChar char="ü"/>
+              <a:tabLst>
+                <a:tab pos="457200" algn="l"/>
+              </a:tabLst>
+            </a:pPr>
+            <a:r>
+              <a:rPr lang="it-IT" sz="2400">
+                <a:solidFill>
+                  <a:schemeClr val="tx1"/>
+                </a:solidFill>
+                <a:latin typeface="Tahoma" panose="020B0604030504040204" pitchFamily="34" charset="0"/>
+                <a:ea typeface="Tahoma" panose="020B0604030504040204" pitchFamily="34" charset="0"/>
+                <a:cs typeface="Tahoma" panose="020B0604030504040204" pitchFamily="34" charset="0"/>
+              </a:rPr>
+              <a:t>Una </a:t>
+            </a:r>
+            <a:r>
+              <a:rPr lang="it-IT" sz="2400">
+                <a:solidFill>
+                  <a:schemeClr val="tx1"/>
+                </a:solidFill>
+                <a:latin typeface="Tahoma" panose="020B0604030504040204" pitchFamily="34" charset="0"/>
+                <a:ea typeface="Tahoma" panose="020B0604030504040204" pitchFamily="34" charset="0"/>
+                <a:cs typeface="Tahoma" panose="020B0604030504040204" pitchFamily="34" charset="0"/>
+                <a:hlinkClick r:id="rId2">
+                  <a:extLst>
+                    <a:ext uri="{A12FA001-AC4F-418D-AE19-62706E023703}">
+                      <ahyp:hlinkClr xmlns:ahyp="http://schemas.microsoft.com/office/drawing/2018/hyperlinkcolor" val="tx"/>
+                    </a:ext>
+                  </a:extLst>
+                </a:hlinkClick>
+              </a:rPr>
+              <a:t>hash</a:t>
+            </a:r>
+            <a:r>
+              <a:rPr lang="it-IT" sz="2400">
+                <a:solidFill>
+                  <a:schemeClr val="tx1"/>
+                </a:solidFill>
+                <a:latin typeface="Tahoma" panose="020B0604030504040204" pitchFamily="34" charset="0"/>
+                <a:ea typeface="Tahoma" panose="020B0604030504040204" pitchFamily="34" charset="0"/>
+                <a:cs typeface="Tahoma" panose="020B0604030504040204" pitchFamily="34" charset="0"/>
+              </a:rPr>
+              <a:t> è una stringa apparentemente casuale di lettere e numeri generata dall'elaborazione di dati attraverso una </a:t>
+            </a:r>
+            <a:r>
+              <a:rPr lang="it-IT" sz="2400">
+                <a:solidFill>
+                  <a:schemeClr val="tx1"/>
+                </a:solidFill>
+                <a:latin typeface="Tahoma" panose="020B0604030504040204" pitchFamily="34" charset="0"/>
+                <a:ea typeface="Tahoma" panose="020B0604030504040204" pitchFamily="34" charset="0"/>
+                <a:cs typeface="Tahoma" panose="020B0604030504040204" pitchFamily="34" charset="0"/>
+                <a:hlinkClick r:id="rId3">
+                  <a:extLst>
+                    <a:ext uri="{A12FA001-AC4F-418D-AE19-62706E023703}">
+                      <ahyp:hlinkClr xmlns:ahyp="http://schemas.microsoft.com/office/drawing/2018/hyperlinkcolor" val="tx"/>
+                    </a:ext>
+                  </a:extLst>
+                </a:hlinkClick>
+              </a:rPr>
+              <a:t>funzione di hash</a:t>
+            </a:r>
+            <a:r>
+              <a:rPr lang="it-IT" sz="2400">
+                <a:solidFill>
+                  <a:schemeClr val="tx1"/>
+                </a:solidFill>
+                <a:latin typeface="Tahoma" panose="020B0604030504040204" pitchFamily="34" charset="0"/>
+                <a:ea typeface="Tahoma" panose="020B0604030504040204" pitchFamily="34" charset="0"/>
+                <a:cs typeface="Tahoma" panose="020B0604030504040204" pitchFamily="34" charset="0"/>
+              </a:rPr>
+              <a:t>. Tuttavia, elaborando gli stessi dati nella stessa funzione, si otterrà lo stesso output. Cambiando anche un solo dettaglio, però, porterà a una hash completamente differente.</a:t>
+            </a:r>
+          </a:p>
+        </p:txBody>
+      </p:sp>
+      <p:sp>
+        <p:nvSpPr>
+          <p:cNvPr id="7" name="Segnaposto numero diapositiva 6">
+            <a:extLst>
+              <a:ext uri="{FF2B5EF4-FFF2-40B4-BE49-F238E27FC236}">
+                <a16:creationId xmlns:a16="http://schemas.microsoft.com/office/drawing/2014/main" id="{AB740BE9-E218-4144-BFDE-AE473D230A3D}"/>
+              </a:ext>
+            </a:extLst>
+          </p:cNvPr>
+          <p:cNvSpPr>
+            <a:spLocks noGrp="1"/>
+          </p:cNvSpPr>
+          <p:nvPr>
+            <p:ph type="sldNum" sz="quarter" idx="12"/>
+          </p:nvPr>
+        </p:nvSpPr>
+        <p:spPr/>
+        <p:txBody>
+          <a:bodyPr/>
+          <a:lstStyle/>
+          <a:p>
+            <a:pPr>
+              <a:defRPr/>
+            </a:pPr>
+            <a:fld id="{48B4153A-D4C5-4CEF-8992-0D8815C829E3}" type="slidenum">
+              <a:rPr lang="en-US" smtClean="0"/>
+              <a:pPr>
+                <a:defRPr/>
+              </a:pPr>
+              <a:t>8</a:t>
+            </a:fld>
+            <a:endParaRPr lang="en-US" dirty="0"/>
+          </a:p>
+        </p:txBody>
+      </p:sp>
+      <p:sp>
+        <p:nvSpPr>
+          <p:cNvPr id="6" name="Titolo 4">
+            <a:extLst>
+              <a:ext uri="{FF2B5EF4-FFF2-40B4-BE49-F238E27FC236}">
+                <a16:creationId xmlns:a16="http://schemas.microsoft.com/office/drawing/2014/main" id="{CF9A4806-60B4-80DC-1F76-D2EB3E6C376B}"/>
+              </a:ext>
+            </a:extLst>
+          </p:cNvPr>
+          <p:cNvSpPr>
+            <a:spLocks noGrp="1"/>
+          </p:cNvSpPr>
+          <p:nvPr>
+            <p:ph type="title"/>
+          </p:nvPr>
+        </p:nvSpPr>
+        <p:spPr>
+          <a:xfrm>
+            <a:off x="461169" y="422999"/>
+            <a:ext cx="11269662" cy="384721"/>
+          </a:xfrm>
+        </p:spPr>
+        <p:txBody>
+          <a:bodyPr/>
+          <a:lstStyle/>
+          <a:p>
+            <a:r>
+              <a:rPr lang="it-IT" sz="2800">
+                <a:solidFill>
+                  <a:schemeClr val="tx1"/>
+                </a:solidFill>
+                <a:latin typeface="Tahoma" panose="020B0604030504040204" pitchFamily="34" charset="0"/>
+                <a:ea typeface="Tahoma" panose="020B0604030504040204" pitchFamily="34" charset="0"/>
+                <a:cs typeface="Tahoma" panose="020B0604030504040204" pitchFamily="34" charset="0"/>
+              </a:rPr>
+              <a:t>Tipi di Algoritmi di consenso</a:t>
+            </a:r>
+            <a:endParaRPr lang="it-IT" dirty="0"/>
+          </a:p>
+        </p:txBody>
+      </p:sp>
+    </p:spTree>
+    <p:extLst>
+      <p:ext uri="{BB962C8B-B14F-4D97-AF65-F5344CB8AC3E}">
+        <p14:creationId xmlns:p14="http://schemas.microsoft.com/office/powerpoint/2010/main" val="3382221965"/>
+      </p:ext>
+    </p:extLst>
+  </p:cSld>
+  <p:clrMapOvr>
+    <a:masterClrMapping/>
+  </p:clrMapOvr>
+</p:sld>
+</file>
+
+<file path=ppt/slides/slide9.xml><?xml version="1.0" encoding="utf-8"?>
+<p:sld xmlns:a="http://schemas.openxmlformats.org/drawingml/2006/main" xmlns:r="http://schemas.openxmlformats.org/officeDocument/2006/relationships" xmlns:p="http://schemas.openxmlformats.org/presentationml/2006/main">
+  <p:cSld>
+    <p:spTree>
+      <p:nvGrpSpPr>
+        <p:cNvPr id="1" name=""/>
+        <p:cNvGrpSpPr/>
+        <p:nvPr/>
+      </p:nvGrpSpPr>
+      <p:grpSpPr>
+        <a:xfrm>
+          <a:off x="0" y="0"/>
+          <a:ext cx="0" cy="0"/>
+          <a:chOff x="0" y="0"/>
+          <a:chExt cx="0" cy="0"/>
+        </a:xfrm>
+      </p:grpSpPr>
+      <p:sp>
+        <p:nvSpPr>
+          <p:cNvPr id="7" name="Segnaposto numero diapositiva 6">
+            <a:extLst>
+              <a:ext uri="{FF2B5EF4-FFF2-40B4-BE49-F238E27FC236}">
+                <a16:creationId xmlns:a16="http://schemas.microsoft.com/office/drawing/2014/main" id="{AB740BE9-E218-4144-BFDE-AE473D230A3D}"/>
+              </a:ext>
+            </a:extLst>
+          </p:cNvPr>
+          <p:cNvSpPr>
+            <a:spLocks noGrp="1"/>
+          </p:cNvSpPr>
+          <p:nvPr>
+            <p:ph type="sldNum" sz="quarter" idx="12"/>
+          </p:nvPr>
+        </p:nvSpPr>
+        <p:spPr/>
+        <p:txBody>
+          <a:bodyPr/>
+          <a:lstStyle/>
+          <a:p>
+            <a:pPr>
+              <a:defRPr/>
+            </a:pPr>
+            <a:fld id="{48B4153A-D4C5-4CEF-8992-0D8815C829E3}" type="slidenum">
+              <a:rPr lang="en-US" smtClean="0"/>
+              <a:pPr>
+                <a:defRPr/>
+              </a:pPr>
+              <a:t>9</a:t>
+            </a:fld>
+            <a:endParaRPr lang="en-US" dirty="0"/>
+          </a:p>
+        </p:txBody>
+      </p:sp>
+      <p:sp>
+        <p:nvSpPr>
+          <p:cNvPr id="5" name="Titolo 4">
+            <a:extLst>
+              <a:ext uri="{FF2B5EF4-FFF2-40B4-BE49-F238E27FC236}">
+                <a16:creationId xmlns:a16="http://schemas.microsoft.com/office/drawing/2014/main" id="{82C46BA2-B380-4357-B125-BA9F08A643F5}"/>
+              </a:ext>
+            </a:extLst>
+          </p:cNvPr>
+          <p:cNvSpPr>
+            <a:spLocks noGrp="1"/>
+          </p:cNvSpPr>
+          <p:nvPr>
+            <p:ph type="title"/>
+          </p:nvPr>
+        </p:nvSpPr>
+        <p:spPr>
+          <a:xfrm>
+            <a:off x="468895" y="503475"/>
+            <a:ext cx="11269308" cy="384721"/>
+          </a:xfrm>
+        </p:spPr>
+        <p:txBody>
+          <a:bodyPr/>
+          <a:lstStyle/>
+          <a:p>
+            <a:r>
+              <a:rPr lang="it-IT" altLang="it-IT"/>
+              <a:t>Bibliografia</a:t>
+            </a:r>
+            <a:endParaRPr lang="it-IT" dirty="0"/>
+          </a:p>
+        </p:txBody>
+      </p:sp>
+      <p:sp>
+        <p:nvSpPr>
+          <p:cNvPr id="3" name="Segnaposto testo 2">
+            <a:extLst>
+              <a:ext uri="{FF2B5EF4-FFF2-40B4-BE49-F238E27FC236}">
+                <a16:creationId xmlns:a16="http://schemas.microsoft.com/office/drawing/2014/main" id="{15CD42DB-61E6-AA3D-7125-BF4BEDB5D886}"/>
+              </a:ext>
+            </a:extLst>
+          </p:cNvPr>
+          <p:cNvSpPr>
+            <a:spLocks noGrp="1"/>
+          </p:cNvSpPr>
+          <p:nvPr>
+            <p:ph type="body" idx="1"/>
+          </p:nvPr>
+        </p:nvSpPr>
+        <p:spPr>
+          <a:xfrm>
+            <a:off x="477519" y="1557338"/>
+            <a:ext cx="11043921" cy="4392612"/>
+          </a:xfrm>
+        </p:spPr>
+        <p:txBody>
+          <a:bodyPr/>
+          <a:lstStyle/>
+          <a:p>
+            <a:endParaRPr lang="it-IT" dirty="0"/>
+          </a:p>
+          <a:p>
+            <a:endParaRPr lang="it-IT" dirty="0"/>
+          </a:p>
+        </p:txBody>
+      </p:sp>
+      <p:sp>
+        <p:nvSpPr>
+          <p:cNvPr id="4" name="CasellaDiTesto 3">
+            <a:extLst>
+              <a:ext uri="{FF2B5EF4-FFF2-40B4-BE49-F238E27FC236}">
+                <a16:creationId xmlns:a16="http://schemas.microsoft.com/office/drawing/2014/main" id="{9322B210-1466-C4E8-AD81-696A0B3E32CF}"/>
+              </a:ext>
+            </a:extLst>
+          </p:cNvPr>
+          <p:cNvSpPr txBox="1"/>
+          <p:nvPr/>
+        </p:nvSpPr>
+        <p:spPr>
+          <a:xfrm>
+            <a:off x="825119" y="1555595"/>
             <a:ext cx="6098344" cy="646331"/>
           </a:xfrm>
           <a:prstGeom prst="rect">
@@ -8312,79 +9770,6 @@
 </file>
 
 <file path=customXml/item1.xml><?xml version="1.0" encoding="utf-8"?>
-<p:properties xmlns:p="http://schemas.microsoft.com/office/2006/metadata/properties" xmlns:xsi="http://www.w3.org/2001/XMLSchema-instance" xmlns:pc="http://schemas.microsoft.com/office/infopath/2007/PartnerControls">
-  <documentManagement>
-    <SottoCategoria xmlns="679261c3-551f-4e86-913f-177e0e529669">-</SottoCategoria>
-    <Categoria xmlns="c58f2efd-82a8-4ecf-b395-8c25e928921d">Power Point</Categoria>
-    <_dlc_DocId xmlns="459159c4-d20a-4ff3-9b11-fbd127bd52e5">INTRANET-14-158</_dlc_DocId>
-    <_dlc_DocIdUrl xmlns="459159c4-d20a-4ff3-9b11-fbd127bd52e5">
-      <Url>https://intranet.istat.it/Collaborativi/_layouts/15/DocIdRedir.aspx?ID=INTRANET-14-158</Url>
-      <Description>INTRANET-14-158</Description>
-    </_dlc_DocIdUrl>
-  </documentManagement>
-</p:properties>
-</file>
-
-<file path=customXml/item2.xml><?xml version="1.0" encoding="utf-8"?>
-<?mso-contentType ?>
-<FormTemplates xmlns="http://schemas.microsoft.com/sharepoint/v3/contenttype/forms">
-  <Display>DocumentLibraryForm</Display>
-  <Edit>DocumentLibraryForm</Edit>
-  <New>DocumentLibraryForm</New>
-</FormTemplates>
-</file>
-
-<file path=customXml/item3.xml><?xml version="1.0" encoding="utf-8"?>
-<?mso-contentType ?>
-<spe:Receivers xmlns:spe="http://schemas.microsoft.com/sharepoint/events">
-  <Receiver>
-    <Name>Document ID Generator</Name>
-    <Synchronization>Synchronous</Synchronization>
-    <Type>10001</Type>
-    <SequenceNumber>1000</SequenceNumber>
-    <Url/>
-    <Assembly>Microsoft.Office.DocumentManagement, Version=15.0.0.0, Culture=neutral, PublicKeyToken=71e9bce111e9429c</Assembly>
-    <Class>Microsoft.Office.DocumentManagement.Internal.DocIdHandler</Class>
-    <Data/>
-    <Filter/>
-  </Receiver>
-  <Receiver>
-    <Name>Document ID Generator</Name>
-    <Synchronization>Synchronous</Synchronization>
-    <Type>10002</Type>
-    <SequenceNumber>1001</SequenceNumber>
-    <Url/>
-    <Assembly>Microsoft.Office.DocumentManagement, Version=15.0.0.0, Culture=neutral, PublicKeyToken=71e9bce111e9429c</Assembly>
-    <Class>Microsoft.Office.DocumentManagement.Internal.DocIdHandler</Class>
-    <Data/>
-    <Filter/>
-  </Receiver>
-  <Receiver>
-    <Name>Document ID Generator</Name>
-    <Synchronization>Synchronous</Synchronization>
-    <Type>10004</Type>
-    <SequenceNumber>1002</SequenceNumber>
-    <Url/>
-    <Assembly>Microsoft.Office.DocumentManagement, Version=15.0.0.0, Culture=neutral, PublicKeyToken=71e9bce111e9429c</Assembly>
-    <Class>Microsoft.Office.DocumentManagement.Internal.DocIdHandler</Class>
-    <Data/>
-    <Filter/>
-  </Receiver>
-  <Receiver>
-    <Name>Document ID Generator</Name>
-    <Synchronization>Synchronous</Synchronization>
-    <Type>10006</Type>
-    <SequenceNumber>1003</SequenceNumber>
-    <Url/>
-    <Assembly>Microsoft.Office.DocumentManagement, Version=15.0.0.0, Culture=neutral, PublicKeyToken=71e9bce111e9429c</Assembly>
-    <Class>Microsoft.Office.DocumentManagement.Internal.DocIdHandler</Class>
-    <Data/>
-    <Filter/>
-  </Receiver>
-</spe:Receivers>
-</file>
-
-<file path=customXml/item4.xml><?xml version="1.0" encoding="utf-8"?>
 <ct:contentTypeSchema xmlns:ct="http://schemas.microsoft.com/office/2006/metadata/contentType" xmlns:ma="http://schemas.microsoft.com/office/2006/metadata/properties/metaAttributes" ct:_="" ma:_="" ma:contentTypeName="Documento" ma:contentTypeID="0x010100661A2BE3120D674DA36C11D6006822D4" ma:contentTypeVersion="3" ma:contentTypeDescription="Creare un nuovo documento." ma:contentTypeScope="" ma:versionID="2ad8b07f9840a1ce9cd199d874146b74">
   <xsd:schema xmlns:xsd="http://www.w3.org/2001/XMLSchema" xmlns:xs="http://www.w3.org/2001/XMLSchema" xmlns:p="http://schemas.microsoft.com/office/2006/metadata/properties" xmlns:ns2="c58f2efd-82a8-4ecf-b395-8c25e928921d" xmlns:ns3="459159c4-d20a-4ff3-9b11-fbd127bd52e5" xmlns:ns4="679261c3-551f-4e86-913f-177e0e529669" targetNamespace="http://schemas.microsoft.com/office/2006/metadata/properties" ma:root="true" ma:fieldsID="fffb0e16fb90ffea59fef1085e90ecca" ns2:_="" ns3:_="" ns4:_="">
     <xsd:import namespace="c58f2efd-82a8-4ecf-b395-8c25e928921d"/>
@@ -8571,7 +9956,100 @@
 </ct:contentTypeSchema>
 </file>
 
+<file path=customXml/item2.xml><?xml version="1.0" encoding="utf-8"?>
+<p:properties xmlns:p="http://schemas.microsoft.com/office/2006/metadata/properties" xmlns:xsi="http://www.w3.org/2001/XMLSchema-instance" xmlns:pc="http://schemas.microsoft.com/office/infopath/2007/PartnerControls">
+  <documentManagement>
+    <SottoCategoria xmlns="679261c3-551f-4e86-913f-177e0e529669">-</SottoCategoria>
+    <Categoria xmlns="c58f2efd-82a8-4ecf-b395-8c25e928921d">Power Point</Categoria>
+    <_dlc_DocId xmlns="459159c4-d20a-4ff3-9b11-fbd127bd52e5">INTRANET-14-158</_dlc_DocId>
+    <_dlc_DocIdUrl xmlns="459159c4-d20a-4ff3-9b11-fbd127bd52e5">
+      <Url>https://intranet.istat.it/Collaborativi/_layouts/15/DocIdRedir.aspx?ID=INTRANET-14-158</Url>
+      <Description>INTRANET-14-158</Description>
+    </_dlc_DocIdUrl>
+  </documentManagement>
+</p:properties>
+</file>
+
+<file path=customXml/item3.xml><?xml version="1.0" encoding="utf-8"?>
+<?mso-contentType ?>
+<FormTemplates xmlns="http://schemas.microsoft.com/sharepoint/v3/contenttype/forms">
+  <Display>DocumentLibraryForm</Display>
+  <Edit>DocumentLibraryForm</Edit>
+  <New>DocumentLibraryForm</New>
+</FormTemplates>
+</file>
+
+<file path=customXml/item4.xml><?xml version="1.0" encoding="utf-8"?>
+<?mso-contentType ?>
+<spe:Receivers xmlns:spe="http://schemas.microsoft.com/sharepoint/events">
+  <Receiver>
+    <Name>Document ID Generator</Name>
+    <Synchronization>Synchronous</Synchronization>
+    <Type>10001</Type>
+    <SequenceNumber>1000</SequenceNumber>
+    <Url/>
+    <Assembly>Microsoft.Office.DocumentManagement, Version=15.0.0.0, Culture=neutral, PublicKeyToken=71e9bce111e9429c</Assembly>
+    <Class>Microsoft.Office.DocumentManagement.Internal.DocIdHandler</Class>
+    <Data/>
+    <Filter/>
+  </Receiver>
+  <Receiver>
+    <Name>Document ID Generator</Name>
+    <Synchronization>Synchronous</Synchronization>
+    <Type>10002</Type>
+    <SequenceNumber>1001</SequenceNumber>
+    <Url/>
+    <Assembly>Microsoft.Office.DocumentManagement, Version=15.0.0.0, Culture=neutral, PublicKeyToken=71e9bce111e9429c</Assembly>
+    <Class>Microsoft.Office.DocumentManagement.Internal.DocIdHandler</Class>
+    <Data/>
+    <Filter/>
+  </Receiver>
+  <Receiver>
+    <Name>Document ID Generator</Name>
+    <Synchronization>Synchronous</Synchronization>
+    <Type>10004</Type>
+    <SequenceNumber>1002</SequenceNumber>
+    <Url/>
+    <Assembly>Microsoft.Office.DocumentManagement, Version=15.0.0.0, Culture=neutral, PublicKeyToken=71e9bce111e9429c</Assembly>
+    <Class>Microsoft.Office.DocumentManagement.Internal.DocIdHandler</Class>
+    <Data/>
+    <Filter/>
+  </Receiver>
+  <Receiver>
+    <Name>Document ID Generator</Name>
+    <Synchronization>Synchronous</Synchronization>
+    <Type>10006</Type>
+    <SequenceNumber>1003</SequenceNumber>
+    <Url/>
+    <Assembly>Microsoft.Office.DocumentManagement, Version=15.0.0.0, Culture=neutral, PublicKeyToken=71e9bce111e9429c</Assembly>
+    <Class>Microsoft.Office.DocumentManagement.Internal.DocIdHandler</Class>
+    <Data/>
+    <Filter/>
+  </Receiver>
+</spe:Receivers>
+</file>
+
 <file path=customXml/itemProps1.xml><?xml version="1.0" encoding="utf-8"?>
+<ds:datastoreItem xmlns:ds="http://schemas.openxmlformats.org/officeDocument/2006/customXml" ds:itemID="{3F66F418-6054-4EA5-BF8E-6AF3CEAE6265}">
+  <ds:schemaRefs>
+    <ds:schemaRef ds:uri="http://schemas.microsoft.com/office/2006/metadata/contentType"/>
+    <ds:schemaRef ds:uri="http://schemas.microsoft.com/office/2006/metadata/properties/metaAttributes"/>
+    <ds:schemaRef ds:uri="http://www.w3.org/2001/XMLSchema"/>
+    <ds:schemaRef ds:uri="http://schemas.microsoft.com/office/2006/metadata/properties"/>
+    <ds:schemaRef ds:uri="c58f2efd-82a8-4ecf-b395-8c25e928921d"/>
+    <ds:schemaRef ds:uri="459159c4-d20a-4ff3-9b11-fbd127bd52e5"/>
+    <ds:schemaRef ds:uri="679261c3-551f-4e86-913f-177e0e529669"/>
+    <ds:schemaRef ds:uri="http://schemas.microsoft.com/office/2006/documentManagement/types"/>
+    <ds:schemaRef ds:uri="http://schemas.microsoft.com/office/infopath/2007/PartnerControls"/>
+    <ds:schemaRef ds:uri="http://schemas.openxmlformats.org/package/2006/metadata/core-properties"/>
+    <ds:schemaRef ds:uri="http://purl.org/dc/elements/1.1/"/>
+    <ds:schemaRef ds:uri="http://purl.org/dc/terms/"/>
+    <ds:schemaRef ds:uri="http://schemas.microsoft.com/internal/obd"/>
+  </ds:schemaRefs>
+</ds:datastoreItem>
+</file>
+
+<file path=customXml/itemProps2.xml><?xml version="1.0" encoding="utf-8"?>
 <ds:datastoreItem xmlns:ds="http://schemas.openxmlformats.org/officeDocument/2006/customXml" ds:itemID="{3EF378BC-F4D0-4510-B4EC-07B6EFE18CF8}">
   <ds:schemaRefs>
     <ds:schemaRef ds:uri="http://schemas.microsoft.com/office/infopath/2007/PartnerControls"/>
@@ -8589,7 +10067,7 @@
 </ds:datastoreItem>
 </file>
 
-<file path=customXml/itemProps2.xml><?xml version="1.0" encoding="utf-8"?>
+<file path=customXml/itemProps3.xml><?xml version="1.0" encoding="utf-8"?>
 <ds:datastoreItem xmlns:ds="http://schemas.openxmlformats.org/officeDocument/2006/customXml" ds:itemID="{BD9C238D-4D5C-4783-820B-4854DCE45D41}">
   <ds:schemaRefs>
     <ds:schemaRef ds:uri="http://schemas.microsoft.com/sharepoint/v3/contenttype/forms"/>
@@ -8597,30 +10075,10 @@
 </ds:datastoreItem>
 </file>
 
-<file path=customXml/itemProps3.xml><?xml version="1.0" encoding="utf-8"?>
+<file path=customXml/itemProps4.xml><?xml version="1.0" encoding="utf-8"?>
 <ds:datastoreItem xmlns:ds="http://schemas.openxmlformats.org/officeDocument/2006/customXml" ds:itemID="{D9296C4F-9DE9-4B43-AA80-1FC85656CFFA}">
   <ds:schemaRefs>
     <ds:schemaRef ds:uri="http://schemas.microsoft.com/sharepoint/events"/>
   </ds:schemaRefs>
 </ds:datastoreItem>
-</file>
-
-<file path=customXml/itemProps4.xml><?xml version="1.0" encoding="utf-8"?>
-<ds:datastoreItem xmlns:ds="http://schemas.openxmlformats.org/officeDocument/2006/customXml" ds:itemID="{3F66F418-6054-4EA5-BF8E-6AF3CEAE6265}">
-  <ds:schemaRefs>
-    <ds:schemaRef ds:uri="http://schemas.microsoft.com/office/2006/metadata/contentType"/>
-    <ds:schemaRef ds:uri="http://schemas.microsoft.com/office/2006/metadata/properties/metaAttributes"/>
-    <ds:schemaRef ds:uri="http://www.w3.org/2001/XMLSchema"/>
-    <ds:schemaRef ds:uri="http://schemas.microsoft.com/office/2006/metadata/properties"/>
-    <ds:schemaRef ds:uri="c58f2efd-82a8-4ecf-b395-8c25e928921d"/>
-    <ds:schemaRef ds:uri="459159c4-d20a-4ff3-9b11-fbd127bd52e5"/>
-    <ds:schemaRef ds:uri="679261c3-551f-4e86-913f-177e0e529669"/>
-    <ds:schemaRef ds:uri="http://schemas.microsoft.com/office/2006/documentManagement/types"/>
-    <ds:schemaRef ds:uri="http://schemas.microsoft.com/office/infopath/2007/PartnerControls"/>
-    <ds:schemaRef ds:uri="http://schemas.openxmlformats.org/package/2006/metadata/core-properties"/>
-    <ds:schemaRef ds:uri="http://purl.org/dc/elements/1.1/"/>
-    <ds:schemaRef ds:uri="http://purl.org/dc/terms/"/>
-    <ds:schemaRef ds:uri="http://schemas.microsoft.com/internal/obd"/>
-  </ds:schemaRefs>
-</ds:datastoreItem>
 </file>
--- a/Assicurazioni/Algoritmi di consenso distribuito_ita.pptx
+++ b/Assicurazioni/Algoritmi di consenso distribuito_ita.pptx
@@ -5,7 +5,7 @@
     <p:sldMasterId id="2147483648" r:id="rId5"/>
   </p:sldMasterIdLst>
   <p:notesMasterIdLst>
-    <p:notesMasterId r:id="rId15"/>
+    <p:notesMasterId r:id="rId20"/>
   </p:notesMasterIdLst>
   <p:sldIdLst>
     <p:sldId id="256" r:id="rId6"/>
@@ -16,7 +16,12 @@
     <p:sldId id="369" r:id="rId11"/>
     <p:sldId id="370" r:id="rId12"/>
     <p:sldId id="371" r:id="rId13"/>
-    <p:sldId id="343" r:id="rId14"/>
+    <p:sldId id="372" r:id="rId14"/>
+    <p:sldId id="373" r:id="rId15"/>
+    <p:sldId id="374" r:id="rId16"/>
+    <p:sldId id="375" r:id="rId17"/>
+    <p:sldId id="376" r:id="rId18"/>
+    <p:sldId id="343" r:id="rId19"/>
   </p:sldIdLst>
   <p:sldSz cx="12192000" cy="6858000"/>
   <p:notesSz cx="6858000" cy="9144000"/>
@@ -590,6 +595,96 @@
     </a:lvl9pPr>
   </p:notesStyle>
 </p:notesMaster>
+</file>
+
+<file path=ppt/notesSlides/notesSlide1.xml><?xml version="1.0" encoding="utf-8"?>
+<p:notes xmlns:a="http://schemas.openxmlformats.org/drawingml/2006/main" xmlns:r="http://schemas.openxmlformats.org/officeDocument/2006/relationships" xmlns:p="http://schemas.openxmlformats.org/presentationml/2006/main">
+  <p:cSld>
+    <p:spTree>
+      <p:nvGrpSpPr>
+        <p:cNvPr id="1" name=""/>
+        <p:cNvGrpSpPr/>
+        <p:nvPr/>
+      </p:nvGrpSpPr>
+      <p:grpSpPr>
+        <a:xfrm>
+          <a:off x="0" y="0"/>
+          <a:ext cx="0" cy="0"/>
+          <a:chOff x="0" y="0"/>
+          <a:chExt cx="0" cy="0"/>
+        </a:xfrm>
+      </p:grpSpPr>
+      <p:sp>
+        <p:nvSpPr>
+          <p:cNvPr id="2" name="Segnaposto immagine diapositiva 1"/>
+          <p:cNvSpPr>
+            <a:spLocks noGrp="1" noRot="1" noChangeAspect="1"/>
+          </p:cNvSpPr>
+          <p:nvPr>
+            <p:ph type="sldImg"/>
+          </p:nvPr>
+        </p:nvSpPr>
+        <p:spPr/>
+      </p:sp>
+      <p:sp>
+        <p:nvSpPr>
+          <p:cNvPr id="3" name="Segnaposto note 2"/>
+          <p:cNvSpPr>
+            <a:spLocks noGrp="1"/>
+          </p:cNvSpPr>
+          <p:nvPr>
+            <p:ph type="body" idx="1"/>
+          </p:nvPr>
+        </p:nvSpPr>
+        <p:spPr/>
+        <p:txBody>
+          <a:bodyPr/>
+          <a:lstStyle/>
+          <a:p>
+            <a:endParaRPr lang="it-IT"/>
+          </a:p>
+        </p:txBody>
+      </p:sp>
+      <p:sp>
+        <p:nvSpPr>
+          <p:cNvPr id="4" name="Segnaposto numero diapositiva 3"/>
+          <p:cNvSpPr>
+            <a:spLocks noGrp="1"/>
+          </p:cNvSpPr>
+          <p:nvPr>
+            <p:ph type="sldNum" sz="quarter" idx="5"/>
+          </p:nvPr>
+        </p:nvSpPr>
+        <p:spPr/>
+        <p:txBody>
+          <a:bodyPr/>
+          <a:lstStyle/>
+          <a:p>
+            <a:pPr>
+              <a:defRPr/>
+            </a:pPr>
+            <a:fld id="{F5F5882C-B867-4FE7-97C9-87FBF93DC802}" type="slidenum">
+              <a:rPr lang="en-US" smtClean="0"/>
+              <a:pPr>
+                <a:defRPr/>
+              </a:pPr>
+              <a:t>8</a:t>
+            </a:fld>
+            <a:endParaRPr lang="en-US"/>
+          </a:p>
+        </p:txBody>
+      </p:sp>
+    </p:spTree>
+    <p:extLst>
+      <p:ext uri="{BB962C8B-B14F-4D97-AF65-F5344CB8AC3E}">
+        <p14:creationId xmlns:p14="http://schemas.microsoft.com/office/powerpoint/2010/main" val="3769499539"/>
+      </p:ext>
+    </p:extLst>
+  </p:cSld>
+  <p:clrMapOvr>
+    <a:masterClrMapping/>
+  </p:clrMapOvr>
+</p:notes>
 </file>
 
 <file path=ppt/slideLayouts/slideLayout1.xml><?xml version="1.0" encoding="utf-8"?>
@@ -6795,6 +6890,1410 @@
 </p:sld>
 </file>
 
+<file path=ppt/slides/slide10.xml><?xml version="1.0" encoding="utf-8"?>
+<p:sld xmlns:a="http://schemas.openxmlformats.org/drawingml/2006/main" xmlns:r="http://schemas.openxmlformats.org/officeDocument/2006/relationships" xmlns:p="http://schemas.openxmlformats.org/presentationml/2006/main">
+  <p:cSld>
+    <p:spTree>
+      <p:nvGrpSpPr>
+        <p:cNvPr id="1" name=""/>
+        <p:cNvGrpSpPr/>
+        <p:nvPr/>
+      </p:nvGrpSpPr>
+      <p:grpSpPr>
+        <a:xfrm>
+          <a:off x="0" y="0"/>
+          <a:ext cx="0" cy="0"/>
+          <a:chOff x="0" y="0"/>
+          <a:chExt cx="0" cy="0"/>
+        </a:xfrm>
+      </p:grpSpPr>
+      <p:sp>
+        <p:nvSpPr>
+          <p:cNvPr id="2" name="Segnaposto testo 1">
+            <a:extLst>
+              <a:ext uri="{FF2B5EF4-FFF2-40B4-BE49-F238E27FC236}">
+                <a16:creationId xmlns:a16="http://schemas.microsoft.com/office/drawing/2014/main" id="{E5AE986C-196F-4141-A898-FA4C4198CDCC}"/>
+              </a:ext>
+            </a:extLst>
+          </p:cNvPr>
+          <p:cNvSpPr>
+            <a:spLocks noGrp="1"/>
+          </p:cNvSpPr>
+          <p:nvPr>
+            <p:ph type="body" idx="1"/>
+          </p:nvPr>
+        </p:nvSpPr>
+        <p:spPr>
+          <a:xfrm>
+            <a:off x="947224" y="1232694"/>
+            <a:ext cx="10503878" cy="4392612"/>
+          </a:xfrm>
+        </p:spPr>
+        <p:txBody>
+          <a:bodyPr/>
+          <a:lstStyle/>
+          <a:p>
+            <a:pPr marL="342900" indent="-342900" algn="just">
+              <a:lnSpc>
+                <a:spcPct val="115000"/>
+              </a:lnSpc>
+              <a:spcBef>
+                <a:spcPts val="2400"/>
+              </a:spcBef>
+              <a:buFont typeface="Wingdings" panose="05000000000000000000" pitchFamily="2" charset="2"/>
+              <a:buChar char="ü"/>
+              <a:tabLst>
+                <a:tab pos="457200" algn="l"/>
+              </a:tabLst>
+            </a:pPr>
+            <a:r>
+              <a:rPr lang="it-IT" sz="2400">
+                <a:solidFill>
+                  <a:schemeClr val="tx1"/>
+                </a:solidFill>
+                <a:latin typeface="Tahoma" panose="020B0604030504040204" pitchFamily="34" charset="0"/>
+                <a:ea typeface="Tahoma" panose="020B0604030504040204" pitchFamily="34" charset="0"/>
+                <a:cs typeface="Tahoma" panose="020B0604030504040204" pitchFamily="34" charset="0"/>
+              </a:rPr>
+              <a:t>Dunque, con il termine </a:t>
+            </a:r>
+            <a:r>
+              <a:rPr lang="it-IT" sz="2400" b="1">
+                <a:solidFill>
+                  <a:schemeClr val="tx1"/>
+                </a:solidFill>
+                <a:latin typeface="Tahoma" panose="020B0604030504040204" pitchFamily="34" charset="0"/>
+                <a:ea typeface="Tahoma" panose="020B0604030504040204" pitchFamily="34" charset="0"/>
+                <a:cs typeface="Tahoma" panose="020B0604030504040204" pitchFamily="34" charset="0"/>
+              </a:rPr>
+              <a:t>Proof-of-Work (PoW)</a:t>
+            </a:r>
+            <a:r>
+              <a:rPr lang="it-IT" sz="2400">
+                <a:solidFill>
+                  <a:schemeClr val="tx1"/>
+                </a:solidFill>
+                <a:latin typeface="Tahoma" panose="020B0604030504040204" pitchFamily="34" charset="0"/>
+                <a:ea typeface="Tahoma" panose="020B0604030504040204" pitchFamily="34" charset="0"/>
+                <a:cs typeface="Tahoma" panose="020B0604030504040204" pitchFamily="34" charset="0"/>
+              </a:rPr>
+              <a:t> si intende l’algoritmo di consenso alla base della rete </a:t>
+            </a:r>
+            <a:r>
+              <a:rPr lang="it-IT" sz="2400" b="1">
+                <a:solidFill>
+                  <a:schemeClr val="tx1"/>
+                </a:solidFill>
+                <a:latin typeface="Tahoma" panose="020B0604030504040204" pitchFamily="34" charset="0"/>
+                <a:ea typeface="Tahoma" panose="020B0604030504040204" pitchFamily="34" charset="0"/>
+                <a:cs typeface="Tahoma" panose="020B0604030504040204" pitchFamily="34" charset="0"/>
+              </a:rPr>
+              <a:t>Blockchain</a:t>
+            </a:r>
+            <a:r>
+              <a:rPr lang="it-IT" sz="2400">
+                <a:solidFill>
+                  <a:schemeClr val="tx1"/>
+                </a:solidFill>
+                <a:latin typeface="Tahoma" panose="020B0604030504040204" pitchFamily="34" charset="0"/>
+                <a:ea typeface="Tahoma" panose="020B0604030504040204" pitchFamily="34" charset="0"/>
+                <a:cs typeface="Tahoma" panose="020B0604030504040204" pitchFamily="34" charset="0"/>
+              </a:rPr>
+              <a:t>.</a:t>
+            </a:r>
+          </a:p>
+          <a:p>
+            <a:pPr marL="342900" indent="-342900" algn="just">
+              <a:lnSpc>
+                <a:spcPct val="115000"/>
+              </a:lnSpc>
+              <a:spcBef>
+                <a:spcPts val="2400"/>
+              </a:spcBef>
+              <a:buFont typeface="Wingdings" panose="05000000000000000000" pitchFamily="2" charset="2"/>
+              <a:buChar char="ü"/>
+              <a:tabLst>
+                <a:tab pos="457200" algn="l"/>
+              </a:tabLst>
+            </a:pPr>
+            <a:r>
+              <a:rPr lang="it-IT" sz="2400">
+                <a:solidFill>
+                  <a:schemeClr val="tx1"/>
+                </a:solidFill>
+                <a:latin typeface="Tahoma" panose="020B0604030504040204" pitchFamily="34" charset="0"/>
+                <a:ea typeface="Tahoma" panose="020B0604030504040204" pitchFamily="34" charset="0"/>
+                <a:cs typeface="Tahoma" panose="020B0604030504040204" pitchFamily="34" charset="0"/>
+              </a:rPr>
+              <a:t>In una </a:t>
+            </a:r>
+            <a:r>
+              <a:rPr lang="it-IT" sz="2400" b="1">
+                <a:solidFill>
+                  <a:schemeClr val="tx1"/>
+                </a:solidFill>
+                <a:latin typeface="Tahoma" panose="020B0604030504040204" pitchFamily="34" charset="0"/>
+                <a:ea typeface="Tahoma" panose="020B0604030504040204" pitchFamily="34" charset="0"/>
+                <a:cs typeface="Tahoma" panose="020B0604030504040204" pitchFamily="34" charset="0"/>
+              </a:rPr>
+              <a:t>Blockchain</a:t>
+            </a:r>
+            <a:r>
+              <a:rPr lang="it-IT" sz="2400">
+                <a:solidFill>
+                  <a:schemeClr val="tx1"/>
+                </a:solidFill>
+                <a:latin typeface="Tahoma" panose="020B0604030504040204" pitchFamily="34" charset="0"/>
+                <a:ea typeface="Tahoma" panose="020B0604030504040204" pitchFamily="34" charset="0"/>
+                <a:cs typeface="Tahoma" panose="020B0604030504040204" pitchFamily="34" charset="0"/>
+              </a:rPr>
+              <a:t>, questo algoritmo viene utilizzato per confermare le transazioni e produrre i nuovi blocchi della catena. La </a:t>
+            </a:r>
+            <a:r>
+              <a:rPr lang="it-IT" sz="2400" b="1">
+                <a:solidFill>
+                  <a:schemeClr val="tx1"/>
+                </a:solidFill>
+                <a:latin typeface="Tahoma" panose="020B0604030504040204" pitchFamily="34" charset="0"/>
+                <a:ea typeface="Tahoma" panose="020B0604030504040204" pitchFamily="34" charset="0"/>
+                <a:cs typeface="Tahoma" panose="020B0604030504040204" pitchFamily="34" charset="0"/>
+              </a:rPr>
+              <a:t>PoW</a:t>
+            </a:r>
+            <a:r>
+              <a:rPr lang="it-IT" sz="2400">
+                <a:solidFill>
+                  <a:schemeClr val="tx1"/>
+                </a:solidFill>
+                <a:latin typeface="Tahoma" panose="020B0604030504040204" pitchFamily="34" charset="0"/>
+                <a:ea typeface="Tahoma" panose="020B0604030504040204" pitchFamily="34" charset="0"/>
+                <a:cs typeface="Tahoma" panose="020B0604030504040204" pitchFamily="34" charset="0"/>
+              </a:rPr>
+              <a:t> incentiva i miner a competere tra loro nell’elaborazione degli scambi, ricevendo in cambio una ricompensa.</a:t>
+            </a:r>
+          </a:p>
+          <a:p>
+            <a:pPr marL="342900" indent="-342900" algn="just">
+              <a:lnSpc>
+                <a:spcPct val="115000"/>
+              </a:lnSpc>
+              <a:spcBef>
+                <a:spcPts val="2400"/>
+              </a:spcBef>
+              <a:buFont typeface="Wingdings" panose="05000000000000000000" pitchFamily="2" charset="2"/>
+              <a:buChar char="ü"/>
+              <a:tabLst>
+                <a:tab pos="457200" algn="l"/>
+              </a:tabLst>
+            </a:pPr>
+            <a:r>
+              <a:rPr lang="it-IT" sz="2400">
+                <a:solidFill>
+                  <a:schemeClr val="tx1"/>
+                </a:solidFill>
+                <a:latin typeface="Tahoma" panose="020B0604030504040204" pitchFamily="34" charset="0"/>
+                <a:ea typeface="Tahoma" panose="020B0604030504040204" pitchFamily="34" charset="0"/>
+                <a:cs typeface="Tahoma" panose="020B0604030504040204" pitchFamily="34" charset="0"/>
+              </a:rPr>
+              <a:t>All’interno della </a:t>
+            </a:r>
+            <a:r>
+              <a:rPr lang="it-IT" sz="2400" b="1">
+                <a:solidFill>
+                  <a:schemeClr val="tx1"/>
+                </a:solidFill>
+                <a:latin typeface="Tahoma" panose="020B0604030504040204" pitchFamily="34" charset="0"/>
+                <a:ea typeface="Tahoma" panose="020B0604030504040204" pitchFamily="34" charset="0"/>
+                <a:cs typeface="Tahoma" panose="020B0604030504040204" pitchFamily="34" charset="0"/>
+              </a:rPr>
+              <a:t>Blockchain</a:t>
+            </a:r>
+            <a:r>
+              <a:rPr lang="it-IT" sz="2400">
+                <a:solidFill>
+                  <a:schemeClr val="tx1"/>
+                </a:solidFill>
+                <a:latin typeface="Tahoma" panose="020B0604030504040204" pitchFamily="34" charset="0"/>
+                <a:ea typeface="Tahoma" panose="020B0604030504040204" pitchFamily="34" charset="0"/>
+                <a:cs typeface="Tahoma" panose="020B0604030504040204" pitchFamily="34" charset="0"/>
+              </a:rPr>
+              <a:t>, gli utenti inviano beni digitali l’uno all’altro. Un </a:t>
+            </a:r>
+            <a:r>
+              <a:rPr lang="it-IT" sz="2400" b="1">
+                <a:solidFill>
+                  <a:schemeClr val="tx1"/>
+                </a:solidFill>
+                <a:latin typeface="Tahoma" panose="020B0604030504040204" pitchFamily="34" charset="0"/>
+                <a:ea typeface="Tahoma" panose="020B0604030504040204" pitchFamily="34" charset="0"/>
+                <a:cs typeface="Tahoma" panose="020B0604030504040204" pitchFamily="34" charset="0"/>
+              </a:rPr>
+              <a:t>registro</a:t>
+            </a:r>
+            <a:r>
+              <a:rPr lang="it-IT" sz="2400">
+                <a:solidFill>
+                  <a:schemeClr val="tx1"/>
+                </a:solidFill>
+                <a:latin typeface="Tahoma" panose="020B0604030504040204" pitchFamily="34" charset="0"/>
+                <a:ea typeface="Tahoma" panose="020B0604030504040204" pitchFamily="34" charset="0"/>
+                <a:cs typeface="Tahoma" panose="020B0604030504040204" pitchFamily="34" charset="0"/>
+              </a:rPr>
+              <a:t> decentralizzato raccoglie ogni singola transazione: tuttavia, per poter essere considerate valide, queste devono essere prima approvate e organizzate in blocchi.</a:t>
+            </a:r>
+          </a:p>
+          <a:p>
+            <a:br>
+              <a:rPr lang="it-IT" sz="2400"/>
+            </a:br>
+            <a:endParaRPr lang="it-IT" sz="2400">
+              <a:solidFill>
+                <a:schemeClr val="tx1"/>
+              </a:solidFill>
+              <a:latin typeface="Tahoma" panose="020B0604030504040204" pitchFamily="34" charset="0"/>
+              <a:ea typeface="Tahoma" panose="020B0604030504040204" pitchFamily="34" charset="0"/>
+              <a:cs typeface="Tahoma" panose="020B0604030504040204" pitchFamily="34" charset="0"/>
+            </a:endParaRPr>
+          </a:p>
+        </p:txBody>
+      </p:sp>
+      <p:sp>
+        <p:nvSpPr>
+          <p:cNvPr id="7" name="Segnaposto numero diapositiva 6">
+            <a:extLst>
+              <a:ext uri="{FF2B5EF4-FFF2-40B4-BE49-F238E27FC236}">
+                <a16:creationId xmlns:a16="http://schemas.microsoft.com/office/drawing/2014/main" id="{AB740BE9-E218-4144-BFDE-AE473D230A3D}"/>
+              </a:ext>
+            </a:extLst>
+          </p:cNvPr>
+          <p:cNvSpPr>
+            <a:spLocks noGrp="1"/>
+          </p:cNvSpPr>
+          <p:nvPr>
+            <p:ph type="sldNum" sz="quarter" idx="12"/>
+          </p:nvPr>
+        </p:nvSpPr>
+        <p:spPr/>
+        <p:txBody>
+          <a:bodyPr/>
+          <a:lstStyle/>
+          <a:p>
+            <a:pPr>
+              <a:defRPr/>
+            </a:pPr>
+            <a:fld id="{48B4153A-D4C5-4CEF-8992-0D8815C829E3}" type="slidenum">
+              <a:rPr lang="en-US" smtClean="0"/>
+              <a:pPr>
+                <a:defRPr/>
+              </a:pPr>
+              <a:t>10</a:t>
+            </a:fld>
+            <a:endParaRPr lang="en-US" dirty="0"/>
+          </a:p>
+        </p:txBody>
+      </p:sp>
+      <p:sp>
+        <p:nvSpPr>
+          <p:cNvPr id="6" name="Titolo 4">
+            <a:extLst>
+              <a:ext uri="{FF2B5EF4-FFF2-40B4-BE49-F238E27FC236}">
+                <a16:creationId xmlns:a16="http://schemas.microsoft.com/office/drawing/2014/main" id="{CF9A4806-60B4-80DC-1F76-D2EB3E6C376B}"/>
+              </a:ext>
+            </a:extLst>
+          </p:cNvPr>
+          <p:cNvSpPr>
+            <a:spLocks noGrp="1"/>
+          </p:cNvSpPr>
+          <p:nvPr>
+            <p:ph type="title"/>
+          </p:nvPr>
+        </p:nvSpPr>
+        <p:spPr>
+          <a:xfrm>
+            <a:off x="461169" y="422999"/>
+            <a:ext cx="11269662" cy="384721"/>
+          </a:xfrm>
+        </p:spPr>
+        <p:txBody>
+          <a:bodyPr/>
+          <a:lstStyle/>
+          <a:p>
+            <a:r>
+              <a:rPr lang="it-IT" sz="2800">
+                <a:solidFill>
+                  <a:schemeClr val="tx1"/>
+                </a:solidFill>
+                <a:latin typeface="Tahoma" panose="020B0604030504040204" pitchFamily="34" charset="0"/>
+                <a:ea typeface="Tahoma" panose="020B0604030504040204" pitchFamily="34" charset="0"/>
+                <a:cs typeface="Tahoma" panose="020B0604030504040204" pitchFamily="34" charset="0"/>
+              </a:rPr>
+              <a:t>Algoritmo Proof-of-Work (PoW)</a:t>
+            </a:r>
+            <a:endParaRPr lang="it-IT" dirty="0"/>
+          </a:p>
+        </p:txBody>
+      </p:sp>
+    </p:spTree>
+    <p:extLst>
+      <p:ext uri="{BB962C8B-B14F-4D97-AF65-F5344CB8AC3E}">
+        <p14:creationId xmlns:p14="http://schemas.microsoft.com/office/powerpoint/2010/main" val="1543398760"/>
+      </p:ext>
+    </p:extLst>
+  </p:cSld>
+  <p:clrMapOvr>
+    <a:masterClrMapping/>
+  </p:clrMapOvr>
+</p:sld>
+</file>
+
+<file path=ppt/slides/slide11.xml><?xml version="1.0" encoding="utf-8"?>
+<p:sld xmlns:a="http://schemas.openxmlformats.org/drawingml/2006/main" xmlns:r="http://schemas.openxmlformats.org/officeDocument/2006/relationships" xmlns:p="http://schemas.openxmlformats.org/presentationml/2006/main">
+  <p:cSld>
+    <p:spTree>
+      <p:nvGrpSpPr>
+        <p:cNvPr id="1" name=""/>
+        <p:cNvGrpSpPr/>
+        <p:nvPr/>
+      </p:nvGrpSpPr>
+      <p:grpSpPr>
+        <a:xfrm>
+          <a:off x="0" y="0"/>
+          <a:ext cx="0" cy="0"/>
+          <a:chOff x="0" y="0"/>
+          <a:chExt cx="0" cy="0"/>
+        </a:xfrm>
+      </p:grpSpPr>
+      <p:sp>
+        <p:nvSpPr>
+          <p:cNvPr id="2" name="Segnaposto testo 1">
+            <a:extLst>
+              <a:ext uri="{FF2B5EF4-FFF2-40B4-BE49-F238E27FC236}">
+                <a16:creationId xmlns:a16="http://schemas.microsoft.com/office/drawing/2014/main" id="{E5AE986C-196F-4141-A898-FA4C4198CDCC}"/>
+              </a:ext>
+            </a:extLst>
+          </p:cNvPr>
+          <p:cNvSpPr>
+            <a:spLocks noGrp="1"/>
+          </p:cNvSpPr>
+          <p:nvPr>
+            <p:ph type="body" idx="1"/>
+          </p:nvPr>
+        </p:nvSpPr>
+        <p:spPr>
+          <a:xfrm>
+            <a:off x="461169" y="1232694"/>
+            <a:ext cx="11004000" cy="4392612"/>
+          </a:xfrm>
+        </p:spPr>
+        <p:txBody>
+          <a:bodyPr/>
+          <a:lstStyle/>
+          <a:p>
+            <a:pPr marL="342900" indent="-342900" algn="just">
+              <a:lnSpc>
+                <a:spcPct val="115000"/>
+              </a:lnSpc>
+              <a:spcBef>
+                <a:spcPts val="2400"/>
+              </a:spcBef>
+              <a:buFont typeface="Wingdings" panose="05000000000000000000" pitchFamily="2" charset="2"/>
+              <a:buChar char="ü"/>
+              <a:tabLst>
+                <a:tab pos="457200" algn="l"/>
+              </a:tabLst>
+            </a:pPr>
+            <a:r>
+              <a:rPr lang="it-IT" sz="2400" b="0" i="0">
+                <a:solidFill>
+                  <a:srgbClr val="27282D"/>
+                </a:solidFill>
+                <a:effectLst/>
+                <a:latin typeface="Tahoma" panose="020B0604030504040204" pitchFamily="34" charset="0"/>
+                <a:ea typeface="Tahoma" panose="020B0604030504040204" pitchFamily="34" charset="0"/>
+                <a:cs typeface="Tahoma" panose="020B0604030504040204" pitchFamily="34" charset="0"/>
+              </a:rPr>
+              <a:t>Tale responsabilità ricade su speciali nodi chiamati </a:t>
+            </a:r>
+            <a:r>
+              <a:rPr lang="it-IT" sz="2400" b="1" i="0">
+                <a:solidFill>
+                  <a:srgbClr val="27282D"/>
+                </a:solidFill>
+                <a:effectLst/>
+                <a:latin typeface="Tahoma" panose="020B0604030504040204" pitchFamily="34" charset="0"/>
+                <a:ea typeface="Tahoma" panose="020B0604030504040204" pitchFamily="34" charset="0"/>
+                <a:cs typeface="Tahoma" panose="020B0604030504040204" pitchFamily="34" charset="0"/>
+              </a:rPr>
+              <a:t>miner</a:t>
+            </a:r>
+            <a:r>
+              <a:rPr lang="it-IT" sz="2400" b="0" i="0">
+                <a:solidFill>
+                  <a:srgbClr val="27282D"/>
+                </a:solidFill>
+                <a:effectLst/>
+                <a:latin typeface="Tahoma" panose="020B0604030504040204" pitchFamily="34" charset="0"/>
+                <a:ea typeface="Tahoma" panose="020B0604030504040204" pitchFamily="34" charset="0"/>
+                <a:cs typeface="Tahoma" panose="020B0604030504040204" pitchFamily="34" charset="0"/>
+              </a:rPr>
+              <a:t>; l’intero processo viene invece definito </a:t>
+            </a:r>
+            <a:r>
+              <a:rPr lang="it-IT" sz="2400" b="1" i="0">
+                <a:solidFill>
+                  <a:srgbClr val="27282D"/>
+                </a:solidFill>
+                <a:effectLst/>
+                <a:latin typeface="Tahoma" panose="020B0604030504040204" pitchFamily="34" charset="0"/>
+                <a:ea typeface="Tahoma" panose="020B0604030504040204" pitchFamily="34" charset="0"/>
+                <a:cs typeface="Tahoma" panose="020B0604030504040204" pitchFamily="34" charset="0"/>
+              </a:rPr>
+              <a:t>mining.</a:t>
+            </a:r>
+          </a:p>
+          <a:p>
+            <a:pPr marL="342900" indent="-342900" algn="just">
+              <a:lnSpc>
+                <a:spcPct val="115000"/>
+              </a:lnSpc>
+              <a:spcBef>
+                <a:spcPts val="2400"/>
+              </a:spcBef>
+              <a:buFont typeface="Wingdings" panose="05000000000000000000" pitchFamily="2" charset="2"/>
+              <a:buChar char="ü"/>
+              <a:tabLst>
+                <a:tab pos="457200" algn="l"/>
+              </a:tabLst>
+            </a:pPr>
+            <a:r>
+              <a:rPr lang="it-IT" sz="2400">
+                <a:solidFill>
+                  <a:srgbClr val="27282D"/>
+                </a:solidFill>
+                <a:latin typeface="Tahoma" panose="020B0604030504040204" pitchFamily="34" charset="0"/>
+                <a:ea typeface="Tahoma" panose="020B0604030504040204" pitchFamily="34" charset="0"/>
+                <a:cs typeface="Tahoma" panose="020B0604030504040204" pitchFamily="34" charset="0"/>
+              </a:rPr>
+              <a:t>Alla base di questo sistema troviamo </a:t>
+            </a:r>
+            <a:r>
+              <a:rPr lang="it-IT" sz="2400" b="1">
+                <a:solidFill>
+                  <a:srgbClr val="27282D"/>
+                </a:solidFill>
+                <a:latin typeface="Tahoma" panose="020B0604030504040204" pitchFamily="34" charset="0"/>
+                <a:ea typeface="Tahoma" panose="020B0604030504040204" pitchFamily="34" charset="0"/>
+                <a:cs typeface="Tahoma" panose="020B0604030504040204" pitchFamily="34" charset="0"/>
+              </a:rPr>
+              <a:t>complessi problemi matematici</a:t>
+            </a:r>
+            <a:r>
+              <a:rPr lang="it-IT" sz="2400">
+                <a:solidFill>
+                  <a:srgbClr val="27282D"/>
+                </a:solidFill>
+                <a:latin typeface="Tahoma" panose="020B0604030504040204" pitchFamily="34" charset="0"/>
+                <a:ea typeface="Tahoma" panose="020B0604030504040204" pitchFamily="34" charset="0"/>
+                <a:cs typeface="Tahoma" panose="020B0604030504040204" pitchFamily="34" charset="0"/>
+              </a:rPr>
+              <a:t> e la necessità di dimostrare semplicemente la soluzione.</a:t>
+            </a:r>
+          </a:p>
+          <a:p>
+            <a:pPr marL="342900" indent="-342900" algn="just">
+              <a:lnSpc>
+                <a:spcPct val="115000"/>
+              </a:lnSpc>
+              <a:spcBef>
+                <a:spcPts val="2400"/>
+              </a:spcBef>
+              <a:buFont typeface="Wingdings" panose="05000000000000000000" pitchFamily="2" charset="2"/>
+              <a:buChar char="ü"/>
+              <a:tabLst>
+                <a:tab pos="457200" algn="l"/>
+              </a:tabLst>
+            </a:pPr>
+            <a:r>
+              <a:rPr lang="it-IT" sz="2400">
+                <a:solidFill>
+                  <a:srgbClr val="27282D"/>
+                </a:solidFill>
+                <a:latin typeface="Tahoma" panose="020B0604030504040204" pitchFamily="34" charset="0"/>
+                <a:ea typeface="Tahoma" panose="020B0604030504040204" pitchFamily="34" charset="0"/>
+                <a:cs typeface="Tahoma" panose="020B0604030504040204" pitchFamily="34" charset="0"/>
+              </a:rPr>
+              <a:t>La velocità e l’esattezza di un sistema Blockchain dipendono dalla difficoltà dei problemi. Ma i problemi non dovrebbero essere eccessivamente complessi, poiché in tal caso la </a:t>
+            </a:r>
+            <a:r>
+              <a:rPr lang="it-IT" sz="2400" b="1">
+                <a:solidFill>
+                  <a:srgbClr val="27282D"/>
+                </a:solidFill>
+                <a:latin typeface="Tahoma" panose="020B0604030504040204" pitchFamily="34" charset="0"/>
+                <a:ea typeface="Tahoma" panose="020B0604030504040204" pitchFamily="34" charset="0"/>
+                <a:cs typeface="Tahoma" panose="020B0604030504040204" pitchFamily="34" charset="0"/>
+              </a:rPr>
+              <a:t>generazione di nuovi blocchi </a:t>
+            </a:r>
+            <a:r>
+              <a:rPr lang="it-IT" sz="2400">
+                <a:solidFill>
+                  <a:srgbClr val="27282D"/>
+                </a:solidFill>
+                <a:latin typeface="Tahoma" panose="020B0604030504040204" pitchFamily="34" charset="0"/>
+                <a:ea typeface="Tahoma" panose="020B0604030504040204" pitchFamily="34" charset="0"/>
+                <a:cs typeface="Tahoma" panose="020B0604030504040204" pitchFamily="34" charset="0"/>
+              </a:rPr>
+              <a:t>richiederebbe troppo tempo, le transazioni non verrebbero elaborate ed il flusso della rete si bloccherebbe. Se il problema non ha un tempo di risoluzione ben definito, generare nuovi blocchi sarebbe praticamente impossibile.</a:t>
+            </a:r>
+          </a:p>
+        </p:txBody>
+      </p:sp>
+      <p:sp>
+        <p:nvSpPr>
+          <p:cNvPr id="7" name="Segnaposto numero diapositiva 6">
+            <a:extLst>
+              <a:ext uri="{FF2B5EF4-FFF2-40B4-BE49-F238E27FC236}">
+                <a16:creationId xmlns:a16="http://schemas.microsoft.com/office/drawing/2014/main" id="{AB740BE9-E218-4144-BFDE-AE473D230A3D}"/>
+              </a:ext>
+            </a:extLst>
+          </p:cNvPr>
+          <p:cNvSpPr>
+            <a:spLocks noGrp="1"/>
+          </p:cNvSpPr>
+          <p:nvPr>
+            <p:ph type="sldNum" sz="quarter" idx="12"/>
+          </p:nvPr>
+        </p:nvSpPr>
+        <p:spPr/>
+        <p:txBody>
+          <a:bodyPr/>
+          <a:lstStyle/>
+          <a:p>
+            <a:pPr>
+              <a:defRPr/>
+            </a:pPr>
+            <a:fld id="{48B4153A-D4C5-4CEF-8992-0D8815C829E3}" type="slidenum">
+              <a:rPr lang="en-US" smtClean="0"/>
+              <a:pPr>
+                <a:defRPr/>
+              </a:pPr>
+              <a:t>11</a:t>
+            </a:fld>
+            <a:endParaRPr lang="en-US" dirty="0"/>
+          </a:p>
+        </p:txBody>
+      </p:sp>
+      <p:sp>
+        <p:nvSpPr>
+          <p:cNvPr id="6" name="Titolo 4">
+            <a:extLst>
+              <a:ext uri="{FF2B5EF4-FFF2-40B4-BE49-F238E27FC236}">
+                <a16:creationId xmlns:a16="http://schemas.microsoft.com/office/drawing/2014/main" id="{CF9A4806-60B4-80DC-1F76-D2EB3E6C376B}"/>
+              </a:ext>
+            </a:extLst>
+          </p:cNvPr>
+          <p:cNvSpPr>
+            <a:spLocks noGrp="1"/>
+          </p:cNvSpPr>
+          <p:nvPr>
+            <p:ph type="title"/>
+          </p:nvPr>
+        </p:nvSpPr>
+        <p:spPr>
+          <a:xfrm>
+            <a:off x="461169" y="422999"/>
+            <a:ext cx="11269662" cy="384721"/>
+          </a:xfrm>
+        </p:spPr>
+        <p:txBody>
+          <a:bodyPr/>
+          <a:lstStyle/>
+          <a:p>
+            <a:r>
+              <a:rPr lang="it-IT" sz="2800">
+                <a:solidFill>
+                  <a:schemeClr val="tx1"/>
+                </a:solidFill>
+                <a:latin typeface="Tahoma" panose="020B0604030504040204" pitchFamily="34" charset="0"/>
+                <a:ea typeface="Tahoma" panose="020B0604030504040204" pitchFamily="34" charset="0"/>
+                <a:cs typeface="Tahoma" panose="020B0604030504040204" pitchFamily="34" charset="0"/>
+              </a:rPr>
+              <a:t>Algoritmo Proof-of-Work (PoW)</a:t>
+            </a:r>
+            <a:endParaRPr lang="it-IT" dirty="0"/>
+          </a:p>
+        </p:txBody>
+      </p:sp>
+    </p:spTree>
+    <p:extLst>
+      <p:ext uri="{BB962C8B-B14F-4D97-AF65-F5344CB8AC3E}">
+        <p14:creationId xmlns:p14="http://schemas.microsoft.com/office/powerpoint/2010/main" val="2174020693"/>
+      </p:ext>
+    </p:extLst>
+  </p:cSld>
+  <p:clrMapOvr>
+    <a:masterClrMapping/>
+  </p:clrMapOvr>
+</p:sld>
+</file>
+
+<file path=ppt/slides/slide12.xml><?xml version="1.0" encoding="utf-8"?>
+<p:sld xmlns:a="http://schemas.openxmlformats.org/drawingml/2006/main" xmlns:r="http://schemas.openxmlformats.org/officeDocument/2006/relationships" xmlns:p="http://schemas.openxmlformats.org/presentationml/2006/main">
+  <p:cSld>
+    <p:spTree>
+      <p:nvGrpSpPr>
+        <p:cNvPr id="1" name=""/>
+        <p:cNvGrpSpPr/>
+        <p:nvPr/>
+      </p:nvGrpSpPr>
+      <p:grpSpPr>
+        <a:xfrm>
+          <a:off x="0" y="0"/>
+          <a:ext cx="0" cy="0"/>
+          <a:chOff x="0" y="0"/>
+          <a:chExt cx="0" cy="0"/>
+        </a:xfrm>
+      </p:grpSpPr>
+      <p:sp>
+        <p:nvSpPr>
+          <p:cNvPr id="2" name="Segnaposto testo 1">
+            <a:extLst>
+              <a:ext uri="{FF2B5EF4-FFF2-40B4-BE49-F238E27FC236}">
+                <a16:creationId xmlns:a16="http://schemas.microsoft.com/office/drawing/2014/main" id="{E5AE986C-196F-4141-A898-FA4C4198CDCC}"/>
+              </a:ext>
+            </a:extLst>
+          </p:cNvPr>
+          <p:cNvSpPr>
+            <a:spLocks noGrp="1"/>
+          </p:cNvSpPr>
+          <p:nvPr>
+            <p:ph type="body" idx="1"/>
+          </p:nvPr>
+        </p:nvSpPr>
+        <p:spPr>
+          <a:xfrm>
+            <a:off x="461169" y="1232694"/>
+            <a:ext cx="11004000" cy="4392612"/>
+          </a:xfrm>
+        </p:spPr>
+        <p:txBody>
+          <a:bodyPr/>
+          <a:lstStyle/>
+          <a:p>
+            <a:pPr marL="342900" indent="-342900" algn="just">
+              <a:lnSpc>
+                <a:spcPct val="115000"/>
+              </a:lnSpc>
+              <a:spcBef>
+                <a:spcPts val="2400"/>
+              </a:spcBef>
+              <a:buFont typeface="Wingdings" panose="05000000000000000000" pitchFamily="2" charset="2"/>
+              <a:buChar char="ü"/>
+              <a:tabLst>
+                <a:tab pos="457200" algn="l"/>
+              </a:tabLst>
+            </a:pPr>
+            <a:r>
+              <a:rPr lang="it-IT" sz="2400">
+                <a:solidFill>
+                  <a:srgbClr val="27282D"/>
+                </a:solidFill>
+                <a:latin typeface="Tahoma" panose="020B0604030504040204" pitchFamily="34" charset="0"/>
+                <a:ea typeface="Tahoma" panose="020B0604030504040204" pitchFamily="34" charset="0"/>
+                <a:cs typeface="Tahoma" panose="020B0604030504040204" pitchFamily="34" charset="0"/>
+              </a:rPr>
+              <a:t>Al contrario, se il problema fosse troppo semplice, la rete diverrebbe estremamente vulnerabile ad </a:t>
+            </a:r>
+            <a:r>
+              <a:rPr lang="it-IT" sz="2400" b="1">
+                <a:solidFill>
+                  <a:srgbClr val="27282D"/>
+                </a:solidFill>
+                <a:latin typeface="Tahoma" panose="020B0604030504040204" pitchFamily="34" charset="0"/>
+                <a:ea typeface="Tahoma" panose="020B0604030504040204" pitchFamily="34" charset="0"/>
+                <a:cs typeface="Tahoma" panose="020B0604030504040204" pitchFamily="34" charset="0"/>
+              </a:rPr>
+              <a:t>attacchi</a:t>
+            </a:r>
+            <a:r>
+              <a:rPr lang="it-IT" sz="2400">
+                <a:solidFill>
+                  <a:srgbClr val="27282D"/>
+                </a:solidFill>
+                <a:latin typeface="Tahoma" panose="020B0604030504040204" pitchFamily="34" charset="0"/>
+                <a:ea typeface="Tahoma" panose="020B0604030504040204" pitchFamily="34" charset="0"/>
+                <a:cs typeface="Tahoma" panose="020B0604030504040204" pitchFamily="34" charset="0"/>
+              </a:rPr>
+              <a:t> </a:t>
+            </a:r>
+            <a:r>
+              <a:rPr lang="it-IT" sz="2400" b="1">
+                <a:solidFill>
+                  <a:srgbClr val="27282D"/>
+                </a:solidFill>
+                <a:latin typeface="Tahoma" panose="020B0604030504040204" pitchFamily="34" charset="0"/>
+                <a:ea typeface="Tahoma" panose="020B0604030504040204" pitchFamily="34" charset="0"/>
+                <a:cs typeface="Tahoma" panose="020B0604030504040204" pitchFamily="34" charset="0"/>
+              </a:rPr>
+              <a:t>esterni</a:t>
+            </a:r>
+            <a:r>
+              <a:rPr lang="it-IT" sz="2400">
+                <a:solidFill>
+                  <a:srgbClr val="27282D"/>
+                </a:solidFill>
+                <a:latin typeface="Tahoma" panose="020B0604030504040204" pitchFamily="34" charset="0"/>
+                <a:ea typeface="Tahoma" panose="020B0604030504040204" pitchFamily="34" charset="0"/>
+                <a:cs typeface="Tahoma" panose="020B0604030504040204" pitchFamily="34" charset="0"/>
+              </a:rPr>
+              <a:t>.</a:t>
+            </a:r>
+          </a:p>
+          <a:p>
+            <a:pPr marL="342900" indent="-342900" algn="just">
+              <a:lnSpc>
+                <a:spcPct val="115000"/>
+              </a:lnSpc>
+              <a:spcBef>
+                <a:spcPts val="2400"/>
+              </a:spcBef>
+              <a:buFont typeface="Wingdings" panose="05000000000000000000" pitchFamily="2" charset="2"/>
+              <a:buChar char="ü"/>
+              <a:tabLst>
+                <a:tab pos="457200" algn="l"/>
+              </a:tabLst>
+            </a:pPr>
+            <a:r>
+              <a:rPr lang="it-IT" sz="2400">
+                <a:solidFill>
+                  <a:srgbClr val="27282D"/>
+                </a:solidFill>
+                <a:latin typeface="Tahoma" panose="020B0604030504040204" pitchFamily="34" charset="0"/>
+                <a:ea typeface="Tahoma" panose="020B0604030504040204" pitchFamily="34" charset="0"/>
+                <a:cs typeface="Tahoma" panose="020B0604030504040204" pitchFamily="34" charset="0"/>
+              </a:rPr>
+              <a:t>Inoltre la soluzione deve poter essere </a:t>
+            </a:r>
+            <a:r>
+              <a:rPr lang="it-IT" sz="2400" b="1">
+                <a:solidFill>
+                  <a:srgbClr val="27282D"/>
+                </a:solidFill>
+                <a:latin typeface="Tahoma" panose="020B0604030504040204" pitchFamily="34" charset="0"/>
+                <a:ea typeface="Tahoma" panose="020B0604030504040204" pitchFamily="34" charset="0"/>
+                <a:cs typeface="Tahoma" panose="020B0604030504040204" pitchFamily="34" charset="0"/>
+              </a:rPr>
+              <a:t>controllata</a:t>
+            </a:r>
+            <a:r>
+              <a:rPr lang="it-IT" sz="2400">
+                <a:solidFill>
+                  <a:srgbClr val="27282D"/>
+                </a:solidFill>
+                <a:latin typeface="Tahoma" panose="020B0604030504040204" pitchFamily="34" charset="0"/>
+                <a:ea typeface="Tahoma" panose="020B0604030504040204" pitchFamily="34" charset="0"/>
+                <a:cs typeface="Tahoma" panose="020B0604030504040204" pitchFamily="34" charset="0"/>
+              </a:rPr>
+              <a:t> con estrema </a:t>
+            </a:r>
+            <a:r>
+              <a:rPr lang="it-IT" sz="2400" b="1">
+                <a:solidFill>
+                  <a:srgbClr val="27282D"/>
+                </a:solidFill>
+                <a:latin typeface="Tahoma" panose="020B0604030504040204" pitchFamily="34" charset="0"/>
+                <a:ea typeface="Tahoma" panose="020B0604030504040204" pitchFamily="34" charset="0"/>
+                <a:cs typeface="Tahoma" panose="020B0604030504040204" pitchFamily="34" charset="0"/>
+              </a:rPr>
+              <a:t>semplicità</a:t>
+            </a:r>
+            <a:r>
+              <a:rPr lang="it-IT" sz="2400">
+                <a:solidFill>
+                  <a:srgbClr val="27282D"/>
+                </a:solidFill>
+                <a:latin typeface="Tahoma" panose="020B0604030504040204" pitchFamily="34" charset="0"/>
+                <a:ea typeface="Tahoma" panose="020B0604030504040204" pitchFamily="34" charset="0"/>
+                <a:cs typeface="Tahoma" panose="020B0604030504040204" pitchFamily="34" charset="0"/>
+              </a:rPr>
+              <a:t> da ogni macchina, in quanto non tutti i </a:t>
+            </a:r>
+            <a:r>
+              <a:rPr lang="it-IT" sz="2400" b="1">
+                <a:solidFill>
+                  <a:srgbClr val="27282D"/>
+                </a:solidFill>
+                <a:latin typeface="Tahoma" panose="020B0604030504040204" pitchFamily="34" charset="0"/>
+                <a:ea typeface="Tahoma" panose="020B0604030504040204" pitchFamily="34" charset="0"/>
+                <a:cs typeface="Tahoma" panose="020B0604030504040204" pitchFamily="34" charset="0"/>
+              </a:rPr>
+              <a:t>nodi</a:t>
+            </a:r>
+            <a:r>
+              <a:rPr lang="it-IT" sz="2400">
+                <a:solidFill>
+                  <a:srgbClr val="27282D"/>
+                </a:solidFill>
+                <a:latin typeface="Tahoma" panose="020B0604030504040204" pitchFamily="34" charset="0"/>
+                <a:ea typeface="Tahoma" panose="020B0604030504040204" pitchFamily="34" charset="0"/>
+                <a:cs typeface="Tahoma" panose="020B0604030504040204" pitchFamily="34" charset="0"/>
+              </a:rPr>
+              <a:t> potrebbero essere capaci di appurare che i calcoli siano stati eseguiti correttamente. In tal caso questo nodi dovrebbero far affidamento su altri utenti, violando uno dei principi fondamentali della Blockchain: la trasparenza.</a:t>
+            </a:r>
+          </a:p>
+          <a:p>
+            <a:pPr marL="342900" indent="-342900" algn="just">
+              <a:lnSpc>
+                <a:spcPct val="115000"/>
+              </a:lnSpc>
+              <a:spcBef>
+                <a:spcPts val="2400"/>
+              </a:spcBef>
+              <a:buFont typeface="Wingdings" panose="05000000000000000000" pitchFamily="2" charset="2"/>
+              <a:buChar char="ü"/>
+              <a:tabLst>
+                <a:tab pos="457200" algn="l"/>
+              </a:tabLst>
+            </a:pPr>
+            <a:r>
+              <a:rPr lang="it-IT" sz="2400">
+                <a:solidFill>
+                  <a:srgbClr val="27282D"/>
+                </a:solidFill>
+                <a:latin typeface="Tahoma" panose="020B0604030504040204" pitchFamily="34" charset="0"/>
+                <a:ea typeface="Tahoma" panose="020B0604030504040204" pitchFamily="34" charset="0"/>
+                <a:cs typeface="Tahoma" panose="020B0604030504040204" pitchFamily="34" charset="0"/>
+              </a:rPr>
+              <a:t>I </a:t>
+            </a:r>
+            <a:r>
+              <a:rPr lang="it-IT" sz="2400" b="1">
+                <a:solidFill>
+                  <a:srgbClr val="27282D"/>
+                </a:solidFill>
+                <a:latin typeface="Tahoma" panose="020B0604030504040204" pitchFamily="34" charset="0"/>
+                <a:ea typeface="Tahoma" panose="020B0604030504040204" pitchFamily="34" charset="0"/>
+                <a:cs typeface="Tahoma" panose="020B0604030504040204" pitchFamily="34" charset="0"/>
+              </a:rPr>
+              <a:t>miner</a:t>
+            </a:r>
+            <a:r>
+              <a:rPr lang="it-IT" sz="2400">
+                <a:solidFill>
+                  <a:srgbClr val="27282D"/>
+                </a:solidFill>
+                <a:latin typeface="Tahoma" panose="020B0604030504040204" pitchFamily="34" charset="0"/>
+                <a:ea typeface="Tahoma" panose="020B0604030504040204" pitchFamily="34" charset="0"/>
+                <a:cs typeface="Tahoma" panose="020B0604030504040204" pitchFamily="34" charset="0"/>
+              </a:rPr>
+              <a:t> risolvono il problema, danno vita ad un nuovo blocco e confermano tutte le transazioni al suo interno.</a:t>
+            </a:r>
+          </a:p>
+        </p:txBody>
+      </p:sp>
+      <p:sp>
+        <p:nvSpPr>
+          <p:cNvPr id="7" name="Segnaposto numero diapositiva 6">
+            <a:extLst>
+              <a:ext uri="{FF2B5EF4-FFF2-40B4-BE49-F238E27FC236}">
+                <a16:creationId xmlns:a16="http://schemas.microsoft.com/office/drawing/2014/main" id="{AB740BE9-E218-4144-BFDE-AE473D230A3D}"/>
+              </a:ext>
+            </a:extLst>
+          </p:cNvPr>
+          <p:cNvSpPr>
+            <a:spLocks noGrp="1"/>
+          </p:cNvSpPr>
+          <p:nvPr>
+            <p:ph type="sldNum" sz="quarter" idx="12"/>
+          </p:nvPr>
+        </p:nvSpPr>
+        <p:spPr/>
+        <p:txBody>
+          <a:bodyPr/>
+          <a:lstStyle/>
+          <a:p>
+            <a:pPr>
+              <a:defRPr/>
+            </a:pPr>
+            <a:fld id="{48B4153A-D4C5-4CEF-8992-0D8815C829E3}" type="slidenum">
+              <a:rPr lang="en-US" smtClean="0"/>
+              <a:pPr>
+                <a:defRPr/>
+              </a:pPr>
+              <a:t>12</a:t>
+            </a:fld>
+            <a:endParaRPr lang="en-US" dirty="0"/>
+          </a:p>
+        </p:txBody>
+      </p:sp>
+      <p:sp>
+        <p:nvSpPr>
+          <p:cNvPr id="6" name="Titolo 4">
+            <a:extLst>
+              <a:ext uri="{FF2B5EF4-FFF2-40B4-BE49-F238E27FC236}">
+                <a16:creationId xmlns:a16="http://schemas.microsoft.com/office/drawing/2014/main" id="{CF9A4806-60B4-80DC-1F76-D2EB3E6C376B}"/>
+              </a:ext>
+            </a:extLst>
+          </p:cNvPr>
+          <p:cNvSpPr>
+            <a:spLocks noGrp="1"/>
+          </p:cNvSpPr>
+          <p:nvPr>
+            <p:ph type="title"/>
+          </p:nvPr>
+        </p:nvSpPr>
+        <p:spPr>
+          <a:xfrm>
+            <a:off x="461169" y="422999"/>
+            <a:ext cx="11269662" cy="384721"/>
+          </a:xfrm>
+        </p:spPr>
+        <p:txBody>
+          <a:bodyPr/>
+          <a:lstStyle/>
+          <a:p>
+            <a:r>
+              <a:rPr lang="it-IT" sz="2800">
+                <a:solidFill>
+                  <a:schemeClr val="tx1"/>
+                </a:solidFill>
+                <a:latin typeface="Tahoma" panose="020B0604030504040204" pitchFamily="34" charset="0"/>
+                <a:ea typeface="Tahoma" panose="020B0604030504040204" pitchFamily="34" charset="0"/>
+                <a:cs typeface="Tahoma" panose="020B0604030504040204" pitchFamily="34" charset="0"/>
+              </a:rPr>
+              <a:t>Algoritmo Proof-of-Work (PoW)</a:t>
+            </a:r>
+            <a:endParaRPr lang="it-IT" dirty="0"/>
+          </a:p>
+        </p:txBody>
+      </p:sp>
+    </p:spTree>
+    <p:extLst>
+      <p:ext uri="{BB962C8B-B14F-4D97-AF65-F5344CB8AC3E}">
+        <p14:creationId xmlns:p14="http://schemas.microsoft.com/office/powerpoint/2010/main" val="459952576"/>
+      </p:ext>
+    </p:extLst>
+  </p:cSld>
+  <p:clrMapOvr>
+    <a:masterClrMapping/>
+  </p:clrMapOvr>
+</p:sld>
+</file>
+
+<file path=ppt/slides/slide13.xml><?xml version="1.0" encoding="utf-8"?>
+<p:sld xmlns:a="http://schemas.openxmlformats.org/drawingml/2006/main" xmlns:r="http://schemas.openxmlformats.org/officeDocument/2006/relationships" xmlns:p="http://schemas.openxmlformats.org/presentationml/2006/main">
+  <p:cSld>
+    <p:spTree>
+      <p:nvGrpSpPr>
+        <p:cNvPr id="1" name=""/>
+        <p:cNvGrpSpPr/>
+        <p:nvPr/>
+      </p:nvGrpSpPr>
+      <p:grpSpPr>
+        <a:xfrm>
+          <a:off x="0" y="0"/>
+          <a:ext cx="0" cy="0"/>
+          <a:chOff x="0" y="0"/>
+          <a:chExt cx="0" cy="0"/>
+        </a:xfrm>
+      </p:grpSpPr>
+      <p:sp>
+        <p:nvSpPr>
+          <p:cNvPr id="2" name="Segnaposto testo 1">
+            <a:extLst>
+              <a:ext uri="{FF2B5EF4-FFF2-40B4-BE49-F238E27FC236}">
+                <a16:creationId xmlns:a16="http://schemas.microsoft.com/office/drawing/2014/main" id="{E5AE986C-196F-4141-A898-FA4C4198CDCC}"/>
+              </a:ext>
+            </a:extLst>
+          </p:cNvPr>
+          <p:cNvSpPr>
+            <a:spLocks noGrp="1"/>
+          </p:cNvSpPr>
+          <p:nvPr>
+            <p:ph type="body" idx="1"/>
+          </p:nvPr>
+        </p:nvSpPr>
+        <p:spPr>
+          <a:xfrm>
+            <a:off x="461169" y="1232694"/>
+            <a:ext cx="11004000" cy="4392612"/>
+          </a:xfrm>
+        </p:spPr>
+        <p:txBody>
+          <a:bodyPr/>
+          <a:lstStyle/>
+          <a:p>
+            <a:pPr marL="342900" indent="-342900" algn="just">
+              <a:lnSpc>
+                <a:spcPct val="115000"/>
+              </a:lnSpc>
+              <a:spcBef>
+                <a:spcPts val="2400"/>
+              </a:spcBef>
+              <a:buFont typeface="Wingdings" panose="05000000000000000000" pitchFamily="2" charset="2"/>
+              <a:buChar char="ü"/>
+              <a:tabLst>
+                <a:tab pos="457200" algn="l"/>
+              </a:tabLst>
+            </a:pPr>
+            <a:r>
+              <a:rPr lang="it-IT" sz="2400">
+                <a:solidFill>
+                  <a:srgbClr val="27282D"/>
+                </a:solidFill>
+                <a:latin typeface="Tahoma" panose="020B0604030504040204" pitchFamily="34" charset="0"/>
+                <a:ea typeface="Tahoma" panose="020B0604030504040204" pitchFamily="34" charset="0"/>
+                <a:cs typeface="Tahoma" panose="020B0604030504040204" pitchFamily="34" charset="0"/>
+              </a:rPr>
+              <a:t>La </a:t>
+            </a:r>
+            <a:r>
+              <a:rPr lang="it-IT" sz="2400" b="1">
+                <a:solidFill>
+                  <a:srgbClr val="27282D"/>
+                </a:solidFill>
+                <a:latin typeface="Tahoma" panose="020B0604030504040204" pitchFamily="34" charset="0"/>
+                <a:ea typeface="Tahoma" panose="020B0604030504040204" pitchFamily="34" charset="0"/>
+                <a:cs typeface="Tahoma" panose="020B0604030504040204" pitchFamily="34" charset="0"/>
+              </a:rPr>
+              <a:t>complessità</a:t>
+            </a:r>
+            <a:r>
+              <a:rPr lang="it-IT" sz="2400">
+                <a:solidFill>
+                  <a:srgbClr val="27282D"/>
+                </a:solidFill>
+                <a:latin typeface="Tahoma" panose="020B0604030504040204" pitchFamily="34" charset="0"/>
+                <a:ea typeface="Tahoma" panose="020B0604030504040204" pitchFamily="34" charset="0"/>
+                <a:cs typeface="Tahoma" panose="020B0604030504040204" pitchFamily="34" charset="0"/>
+              </a:rPr>
+              <a:t> del problema dipende dal numero di utenti, dalla potenza di calcolo disponibile e dal carico della rete. La hash di ogni blocco contiene la hash del blocco precedente, incrementando la sicurezza ed impedendo ogni sorta di violazione informatica.</a:t>
+            </a:r>
+          </a:p>
+        </p:txBody>
+      </p:sp>
+      <p:sp>
+        <p:nvSpPr>
+          <p:cNvPr id="7" name="Segnaposto numero diapositiva 6">
+            <a:extLst>
+              <a:ext uri="{FF2B5EF4-FFF2-40B4-BE49-F238E27FC236}">
+                <a16:creationId xmlns:a16="http://schemas.microsoft.com/office/drawing/2014/main" id="{AB740BE9-E218-4144-BFDE-AE473D230A3D}"/>
+              </a:ext>
+            </a:extLst>
+          </p:cNvPr>
+          <p:cNvSpPr>
+            <a:spLocks noGrp="1"/>
+          </p:cNvSpPr>
+          <p:nvPr>
+            <p:ph type="sldNum" sz="quarter" idx="12"/>
+          </p:nvPr>
+        </p:nvSpPr>
+        <p:spPr/>
+        <p:txBody>
+          <a:bodyPr/>
+          <a:lstStyle/>
+          <a:p>
+            <a:pPr>
+              <a:defRPr/>
+            </a:pPr>
+            <a:fld id="{48B4153A-D4C5-4CEF-8992-0D8815C829E3}" type="slidenum">
+              <a:rPr lang="en-US" smtClean="0"/>
+              <a:pPr>
+                <a:defRPr/>
+              </a:pPr>
+              <a:t>13</a:t>
+            </a:fld>
+            <a:endParaRPr lang="en-US" dirty="0"/>
+          </a:p>
+        </p:txBody>
+      </p:sp>
+      <p:sp>
+        <p:nvSpPr>
+          <p:cNvPr id="6" name="Titolo 4">
+            <a:extLst>
+              <a:ext uri="{FF2B5EF4-FFF2-40B4-BE49-F238E27FC236}">
+                <a16:creationId xmlns:a16="http://schemas.microsoft.com/office/drawing/2014/main" id="{CF9A4806-60B4-80DC-1F76-D2EB3E6C376B}"/>
+              </a:ext>
+            </a:extLst>
+          </p:cNvPr>
+          <p:cNvSpPr>
+            <a:spLocks noGrp="1"/>
+          </p:cNvSpPr>
+          <p:nvPr>
+            <p:ph type="title"/>
+          </p:nvPr>
+        </p:nvSpPr>
+        <p:spPr>
+          <a:xfrm>
+            <a:off x="461169" y="422999"/>
+            <a:ext cx="11269662" cy="384721"/>
+          </a:xfrm>
+        </p:spPr>
+        <p:txBody>
+          <a:bodyPr/>
+          <a:lstStyle/>
+          <a:p>
+            <a:r>
+              <a:rPr lang="it-IT" sz="2800">
+                <a:solidFill>
+                  <a:schemeClr val="tx1"/>
+                </a:solidFill>
+                <a:latin typeface="Tahoma" panose="020B0604030504040204" pitchFamily="34" charset="0"/>
+                <a:ea typeface="Tahoma" panose="020B0604030504040204" pitchFamily="34" charset="0"/>
+                <a:cs typeface="Tahoma" panose="020B0604030504040204" pitchFamily="34" charset="0"/>
+              </a:rPr>
+              <a:t>Algoritmo Proof-of-Work (PoW)</a:t>
+            </a:r>
+            <a:endParaRPr lang="it-IT" dirty="0"/>
+          </a:p>
+        </p:txBody>
+      </p:sp>
+      <p:pic>
+        <p:nvPicPr>
+          <p:cNvPr id="4" name="Immagine 3" descr="Immagine che contiene testo, lavagna&#10;&#10;Descrizione generata automaticamente">
+            <a:extLst>
+              <a:ext uri="{FF2B5EF4-FFF2-40B4-BE49-F238E27FC236}">
+                <a16:creationId xmlns:a16="http://schemas.microsoft.com/office/drawing/2014/main" id="{E7A53C78-E31A-086F-3EB4-670FF8B68E58}"/>
+              </a:ext>
+            </a:extLst>
+          </p:cNvPr>
+          <p:cNvPicPr>
+            <a:picLocks noChangeAspect="1"/>
+          </p:cNvPicPr>
+          <p:nvPr/>
+        </p:nvPicPr>
+        <p:blipFill>
+          <a:blip r:embed="rId2"/>
+          <a:stretch>
+            <a:fillRect/>
+          </a:stretch>
+        </p:blipFill>
+        <p:spPr>
+          <a:xfrm>
+            <a:off x="2532185" y="3429000"/>
+            <a:ext cx="7385538" cy="2852345"/>
+          </a:xfrm>
+          <a:prstGeom prst="rect">
+            <a:avLst/>
+          </a:prstGeom>
+        </p:spPr>
+      </p:pic>
+    </p:spTree>
+    <p:extLst>
+      <p:ext uri="{BB962C8B-B14F-4D97-AF65-F5344CB8AC3E}">
+        <p14:creationId xmlns:p14="http://schemas.microsoft.com/office/powerpoint/2010/main" val="3011680491"/>
+      </p:ext>
+    </p:extLst>
+  </p:cSld>
+  <p:clrMapOvr>
+    <a:masterClrMapping/>
+  </p:clrMapOvr>
+</p:sld>
+</file>
+
+<file path=ppt/slides/slide14.xml><?xml version="1.0" encoding="utf-8"?>
+<p:sld xmlns:a="http://schemas.openxmlformats.org/drawingml/2006/main" xmlns:r="http://schemas.openxmlformats.org/officeDocument/2006/relationships" xmlns:p="http://schemas.openxmlformats.org/presentationml/2006/main">
+  <p:cSld>
+    <p:spTree>
+      <p:nvGrpSpPr>
+        <p:cNvPr id="1" name=""/>
+        <p:cNvGrpSpPr/>
+        <p:nvPr/>
+      </p:nvGrpSpPr>
+      <p:grpSpPr>
+        <a:xfrm>
+          <a:off x="0" y="0"/>
+          <a:ext cx="0" cy="0"/>
+          <a:chOff x="0" y="0"/>
+          <a:chExt cx="0" cy="0"/>
+        </a:xfrm>
+      </p:grpSpPr>
+      <p:sp>
+        <p:nvSpPr>
+          <p:cNvPr id="7" name="Segnaposto numero diapositiva 6">
+            <a:extLst>
+              <a:ext uri="{FF2B5EF4-FFF2-40B4-BE49-F238E27FC236}">
+                <a16:creationId xmlns:a16="http://schemas.microsoft.com/office/drawing/2014/main" id="{AB740BE9-E218-4144-BFDE-AE473D230A3D}"/>
+              </a:ext>
+            </a:extLst>
+          </p:cNvPr>
+          <p:cNvSpPr>
+            <a:spLocks noGrp="1"/>
+          </p:cNvSpPr>
+          <p:nvPr>
+            <p:ph type="sldNum" sz="quarter" idx="12"/>
+          </p:nvPr>
+        </p:nvSpPr>
+        <p:spPr/>
+        <p:txBody>
+          <a:bodyPr/>
+          <a:lstStyle/>
+          <a:p>
+            <a:pPr>
+              <a:defRPr/>
+            </a:pPr>
+            <a:fld id="{48B4153A-D4C5-4CEF-8992-0D8815C829E3}" type="slidenum">
+              <a:rPr lang="en-US" smtClean="0"/>
+              <a:pPr>
+                <a:defRPr/>
+              </a:pPr>
+              <a:t>14</a:t>
+            </a:fld>
+            <a:endParaRPr lang="en-US" dirty="0"/>
+          </a:p>
+        </p:txBody>
+      </p:sp>
+      <p:sp>
+        <p:nvSpPr>
+          <p:cNvPr id="5" name="Titolo 4">
+            <a:extLst>
+              <a:ext uri="{FF2B5EF4-FFF2-40B4-BE49-F238E27FC236}">
+                <a16:creationId xmlns:a16="http://schemas.microsoft.com/office/drawing/2014/main" id="{82C46BA2-B380-4357-B125-BA9F08A643F5}"/>
+              </a:ext>
+            </a:extLst>
+          </p:cNvPr>
+          <p:cNvSpPr>
+            <a:spLocks noGrp="1"/>
+          </p:cNvSpPr>
+          <p:nvPr>
+            <p:ph type="title"/>
+          </p:nvPr>
+        </p:nvSpPr>
+        <p:spPr>
+          <a:xfrm>
+            <a:off x="468895" y="503475"/>
+            <a:ext cx="11269308" cy="384721"/>
+          </a:xfrm>
+        </p:spPr>
+        <p:txBody>
+          <a:bodyPr/>
+          <a:lstStyle/>
+          <a:p>
+            <a:r>
+              <a:rPr lang="it-IT" altLang="it-IT"/>
+              <a:t>Bibliografia</a:t>
+            </a:r>
+            <a:endParaRPr lang="it-IT" dirty="0"/>
+          </a:p>
+        </p:txBody>
+      </p:sp>
+      <p:sp>
+        <p:nvSpPr>
+          <p:cNvPr id="3" name="Segnaposto testo 2">
+            <a:extLst>
+              <a:ext uri="{FF2B5EF4-FFF2-40B4-BE49-F238E27FC236}">
+                <a16:creationId xmlns:a16="http://schemas.microsoft.com/office/drawing/2014/main" id="{15CD42DB-61E6-AA3D-7125-BF4BEDB5D886}"/>
+              </a:ext>
+            </a:extLst>
+          </p:cNvPr>
+          <p:cNvSpPr>
+            <a:spLocks noGrp="1"/>
+          </p:cNvSpPr>
+          <p:nvPr>
+            <p:ph type="body" idx="1"/>
+          </p:nvPr>
+        </p:nvSpPr>
+        <p:spPr>
+          <a:xfrm>
+            <a:off x="477519" y="1557338"/>
+            <a:ext cx="11043921" cy="4392612"/>
+          </a:xfrm>
+        </p:spPr>
+        <p:txBody>
+          <a:bodyPr/>
+          <a:lstStyle/>
+          <a:p>
+            <a:endParaRPr lang="it-IT" dirty="0"/>
+          </a:p>
+          <a:p>
+            <a:endParaRPr lang="it-IT" dirty="0"/>
+          </a:p>
+        </p:txBody>
+      </p:sp>
+      <p:sp>
+        <p:nvSpPr>
+          <p:cNvPr id="4" name="CasellaDiTesto 3">
+            <a:extLst>
+              <a:ext uri="{FF2B5EF4-FFF2-40B4-BE49-F238E27FC236}">
+                <a16:creationId xmlns:a16="http://schemas.microsoft.com/office/drawing/2014/main" id="{9322B210-1466-C4E8-AD81-696A0B3E32CF}"/>
+              </a:ext>
+            </a:extLst>
+          </p:cNvPr>
+          <p:cNvSpPr txBox="1"/>
+          <p:nvPr/>
+        </p:nvSpPr>
+        <p:spPr>
+          <a:xfrm>
+            <a:off x="825119" y="1555595"/>
+            <a:ext cx="6098344" cy="646331"/>
+          </a:xfrm>
+          <a:prstGeom prst="rect">
+            <a:avLst/>
+          </a:prstGeom>
+          <a:noFill/>
+        </p:spPr>
+        <p:txBody>
+          <a:bodyPr wrap="square">
+            <a:spAutoFit/>
+          </a:bodyPr>
+          <a:lstStyle/>
+          <a:p>
+            <a:r>
+              <a:rPr lang="it-IT"/>
+              <a:t>https://academy.binance.com/it/articles/what-is-a-blockchain-consensus-algorithm</a:t>
+            </a:r>
+          </a:p>
+        </p:txBody>
+      </p:sp>
+      <p:sp>
+        <p:nvSpPr>
+          <p:cNvPr id="6" name="CasellaDiTesto 5">
+            <a:extLst>
+              <a:ext uri="{FF2B5EF4-FFF2-40B4-BE49-F238E27FC236}">
+                <a16:creationId xmlns:a16="http://schemas.microsoft.com/office/drawing/2014/main" id="{A7F42863-47C7-4217-8290-1943E1F79E31}"/>
+              </a:ext>
+            </a:extLst>
+          </p:cNvPr>
+          <p:cNvSpPr txBox="1"/>
+          <p:nvPr/>
+        </p:nvSpPr>
+        <p:spPr>
+          <a:xfrm>
+            <a:off x="825119" y="2392876"/>
+            <a:ext cx="6098344" cy="369332"/>
+          </a:xfrm>
+          <a:prstGeom prst="rect">
+            <a:avLst/>
+          </a:prstGeom>
+          <a:noFill/>
+        </p:spPr>
+        <p:txBody>
+          <a:bodyPr wrap="square">
+            <a:spAutoFit/>
+          </a:bodyPr>
+          <a:lstStyle/>
+          <a:p>
+            <a:r>
+              <a:rPr lang="it-IT"/>
+              <a:t>https://it.cointelegraph.com/explained/proof-of-work-explained</a:t>
+            </a:r>
+          </a:p>
+        </p:txBody>
+      </p:sp>
+    </p:spTree>
+    <p:extLst>
+      <p:ext uri="{BB962C8B-B14F-4D97-AF65-F5344CB8AC3E}">
+        <p14:creationId xmlns:p14="http://schemas.microsoft.com/office/powerpoint/2010/main" val="3490964097"/>
+      </p:ext>
+    </p:extLst>
+  </p:cSld>
+  <p:clrMapOvr>
+    <a:masterClrMapping/>
+  </p:clrMapOvr>
+</p:sld>
+</file>
+
 <file path=ppt/slides/slide2.xml><?xml version="1.0" encoding="utf-8"?>
 <p:sld xmlns:a="http://schemas.openxmlformats.org/drawingml/2006/main" xmlns:r="http://schemas.openxmlformats.org/officeDocument/2006/relationships" xmlns:p="http://schemas.openxmlformats.org/presentationml/2006/main">
   <p:cSld>
@@ -8720,8 +10219,8 @@
         </p:nvSpPr>
         <p:spPr>
           <a:xfrm>
-            <a:off x="862818" y="1406166"/>
-            <a:ext cx="10466363" cy="4392612"/>
+            <a:off x="862819" y="1406166"/>
+            <a:ext cx="5523914" cy="4392612"/>
           </a:xfrm>
         </p:spPr>
         <p:txBody>
@@ -8863,90 +10362,6 @@
               <a:t>i dati che vogliono aggiungere fino a quando non producono una soluzione specifica.</a:t>
             </a:r>
           </a:p>
-          <a:p>
-            <a:pPr marL="342900" indent="-342900" algn="just">
-              <a:lnSpc>
-                <a:spcPct val="115000"/>
-              </a:lnSpc>
-              <a:spcBef>
-                <a:spcPts val="2400"/>
-              </a:spcBef>
-              <a:buFont typeface="Wingdings" panose="05000000000000000000" pitchFamily="2" charset="2"/>
-              <a:buChar char="ü"/>
-              <a:tabLst>
-                <a:tab pos="457200" algn="l"/>
-              </a:tabLst>
-            </a:pPr>
-            <a:r>
-              <a:rPr lang="it-IT" sz="2400">
-                <a:solidFill>
-                  <a:schemeClr val="tx1"/>
-                </a:solidFill>
-                <a:latin typeface="Tahoma" panose="020B0604030504040204" pitchFamily="34" charset="0"/>
-                <a:ea typeface="Tahoma" panose="020B0604030504040204" pitchFamily="34" charset="0"/>
-                <a:cs typeface="Tahoma" panose="020B0604030504040204" pitchFamily="34" charset="0"/>
-              </a:rPr>
-              <a:t>Una </a:t>
-            </a:r>
-            <a:r>
-              <a:rPr lang="it-IT" sz="2400">
-                <a:solidFill>
-                  <a:schemeClr val="tx1"/>
-                </a:solidFill>
-                <a:latin typeface="Tahoma" panose="020B0604030504040204" pitchFamily="34" charset="0"/>
-                <a:ea typeface="Tahoma" panose="020B0604030504040204" pitchFamily="34" charset="0"/>
-                <a:cs typeface="Tahoma" panose="020B0604030504040204" pitchFamily="34" charset="0"/>
-                <a:hlinkClick r:id="rId2">
-                  <a:extLst>
-                    <a:ext uri="{A12FA001-AC4F-418D-AE19-62706E023703}">
-                      <ahyp:hlinkClr xmlns:ahyp="http://schemas.microsoft.com/office/drawing/2018/hyperlinkcolor" val="tx"/>
-                    </a:ext>
-                  </a:extLst>
-                </a:hlinkClick>
-              </a:rPr>
-              <a:t>hash</a:t>
-            </a:r>
-            <a:r>
-              <a:rPr lang="it-IT" sz="2400">
-                <a:solidFill>
-                  <a:schemeClr val="tx1"/>
-                </a:solidFill>
-                <a:latin typeface="Tahoma" panose="020B0604030504040204" pitchFamily="34" charset="0"/>
-                <a:ea typeface="Tahoma" panose="020B0604030504040204" pitchFamily="34" charset="0"/>
-                <a:cs typeface="Tahoma" panose="020B0604030504040204" pitchFamily="34" charset="0"/>
-              </a:rPr>
-              <a:t> è una stringa apparentemente casuale di lettere e numeri generata dall'elaborazione di dati attraverso una </a:t>
-            </a:r>
-            <a:r>
-              <a:rPr lang="it-IT" sz="2400">
-                <a:solidFill>
-                  <a:schemeClr val="tx1"/>
-                </a:solidFill>
-                <a:latin typeface="Tahoma" panose="020B0604030504040204" pitchFamily="34" charset="0"/>
-                <a:ea typeface="Tahoma" panose="020B0604030504040204" pitchFamily="34" charset="0"/>
-                <a:cs typeface="Tahoma" panose="020B0604030504040204" pitchFamily="34" charset="0"/>
-                <a:hlinkClick r:id="rId3">
-                  <a:extLst>
-                    <a:ext uri="{A12FA001-AC4F-418D-AE19-62706E023703}">
-                      <ahyp:hlinkClr xmlns:ahyp="http://schemas.microsoft.com/office/drawing/2018/hyperlinkcolor" val="tx"/>
-                    </a:ext>
-                  </a:extLst>
-                </a:hlinkClick>
-              </a:rPr>
-              <a:t>funzione di hash</a:t>
-            </a:r>
-            <a:r>
-              <a:rPr lang="it-IT" sz="2400">
-                <a:solidFill>
-                  <a:schemeClr val="tx1"/>
-                </a:solidFill>
-                <a:latin typeface="Tahoma" panose="020B0604030504040204" pitchFamily="34" charset="0"/>
-                <a:ea typeface="Tahoma" panose="020B0604030504040204" pitchFamily="34" charset="0"/>
-                <a:cs typeface="Tahoma" panose="020B0604030504040204" pitchFamily="34" charset="0"/>
-              </a:rPr>
-              <a:t>. Tuttavia, elaborando gli stessi dati nella stessa funzione, si otterrà lo stesso output. Cambiando anche un solo dettaglio, però, porterà a una hash completamente differente.</a:t>
-            </a:r>
-          </a:p>
         </p:txBody>
       </p:sp>
       <p:sp>
@@ -9025,6 +10440,36 @@
           </a:p>
         </p:txBody>
       </p:sp>
+      <p:pic>
+        <p:nvPicPr>
+          <p:cNvPr id="4" name="Immagine 3" descr="Immagine che contiene testo, contenitore, cestino&#10;&#10;Descrizione generata automaticamente">
+            <a:extLst>
+              <a:ext uri="{FF2B5EF4-FFF2-40B4-BE49-F238E27FC236}">
+                <a16:creationId xmlns:a16="http://schemas.microsoft.com/office/drawing/2014/main" id="{43CFC3F0-8C7E-FF01-C291-EA4F72DAEC1B}"/>
+              </a:ext>
+            </a:extLst>
+          </p:cNvPr>
+          <p:cNvPicPr>
+            <a:picLocks noChangeAspect="1"/>
+          </p:cNvPicPr>
+          <p:nvPr/>
+        </p:nvPicPr>
+        <p:blipFill>
+          <a:blip r:embed="rId3"/>
+          <a:stretch>
+            <a:fillRect/>
+          </a:stretch>
+        </p:blipFill>
+        <p:spPr>
+          <a:xfrm>
+            <a:off x="6787982" y="2127855"/>
+            <a:ext cx="4942849" cy="2949233"/>
+          </a:xfrm>
+          <a:prstGeom prst="rect">
+            <a:avLst/>
+          </a:prstGeom>
+        </p:spPr>
+      </p:pic>
     </p:spTree>
     <p:extLst>
       <p:ext uri="{BB962C8B-B14F-4D97-AF65-F5344CB8AC3E}">
@@ -9057,6 +10502,125 @@
       </p:grpSpPr>
       <p:sp>
         <p:nvSpPr>
+          <p:cNvPr id="2" name="Segnaposto testo 1">
+            <a:extLst>
+              <a:ext uri="{FF2B5EF4-FFF2-40B4-BE49-F238E27FC236}">
+                <a16:creationId xmlns:a16="http://schemas.microsoft.com/office/drawing/2014/main" id="{E5AE986C-196F-4141-A898-FA4C4198CDCC}"/>
+              </a:ext>
+            </a:extLst>
+          </p:cNvPr>
+          <p:cNvSpPr>
+            <a:spLocks noGrp="1"/>
+          </p:cNvSpPr>
+          <p:nvPr>
+            <p:ph type="body" idx="1"/>
+          </p:nvPr>
+        </p:nvSpPr>
+        <p:spPr>
+          <a:xfrm>
+            <a:off x="862818" y="1406166"/>
+            <a:ext cx="5017477" cy="4392612"/>
+          </a:xfrm>
+        </p:spPr>
+        <p:txBody>
+          <a:bodyPr/>
+          <a:lstStyle/>
+          <a:p>
+            <a:pPr marL="342900" indent="-342900" algn="just">
+              <a:lnSpc>
+                <a:spcPct val="115000"/>
+              </a:lnSpc>
+              <a:spcBef>
+                <a:spcPts val="2400"/>
+              </a:spcBef>
+              <a:buFont typeface="Wingdings" panose="05000000000000000000" pitchFamily="2" charset="2"/>
+              <a:buChar char="ü"/>
+              <a:tabLst>
+                <a:tab pos="457200" algn="l"/>
+              </a:tabLst>
+            </a:pPr>
+            <a:r>
+              <a:rPr lang="it-IT" sz="2400">
+                <a:solidFill>
+                  <a:schemeClr val="tx1"/>
+                </a:solidFill>
+                <a:latin typeface="Tahoma" panose="020B0604030504040204" pitchFamily="34" charset="0"/>
+                <a:ea typeface="Tahoma" panose="020B0604030504040204" pitchFamily="34" charset="0"/>
+                <a:cs typeface="Tahoma" panose="020B0604030504040204" pitchFamily="34" charset="0"/>
+              </a:rPr>
+              <a:t>Una </a:t>
+            </a:r>
+            <a:r>
+              <a:rPr lang="it-IT" sz="2400" b="1">
+                <a:solidFill>
+                  <a:schemeClr val="tx1"/>
+                </a:solidFill>
+                <a:latin typeface="Tahoma" panose="020B0604030504040204" pitchFamily="34" charset="0"/>
+                <a:ea typeface="Tahoma" panose="020B0604030504040204" pitchFamily="34" charset="0"/>
+                <a:cs typeface="Tahoma" panose="020B0604030504040204" pitchFamily="34" charset="0"/>
+              </a:rPr>
+              <a:t>hash </a:t>
+            </a:r>
+            <a:r>
+              <a:rPr lang="it-IT" sz="2400">
+                <a:solidFill>
+                  <a:schemeClr val="tx1"/>
+                </a:solidFill>
+                <a:latin typeface="Tahoma" panose="020B0604030504040204" pitchFamily="34" charset="0"/>
+                <a:ea typeface="Tahoma" panose="020B0604030504040204" pitchFamily="34" charset="0"/>
+                <a:cs typeface="Tahoma" panose="020B0604030504040204" pitchFamily="34" charset="0"/>
+              </a:rPr>
+              <a:t>è una stringa apparentemente </a:t>
+            </a:r>
+            <a:r>
+              <a:rPr lang="it-IT" sz="2400" b="1">
+                <a:solidFill>
+                  <a:schemeClr val="tx1"/>
+                </a:solidFill>
+                <a:latin typeface="Tahoma" panose="020B0604030504040204" pitchFamily="34" charset="0"/>
+                <a:ea typeface="Tahoma" panose="020B0604030504040204" pitchFamily="34" charset="0"/>
+                <a:cs typeface="Tahoma" panose="020B0604030504040204" pitchFamily="34" charset="0"/>
+              </a:rPr>
+              <a:t>casuale</a:t>
+            </a:r>
+            <a:r>
+              <a:rPr lang="it-IT" sz="2400">
+                <a:solidFill>
+                  <a:schemeClr val="tx1"/>
+                </a:solidFill>
+                <a:latin typeface="Tahoma" panose="020B0604030504040204" pitchFamily="34" charset="0"/>
+                <a:ea typeface="Tahoma" panose="020B0604030504040204" pitchFamily="34" charset="0"/>
+                <a:cs typeface="Tahoma" panose="020B0604030504040204" pitchFamily="34" charset="0"/>
+              </a:rPr>
+              <a:t> di lettere e numeri generata dall'elaborazione di dati attraverso una </a:t>
+            </a:r>
+            <a:r>
+              <a:rPr lang="it-IT" sz="2400" b="1">
+                <a:solidFill>
+                  <a:schemeClr val="tx1"/>
+                </a:solidFill>
+                <a:latin typeface="Tahoma" panose="020B0604030504040204" pitchFamily="34" charset="0"/>
+                <a:ea typeface="Tahoma" panose="020B0604030504040204" pitchFamily="34" charset="0"/>
+                <a:cs typeface="Tahoma" panose="020B0604030504040204" pitchFamily="34" charset="0"/>
+              </a:rPr>
+              <a:t>funzione di hash</a:t>
+            </a:r>
+            <a:r>
+              <a:rPr lang="it-IT" sz="2400">
+                <a:solidFill>
+                  <a:schemeClr val="tx1"/>
+                </a:solidFill>
+                <a:latin typeface="Tahoma" panose="020B0604030504040204" pitchFamily="34" charset="0"/>
+                <a:ea typeface="Tahoma" panose="020B0604030504040204" pitchFamily="34" charset="0"/>
+                <a:cs typeface="Tahoma" panose="020B0604030504040204" pitchFamily="34" charset="0"/>
+              </a:rPr>
+              <a:t>. Tuttavia, elaborando gli stessi dati nella stessa funzione, si otterrà lo stesso output. Cambiando anche un solo dettaglio, però, porterà a una hash completamente differente.</a:t>
+            </a:r>
+          </a:p>
+        </p:txBody>
+      </p:sp>
+      <p:sp>
+        <p:nvSpPr>
           <p:cNvPr id="7" name="Segnaposto numero diapositiva 6">
             <a:extLst>
               <a:ext uri="{FF2B5EF4-FFF2-40B4-BE49-F238E27FC236}">
@@ -9092,10 +10656,10 @@
       </p:sp>
       <p:sp>
         <p:nvSpPr>
-          <p:cNvPr id="5" name="Titolo 4">
-            <a:extLst>
-              <a:ext uri="{FF2B5EF4-FFF2-40B4-BE49-F238E27FC236}">
-                <a16:creationId xmlns:a16="http://schemas.microsoft.com/office/drawing/2014/main" id="{82C46BA2-B380-4357-B125-BA9F08A643F5}"/>
+          <p:cNvPr id="6" name="Titolo 4">
+            <a:extLst>
+              <a:ext uri="{FF2B5EF4-FFF2-40B4-BE49-F238E27FC236}">
+                <a16:creationId xmlns:a16="http://schemas.microsoft.com/office/drawing/2014/main" id="{CF9A4806-60B4-80DC-1F76-D2EB3E6C376B}"/>
               </a:ext>
             </a:extLst>
           </p:cNvPr>
@@ -9108,8 +10672,8 @@
         </p:nvSpPr>
         <p:spPr>
           <a:xfrm>
-            <a:off x="468895" y="503475"/>
-            <a:ext cx="11269308" cy="384721"/>
+            <a:off x="461169" y="422999"/>
+            <a:ext cx="11269662" cy="384721"/>
           </a:xfrm>
         </p:spPr>
         <p:txBody>
@@ -9117,85 +10681,54 @@
           <a:lstStyle/>
           <a:p>
             <a:r>
-              <a:rPr lang="it-IT" altLang="it-IT"/>
-              <a:t>Bibliografia</a:t>
+              <a:rPr lang="it-IT" sz="2800">
+                <a:solidFill>
+                  <a:schemeClr val="tx1"/>
+                </a:solidFill>
+                <a:latin typeface="Tahoma" panose="020B0604030504040204" pitchFamily="34" charset="0"/>
+                <a:ea typeface="Tahoma" panose="020B0604030504040204" pitchFamily="34" charset="0"/>
+                <a:cs typeface="Tahoma" panose="020B0604030504040204" pitchFamily="34" charset="0"/>
+              </a:rPr>
+              <a:t>Tipi di Algoritmi di consenso</a:t>
             </a:r>
             <a:endParaRPr lang="it-IT" dirty="0"/>
           </a:p>
         </p:txBody>
       </p:sp>
-      <p:sp>
-        <p:nvSpPr>
-          <p:cNvPr id="3" name="Segnaposto testo 2">
-            <a:extLst>
-              <a:ext uri="{FF2B5EF4-FFF2-40B4-BE49-F238E27FC236}">
-                <a16:creationId xmlns:a16="http://schemas.microsoft.com/office/drawing/2014/main" id="{15CD42DB-61E6-AA3D-7125-BF4BEDB5D886}"/>
-              </a:ext>
-            </a:extLst>
-          </p:cNvPr>
-          <p:cNvSpPr>
-            <a:spLocks noGrp="1"/>
-          </p:cNvSpPr>
-          <p:nvPr>
-            <p:ph type="body" idx="1"/>
-          </p:nvPr>
-        </p:nvSpPr>
-        <p:spPr>
-          <a:xfrm>
-            <a:off x="477519" y="1557338"/>
-            <a:ext cx="11043921" cy="4392612"/>
-          </a:xfrm>
-        </p:spPr>
-        <p:txBody>
-          <a:bodyPr/>
-          <a:lstStyle/>
-          <a:p>
-            <a:endParaRPr lang="it-IT" dirty="0"/>
-          </a:p>
-          <a:p>
-            <a:endParaRPr lang="it-IT" dirty="0"/>
-          </a:p>
-        </p:txBody>
-      </p:sp>
-      <p:sp>
-        <p:nvSpPr>
-          <p:cNvPr id="4" name="CasellaDiTesto 3">
-            <a:extLst>
-              <a:ext uri="{FF2B5EF4-FFF2-40B4-BE49-F238E27FC236}">
-                <a16:creationId xmlns:a16="http://schemas.microsoft.com/office/drawing/2014/main" id="{9322B210-1466-C4E8-AD81-696A0B3E32CF}"/>
-              </a:ext>
-            </a:extLst>
-          </p:cNvPr>
-          <p:cNvSpPr txBox="1"/>
+      <p:pic>
+        <p:nvPicPr>
+          <p:cNvPr id="4" name="Immagine 3" descr="Immagine che contiene diagramma&#10;&#10;Descrizione generata automaticamente">
+            <a:extLst>
+              <a:ext uri="{FF2B5EF4-FFF2-40B4-BE49-F238E27FC236}">
+                <a16:creationId xmlns:a16="http://schemas.microsoft.com/office/drawing/2014/main" id="{FC005BA0-6AD9-EA7F-86E8-3F5EE91FAB94}"/>
+              </a:ext>
+            </a:extLst>
+          </p:cNvPr>
+          <p:cNvPicPr>
+            <a:picLocks noChangeAspect="1"/>
+          </p:cNvPicPr>
           <p:nvPr/>
-        </p:nvSpPr>
-        <p:spPr>
-          <a:xfrm>
-            <a:off x="825119" y="1555595"/>
-            <a:ext cx="6098344" cy="646331"/>
+        </p:nvPicPr>
+        <p:blipFill>
+          <a:blip r:embed="rId2"/>
+          <a:stretch>
+            <a:fillRect/>
+          </a:stretch>
+        </p:blipFill>
+        <p:spPr>
+          <a:xfrm>
+            <a:off x="6713354" y="2435688"/>
+            <a:ext cx="5017477" cy="2628681"/>
           </a:xfrm>
           <a:prstGeom prst="rect">
             <a:avLst/>
           </a:prstGeom>
-          <a:noFill/>
-        </p:spPr>
-        <p:txBody>
-          <a:bodyPr wrap="square">
-            <a:spAutoFit/>
-          </a:bodyPr>
-          <a:lstStyle/>
-          <a:p>
-            <a:r>
-              <a:rPr lang="it-IT"/>
-              <a:t>https://academy.binance.com/it/articles/what-is-a-blockchain-consensus-algorithm</a:t>
-            </a:r>
-          </a:p>
-        </p:txBody>
-      </p:sp>
+        </p:spPr>
+      </p:pic>
     </p:spTree>
     <p:extLst>
       <p:ext uri="{BB962C8B-B14F-4D97-AF65-F5344CB8AC3E}">
-        <p14:creationId xmlns:p14="http://schemas.microsoft.com/office/powerpoint/2010/main" val="3490964097"/>
+        <p14:creationId xmlns:p14="http://schemas.microsoft.com/office/powerpoint/2010/main" val="2563988261"/>
       </p:ext>
     </p:extLst>
   </p:cSld>

--- a/Assicurazioni/Algoritmi di consenso distribuito_ita.pptx
+++ b/Assicurazioni/Algoritmi di consenso distribuito_ita.pptx
@@ -5,7 +5,7 @@
     <p:sldMasterId id="2147483648" r:id="rId5"/>
   </p:sldMasterIdLst>
   <p:notesMasterIdLst>
-    <p:notesMasterId r:id="rId20"/>
+    <p:notesMasterId r:id="rId23"/>
   </p:notesMasterIdLst>
   <p:sldIdLst>
     <p:sldId id="256" r:id="rId6"/>
@@ -21,7 +21,10 @@
     <p:sldId id="374" r:id="rId16"/>
     <p:sldId id="375" r:id="rId17"/>
     <p:sldId id="376" r:id="rId18"/>
-    <p:sldId id="343" r:id="rId19"/>
+    <p:sldId id="378" r:id="rId19"/>
+    <p:sldId id="377" r:id="rId20"/>
+    <p:sldId id="379" r:id="rId21"/>
+    <p:sldId id="343" r:id="rId22"/>
   </p:sldIdLst>
   <p:sldSz cx="12192000" cy="6858000"/>
   <p:notesSz cx="6858000" cy="9144000"/>
@@ -279,7 +282,7 @@
               <a:pPr>
                 <a:defRPr/>
               </a:pPr>
-              <a:t>3/21/2023</a:t>
+              <a:t>3/22/2023</a:t>
             </a:fld>
             <a:endParaRPr lang="en-US"/>
           </a:p>
@@ -8111,6 +8114,402 @@
       </p:grpSpPr>
       <p:sp>
         <p:nvSpPr>
+          <p:cNvPr id="2" name="Segnaposto testo 1">
+            <a:extLst>
+              <a:ext uri="{FF2B5EF4-FFF2-40B4-BE49-F238E27FC236}">
+                <a16:creationId xmlns:a16="http://schemas.microsoft.com/office/drawing/2014/main" id="{E5AE986C-196F-4141-A898-FA4C4198CDCC}"/>
+              </a:ext>
+            </a:extLst>
+          </p:cNvPr>
+          <p:cNvSpPr>
+            <a:spLocks noGrp="1"/>
+          </p:cNvSpPr>
+          <p:nvPr>
+            <p:ph type="body" idx="1"/>
+          </p:nvPr>
+        </p:nvSpPr>
+        <p:spPr>
+          <a:xfrm>
+            <a:off x="461168" y="1232694"/>
+            <a:ext cx="11269661" cy="4392612"/>
+          </a:xfrm>
+        </p:spPr>
+        <p:txBody>
+          <a:bodyPr/>
+          <a:lstStyle/>
+          <a:p>
+            <a:pPr marL="342900" indent="-342900" algn="just">
+              <a:lnSpc>
+                <a:spcPct val="115000"/>
+              </a:lnSpc>
+              <a:spcBef>
+                <a:spcPts val="2400"/>
+              </a:spcBef>
+              <a:buFont typeface="Wingdings" panose="05000000000000000000" pitchFamily="2" charset="2"/>
+              <a:buChar char="ü"/>
+              <a:tabLst>
+                <a:tab pos="457200" algn="l"/>
+              </a:tabLst>
+            </a:pPr>
+            <a:r>
+              <a:rPr lang="it-IT" sz="2400">
+                <a:solidFill>
+                  <a:srgbClr val="27282D"/>
+                </a:solidFill>
+                <a:latin typeface="Tahoma" panose="020B0604030504040204" pitchFamily="34" charset="0"/>
+                <a:ea typeface="Tahoma" panose="020B0604030504040204" pitchFamily="34" charset="0"/>
+                <a:cs typeface="Tahoma" panose="020B0604030504040204" pitchFamily="34" charset="0"/>
+              </a:rPr>
+              <a:t>Quando un </a:t>
+            </a:r>
+            <a:r>
+              <a:rPr lang="it-IT" sz="2400" b="1">
+                <a:solidFill>
+                  <a:srgbClr val="27282D"/>
+                </a:solidFill>
+                <a:latin typeface="Tahoma" panose="020B0604030504040204" pitchFamily="34" charset="0"/>
+                <a:ea typeface="Tahoma" panose="020B0604030504040204" pitchFamily="34" charset="0"/>
+                <a:cs typeface="Tahoma" panose="020B0604030504040204" pitchFamily="34" charset="0"/>
+              </a:rPr>
+              <a:t>miner</a:t>
+            </a:r>
+            <a:r>
+              <a:rPr lang="it-IT" sz="2400">
+                <a:solidFill>
+                  <a:srgbClr val="27282D"/>
+                </a:solidFill>
+                <a:latin typeface="Tahoma" panose="020B0604030504040204" pitchFamily="34" charset="0"/>
+                <a:ea typeface="Tahoma" panose="020B0604030504040204" pitchFamily="34" charset="0"/>
+                <a:cs typeface="Tahoma" panose="020B0604030504040204" pitchFamily="34" charset="0"/>
+              </a:rPr>
+              <a:t> riesce a risolvere il problema, il nuovo blocco viene creato e le </a:t>
+            </a:r>
+            <a:r>
+              <a:rPr lang="it-IT" sz="2400" b="1">
+                <a:solidFill>
+                  <a:srgbClr val="27282D"/>
+                </a:solidFill>
+                <a:latin typeface="Tahoma" panose="020B0604030504040204" pitchFamily="34" charset="0"/>
+                <a:ea typeface="Tahoma" panose="020B0604030504040204" pitchFamily="34" charset="0"/>
+                <a:cs typeface="Tahoma" panose="020B0604030504040204" pitchFamily="34" charset="0"/>
+              </a:rPr>
+              <a:t>transazioni</a:t>
+            </a:r>
+            <a:r>
+              <a:rPr lang="it-IT" sz="2400">
+                <a:solidFill>
+                  <a:srgbClr val="27282D"/>
+                </a:solidFill>
+                <a:latin typeface="Tahoma" panose="020B0604030504040204" pitchFamily="34" charset="0"/>
+                <a:ea typeface="Tahoma" panose="020B0604030504040204" pitchFamily="34" charset="0"/>
+                <a:cs typeface="Tahoma" panose="020B0604030504040204" pitchFamily="34" charset="0"/>
+              </a:rPr>
+              <a:t> vengono piazzate al suo interno.</a:t>
+            </a:r>
+          </a:p>
+          <a:p>
+            <a:pPr marL="342900" indent="-342900" algn="just">
+              <a:lnSpc>
+                <a:spcPct val="115000"/>
+              </a:lnSpc>
+              <a:spcBef>
+                <a:spcPts val="2400"/>
+              </a:spcBef>
+              <a:buFont typeface="Wingdings" panose="05000000000000000000" pitchFamily="2" charset="2"/>
+              <a:buChar char="ü"/>
+              <a:tabLst>
+                <a:tab pos="457200" algn="l"/>
+              </a:tabLst>
+            </a:pPr>
+            <a:r>
+              <a:rPr lang="it-IT" sz="2400">
+                <a:solidFill>
+                  <a:srgbClr val="27282D"/>
+                </a:solidFill>
+                <a:latin typeface="Tahoma" panose="020B0604030504040204" pitchFamily="34" charset="0"/>
+                <a:ea typeface="Tahoma" panose="020B0604030504040204" pitchFamily="34" charset="0"/>
+                <a:cs typeface="Tahoma" panose="020B0604030504040204" pitchFamily="34" charset="0"/>
+              </a:rPr>
+              <a:t>La </a:t>
+            </a:r>
+            <a:r>
+              <a:rPr lang="it-IT" sz="2400" b="1">
+                <a:solidFill>
+                  <a:srgbClr val="27282D"/>
+                </a:solidFill>
+                <a:latin typeface="Tahoma" panose="020B0604030504040204" pitchFamily="34" charset="0"/>
+                <a:ea typeface="Tahoma" panose="020B0604030504040204" pitchFamily="34" charset="0"/>
+                <a:cs typeface="Tahoma" panose="020B0604030504040204" pitchFamily="34" charset="0"/>
+              </a:rPr>
+              <a:t>Proof-of-Work</a:t>
+            </a:r>
+            <a:r>
+              <a:rPr lang="it-IT" sz="2400">
+                <a:solidFill>
+                  <a:srgbClr val="27282D"/>
+                </a:solidFill>
+                <a:latin typeface="Tahoma" panose="020B0604030504040204" pitchFamily="34" charset="0"/>
+                <a:ea typeface="Tahoma" panose="020B0604030504040204" pitchFamily="34" charset="0"/>
+                <a:cs typeface="Tahoma" panose="020B0604030504040204" pitchFamily="34" charset="0"/>
+              </a:rPr>
+              <a:t> sta alla base di parecchie </a:t>
+            </a:r>
+            <a:r>
+              <a:rPr lang="it-IT" sz="2400" b="1">
+                <a:solidFill>
+                  <a:srgbClr val="27282D"/>
+                </a:solidFill>
+                <a:latin typeface="Tahoma" panose="020B0604030504040204" pitchFamily="34" charset="0"/>
+                <a:ea typeface="Tahoma" panose="020B0604030504040204" pitchFamily="34" charset="0"/>
+                <a:cs typeface="Tahoma" panose="020B0604030504040204" pitchFamily="34" charset="0"/>
+              </a:rPr>
+              <a:t>criptovalute</a:t>
+            </a:r>
+            <a:r>
+              <a:rPr lang="it-IT" sz="2400">
+                <a:solidFill>
+                  <a:srgbClr val="27282D"/>
+                </a:solidFill>
+                <a:latin typeface="Tahoma" panose="020B0604030504040204" pitchFamily="34" charset="0"/>
+                <a:ea typeface="Tahoma" panose="020B0604030504040204" pitchFamily="34" charset="0"/>
+                <a:cs typeface="Tahoma" panose="020B0604030504040204" pitchFamily="34" charset="0"/>
+              </a:rPr>
+              <a:t>.</a:t>
+            </a:r>
+          </a:p>
+          <a:p>
+            <a:pPr marL="342900" indent="-342900" algn="just">
+              <a:lnSpc>
+                <a:spcPct val="115000"/>
+              </a:lnSpc>
+              <a:spcBef>
+                <a:spcPts val="2400"/>
+              </a:spcBef>
+              <a:buFont typeface="Wingdings" panose="05000000000000000000" pitchFamily="2" charset="2"/>
+              <a:buChar char="ü"/>
+              <a:tabLst>
+                <a:tab pos="457200" algn="l"/>
+              </a:tabLst>
+            </a:pPr>
+            <a:r>
+              <a:rPr lang="it-IT" sz="2400">
+                <a:solidFill>
+                  <a:srgbClr val="27282D"/>
+                </a:solidFill>
+                <a:latin typeface="Tahoma" panose="020B0604030504040204" pitchFamily="34" charset="0"/>
+                <a:ea typeface="Tahoma" panose="020B0604030504040204" pitchFamily="34" charset="0"/>
+                <a:cs typeface="Tahoma" panose="020B0604030504040204" pitchFamily="34" charset="0"/>
+              </a:rPr>
+              <a:t>La più popolare applicazione della </a:t>
+            </a:r>
+            <a:r>
+              <a:rPr lang="it-IT" sz="2400" b="1">
+                <a:solidFill>
+                  <a:srgbClr val="27282D"/>
+                </a:solidFill>
+                <a:latin typeface="Tahoma" panose="020B0604030504040204" pitchFamily="34" charset="0"/>
+                <a:ea typeface="Tahoma" panose="020B0604030504040204" pitchFamily="34" charset="0"/>
+                <a:cs typeface="Tahoma" panose="020B0604030504040204" pitchFamily="34" charset="0"/>
+              </a:rPr>
+              <a:t>PoW</a:t>
+            </a:r>
+            <a:r>
+              <a:rPr lang="it-IT" sz="2400">
+                <a:solidFill>
+                  <a:srgbClr val="27282D"/>
+                </a:solidFill>
+                <a:latin typeface="Tahoma" panose="020B0604030504040204" pitchFamily="34" charset="0"/>
+                <a:ea typeface="Tahoma" panose="020B0604030504040204" pitchFamily="34" charset="0"/>
+                <a:cs typeface="Tahoma" panose="020B0604030504040204" pitchFamily="34" charset="0"/>
+              </a:rPr>
+              <a:t> è il </a:t>
+            </a:r>
+            <a:r>
+              <a:rPr lang="it-IT" sz="2400" b="1">
+                <a:solidFill>
+                  <a:srgbClr val="27282D"/>
+                </a:solidFill>
+                <a:latin typeface="Tahoma" panose="020B0604030504040204" pitchFamily="34" charset="0"/>
+                <a:ea typeface="Tahoma" panose="020B0604030504040204" pitchFamily="34" charset="0"/>
+                <a:cs typeface="Tahoma" panose="020B0604030504040204" pitchFamily="34" charset="0"/>
+              </a:rPr>
+              <a:t>Bitcoin</a:t>
+            </a:r>
+            <a:r>
+              <a:rPr lang="it-IT" sz="2400">
+                <a:solidFill>
+                  <a:srgbClr val="27282D"/>
+                </a:solidFill>
+                <a:latin typeface="Tahoma" panose="020B0604030504040204" pitchFamily="34" charset="0"/>
+                <a:ea typeface="Tahoma" panose="020B0604030504040204" pitchFamily="34" charset="0"/>
+                <a:cs typeface="Tahoma" panose="020B0604030504040204" pitchFamily="34" charset="0"/>
+              </a:rPr>
+              <a:t>: è stata questa </a:t>
+            </a:r>
+            <a:r>
+              <a:rPr lang="it-IT" sz="2400" b="1">
+                <a:solidFill>
+                  <a:srgbClr val="27282D"/>
+                </a:solidFill>
+                <a:latin typeface="Tahoma" panose="020B0604030504040204" pitchFamily="34" charset="0"/>
+                <a:ea typeface="Tahoma" panose="020B0604030504040204" pitchFamily="34" charset="0"/>
+                <a:cs typeface="Tahoma" panose="020B0604030504040204" pitchFamily="34" charset="0"/>
+              </a:rPr>
+              <a:t>criptovaluta</a:t>
+            </a:r>
+            <a:r>
+              <a:rPr lang="it-IT" sz="2400">
+                <a:solidFill>
+                  <a:srgbClr val="27282D"/>
+                </a:solidFill>
+                <a:latin typeface="Tahoma" panose="020B0604030504040204" pitchFamily="34" charset="0"/>
+                <a:ea typeface="Tahoma" panose="020B0604030504040204" pitchFamily="34" charset="0"/>
+                <a:cs typeface="Tahoma" panose="020B0604030504040204" pitchFamily="34" charset="0"/>
+              </a:rPr>
+              <a:t> a gettare le basi per tale tipologia di consenso. </a:t>
+            </a:r>
+          </a:p>
+          <a:p>
+            <a:pPr marL="342900" indent="-342900" algn="just">
+              <a:lnSpc>
+                <a:spcPct val="115000"/>
+              </a:lnSpc>
+              <a:spcBef>
+                <a:spcPts val="2400"/>
+              </a:spcBef>
+              <a:buFont typeface="Wingdings" panose="05000000000000000000" pitchFamily="2" charset="2"/>
+              <a:buChar char="ü"/>
+              <a:tabLst>
+                <a:tab pos="457200" algn="l"/>
+              </a:tabLst>
+            </a:pPr>
+            <a:r>
+              <a:rPr lang="it-IT" sz="2400">
+                <a:solidFill>
+                  <a:srgbClr val="27282D"/>
+                </a:solidFill>
+                <a:latin typeface="Tahoma" panose="020B0604030504040204" pitchFamily="34" charset="0"/>
+                <a:ea typeface="Tahoma" panose="020B0604030504040204" pitchFamily="34" charset="0"/>
+                <a:cs typeface="Tahoma" panose="020B0604030504040204" pitchFamily="34" charset="0"/>
+              </a:rPr>
+              <a:t>Il problema viene definito </a:t>
+            </a:r>
+            <a:r>
+              <a:rPr lang="it-IT" sz="2400" b="1">
+                <a:solidFill>
+                  <a:srgbClr val="27282D"/>
+                </a:solidFill>
+                <a:latin typeface="Tahoma" panose="020B0604030504040204" pitchFamily="34" charset="0"/>
+                <a:ea typeface="Tahoma" panose="020B0604030504040204" pitchFamily="34" charset="0"/>
+                <a:cs typeface="Tahoma" panose="020B0604030504040204" pitchFamily="34" charset="0"/>
+              </a:rPr>
+              <a:t>Hashcash</a:t>
+            </a:r>
+            <a:r>
+              <a:rPr lang="it-IT" sz="2400">
+                <a:solidFill>
+                  <a:srgbClr val="27282D"/>
+                </a:solidFill>
+                <a:latin typeface="Tahoma" panose="020B0604030504040204" pitchFamily="34" charset="0"/>
+                <a:ea typeface="Tahoma" panose="020B0604030504040204" pitchFamily="34" charset="0"/>
+                <a:cs typeface="Tahoma" panose="020B0604030504040204" pitchFamily="34" charset="0"/>
+              </a:rPr>
+              <a:t>, e l’algoritmo cambia la propria difficoltà in maniera </a:t>
+            </a:r>
+            <a:r>
+              <a:rPr lang="it-IT" sz="2400" b="1">
+                <a:solidFill>
+                  <a:srgbClr val="27282D"/>
+                </a:solidFill>
+                <a:latin typeface="Tahoma" panose="020B0604030504040204" pitchFamily="34" charset="0"/>
+                <a:ea typeface="Tahoma" panose="020B0604030504040204" pitchFamily="34" charset="0"/>
+                <a:cs typeface="Tahoma" panose="020B0604030504040204" pitchFamily="34" charset="0"/>
+              </a:rPr>
+              <a:t>dinamica</a:t>
+            </a:r>
+            <a:r>
+              <a:rPr lang="it-IT" sz="2400">
+                <a:solidFill>
+                  <a:srgbClr val="27282D"/>
+                </a:solidFill>
+                <a:latin typeface="Tahoma" panose="020B0604030504040204" pitchFamily="34" charset="0"/>
+                <a:ea typeface="Tahoma" panose="020B0604030504040204" pitchFamily="34" charset="0"/>
+                <a:cs typeface="Tahoma" panose="020B0604030504040204" pitchFamily="34" charset="0"/>
+              </a:rPr>
+              <a:t> a seconda della potenza di calcolo disponibile nella rete. Il tempo di creazione di un blocco è di circa </a:t>
+            </a:r>
+            <a:r>
+              <a:rPr lang="it-IT" sz="2400" b="1">
+                <a:solidFill>
+                  <a:srgbClr val="27282D"/>
+                </a:solidFill>
+                <a:latin typeface="Tahoma" panose="020B0604030504040204" pitchFamily="34" charset="0"/>
+                <a:ea typeface="Tahoma" panose="020B0604030504040204" pitchFamily="34" charset="0"/>
+                <a:cs typeface="Tahoma" panose="020B0604030504040204" pitchFamily="34" charset="0"/>
+              </a:rPr>
+              <a:t>10 minuti</a:t>
+            </a:r>
+            <a:r>
+              <a:rPr lang="it-IT" sz="2400">
+                <a:solidFill>
+                  <a:srgbClr val="27282D"/>
+                </a:solidFill>
+                <a:latin typeface="Tahoma" panose="020B0604030504040204" pitchFamily="34" charset="0"/>
+                <a:ea typeface="Tahoma" panose="020B0604030504040204" pitchFamily="34" charset="0"/>
+                <a:cs typeface="Tahoma" panose="020B0604030504040204" pitchFamily="34" charset="0"/>
+              </a:rPr>
+              <a:t>. Anche altre valute basate sul Bitcoin, come il </a:t>
+            </a:r>
+            <a:r>
+              <a:rPr lang="it-IT" sz="2400" b="1">
+                <a:solidFill>
+                  <a:srgbClr val="27282D"/>
+                </a:solidFill>
+                <a:latin typeface="Tahoma" panose="020B0604030504040204" pitchFamily="34" charset="0"/>
+                <a:ea typeface="Tahoma" panose="020B0604030504040204" pitchFamily="34" charset="0"/>
+                <a:cs typeface="Tahoma" panose="020B0604030504040204" pitchFamily="34" charset="0"/>
+              </a:rPr>
+              <a:t>Litecoin</a:t>
+            </a:r>
+            <a:r>
+              <a:rPr lang="it-IT" sz="2400">
+                <a:solidFill>
+                  <a:srgbClr val="27282D"/>
+                </a:solidFill>
+                <a:latin typeface="Tahoma" panose="020B0604030504040204" pitchFamily="34" charset="0"/>
+                <a:ea typeface="Tahoma" panose="020B0604030504040204" pitchFamily="34" charset="0"/>
+                <a:cs typeface="Tahoma" panose="020B0604030504040204" pitchFamily="34" charset="0"/>
+              </a:rPr>
+              <a:t>, utilizzano un simile sistema.</a:t>
+            </a:r>
+          </a:p>
+          <a:p>
+            <a:pPr marL="342900" indent="-342900" algn="just">
+              <a:lnSpc>
+                <a:spcPct val="115000"/>
+              </a:lnSpc>
+              <a:spcBef>
+                <a:spcPts val="2400"/>
+              </a:spcBef>
+              <a:buFont typeface="Wingdings" panose="05000000000000000000" pitchFamily="2" charset="2"/>
+              <a:buChar char="ü"/>
+              <a:tabLst>
+                <a:tab pos="457200" algn="l"/>
+              </a:tabLst>
+            </a:pPr>
+            <a:endParaRPr lang="it-IT" sz="2400">
+              <a:solidFill>
+                <a:srgbClr val="27282D"/>
+              </a:solidFill>
+              <a:latin typeface="Tahoma" panose="020B0604030504040204" pitchFamily="34" charset="0"/>
+              <a:ea typeface="Tahoma" panose="020B0604030504040204" pitchFamily="34" charset="0"/>
+              <a:cs typeface="Tahoma" panose="020B0604030504040204" pitchFamily="34" charset="0"/>
+            </a:endParaRPr>
+          </a:p>
+        </p:txBody>
+      </p:sp>
+      <p:sp>
+        <p:nvSpPr>
           <p:cNvPr id="7" name="Segnaposto numero diapositiva 6">
             <a:extLst>
               <a:ext uri="{FF2B5EF4-FFF2-40B4-BE49-F238E27FC236}">
@@ -8139,6 +8538,837 @@
                 <a:defRPr/>
               </a:pPr>
               <a:t>14</a:t>
+            </a:fld>
+            <a:endParaRPr lang="en-US" dirty="0"/>
+          </a:p>
+        </p:txBody>
+      </p:sp>
+      <p:sp>
+        <p:nvSpPr>
+          <p:cNvPr id="6" name="Titolo 4">
+            <a:extLst>
+              <a:ext uri="{FF2B5EF4-FFF2-40B4-BE49-F238E27FC236}">
+                <a16:creationId xmlns:a16="http://schemas.microsoft.com/office/drawing/2014/main" id="{CF9A4806-60B4-80DC-1F76-D2EB3E6C376B}"/>
+              </a:ext>
+            </a:extLst>
+          </p:cNvPr>
+          <p:cNvSpPr>
+            <a:spLocks noGrp="1"/>
+          </p:cNvSpPr>
+          <p:nvPr>
+            <p:ph type="title"/>
+          </p:nvPr>
+        </p:nvSpPr>
+        <p:spPr>
+          <a:xfrm>
+            <a:off x="461169" y="422999"/>
+            <a:ext cx="11269662" cy="384721"/>
+          </a:xfrm>
+        </p:spPr>
+        <p:txBody>
+          <a:bodyPr/>
+          <a:lstStyle/>
+          <a:p>
+            <a:r>
+              <a:rPr lang="it-IT" sz="2800">
+                <a:solidFill>
+                  <a:schemeClr val="tx1"/>
+                </a:solidFill>
+                <a:latin typeface="Tahoma" panose="020B0604030504040204" pitchFamily="34" charset="0"/>
+                <a:ea typeface="Tahoma" panose="020B0604030504040204" pitchFamily="34" charset="0"/>
+                <a:cs typeface="Tahoma" panose="020B0604030504040204" pitchFamily="34" charset="0"/>
+              </a:rPr>
+              <a:t>Algoritmo Proof-of-Work (PoW)</a:t>
+            </a:r>
+            <a:endParaRPr lang="it-IT" dirty="0"/>
+          </a:p>
+        </p:txBody>
+      </p:sp>
+    </p:spTree>
+    <p:extLst>
+      <p:ext uri="{BB962C8B-B14F-4D97-AF65-F5344CB8AC3E}">
+        <p14:creationId xmlns:p14="http://schemas.microsoft.com/office/powerpoint/2010/main" val="187980450"/>
+      </p:ext>
+    </p:extLst>
+  </p:cSld>
+  <p:clrMapOvr>
+    <a:masterClrMapping/>
+  </p:clrMapOvr>
+</p:sld>
+</file>
+
+<file path=ppt/slides/slide15.xml><?xml version="1.0" encoding="utf-8"?>
+<p:sld xmlns:a="http://schemas.openxmlformats.org/drawingml/2006/main" xmlns:r="http://schemas.openxmlformats.org/officeDocument/2006/relationships" xmlns:p="http://schemas.openxmlformats.org/presentationml/2006/main">
+  <p:cSld>
+    <p:spTree>
+      <p:nvGrpSpPr>
+        <p:cNvPr id="1" name=""/>
+        <p:cNvGrpSpPr/>
+        <p:nvPr/>
+      </p:nvGrpSpPr>
+      <p:grpSpPr>
+        <a:xfrm>
+          <a:off x="0" y="0"/>
+          <a:ext cx="0" cy="0"/>
+          <a:chOff x="0" y="0"/>
+          <a:chExt cx="0" cy="0"/>
+        </a:xfrm>
+      </p:grpSpPr>
+      <p:sp>
+        <p:nvSpPr>
+          <p:cNvPr id="2" name="Segnaposto testo 1">
+            <a:extLst>
+              <a:ext uri="{FF2B5EF4-FFF2-40B4-BE49-F238E27FC236}">
+                <a16:creationId xmlns:a16="http://schemas.microsoft.com/office/drawing/2014/main" id="{E5AE986C-196F-4141-A898-FA4C4198CDCC}"/>
+              </a:ext>
+            </a:extLst>
+          </p:cNvPr>
+          <p:cNvSpPr>
+            <a:spLocks noGrp="1"/>
+          </p:cNvSpPr>
+          <p:nvPr>
+            <p:ph type="body" idx="1"/>
+          </p:nvPr>
+        </p:nvSpPr>
+        <p:spPr>
+          <a:xfrm>
+            <a:off x="461169" y="1232694"/>
+            <a:ext cx="11004000" cy="4392612"/>
+          </a:xfrm>
+        </p:spPr>
+        <p:txBody>
+          <a:bodyPr/>
+          <a:lstStyle/>
+          <a:p>
+            <a:pPr marL="342900" indent="-342900" algn="just">
+              <a:buFont typeface="Wingdings" panose="05000000000000000000" pitchFamily="2" charset="2"/>
+              <a:buChar char="ü"/>
+            </a:pPr>
+            <a:r>
+              <a:rPr lang="it-IT" sz="2400">
+                <a:solidFill>
+                  <a:srgbClr val="27282D"/>
+                </a:solidFill>
+                <a:latin typeface="Tahoma" panose="020B0604030504040204" pitchFamily="34" charset="0"/>
+                <a:ea typeface="Tahoma" panose="020B0604030504040204" pitchFamily="34" charset="0"/>
+                <a:cs typeface="Tahoma" panose="020B0604030504040204" pitchFamily="34" charset="0"/>
+              </a:rPr>
+              <a:t>Un altro importante progetto basato sulla PoW è </a:t>
+            </a:r>
+            <a:r>
+              <a:rPr lang="it-IT" sz="2400" b="1">
+                <a:solidFill>
+                  <a:srgbClr val="27282D"/>
+                </a:solidFill>
+                <a:latin typeface="Tahoma" panose="020B0604030504040204" pitchFamily="34" charset="0"/>
+                <a:ea typeface="Tahoma" panose="020B0604030504040204" pitchFamily="34" charset="0"/>
+                <a:cs typeface="Tahoma" panose="020B0604030504040204" pitchFamily="34" charset="0"/>
+              </a:rPr>
+              <a:t>Ethereum</a:t>
+            </a:r>
+            <a:r>
+              <a:rPr lang="it-IT" sz="2400">
+                <a:solidFill>
+                  <a:srgbClr val="27282D"/>
+                </a:solidFill>
+                <a:latin typeface="Tahoma" panose="020B0604030504040204" pitchFamily="34" charset="0"/>
+                <a:ea typeface="Tahoma" panose="020B0604030504040204" pitchFamily="34" charset="0"/>
+                <a:cs typeface="Tahoma" panose="020B0604030504040204" pitchFamily="34" charset="0"/>
+              </a:rPr>
+              <a:t>: poiché nel mondo delle </a:t>
+            </a:r>
+            <a:r>
+              <a:rPr lang="it-IT" sz="2400" b="1">
+                <a:solidFill>
+                  <a:srgbClr val="27282D"/>
+                </a:solidFill>
+                <a:latin typeface="Tahoma" panose="020B0604030504040204" pitchFamily="34" charset="0"/>
+                <a:ea typeface="Tahoma" panose="020B0604030504040204" pitchFamily="34" charset="0"/>
+                <a:cs typeface="Tahoma" panose="020B0604030504040204" pitchFamily="34" charset="0"/>
+              </a:rPr>
+              <a:t>criptovalute</a:t>
+            </a:r>
+            <a:r>
+              <a:rPr lang="it-IT" sz="2400">
+                <a:solidFill>
+                  <a:srgbClr val="27282D"/>
+                </a:solidFill>
+                <a:latin typeface="Tahoma" panose="020B0604030504040204" pitchFamily="34" charset="0"/>
+                <a:ea typeface="Tahoma" panose="020B0604030504040204" pitchFamily="34" charset="0"/>
+                <a:cs typeface="Tahoma" panose="020B0604030504040204" pitchFamily="34" charset="0"/>
+              </a:rPr>
+              <a:t> circa il </a:t>
+            </a:r>
+            <a:r>
+              <a:rPr lang="it-IT" sz="2400" b="1">
+                <a:solidFill>
+                  <a:srgbClr val="27282D"/>
+                </a:solidFill>
+                <a:latin typeface="Tahoma" panose="020B0604030504040204" pitchFamily="34" charset="0"/>
+                <a:ea typeface="Tahoma" panose="020B0604030504040204" pitchFamily="34" charset="0"/>
+                <a:cs typeface="Tahoma" panose="020B0604030504040204" pitchFamily="34" charset="0"/>
+              </a:rPr>
+              <a:t>75</a:t>
+            </a:r>
+            <a:r>
+              <a:rPr lang="it-IT" sz="2400">
+                <a:solidFill>
+                  <a:srgbClr val="27282D"/>
+                </a:solidFill>
+                <a:latin typeface="Tahoma" panose="020B0604030504040204" pitchFamily="34" charset="0"/>
+                <a:ea typeface="Tahoma" panose="020B0604030504040204" pitchFamily="34" charset="0"/>
+                <a:cs typeface="Tahoma" panose="020B0604030504040204" pitchFamily="34" charset="0"/>
+              </a:rPr>
+              <a:t>% dei progetti si basano su </a:t>
+            </a:r>
+            <a:r>
+              <a:rPr lang="it-IT" sz="2400" b="1">
+                <a:solidFill>
+                  <a:srgbClr val="27282D"/>
+                </a:solidFill>
+                <a:latin typeface="Tahoma" panose="020B0604030504040204" pitchFamily="34" charset="0"/>
+                <a:ea typeface="Tahoma" panose="020B0604030504040204" pitchFamily="34" charset="0"/>
+                <a:cs typeface="Tahoma" panose="020B0604030504040204" pitchFamily="34" charset="0"/>
+              </a:rPr>
+              <a:t>Ethereum</a:t>
+            </a:r>
+            <a:r>
+              <a:rPr lang="it-IT" sz="2400">
+                <a:solidFill>
+                  <a:srgbClr val="27282D"/>
+                </a:solidFill>
+                <a:latin typeface="Tahoma" panose="020B0604030504040204" pitchFamily="34" charset="0"/>
+                <a:ea typeface="Tahoma" panose="020B0604030504040204" pitchFamily="34" charset="0"/>
+                <a:cs typeface="Tahoma" panose="020B0604030504040204" pitchFamily="34" charset="0"/>
+              </a:rPr>
+              <a:t>, è possibile affermare che la maggior parte delle applicazioni </a:t>
+            </a:r>
+            <a:r>
+              <a:rPr lang="it-IT" sz="2400" b="1">
+                <a:solidFill>
+                  <a:srgbClr val="27282D"/>
+                </a:solidFill>
+                <a:latin typeface="Tahoma" panose="020B0604030504040204" pitchFamily="34" charset="0"/>
+                <a:ea typeface="Tahoma" panose="020B0604030504040204" pitchFamily="34" charset="0"/>
+                <a:cs typeface="Tahoma" panose="020B0604030504040204" pitchFamily="34" charset="0"/>
+              </a:rPr>
+              <a:t>Blockchain</a:t>
+            </a:r>
+            <a:r>
+              <a:rPr lang="it-IT" sz="2400">
+                <a:solidFill>
+                  <a:srgbClr val="27282D"/>
+                </a:solidFill>
+                <a:latin typeface="Tahoma" panose="020B0604030504040204" pitchFamily="34" charset="0"/>
+                <a:ea typeface="Tahoma" panose="020B0604030504040204" pitchFamily="34" charset="0"/>
+                <a:cs typeface="Tahoma" panose="020B0604030504040204" pitchFamily="34" charset="0"/>
+              </a:rPr>
+              <a:t> sfruttano il modello di consenso </a:t>
+            </a:r>
+            <a:r>
+              <a:rPr lang="it-IT" sz="2400" b="1">
+                <a:solidFill>
+                  <a:srgbClr val="27282D"/>
+                </a:solidFill>
+                <a:latin typeface="Tahoma" panose="020B0604030504040204" pitchFamily="34" charset="0"/>
+                <a:ea typeface="Tahoma" panose="020B0604030504040204" pitchFamily="34" charset="0"/>
+                <a:cs typeface="Tahoma" panose="020B0604030504040204" pitchFamily="34" charset="0"/>
+              </a:rPr>
+              <a:t>PoW</a:t>
+            </a:r>
+            <a:r>
+              <a:rPr lang="it-IT" sz="2400">
+                <a:solidFill>
+                  <a:srgbClr val="27282D"/>
+                </a:solidFill>
+                <a:latin typeface="Tahoma" panose="020B0604030504040204" pitchFamily="34" charset="0"/>
+                <a:ea typeface="Tahoma" panose="020B0604030504040204" pitchFamily="34" charset="0"/>
+                <a:cs typeface="Tahoma" panose="020B0604030504040204" pitchFamily="34" charset="0"/>
+              </a:rPr>
+              <a:t>.</a:t>
+            </a:r>
+          </a:p>
+          <a:p>
+            <a:pPr marL="342900" indent="-342900" algn="just">
+              <a:buFont typeface="Wingdings" panose="05000000000000000000" pitchFamily="2" charset="2"/>
+              <a:buChar char="ü"/>
+            </a:pPr>
+            <a:r>
+              <a:rPr lang="it-IT" sz="2400">
+                <a:solidFill>
+                  <a:srgbClr val="27282D"/>
+                </a:solidFill>
+                <a:latin typeface="Tahoma" panose="020B0604030504040204" pitchFamily="34" charset="0"/>
+                <a:ea typeface="Tahoma" panose="020B0604030504040204" pitchFamily="34" charset="0"/>
+                <a:cs typeface="Tahoma" panose="020B0604030504040204" pitchFamily="34" charset="0"/>
+              </a:rPr>
+              <a:t>I principali vantaggi offerti da un sistema </a:t>
+            </a:r>
+            <a:r>
+              <a:rPr lang="it-IT" sz="2400" b="1">
+                <a:solidFill>
+                  <a:srgbClr val="27282D"/>
+                </a:solidFill>
+                <a:latin typeface="Tahoma" panose="020B0604030504040204" pitchFamily="34" charset="0"/>
+                <a:ea typeface="Tahoma" panose="020B0604030504040204" pitchFamily="34" charset="0"/>
+                <a:cs typeface="Tahoma" panose="020B0604030504040204" pitchFamily="34" charset="0"/>
+              </a:rPr>
+              <a:t>PoW</a:t>
+            </a:r>
+            <a:r>
+              <a:rPr lang="it-IT" sz="2400">
+                <a:solidFill>
+                  <a:srgbClr val="27282D"/>
+                </a:solidFill>
+                <a:latin typeface="Tahoma" panose="020B0604030504040204" pitchFamily="34" charset="0"/>
+                <a:ea typeface="Tahoma" panose="020B0604030504040204" pitchFamily="34" charset="0"/>
+                <a:cs typeface="Tahoma" panose="020B0604030504040204" pitchFamily="34" charset="0"/>
+              </a:rPr>
+              <a:t> sono </a:t>
+            </a:r>
+            <a:r>
+              <a:rPr lang="it-IT" sz="2400" b="1">
+                <a:solidFill>
+                  <a:srgbClr val="27282D"/>
+                </a:solidFill>
+                <a:latin typeface="Tahoma" panose="020B0604030504040204" pitchFamily="34" charset="0"/>
+                <a:ea typeface="Tahoma" panose="020B0604030504040204" pitchFamily="34" charset="0"/>
+                <a:cs typeface="Tahoma" panose="020B0604030504040204" pitchFamily="34" charset="0"/>
+              </a:rPr>
+              <a:t>un’ottima</a:t>
+            </a:r>
+            <a:r>
+              <a:rPr lang="it-IT" sz="2400">
+                <a:solidFill>
+                  <a:srgbClr val="27282D"/>
+                </a:solidFill>
+                <a:latin typeface="Tahoma" panose="020B0604030504040204" pitchFamily="34" charset="0"/>
+                <a:ea typeface="Tahoma" panose="020B0604030504040204" pitchFamily="34" charset="0"/>
+                <a:cs typeface="Tahoma" panose="020B0604030504040204" pitchFamily="34" charset="0"/>
+              </a:rPr>
+              <a:t> </a:t>
+            </a:r>
+            <a:r>
+              <a:rPr lang="it-IT" sz="2400" b="1">
+                <a:solidFill>
+                  <a:srgbClr val="27282D"/>
+                </a:solidFill>
+                <a:latin typeface="Tahoma" panose="020B0604030504040204" pitchFamily="34" charset="0"/>
+                <a:ea typeface="Tahoma" panose="020B0604030504040204" pitchFamily="34" charset="0"/>
+                <a:cs typeface="Tahoma" panose="020B0604030504040204" pitchFamily="34" charset="0"/>
+              </a:rPr>
+              <a:t>difesa</a:t>
+            </a:r>
+            <a:r>
+              <a:rPr lang="it-IT" sz="2400">
+                <a:solidFill>
+                  <a:srgbClr val="27282D"/>
+                </a:solidFill>
+                <a:latin typeface="Tahoma" panose="020B0604030504040204" pitchFamily="34" charset="0"/>
+                <a:ea typeface="Tahoma" panose="020B0604030504040204" pitchFamily="34" charset="0"/>
+                <a:cs typeface="Tahoma" panose="020B0604030504040204" pitchFamily="34" charset="0"/>
+              </a:rPr>
+              <a:t> contro gli attacchi </a:t>
+            </a:r>
+            <a:r>
+              <a:rPr lang="it-IT" sz="2400" b="1">
+                <a:solidFill>
+                  <a:srgbClr val="27282D"/>
+                </a:solidFill>
+                <a:latin typeface="Tahoma" panose="020B0604030504040204" pitchFamily="34" charset="0"/>
+                <a:ea typeface="Tahoma" panose="020B0604030504040204" pitchFamily="34" charset="0"/>
+                <a:cs typeface="Tahoma" panose="020B0604030504040204" pitchFamily="34" charset="0"/>
+              </a:rPr>
+              <a:t>DoS</a:t>
+            </a:r>
+            <a:r>
+              <a:rPr lang="it-IT" sz="2400">
+                <a:solidFill>
+                  <a:srgbClr val="27282D"/>
+                </a:solidFill>
+                <a:latin typeface="Tahoma" panose="020B0604030504040204" pitchFamily="34" charset="0"/>
+                <a:ea typeface="Tahoma" panose="020B0604030504040204" pitchFamily="34" charset="0"/>
+                <a:cs typeface="Tahoma" panose="020B0604030504040204" pitchFamily="34" charset="0"/>
+              </a:rPr>
+              <a:t> e l’impatto marginale delle quote nel mining.</a:t>
+            </a:r>
+          </a:p>
+          <a:p>
+            <a:pPr marL="342900" indent="-342900" algn="just">
+              <a:buFont typeface="Wingdings" panose="05000000000000000000" pitchFamily="2" charset="2"/>
+              <a:buChar char="ü"/>
+            </a:pPr>
+            <a:r>
+              <a:rPr lang="it-IT" sz="2400" b="1">
+                <a:solidFill>
+                  <a:srgbClr val="27282D"/>
+                </a:solidFill>
+                <a:latin typeface="Tahoma" panose="020B0604030504040204" pitchFamily="34" charset="0"/>
+                <a:ea typeface="Tahoma" panose="020B0604030504040204" pitchFamily="34" charset="0"/>
+                <a:cs typeface="Tahoma" panose="020B0604030504040204" pitchFamily="34" charset="0"/>
+              </a:rPr>
+              <a:t>Difesa</a:t>
+            </a:r>
+            <a:r>
+              <a:rPr lang="it-IT" sz="2400">
+                <a:solidFill>
+                  <a:srgbClr val="27282D"/>
+                </a:solidFill>
+                <a:latin typeface="Tahoma" panose="020B0604030504040204" pitchFamily="34" charset="0"/>
+                <a:ea typeface="Tahoma" panose="020B0604030504040204" pitchFamily="34" charset="0"/>
+                <a:cs typeface="Tahoma" panose="020B0604030504040204" pitchFamily="34" charset="0"/>
+              </a:rPr>
+              <a:t> contro gli attacchi </a:t>
+            </a:r>
+            <a:r>
+              <a:rPr lang="it-IT" sz="2400" b="1">
+                <a:solidFill>
+                  <a:srgbClr val="27282D"/>
+                </a:solidFill>
+                <a:latin typeface="Tahoma" panose="020B0604030504040204" pitchFamily="34" charset="0"/>
+                <a:ea typeface="Tahoma" panose="020B0604030504040204" pitchFamily="34" charset="0"/>
+                <a:cs typeface="Tahoma" panose="020B0604030504040204" pitchFamily="34" charset="0"/>
+              </a:rPr>
+              <a:t>DoS</a:t>
+            </a:r>
+            <a:r>
+              <a:rPr lang="it-IT" sz="2400">
+                <a:solidFill>
+                  <a:srgbClr val="27282D"/>
+                </a:solidFill>
+                <a:latin typeface="Tahoma" panose="020B0604030504040204" pitchFamily="34" charset="0"/>
+                <a:ea typeface="Tahoma" panose="020B0604030504040204" pitchFamily="34" charset="0"/>
+                <a:cs typeface="Tahoma" panose="020B0604030504040204" pitchFamily="34" charset="0"/>
+              </a:rPr>
+              <a:t>. La PoW impone parecchi limiti alle azioni che è possibile intraprendere sulla rete, ed un attacco efficiente richiederebbe moltissimo tempo ed una potenza di calcolo incredibile. </a:t>
+            </a:r>
+          </a:p>
+          <a:p>
+            <a:pPr marL="342900" indent="-342900" algn="just">
+              <a:buFont typeface="Wingdings" panose="05000000000000000000" pitchFamily="2" charset="2"/>
+              <a:buChar char="ü"/>
+            </a:pPr>
+            <a:r>
+              <a:rPr lang="it-IT" sz="2400">
+                <a:solidFill>
+                  <a:srgbClr val="27282D"/>
+                </a:solidFill>
+                <a:latin typeface="Tahoma" panose="020B0604030504040204" pitchFamily="34" charset="0"/>
+                <a:ea typeface="Tahoma" panose="020B0604030504040204" pitchFamily="34" charset="0"/>
+                <a:cs typeface="Tahoma" panose="020B0604030504040204" pitchFamily="34" charset="0"/>
+              </a:rPr>
+              <a:t>Nonostante quindi gli attacchi </a:t>
+            </a:r>
+            <a:r>
+              <a:rPr lang="it-IT" sz="2400" b="1">
+                <a:solidFill>
+                  <a:srgbClr val="27282D"/>
+                </a:solidFill>
+                <a:latin typeface="Tahoma" panose="020B0604030504040204" pitchFamily="34" charset="0"/>
+                <a:ea typeface="Tahoma" panose="020B0604030504040204" pitchFamily="34" charset="0"/>
+                <a:cs typeface="Tahoma" panose="020B0604030504040204" pitchFamily="34" charset="0"/>
+              </a:rPr>
+              <a:t>DoS</a:t>
+            </a:r>
+            <a:r>
+              <a:rPr lang="it-IT" sz="2400">
+                <a:solidFill>
+                  <a:srgbClr val="27282D"/>
+                </a:solidFill>
+                <a:latin typeface="Tahoma" panose="020B0604030504040204" pitchFamily="34" charset="0"/>
+                <a:ea typeface="Tahoma" panose="020B0604030504040204" pitchFamily="34" charset="0"/>
+                <a:cs typeface="Tahoma" panose="020B0604030504040204" pitchFamily="34" charset="0"/>
+              </a:rPr>
+              <a:t> ad una </a:t>
+            </a:r>
+            <a:r>
+              <a:rPr lang="it-IT" sz="2400" b="1">
+                <a:solidFill>
+                  <a:srgbClr val="27282D"/>
+                </a:solidFill>
+                <a:latin typeface="Tahoma" panose="020B0604030504040204" pitchFamily="34" charset="0"/>
+                <a:ea typeface="Tahoma" panose="020B0604030504040204" pitchFamily="34" charset="0"/>
+                <a:cs typeface="Tahoma" panose="020B0604030504040204" pitchFamily="34" charset="0"/>
+              </a:rPr>
+              <a:t>Blockchain</a:t>
+            </a:r>
+            <a:r>
+              <a:rPr lang="it-IT" sz="2400">
+                <a:solidFill>
+                  <a:srgbClr val="27282D"/>
+                </a:solidFill>
+                <a:latin typeface="Tahoma" panose="020B0604030504040204" pitchFamily="34" charset="0"/>
+                <a:ea typeface="Tahoma" panose="020B0604030504040204" pitchFamily="34" charset="0"/>
+                <a:cs typeface="Tahoma" panose="020B0604030504040204" pitchFamily="34" charset="0"/>
+              </a:rPr>
+              <a:t> siano in teoria possibili, in pratica i risultati sarebbero deludenti ed i costi estremamente elevati.</a:t>
+            </a:r>
+          </a:p>
+        </p:txBody>
+      </p:sp>
+      <p:sp>
+        <p:nvSpPr>
+          <p:cNvPr id="7" name="Segnaposto numero diapositiva 6">
+            <a:extLst>
+              <a:ext uri="{FF2B5EF4-FFF2-40B4-BE49-F238E27FC236}">
+                <a16:creationId xmlns:a16="http://schemas.microsoft.com/office/drawing/2014/main" id="{AB740BE9-E218-4144-BFDE-AE473D230A3D}"/>
+              </a:ext>
+            </a:extLst>
+          </p:cNvPr>
+          <p:cNvSpPr>
+            <a:spLocks noGrp="1"/>
+          </p:cNvSpPr>
+          <p:nvPr>
+            <p:ph type="sldNum" sz="quarter" idx="12"/>
+          </p:nvPr>
+        </p:nvSpPr>
+        <p:spPr/>
+        <p:txBody>
+          <a:bodyPr/>
+          <a:lstStyle/>
+          <a:p>
+            <a:pPr>
+              <a:defRPr/>
+            </a:pPr>
+            <a:fld id="{48B4153A-D4C5-4CEF-8992-0D8815C829E3}" type="slidenum">
+              <a:rPr lang="en-US" smtClean="0"/>
+              <a:pPr>
+                <a:defRPr/>
+              </a:pPr>
+              <a:t>15</a:t>
+            </a:fld>
+            <a:endParaRPr lang="en-US" dirty="0"/>
+          </a:p>
+        </p:txBody>
+      </p:sp>
+      <p:sp>
+        <p:nvSpPr>
+          <p:cNvPr id="6" name="Titolo 4">
+            <a:extLst>
+              <a:ext uri="{FF2B5EF4-FFF2-40B4-BE49-F238E27FC236}">
+                <a16:creationId xmlns:a16="http://schemas.microsoft.com/office/drawing/2014/main" id="{CF9A4806-60B4-80DC-1F76-D2EB3E6C376B}"/>
+              </a:ext>
+            </a:extLst>
+          </p:cNvPr>
+          <p:cNvSpPr>
+            <a:spLocks noGrp="1"/>
+          </p:cNvSpPr>
+          <p:nvPr>
+            <p:ph type="title"/>
+          </p:nvPr>
+        </p:nvSpPr>
+        <p:spPr>
+          <a:xfrm>
+            <a:off x="461169" y="422999"/>
+            <a:ext cx="11269662" cy="384721"/>
+          </a:xfrm>
+        </p:spPr>
+        <p:txBody>
+          <a:bodyPr/>
+          <a:lstStyle/>
+          <a:p>
+            <a:r>
+              <a:rPr lang="it-IT" sz="2800">
+                <a:solidFill>
+                  <a:schemeClr val="tx1"/>
+                </a:solidFill>
+                <a:latin typeface="Tahoma" panose="020B0604030504040204" pitchFamily="34" charset="0"/>
+                <a:ea typeface="Tahoma" panose="020B0604030504040204" pitchFamily="34" charset="0"/>
+                <a:cs typeface="Tahoma" panose="020B0604030504040204" pitchFamily="34" charset="0"/>
+              </a:rPr>
+              <a:t>Algoritmo Proof-of-Work (PoW)</a:t>
+            </a:r>
+            <a:endParaRPr lang="it-IT" dirty="0"/>
+          </a:p>
+        </p:txBody>
+      </p:sp>
+    </p:spTree>
+    <p:extLst>
+      <p:ext uri="{BB962C8B-B14F-4D97-AF65-F5344CB8AC3E}">
+        <p14:creationId xmlns:p14="http://schemas.microsoft.com/office/powerpoint/2010/main" val="849414299"/>
+      </p:ext>
+    </p:extLst>
+  </p:cSld>
+  <p:clrMapOvr>
+    <a:masterClrMapping/>
+  </p:clrMapOvr>
+</p:sld>
+</file>
+
+<file path=ppt/slides/slide16.xml><?xml version="1.0" encoding="utf-8"?>
+<p:sld xmlns:a="http://schemas.openxmlformats.org/drawingml/2006/main" xmlns:r="http://schemas.openxmlformats.org/officeDocument/2006/relationships" xmlns:p="http://schemas.openxmlformats.org/presentationml/2006/main">
+  <p:cSld>
+    <p:spTree>
+      <p:nvGrpSpPr>
+        <p:cNvPr id="1" name=""/>
+        <p:cNvGrpSpPr/>
+        <p:nvPr/>
+      </p:nvGrpSpPr>
+      <p:grpSpPr>
+        <a:xfrm>
+          <a:off x="0" y="0"/>
+          <a:ext cx="0" cy="0"/>
+          <a:chOff x="0" y="0"/>
+          <a:chExt cx="0" cy="0"/>
+        </a:xfrm>
+      </p:grpSpPr>
+      <p:sp>
+        <p:nvSpPr>
+          <p:cNvPr id="2" name="Segnaposto testo 1">
+            <a:extLst>
+              <a:ext uri="{FF2B5EF4-FFF2-40B4-BE49-F238E27FC236}">
+                <a16:creationId xmlns:a16="http://schemas.microsoft.com/office/drawing/2014/main" id="{E5AE986C-196F-4141-A898-FA4C4198CDCC}"/>
+              </a:ext>
+            </a:extLst>
+          </p:cNvPr>
+          <p:cNvSpPr>
+            <a:spLocks noGrp="1"/>
+          </p:cNvSpPr>
+          <p:nvPr>
+            <p:ph type="body" idx="1"/>
+          </p:nvPr>
+        </p:nvSpPr>
+        <p:spPr>
+          <a:xfrm>
+            <a:off x="461169" y="1232694"/>
+            <a:ext cx="11004000" cy="4392612"/>
+          </a:xfrm>
+        </p:spPr>
+        <p:txBody>
+          <a:bodyPr/>
+          <a:lstStyle/>
+          <a:p>
+            <a:pPr marL="342900" indent="-342900" algn="just">
+              <a:buFont typeface="Wingdings" panose="05000000000000000000" pitchFamily="2" charset="2"/>
+              <a:buChar char="ü"/>
+            </a:pPr>
+            <a:r>
+              <a:rPr lang="it-IT" sz="2400" b="1">
+                <a:solidFill>
+                  <a:srgbClr val="27282D"/>
+                </a:solidFill>
+                <a:latin typeface="Tahoma" panose="020B0604030504040204" pitchFamily="34" charset="0"/>
+                <a:ea typeface="Tahoma" panose="020B0604030504040204" pitchFamily="34" charset="0"/>
+                <a:cs typeface="Tahoma" panose="020B0604030504040204" pitchFamily="34" charset="0"/>
+              </a:rPr>
+              <a:t>Mining:</a:t>
+            </a:r>
+            <a:r>
+              <a:rPr lang="it-IT" sz="2400">
+                <a:solidFill>
+                  <a:srgbClr val="27282D"/>
+                </a:solidFill>
+                <a:latin typeface="Tahoma" panose="020B0604030504040204" pitchFamily="34" charset="0"/>
+                <a:ea typeface="Tahoma" panose="020B0604030504040204" pitchFamily="34" charset="0"/>
+                <a:cs typeface="Tahoma" panose="020B0604030504040204" pitchFamily="34" charset="0"/>
+              </a:rPr>
+              <a:t> Non importa quanto sia alta la percentuale delle quote nel proprio </a:t>
+            </a:r>
+            <a:r>
+              <a:rPr lang="it-IT" sz="2400">
+                <a:solidFill>
+                  <a:srgbClr val="27282D"/>
+                </a:solidFill>
+                <a:latin typeface="Tahoma" panose="020B0604030504040204" pitchFamily="34" charset="0"/>
+                <a:ea typeface="Tahoma" panose="020B0604030504040204" pitchFamily="34" charset="0"/>
+                <a:cs typeface="Tahoma" panose="020B0604030504040204" pitchFamily="34" charset="0"/>
+                <a:hlinkClick r:id="rId2">
+                  <a:extLst>
+                    <a:ext uri="{A12FA001-AC4F-418D-AE19-62706E023703}">
+                      <ahyp:hlinkClr xmlns:ahyp="http://schemas.microsoft.com/office/drawing/2018/hyperlinkcolor" val="tx"/>
+                    </a:ext>
+                  </a:extLst>
+                </a:hlinkClick>
+              </a:rPr>
+              <a:t>portafoglio</a:t>
+            </a:r>
+            <a:r>
+              <a:rPr lang="it-IT" sz="2400">
+                <a:solidFill>
+                  <a:srgbClr val="27282D"/>
+                </a:solidFill>
+                <a:latin typeface="Tahoma" panose="020B0604030504040204" pitchFamily="34" charset="0"/>
+                <a:ea typeface="Tahoma" panose="020B0604030504040204" pitchFamily="34" charset="0"/>
+                <a:cs typeface="Tahoma" panose="020B0604030504040204" pitchFamily="34" charset="0"/>
+              </a:rPr>
+              <a:t>: in un sistema PoW l’unica cosa che conta è la potenza di calcolo utilizzata per risolvere i problemi matematici e generare nuovi blocchi. Chi possiede grosse quantità di denaro, quindi, non ha maggiore controllo sulla rete.</a:t>
+            </a:r>
+          </a:p>
+          <a:p>
+            <a:pPr marL="342900" indent="-342900" algn="just">
+              <a:buFont typeface="Wingdings" panose="05000000000000000000" pitchFamily="2" charset="2"/>
+              <a:buChar char="ü"/>
+            </a:pPr>
+            <a:endParaRPr lang="it-IT" sz="2400">
+              <a:solidFill>
+                <a:srgbClr val="27282D"/>
+              </a:solidFill>
+              <a:latin typeface="Tahoma" panose="020B0604030504040204" pitchFamily="34" charset="0"/>
+              <a:ea typeface="Tahoma" panose="020B0604030504040204" pitchFamily="34" charset="0"/>
+              <a:cs typeface="Tahoma" panose="020B0604030504040204" pitchFamily="34" charset="0"/>
+            </a:endParaRPr>
+          </a:p>
+          <a:p>
+            <a:pPr marL="342900" indent="-342900" algn="just">
+              <a:lnSpc>
+                <a:spcPct val="115000"/>
+              </a:lnSpc>
+              <a:spcBef>
+                <a:spcPts val="2400"/>
+              </a:spcBef>
+              <a:buFont typeface="Wingdings" panose="05000000000000000000" pitchFamily="2" charset="2"/>
+              <a:buChar char="ü"/>
+              <a:tabLst>
+                <a:tab pos="457200" algn="l"/>
+              </a:tabLst>
+            </a:pPr>
+            <a:endParaRPr lang="it-IT" sz="2400">
+              <a:solidFill>
+                <a:srgbClr val="27282D"/>
+              </a:solidFill>
+              <a:latin typeface="Tahoma" panose="020B0604030504040204" pitchFamily="34" charset="0"/>
+              <a:ea typeface="Tahoma" panose="020B0604030504040204" pitchFamily="34" charset="0"/>
+              <a:cs typeface="Tahoma" panose="020B0604030504040204" pitchFamily="34" charset="0"/>
+            </a:endParaRPr>
+          </a:p>
+        </p:txBody>
+      </p:sp>
+      <p:sp>
+        <p:nvSpPr>
+          <p:cNvPr id="7" name="Segnaposto numero diapositiva 6">
+            <a:extLst>
+              <a:ext uri="{FF2B5EF4-FFF2-40B4-BE49-F238E27FC236}">
+                <a16:creationId xmlns:a16="http://schemas.microsoft.com/office/drawing/2014/main" id="{AB740BE9-E218-4144-BFDE-AE473D230A3D}"/>
+              </a:ext>
+            </a:extLst>
+          </p:cNvPr>
+          <p:cNvSpPr>
+            <a:spLocks noGrp="1"/>
+          </p:cNvSpPr>
+          <p:nvPr>
+            <p:ph type="sldNum" sz="quarter" idx="12"/>
+          </p:nvPr>
+        </p:nvSpPr>
+        <p:spPr/>
+        <p:txBody>
+          <a:bodyPr/>
+          <a:lstStyle/>
+          <a:p>
+            <a:pPr>
+              <a:defRPr/>
+            </a:pPr>
+            <a:fld id="{48B4153A-D4C5-4CEF-8992-0D8815C829E3}" type="slidenum">
+              <a:rPr lang="en-US" smtClean="0"/>
+              <a:pPr>
+                <a:defRPr/>
+              </a:pPr>
+              <a:t>16</a:t>
+            </a:fld>
+            <a:endParaRPr lang="en-US" dirty="0"/>
+          </a:p>
+        </p:txBody>
+      </p:sp>
+      <p:sp>
+        <p:nvSpPr>
+          <p:cNvPr id="6" name="Titolo 4">
+            <a:extLst>
+              <a:ext uri="{FF2B5EF4-FFF2-40B4-BE49-F238E27FC236}">
+                <a16:creationId xmlns:a16="http://schemas.microsoft.com/office/drawing/2014/main" id="{CF9A4806-60B4-80DC-1F76-D2EB3E6C376B}"/>
+              </a:ext>
+            </a:extLst>
+          </p:cNvPr>
+          <p:cNvSpPr>
+            <a:spLocks noGrp="1"/>
+          </p:cNvSpPr>
+          <p:nvPr>
+            <p:ph type="title"/>
+          </p:nvPr>
+        </p:nvSpPr>
+        <p:spPr>
+          <a:xfrm>
+            <a:off x="461169" y="422999"/>
+            <a:ext cx="11269662" cy="384721"/>
+          </a:xfrm>
+        </p:spPr>
+        <p:txBody>
+          <a:bodyPr/>
+          <a:lstStyle/>
+          <a:p>
+            <a:r>
+              <a:rPr lang="it-IT" sz="2800">
+                <a:solidFill>
+                  <a:schemeClr val="tx1"/>
+                </a:solidFill>
+                <a:latin typeface="Tahoma" panose="020B0604030504040204" pitchFamily="34" charset="0"/>
+                <a:ea typeface="Tahoma" panose="020B0604030504040204" pitchFamily="34" charset="0"/>
+                <a:cs typeface="Tahoma" panose="020B0604030504040204" pitchFamily="34" charset="0"/>
+              </a:rPr>
+              <a:t>Algoritmo Proof-of-Work (PoW)</a:t>
+            </a:r>
+            <a:endParaRPr lang="it-IT" dirty="0"/>
+          </a:p>
+        </p:txBody>
+      </p:sp>
+    </p:spTree>
+    <p:extLst>
+      <p:ext uri="{BB962C8B-B14F-4D97-AF65-F5344CB8AC3E}">
+        <p14:creationId xmlns:p14="http://schemas.microsoft.com/office/powerpoint/2010/main" val="4232902795"/>
+      </p:ext>
+    </p:extLst>
+  </p:cSld>
+  <p:clrMapOvr>
+    <a:masterClrMapping/>
+  </p:clrMapOvr>
+</p:sld>
+</file>
+
+<file path=ppt/slides/slide17.xml><?xml version="1.0" encoding="utf-8"?>
+<p:sld xmlns:a="http://schemas.openxmlformats.org/drawingml/2006/main" xmlns:r="http://schemas.openxmlformats.org/officeDocument/2006/relationships" xmlns:p="http://schemas.openxmlformats.org/presentationml/2006/main">
+  <p:cSld>
+    <p:spTree>
+      <p:nvGrpSpPr>
+        <p:cNvPr id="1" name=""/>
+        <p:cNvGrpSpPr/>
+        <p:nvPr/>
+      </p:nvGrpSpPr>
+      <p:grpSpPr>
+        <a:xfrm>
+          <a:off x="0" y="0"/>
+          <a:ext cx="0" cy="0"/>
+          <a:chOff x="0" y="0"/>
+          <a:chExt cx="0" cy="0"/>
+        </a:xfrm>
+      </p:grpSpPr>
+      <p:sp>
+        <p:nvSpPr>
+          <p:cNvPr id="7" name="Segnaposto numero diapositiva 6">
+            <a:extLst>
+              <a:ext uri="{FF2B5EF4-FFF2-40B4-BE49-F238E27FC236}">
+                <a16:creationId xmlns:a16="http://schemas.microsoft.com/office/drawing/2014/main" id="{AB740BE9-E218-4144-BFDE-AE473D230A3D}"/>
+              </a:ext>
+            </a:extLst>
+          </p:cNvPr>
+          <p:cNvSpPr>
+            <a:spLocks noGrp="1"/>
+          </p:cNvSpPr>
+          <p:nvPr>
+            <p:ph type="sldNum" sz="quarter" idx="12"/>
+          </p:nvPr>
+        </p:nvSpPr>
+        <p:spPr/>
+        <p:txBody>
+          <a:bodyPr/>
+          <a:lstStyle/>
+          <a:p>
+            <a:pPr>
+              <a:defRPr/>
+            </a:pPr>
+            <a:fld id="{48B4153A-D4C5-4CEF-8992-0D8815C829E3}" type="slidenum">
+              <a:rPr lang="en-US" smtClean="0"/>
+              <a:pPr>
+                <a:defRPr/>
+              </a:pPr>
+              <a:t>17</a:t>
             </a:fld>
             <a:endParaRPr lang="en-US" dirty="0"/>
           </a:p>
@@ -11303,6 +12533,20 @@
 </file>
 
 <file path=customXml/item1.xml><?xml version="1.0" encoding="utf-8"?>
+<p:properties xmlns:p="http://schemas.microsoft.com/office/2006/metadata/properties" xmlns:xsi="http://www.w3.org/2001/XMLSchema-instance" xmlns:pc="http://schemas.microsoft.com/office/infopath/2007/PartnerControls">
+  <documentManagement>
+    <SottoCategoria xmlns="679261c3-551f-4e86-913f-177e0e529669">-</SottoCategoria>
+    <Categoria xmlns="c58f2efd-82a8-4ecf-b395-8c25e928921d">Power Point</Categoria>
+    <_dlc_DocId xmlns="459159c4-d20a-4ff3-9b11-fbd127bd52e5">INTRANET-14-158</_dlc_DocId>
+    <_dlc_DocIdUrl xmlns="459159c4-d20a-4ff3-9b11-fbd127bd52e5">
+      <Url>https://intranet.istat.it/Collaborativi/_layouts/15/DocIdRedir.aspx?ID=INTRANET-14-158</Url>
+      <Description>INTRANET-14-158</Description>
+    </_dlc_DocIdUrl>
+  </documentManagement>
+</p:properties>
+</file>
+
+<file path=customXml/item2.xml><?xml version="1.0" encoding="utf-8"?>
 <ct:contentTypeSchema xmlns:ct="http://schemas.microsoft.com/office/2006/metadata/contentType" xmlns:ma="http://schemas.microsoft.com/office/2006/metadata/properties/metaAttributes" ct:_="" ma:_="" ma:contentTypeName="Documento" ma:contentTypeID="0x010100661A2BE3120D674DA36C11D6006822D4" ma:contentTypeVersion="3" ma:contentTypeDescription="Creare un nuovo documento." ma:contentTypeScope="" ma:versionID="2ad8b07f9840a1ce9cd199d874146b74">
   <xsd:schema xmlns:xsd="http://www.w3.org/2001/XMLSchema" xmlns:xs="http://www.w3.org/2001/XMLSchema" xmlns:p="http://schemas.microsoft.com/office/2006/metadata/properties" xmlns:ns2="c58f2efd-82a8-4ecf-b395-8c25e928921d" xmlns:ns3="459159c4-d20a-4ff3-9b11-fbd127bd52e5" xmlns:ns4="679261c3-551f-4e86-913f-177e0e529669" targetNamespace="http://schemas.microsoft.com/office/2006/metadata/properties" ma:root="true" ma:fieldsID="fffb0e16fb90ffea59fef1085e90ecca" ns2:_="" ns3:_="" ns4:_="">
     <xsd:import namespace="c58f2efd-82a8-4ecf-b395-8c25e928921d"/>
@@ -11489,30 +12733,7 @@
 </ct:contentTypeSchema>
 </file>
 
-<file path=customXml/item2.xml><?xml version="1.0" encoding="utf-8"?>
-<p:properties xmlns:p="http://schemas.microsoft.com/office/2006/metadata/properties" xmlns:xsi="http://www.w3.org/2001/XMLSchema-instance" xmlns:pc="http://schemas.microsoft.com/office/infopath/2007/PartnerControls">
-  <documentManagement>
-    <SottoCategoria xmlns="679261c3-551f-4e86-913f-177e0e529669">-</SottoCategoria>
-    <Categoria xmlns="c58f2efd-82a8-4ecf-b395-8c25e928921d">Power Point</Categoria>
-    <_dlc_DocId xmlns="459159c4-d20a-4ff3-9b11-fbd127bd52e5">INTRANET-14-158</_dlc_DocId>
-    <_dlc_DocIdUrl xmlns="459159c4-d20a-4ff3-9b11-fbd127bd52e5">
-      <Url>https://intranet.istat.it/Collaborativi/_layouts/15/DocIdRedir.aspx?ID=INTRANET-14-158</Url>
-      <Description>INTRANET-14-158</Description>
-    </_dlc_DocIdUrl>
-  </documentManagement>
-</p:properties>
-</file>
-
 <file path=customXml/item3.xml><?xml version="1.0" encoding="utf-8"?>
-<?mso-contentType ?>
-<FormTemplates xmlns="http://schemas.microsoft.com/sharepoint/v3/contenttype/forms">
-  <Display>DocumentLibraryForm</Display>
-  <Edit>DocumentLibraryForm</Edit>
-  <New>DocumentLibraryForm</New>
-</FormTemplates>
-</file>
-
-<file path=customXml/item4.xml><?xml version="1.0" encoding="utf-8"?>
 <?mso-contentType ?>
 <spe:Receivers xmlns:spe="http://schemas.microsoft.com/sharepoint/events">
   <Receiver>
@@ -11562,7 +12783,34 @@
 </spe:Receivers>
 </file>
 
+<file path=customXml/item4.xml><?xml version="1.0" encoding="utf-8"?>
+<?mso-contentType ?>
+<FormTemplates xmlns="http://schemas.microsoft.com/sharepoint/v3/contenttype/forms">
+  <Display>DocumentLibraryForm</Display>
+  <Edit>DocumentLibraryForm</Edit>
+  <New>DocumentLibraryForm</New>
+</FormTemplates>
+</file>
+
 <file path=customXml/itemProps1.xml><?xml version="1.0" encoding="utf-8"?>
+<ds:datastoreItem xmlns:ds="http://schemas.openxmlformats.org/officeDocument/2006/customXml" ds:itemID="{3EF378BC-F4D0-4510-B4EC-07B6EFE18CF8}">
+  <ds:schemaRefs>
+    <ds:schemaRef ds:uri="http://schemas.microsoft.com/office/2006/metadata/properties"/>
+    <ds:schemaRef ds:uri="http://purl.org/dc/terms/"/>
+    <ds:schemaRef ds:uri="http://schemas.microsoft.com/office/2006/documentManagement/types"/>
+    <ds:schemaRef ds:uri="http://schemas.openxmlformats.org/package/2006/metadata/core-properties"/>
+    <ds:schemaRef ds:uri="459159c4-d20a-4ff3-9b11-fbd127bd52e5"/>
+    <ds:schemaRef ds:uri="c58f2efd-82a8-4ecf-b395-8c25e928921d"/>
+    <ds:schemaRef ds:uri="http://purl.org/dc/elements/1.1/"/>
+    <ds:schemaRef ds:uri="http://schemas.microsoft.com/office/infopath/2007/PartnerControls"/>
+    <ds:schemaRef ds:uri="679261c3-551f-4e86-913f-177e0e529669"/>
+    <ds:schemaRef ds:uri="http://www.w3.org/XML/1998/namespace"/>
+    <ds:schemaRef ds:uri="http://purl.org/dc/dcmitype/"/>
+  </ds:schemaRefs>
+</ds:datastoreItem>
+</file>
+
+<file path=customXml/itemProps2.xml><?xml version="1.0" encoding="utf-8"?>
 <ds:datastoreItem xmlns:ds="http://schemas.openxmlformats.org/officeDocument/2006/customXml" ds:itemID="{3F66F418-6054-4EA5-BF8E-6AF3CEAE6265}">
   <ds:schemaRefs>
     <ds:schemaRef ds:uri="http://schemas.microsoft.com/office/2006/metadata/contentType"/>
@@ -11582,36 +12830,18 @@
 </ds:datastoreItem>
 </file>
 
-<file path=customXml/itemProps2.xml><?xml version="1.0" encoding="utf-8"?>
-<ds:datastoreItem xmlns:ds="http://schemas.openxmlformats.org/officeDocument/2006/customXml" ds:itemID="{3EF378BC-F4D0-4510-B4EC-07B6EFE18CF8}">
+<file path=customXml/itemProps3.xml><?xml version="1.0" encoding="utf-8"?>
+<ds:datastoreItem xmlns:ds="http://schemas.openxmlformats.org/officeDocument/2006/customXml" ds:itemID="{D9296C4F-9DE9-4B43-AA80-1FC85656CFFA}">
   <ds:schemaRefs>
-    <ds:schemaRef ds:uri="http://schemas.microsoft.com/office/infopath/2007/PartnerControls"/>
-    <ds:schemaRef ds:uri="http://purl.org/dc/elements/1.1/"/>
-    <ds:schemaRef ds:uri="http://schemas.microsoft.com/office/2006/metadata/properties"/>
-    <ds:schemaRef ds:uri="http://schemas.openxmlformats.org/package/2006/metadata/core-properties"/>
-    <ds:schemaRef ds:uri="http://purl.org/dc/terms/"/>
-    <ds:schemaRef ds:uri="679261c3-551f-4e86-913f-177e0e529669"/>
-    <ds:schemaRef ds:uri="459159c4-d20a-4ff3-9b11-fbd127bd52e5"/>
-    <ds:schemaRef ds:uri="http://schemas.microsoft.com/office/2006/documentManagement/types"/>
-    <ds:schemaRef ds:uri="c58f2efd-82a8-4ecf-b395-8c25e928921d"/>
-    <ds:schemaRef ds:uri="http://www.w3.org/XML/1998/namespace"/>
-    <ds:schemaRef ds:uri="http://purl.org/dc/dcmitype/"/>
+    <ds:schemaRef ds:uri="http://schemas.microsoft.com/sharepoint/events"/>
   </ds:schemaRefs>
 </ds:datastoreItem>
 </file>
 
-<file path=customXml/itemProps3.xml><?xml version="1.0" encoding="utf-8"?>
+<file path=customXml/itemProps4.xml><?xml version="1.0" encoding="utf-8"?>
 <ds:datastoreItem xmlns:ds="http://schemas.openxmlformats.org/officeDocument/2006/customXml" ds:itemID="{BD9C238D-4D5C-4783-820B-4854DCE45D41}">
   <ds:schemaRefs>
     <ds:schemaRef ds:uri="http://schemas.microsoft.com/sharepoint/v3/contenttype/forms"/>
   </ds:schemaRefs>
 </ds:datastoreItem>
-</file>
-
-<file path=customXml/itemProps4.xml><?xml version="1.0" encoding="utf-8"?>
-<ds:datastoreItem xmlns:ds="http://schemas.openxmlformats.org/officeDocument/2006/customXml" ds:itemID="{D9296C4F-9DE9-4B43-AA80-1FC85656CFFA}">
-  <ds:schemaRefs>
-    <ds:schemaRef ds:uri="http://schemas.microsoft.com/sharepoint/events"/>
-  </ds:schemaRefs>
-</ds:datastoreItem>
 </file>
--- a/Assicurazioni/Algoritmi di consenso distribuito_ita.pptx
+++ b/Assicurazioni/Algoritmi di consenso distribuito_ita.pptx
@@ -5,7 +5,7 @@
     <p:sldMasterId id="2147483648" r:id="rId5"/>
   </p:sldMasterIdLst>
   <p:notesMasterIdLst>
-    <p:notesMasterId r:id="rId23"/>
+    <p:notesMasterId r:id="rId26"/>
   </p:notesMasterIdLst>
   <p:sldIdLst>
     <p:sldId id="256" r:id="rId6"/>
@@ -24,7 +24,10 @@
     <p:sldId id="378" r:id="rId19"/>
     <p:sldId id="377" r:id="rId20"/>
     <p:sldId id="379" r:id="rId21"/>
-    <p:sldId id="343" r:id="rId22"/>
+    <p:sldId id="380" r:id="rId22"/>
+    <p:sldId id="382" r:id="rId23"/>
+    <p:sldId id="381" r:id="rId24"/>
+    <p:sldId id="343" r:id="rId25"/>
   </p:sldIdLst>
   <p:sldSz cx="12192000" cy="6858000"/>
   <p:notesSz cx="6858000" cy="9144000"/>
@@ -282,7 +285,7 @@
               <a:pPr>
                 <a:defRPr/>
               </a:pPr>
-              <a:t>3/22/2023</a:t>
+              <a:t>3/23/2023</a:t>
             </a:fld>
             <a:endParaRPr lang="en-US"/>
           </a:p>
@@ -9131,7 +9134,7 @@
         <p:spPr>
           <a:xfrm>
             <a:off x="461169" y="1232694"/>
-            <a:ext cx="11004000" cy="4392612"/>
+            <a:ext cx="4068628" cy="4392612"/>
           </a:xfrm>
         </p:spPr>
         <p:txBody>
@@ -9165,6 +9168,17 @@
               <a:t> Non importa quanto sia alta la percentuale delle quote nel proprio </a:t>
             </a:r>
             <a:r>
+              <a:rPr lang="it-IT" sz="2400" b="1">
+                <a:solidFill>
+                  <a:srgbClr val="27282D"/>
+                </a:solidFill>
+                <a:latin typeface="Tahoma" panose="020B0604030504040204" pitchFamily="34" charset="0"/>
+                <a:ea typeface="Tahoma" panose="020B0604030504040204" pitchFamily="34" charset="0"/>
+                <a:cs typeface="Tahoma" panose="020B0604030504040204" pitchFamily="34" charset="0"/>
+              </a:rPr>
+              <a:t>portafoglio</a:t>
+            </a:r>
+            <a:r>
               <a:rPr lang="it-IT" sz="2400">
                 <a:solidFill>
                   <a:srgbClr val="27282D"/>
@@ -9172,15 +9186,19 @@
                 <a:latin typeface="Tahoma" panose="020B0604030504040204" pitchFamily="34" charset="0"/>
                 <a:ea typeface="Tahoma" panose="020B0604030504040204" pitchFamily="34" charset="0"/>
                 <a:cs typeface="Tahoma" panose="020B0604030504040204" pitchFamily="34" charset="0"/>
-                <a:hlinkClick r:id="rId2">
-                  <a:extLst>
-                    <a:ext uri="{A12FA001-AC4F-418D-AE19-62706E023703}">
-                      <ahyp:hlinkClr xmlns:ahyp="http://schemas.microsoft.com/office/drawing/2018/hyperlinkcolor" val="tx"/>
-                    </a:ext>
-                  </a:extLst>
-                </a:hlinkClick>
-              </a:rPr>
-              <a:t>portafoglio</a:t>
+              </a:rPr>
+              <a:t>: in un sistema </a:t>
+            </a:r>
+            <a:r>
+              <a:rPr lang="it-IT" sz="2400" b="1">
+                <a:solidFill>
+                  <a:srgbClr val="27282D"/>
+                </a:solidFill>
+                <a:latin typeface="Tahoma" panose="020B0604030504040204" pitchFamily="34" charset="0"/>
+                <a:ea typeface="Tahoma" panose="020B0604030504040204" pitchFamily="34" charset="0"/>
+                <a:cs typeface="Tahoma" panose="020B0604030504040204" pitchFamily="34" charset="0"/>
+              </a:rPr>
+              <a:t>PoW</a:t>
             </a:r>
             <a:r>
               <a:rPr lang="it-IT" sz="2400">
@@ -9191,7 +9209,7 @@
                 <a:ea typeface="Tahoma" panose="020B0604030504040204" pitchFamily="34" charset="0"/>
                 <a:cs typeface="Tahoma" panose="020B0604030504040204" pitchFamily="34" charset="0"/>
               </a:rPr>
-              <a:t>: in un sistema PoW l’unica cosa che conta è la potenza di calcolo utilizzata per risolvere i problemi matematici e generare nuovi blocchi. Chi possiede grosse quantità di denaro, quindi, non ha maggiore controllo sulla rete.</a:t>
+              <a:t> l’unica cosa che conta è la potenza di calcolo utilizzata per risolvere i problemi matematici e generare nuovi blocchi. Chi possiede grosse quantità di denaro, quindi, non ha maggiore controllo sulla rete.</a:t>
             </a:r>
           </a:p>
           <a:p>
@@ -9309,6 +9327,36 @@
           </a:p>
         </p:txBody>
       </p:sp>
+      <p:pic>
+        <p:nvPicPr>
+          <p:cNvPr id="4" name="Immagine 3" descr="Immagine che contiene diagramma, schematico&#10;&#10;Descrizione generata automaticamente">
+            <a:extLst>
+              <a:ext uri="{FF2B5EF4-FFF2-40B4-BE49-F238E27FC236}">
+                <a16:creationId xmlns:a16="http://schemas.microsoft.com/office/drawing/2014/main" id="{549C82BE-FA2E-71B2-1D71-91C29FDE5573}"/>
+              </a:ext>
+            </a:extLst>
+          </p:cNvPr>
+          <p:cNvPicPr>
+            <a:picLocks noChangeAspect="1"/>
+          </p:cNvPicPr>
+          <p:nvPr/>
+        </p:nvPicPr>
+        <p:blipFill>
+          <a:blip r:embed="rId2"/>
+          <a:stretch>
+            <a:fillRect/>
+          </a:stretch>
+        </p:blipFill>
+        <p:spPr>
+          <a:xfrm>
+            <a:off x="4867422" y="2087281"/>
+            <a:ext cx="6289822" cy="3538025"/>
+          </a:xfrm>
+          <a:prstGeom prst="rect">
+            <a:avLst/>
+          </a:prstGeom>
+        </p:spPr>
+      </p:pic>
     </p:spTree>
     <p:extLst>
       <p:ext uri="{BB962C8B-B14F-4D97-AF65-F5344CB8AC3E}">
@@ -9341,6 +9389,247 @@
       </p:grpSpPr>
       <p:sp>
         <p:nvSpPr>
+          <p:cNvPr id="2" name="Segnaposto testo 1">
+            <a:extLst>
+              <a:ext uri="{FF2B5EF4-FFF2-40B4-BE49-F238E27FC236}">
+                <a16:creationId xmlns:a16="http://schemas.microsoft.com/office/drawing/2014/main" id="{E5AE986C-196F-4141-A898-FA4C4198CDCC}"/>
+              </a:ext>
+            </a:extLst>
+          </p:cNvPr>
+          <p:cNvSpPr>
+            <a:spLocks noGrp="1"/>
+          </p:cNvSpPr>
+          <p:nvPr>
+            <p:ph type="body" idx="1"/>
+          </p:nvPr>
+        </p:nvSpPr>
+        <p:spPr>
+          <a:xfrm>
+            <a:off x="461168" y="1232694"/>
+            <a:ext cx="7979447" cy="3958284"/>
+          </a:xfrm>
+        </p:spPr>
+        <p:txBody>
+          <a:bodyPr/>
+          <a:lstStyle/>
+          <a:p>
+            <a:pPr marL="342900" indent="-342900" algn="just" rtl="0">
+              <a:buFont typeface="Wingdings" panose="05000000000000000000" pitchFamily="2" charset="2"/>
+              <a:buChar char="ü"/>
+            </a:pPr>
+            <a:r>
+              <a:rPr lang="it-IT" sz="2400">
+                <a:solidFill>
+                  <a:srgbClr val="27282D"/>
+                </a:solidFill>
+                <a:latin typeface="Tahoma" panose="020B0604030504040204" pitchFamily="34" charset="0"/>
+                <a:ea typeface="Tahoma" panose="020B0604030504040204" pitchFamily="34" charset="0"/>
+                <a:cs typeface="Tahoma" panose="020B0604030504040204" pitchFamily="34" charset="0"/>
+              </a:rPr>
+              <a:t>I principali svantaggi di un sistema </a:t>
+            </a:r>
+            <a:r>
+              <a:rPr lang="it-IT" sz="2400" b="1">
+                <a:solidFill>
+                  <a:srgbClr val="27282D"/>
+                </a:solidFill>
+                <a:latin typeface="Tahoma" panose="020B0604030504040204" pitchFamily="34" charset="0"/>
+                <a:ea typeface="Tahoma" panose="020B0604030504040204" pitchFamily="34" charset="0"/>
+                <a:cs typeface="Tahoma" panose="020B0604030504040204" pitchFamily="34" charset="0"/>
+              </a:rPr>
+              <a:t>PoW</a:t>
+            </a:r>
+            <a:r>
+              <a:rPr lang="it-IT" sz="2400">
+                <a:solidFill>
+                  <a:srgbClr val="27282D"/>
+                </a:solidFill>
+                <a:latin typeface="Tahoma" panose="020B0604030504040204" pitchFamily="34" charset="0"/>
+                <a:ea typeface="Tahoma" panose="020B0604030504040204" pitchFamily="34" charset="0"/>
+                <a:cs typeface="Tahoma" panose="020B0604030504040204" pitchFamily="34" charset="0"/>
+              </a:rPr>
+              <a:t> sono invece i costi elevati, la totale inutilità dei calcoli e il rischio di attacchi </a:t>
+            </a:r>
+            <a:r>
+              <a:rPr lang="it-IT" sz="2400" b="1">
+                <a:solidFill>
+                  <a:srgbClr val="27282D"/>
+                </a:solidFill>
+                <a:latin typeface="Tahoma" panose="020B0604030504040204" pitchFamily="34" charset="0"/>
+                <a:ea typeface="Tahoma" panose="020B0604030504040204" pitchFamily="34" charset="0"/>
+                <a:cs typeface="Tahoma" panose="020B0604030504040204" pitchFamily="34" charset="0"/>
+              </a:rPr>
+              <a:t>51</a:t>
+            </a:r>
+            <a:r>
+              <a:rPr lang="it-IT" sz="2400">
+                <a:solidFill>
+                  <a:srgbClr val="27282D"/>
+                </a:solidFill>
+                <a:latin typeface="Tahoma" panose="020B0604030504040204" pitchFamily="34" charset="0"/>
+                <a:ea typeface="Tahoma" panose="020B0604030504040204" pitchFamily="34" charset="0"/>
+                <a:cs typeface="Tahoma" panose="020B0604030504040204" pitchFamily="34" charset="0"/>
+              </a:rPr>
+              <a:t>%.</a:t>
+            </a:r>
+          </a:p>
+          <a:p>
+            <a:pPr marL="342900" indent="-342900" algn="just" rtl="0">
+              <a:buFont typeface="Wingdings" panose="05000000000000000000" pitchFamily="2" charset="2"/>
+              <a:buChar char="ü"/>
+            </a:pPr>
+            <a:endParaRPr lang="it-IT" sz="2400">
+              <a:solidFill>
+                <a:srgbClr val="27282D"/>
+              </a:solidFill>
+              <a:latin typeface="Tahoma" panose="020B0604030504040204" pitchFamily="34" charset="0"/>
+              <a:ea typeface="Tahoma" panose="020B0604030504040204" pitchFamily="34" charset="0"/>
+              <a:cs typeface="Tahoma" panose="020B0604030504040204" pitchFamily="34" charset="0"/>
+            </a:endParaRPr>
+          </a:p>
+          <a:p>
+            <a:pPr marL="342900" indent="-342900" algn="just" rtl="0">
+              <a:buFont typeface="Wingdings" panose="05000000000000000000" pitchFamily="2" charset="2"/>
+              <a:buChar char="ü"/>
+            </a:pPr>
+            <a:r>
+              <a:rPr lang="it-IT" sz="2400" b="1">
+                <a:solidFill>
+                  <a:srgbClr val="27282D"/>
+                </a:solidFill>
+                <a:latin typeface="Tahoma" panose="020B0604030504040204" pitchFamily="34" charset="0"/>
+                <a:ea typeface="Tahoma" panose="020B0604030504040204" pitchFamily="34" charset="0"/>
+                <a:cs typeface="Tahoma" panose="020B0604030504040204" pitchFamily="34" charset="0"/>
+              </a:rPr>
+              <a:t>Costi elevati:</a:t>
+            </a:r>
+            <a:r>
+              <a:rPr lang="it-IT" sz="2400">
+                <a:solidFill>
+                  <a:srgbClr val="27282D"/>
+                </a:solidFill>
+                <a:latin typeface="Tahoma" panose="020B0604030504040204" pitchFamily="34" charset="0"/>
+                <a:ea typeface="Tahoma" panose="020B0604030504040204" pitchFamily="34" charset="0"/>
+                <a:cs typeface="Tahoma" panose="020B0604030504040204" pitchFamily="34" charset="0"/>
+              </a:rPr>
+              <a:t> Il processo di </a:t>
+            </a:r>
+            <a:r>
+              <a:rPr lang="it-IT" sz="2400" b="1">
+                <a:solidFill>
+                  <a:srgbClr val="27282D"/>
+                </a:solidFill>
+                <a:latin typeface="Tahoma" panose="020B0604030504040204" pitchFamily="34" charset="0"/>
+                <a:ea typeface="Tahoma" panose="020B0604030504040204" pitchFamily="34" charset="0"/>
+                <a:cs typeface="Tahoma" panose="020B0604030504040204" pitchFamily="34" charset="0"/>
+              </a:rPr>
+              <a:t>mining</a:t>
+            </a:r>
+            <a:r>
+              <a:rPr lang="it-IT" sz="2400">
+                <a:solidFill>
+                  <a:srgbClr val="27282D"/>
+                </a:solidFill>
+                <a:latin typeface="Tahoma" panose="020B0604030504040204" pitchFamily="34" charset="0"/>
+                <a:ea typeface="Tahoma" panose="020B0604030504040204" pitchFamily="34" charset="0"/>
+                <a:cs typeface="Tahoma" panose="020B0604030504040204" pitchFamily="34" charset="0"/>
+              </a:rPr>
+              <a:t> richiede macchine altamente specializzate, capaci di risolvere in tempi brevi algoritmi estremamente complessi. </a:t>
+            </a:r>
+          </a:p>
+          <a:p>
+            <a:pPr marL="342900" indent="-342900" algn="just" rtl="0">
+              <a:buFont typeface="Wingdings" panose="05000000000000000000" pitchFamily="2" charset="2"/>
+              <a:buChar char="ü"/>
+            </a:pPr>
+            <a:r>
+              <a:rPr lang="it-IT" sz="2400">
+                <a:solidFill>
+                  <a:srgbClr val="27282D"/>
+                </a:solidFill>
+                <a:latin typeface="Tahoma" panose="020B0604030504040204" pitchFamily="34" charset="0"/>
+                <a:ea typeface="Tahoma" panose="020B0604030504040204" pitchFamily="34" charset="0"/>
+                <a:cs typeface="Tahoma" panose="020B0604030504040204" pitchFamily="34" charset="0"/>
+              </a:rPr>
+              <a:t>Questi dispositivi non sono solo estremamente costosi, ma consumano anche </a:t>
+            </a:r>
+            <a:r>
+              <a:rPr lang="it-IT" sz="2400" b="1">
+                <a:solidFill>
+                  <a:srgbClr val="27282D"/>
+                </a:solidFill>
+                <a:latin typeface="Tahoma" panose="020B0604030504040204" pitchFamily="34" charset="0"/>
+                <a:ea typeface="Tahoma" panose="020B0604030504040204" pitchFamily="34" charset="0"/>
+                <a:cs typeface="Tahoma" panose="020B0604030504040204" pitchFamily="34" charset="0"/>
+              </a:rPr>
+              <a:t>enormi quantità di energia elettrica</a:t>
+            </a:r>
+            <a:r>
+              <a:rPr lang="it-IT" sz="2400">
+                <a:solidFill>
+                  <a:srgbClr val="27282D"/>
+                </a:solidFill>
+                <a:latin typeface="Tahoma" panose="020B0604030504040204" pitchFamily="34" charset="0"/>
+                <a:ea typeface="Tahoma" panose="020B0604030504040204" pitchFamily="34" charset="0"/>
+                <a:cs typeface="Tahoma" panose="020B0604030504040204" pitchFamily="34" charset="0"/>
+              </a:rPr>
+              <a:t>, incrementando ulteriormente i prezzi. Si tratta di una pericolosa minaccia alla decentralizzazione del sistema, in quanto solo una piccola fetta dell’utenza può permettersi questo genere di investimenti. Diamo ad esempio un’occhiata al seguente grafico sul Bitcoin.</a:t>
+            </a:r>
+          </a:p>
+          <a:p>
+            <a:br>
+              <a:rPr lang="it-IT" sz="2400"/>
+            </a:br>
+            <a:endParaRPr lang="it-IT" sz="2400">
+              <a:solidFill>
+                <a:srgbClr val="27282D"/>
+              </a:solidFill>
+              <a:latin typeface="Tahoma" panose="020B0604030504040204" pitchFamily="34" charset="0"/>
+              <a:ea typeface="Tahoma" panose="020B0604030504040204" pitchFamily="34" charset="0"/>
+              <a:cs typeface="Tahoma" panose="020B0604030504040204" pitchFamily="34" charset="0"/>
+            </a:endParaRPr>
+          </a:p>
+          <a:p>
+            <a:pPr marL="342900" indent="-342900" algn="just">
+              <a:buFont typeface="Wingdings" panose="05000000000000000000" pitchFamily="2" charset="2"/>
+              <a:buChar char="ü"/>
+            </a:pPr>
+            <a:endParaRPr lang="it-IT" sz="2400">
+              <a:solidFill>
+                <a:srgbClr val="27282D"/>
+              </a:solidFill>
+              <a:latin typeface="Tahoma" panose="020B0604030504040204" pitchFamily="34" charset="0"/>
+              <a:ea typeface="Tahoma" panose="020B0604030504040204" pitchFamily="34" charset="0"/>
+              <a:cs typeface="Tahoma" panose="020B0604030504040204" pitchFamily="34" charset="0"/>
+            </a:endParaRPr>
+          </a:p>
+          <a:p>
+            <a:pPr marL="342900" indent="-342900" algn="just">
+              <a:lnSpc>
+                <a:spcPct val="115000"/>
+              </a:lnSpc>
+              <a:spcBef>
+                <a:spcPts val="2400"/>
+              </a:spcBef>
+              <a:buFont typeface="Wingdings" panose="05000000000000000000" pitchFamily="2" charset="2"/>
+              <a:buChar char="ü"/>
+              <a:tabLst>
+                <a:tab pos="457200" algn="l"/>
+              </a:tabLst>
+            </a:pPr>
+            <a:endParaRPr lang="it-IT" sz="2400">
+              <a:solidFill>
+                <a:srgbClr val="27282D"/>
+              </a:solidFill>
+              <a:latin typeface="Tahoma" panose="020B0604030504040204" pitchFamily="34" charset="0"/>
+              <a:ea typeface="Tahoma" panose="020B0604030504040204" pitchFamily="34" charset="0"/>
+              <a:cs typeface="Tahoma" panose="020B0604030504040204" pitchFamily="34" charset="0"/>
+            </a:endParaRPr>
+          </a:p>
+        </p:txBody>
+      </p:sp>
+      <p:sp>
+        <p:nvSpPr>
           <p:cNvPr id="7" name="Segnaposto numero diapositiva 6">
             <a:extLst>
               <a:ext uri="{FF2B5EF4-FFF2-40B4-BE49-F238E27FC236}">
@@ -9376,10 +9665,10 @@
       </p:sp>
       <p:sp>
         <p:nvSpPr>
-          <p:cNvPr id="5" name="Titolo 4">
-            <a:extLst>
-              <a:ext uri="{FF2B5EF4-FFF2-40B4-BE49-F238E27FC236}">
-                <a16:creationId xmlns:a16="http://schemas.microsoft.com/office/drawing/2014/main" id="{82C46BA2-B380-4357-B125-BA9F08A643F5}"/>
+          <p:cNvPr id="6" name="Titolo 4">
+            <a:extLst>
+              <a:ext uri="{FF2B5EF4-FFF2-40B4-BE49-F238E27FC236}">
+                <a16:creationId xmlns:a16="http://schemas.microsoft.com/office/drawing/2014/main" id="{CF9A4806-60B4-80DC-1F76-D2EB3E6C376B}"/>
               </a:ext>
             </a:extLst>
           </p:cNvPr>
@@ -9392,8 +9681,8 @@
         </p:nvSpPr>
         <p:spPr>
           <a:xfrm>
-            <a:off x="468895" y="503475"/>
-            <a:ext cx="11269308" cy="384721"/>
+            <a:off x="461169" y="422999"/>
+            <a:ext cx="11269662" cy="384721"/>
           </a:xfrm>
         </p:spPr>
         <p:txBody>
@@ -9401,19 +9690,86 @@
           <a:lstStyle/>
           <a:p>
             <a:r>
-              <a:rPr lang="it-IT" altLang="it-IT"/>
-              <a:t>Bibliografia</a:t>
+              <a:rPr lang="it-IT" sz="2800">
+                <a:solidFill>
+                  <a:schemeClr val="tx1"/>
+                </a:solidFill>
+                <a:latin typeface="Tahoma" panose="020B0604030504040204" pitchFamily="34" charset="0"/>
+                <a:ea typeface="Tahoma" panose="020B0604030504040204" pitchFamily="34" charset="0"/>
+                <a:cs typeface="Tahoma" panose="020B0604030504040204" pitchFamily="34" charset="0"/>
+              </a:rPr>
+              <a:t>Algoritmo Proof-of-Work (PoW)</a:t>
             </a:r>
             <a:endParaRPr lang="it-IT" dirty="0"/>
           </a:p>
         </p:txBody>
       </p:sp>
-      <p:sp>
-        <p:nvSpPr>
-          <p:cNvPr id="3" name="Segnaposto testo 2">
-            <a:extLst>
-              <a:ext uri="{FF2B5EF4-FFF2-40B4-BE49-F238E27FC236}">
-                <a16:creationId xmlns:a16="http://schemas.microsoft.com/office/drawing/2014/main" id="{15CD42DB-61E6-AA3D-7125-BF4BEDB5D886}"/>
+      <p:pic>
+        <p:nvPicPr>
+          <p:cNvPr id="5" name="Immagine 4">
+            <a:extLst>
+              <a:ext uri="{FF2B5EF4-FFF2-40B4-BE49-F238E27FC236}">
+                <a16:creationId xmlns:a16="http://schemas.microsoft.com/office/drawing/2014/main" id="{6C1D9908-5774-356A-4450-3F270B15B2F0}"/>
+              </a:ext>
+            </a:extLst>
+          </p:cNvPr>
+          <p:cNvPicPr>
+            <a:picLocks noChangeAspect="1"/>
+          </p:cNvPicPr>
+          <p:nvPr/>
+        </p:nvPicPr>
+        <p:blipFill>
+          <a:blip r:embed="rId2"/>
+          <a:stretch>
+            <a:fillRect/>
+          </a:stretch>
+        </p:blipFill>
+        <p:spPr>
+          <a:xfrm>
+            <a:off x="8734522" y="2459722"/>
+            <a:ext cx="3273572" cy="2140413"/>
+          </a:xfrm>
+          <a:prstGeom prst="rect">
+            <a:avLst/>
+          </a:prstGeom>
+        </p:spPr>
+      </p:pic>
+    </p:spTree>
+    <p:extLst>
+      <p:ext uri="{BB962C8B-B14F-4D97-AF65-F5344CB8AC3E}">
+        <p14:creationId xmlns:p14="http://schemas.microsoft.com/office/powerpoint/2010/main" val="2576170094"/>
+      </p:ext>
+    </p:extLst>
+  </p:cSld>
+  <p:clrMapOvr>
+    <a:masterClrMapping/>
+  </p:clrMapOvr>
+</p:sld>
+</file>
+
+<file path=ppt/slides/slide18.xml><?xml version="1.0" encoding="utf-8"?>
+<p:sld xmlns:a="http://schemas.openxmlformats.org/drawingml/2006/main" xmlns:r="http://schemas.openxmlformats.org/officeDocument/2006/relationships" xmlns:p="http://schemas.openxmlformats.org/presentationml/2006/main">
+  <p:cSld>
+    <p:spTree>
+      <p:nvGrpSpPr>
+        <p:cNvPr id="1" name=""/>
+        <p:cNvGrpSpPr/>
+        <p:nvPr/>
+      </p:nvGrpSpPr>
+      <p:grpSpPr>
+        <a:xfrm>
+          <a:off x="0" y="0"/>
+          <a:ext cx="0" cy="0"/>
+          <a:chOff x="0" y="0"/>
+          <a:chExt cx="0" cy="0"/>
+        </a:xfrm>
+      </p:grpSpPr>
+      <p:sp>
+        <p:nvSpPr>
+          <p:cNvPr id="2" name="Segnaposto testo 1">
+            <a:extLst>
+              <a:ext uri="{FF2B5EF4-FFF2-40B4-BE49-F238E27FC236}">
+                <a16:creationId xmlns:a16="http://schemas.microsoft.com/office/drawing/2014/main" id="{E5AE986C-196F-4141-A898-FA4C4198CDCC}"/>
               </a:ext>
             </a:extLst>
           </p:cNvPr>
@@ -9426,95 +9782,626 @@
         </p:nvSpPr>
         <p:spPr>
           <a:xfrm>
-            <a:off x="477519" y="1557338"/>
-            <a:ext cx="11043921" cy="4392612"/>
+            <a:off x="461168" y="1232694"/>
+            <a:ext cx="10961798" cy="3958284"/>
           </a:xfrm>
         </p:spPr>
         <p:txBody>
           <a:bodyPr/>
           <a:lstStyle/>
           <a:p>
+            <a:pPr marL="342900" indent="-342900" algn="just" rtl="0">
+              <a:buFont typeface="Wingdings" panose="05000000000000000000" pitchFamily="2" charset="2"/>
+              <a:buChar char="ü"/>
+            </a:pPr>
+            <a:r>
+              <a:rPr lang="it-IT" sz="2400" b="1">
+                <a:solidFill>
+                  <a:srgbClr val="27282D"/>
+                </a:solidFill>
+                <a:effectLst/>
+                <a:latin typeface="Open Sans" panose="020B0606030504020204" pitchFamily="34" charset="0"/>
+              </a:rPr>
+              <a:t>Inutilità dei calcoli:</a:t>
+            </a:r>
+            <a:r>
+              <a:rPr lang="it-IT" sz="2400" b="0" i="0">
+                <a:solidFill>
+                  <a:srgbClr val="27282D"/>
+                </a:solidFill>
+                <a:effectLst/>
+                <a:latin typeface="Open Sans" panose="020B0606030504020204" pitchFamily="34" charset="0"/>
+              </a:rPr>
+              <a:t> I </a:t>
+            </a:r>
+            <a:r>
+              <a:rPr lang="it-IT" sz="2400" b="1" i="0">
+                <a:solidFill>
+                  <a:srgbClr val="27282D"/>
+                </a:solidFill>
+                <a:effectLst/>
+                <a:latin typeface="Open Sans" panose="020B0606030504020204" pitchFamily="34" charset="0"/>
+              </a:rPr>
+              <a:t>miner</a:t>
+            </a:r>
+            <a:r>
+              <a:rPr lang="it-IT" sz="2400" b="0" i="0">
+                <a:solidFill>
+                  <a:srgbClr val="27282D"/>
+                </a:solidFill>
+                <a:effectLst/>
+                <a:latin typeface="Open Sans" panose="020B0606030504020204" pitchFamily="34" charset="0"/>
+              </a:rPr>
+              <a:t> consumano moltissimo tempo ed energie per generare nuovi blocchi, </a:t>
+            </a:r>
+            <a:r>
+              <a:rPr lang="it-IT" sz="2400" b="1" i="0">
+                <a:solidFill>
+                  <a:srgbClr val="27282D"/>
+                </a:solidFill>
+                <a:effectLst/>
+                <a:latin typeface="Open Sans" panose="020B0606030504020204" pitchFamily="34" charset="0"/>
+              </a:rPr>
+              <a:t>eseguendo</a:t>
+            </a:r>
+            <a:r>
+              <a:rPr lang="it-IT" sz="2400" b="0" i="0">
+                <a:solidFill>
+                  <a:srgbClr val="27282D"/>
+                </a:solidFill>
+                <a:effectLst/>
+                <a:latin typeface="Open Sans" panose="020B0606030504020204" pitchFamily="34" charset="0"/>
+              </a:rPr>
+              <a:t> </a:t>
+            </a:r>
+            <a:r>
+              <a:rPr lang="it-IT" sz="2400" b="1" i="0">
+                <a:solidFill>
+                  <a:srgbClr val="27282D"/>
+                </a:solidFill>
+                <a:effectLst/>
+                <a:latin typeface="Open Sans" panose="020B0606030504020204" pitchFamily="34" charset="0"/>
+              </a:rPr>
+              <a:t>calcoli</a:t>
+            </a:r>
+            <a:r>
+              <a:rPr lang="it-IT" sz="2400" b="0" i="0">
+                <a:solidFill>
+                  <a:srgbClr val="27282D"/>
+                </a:solidFill>
+                <a:effectLst/>
+                <a:latin typeface="Open Sans" panose="020B0606030504020204" pitchFamily="34" charset="0"/>
+              </a:rPr>
+              <a:t> fine a se stessi, non applicabili a nessun altro settore. I problemi garantiscono quindi la sicurezza della rete, ma non possono essere utilizzati in campo economico o scientifico.</a:t>
+            </a:r>
+          </a:p>
+          <a:p>
+            <a:pPr marL="342900" indent="-342900" algn="just" rtl="0">
+              <a:buFont typeface="Wingdings" panose="05000000000000000000" pitchFamily="2" charset="2"/>
+              <a:buChar char="ü"/>
+            </a:pPr>
+            <a:endParaRPr lang="it-IT" sz="2400">
+              <a:solidFill>
+                <a:srgbClr val="27282D"/>
+              </a:solidFill>
+              <a:latin typeface="Tahoma" panose="020B0604030504040204" pitchFamily="34" charset="0"/>
+              <a:ea typeface="Tahoma" panose="020B0604030504040204" pitchFamily="34" charset="0"/>
+              <a:cs typeface="Tahoma" panose="020B0604030504040204" pitchFamily="34" charset="0"/>
+            </a:endParaRPr>
+          </a:p>
+          <a:p>
+            <a:pPr marL="342900" indent="-342900" algn="just">
+              <a:lnSpc>
+                <a:spcPct val="115000"/>
+              </a:lnSpc>
+              <a:spcBef>
+                <a:spcPts val="2400"/>
+              </a:spcBef>
+              <a:buFont typeface="Wingdings" panose="05000000000000000000" pitchFamily="2" charset="2"/>
+              <a:buChar char="ü"/>
+              <a:tabLst>
+                <a:tab pos="457200" algn="l"/>
+              </a:tabLst>
+            </a:pPr>
+            <a:endParaRPr lang="it-IT" sz="2400">
+              <a:solidFill>
+                <a:srgbClr val="27282D"/>
+              </a:solidFill>
+              <a:latin typeface="Tahoma" panose="020B0604030504040204" pitchFamily="34" charset="0"/>
+              <a:ea typeface="Tahoma" panose="020B0604030504040204" pitchFamily="34" charset="0"/>
+              <a:cs typeface="Tahoma" panose="020B0604030504040204" pitchFamily="34" charset="0"/>
+            </a:endParaRPr>
+          </a:p>
+        </p:txBody>
+      </p:sp>
+      <p:sp>
+        <p:nvSpPr>
+          <p:cNvPr id="7" name="Segnaposto numero diapositiva 6">
+            <a:extLst>
+              <a:ext uri="{FF2B5EF4-FFF2-40B4-BE49-F238E27FC236}">
+                <a16:creationId xmlns:a16="http://schemas.microsoft.com/office/drawing/2014/main" id="{AB740BE9-E218-4144-BFDE-AE473D230A3D}"/>
+              </a:ext>
+            </a:extLst>
+          </p:cNvPr>
+          <p:cNvSpPr>
+            <a:spLocks noGrp="1"/>
+          </p:cNvSpPr>
+          <p:nvPr>
+            <p:ph type="sldNum" sz="quarter" idx="12"/>
+          </p:nvPr>
+        </p:nvSpPr>
+        <p:spPr/>
+        <p:txBody>
+          <a:bodyPr/>
+          <a:lstStyle/>
+          <a:p>
+            <a:pPr>
+              <a:defRPr/>
+            </a:pPr>
+            <a:fld id="{48B4153A-D4C5-4CEF-8992-0D8815C829E3}" type="slidenum">
+              <a:rPr lang="en-US" smtClean="0"/>
+              <a:pPr>
+                <a:defRPr/>
+              </a:pPr>
+              <a:t>18</a:t>
+            </a:fld>
+            <a:endParaRPr lang="en-US" dirty="0"/>
+          </a:p>
+        </p:txBody>
+      </p:sp>
+      <p:sp>
+        <p:nvSpPr>
+          <p:cNvPr id="6" name="Titolo 4">
+            <a:extLst>
+              <a:ext uri="{FF2B5EF4-FFF2-40B4-BE49-F238E27FC236}">
+                <a16:creationId xmlns:a16="http://schemas.microsoft.com/office/drawing/2014/main" id="{CF9A4806-60B4-80DC-1F76-D2EB3E6C376B}"/>
+              </a:ext>
+            </a:extLst>
+          </p:cNvPr>
+          <p:cNvSpPr>
+            <a:spLocks noGrp="1"/>
+          </p:cNvSpPr>
+          <p:nvPr>
+            <p:ph type="title"/>
+          </p:nvPr>
+        </p:nvSpPr>
+        <p:spPr>
+          <a:xfrm>
+            <a:off x="574294" y="347768"/>
+            <a:ext cx="11269662" cy="769441"/>
+          </a:xfrm>
+          <a:noFill/>
+          <a:ln>
+            <a:noFill/>
+          </a:ln>
+          <a:extLst>
+            <a:ext uri="{909E8E84-426E-40DD-AFC4-6F175D3DCCD1}">
+              <a14:hiddenFill xmlns:a14="http://schemas.microsoft.com/office/drawing/2010/main">
+                <a:solidFill>
+                  <a:srgbClr val="FFFFFF"/>
+                </a:solidFill>
+              </a14:hiddenFill>
+            </a:ext>
+            <a:ext uri="{91240B29-F687-4F45-9708-019B960494DF}">
+              <a14:hiddenLine xmlns:a14="http://schemas.microsoft.com/office/drawing/2010/main" w="9525">
+                <a:solidFill>
+                  <a:srgbClr val="000000"/>
+                </a:solidFill>
+                <a:miter lim="800000"/>
+                <a:headEnd/>
+                <a:tailEnd/>
+              </a14:hiddenLine>
+            </a:ext>
+          </a:extLst>
+        </p:spPr>
+        <p:txBody>
+          <a:bodyPr vert="horz" wrap="square" lIns="0" tIns="0" rIns="0" bIns="0" numCol="1" rtlCol="0" anchor="b" anchorCtr="0" compatLnSpc="1">
+            <a:prstTxWarp prst="textNoShape">
+              <a:avLst/>
+            </a:prstTxWarp>
+            <a:spAutoFit/>
+          </a:bodyPr>
+          <a:lstStyle/>
+          <a:p>
+            <a:r>
+              <a:rPr lang="it-IT">
+                <a:solidFill>
+                  <a:schemeClr val="tx1"/>
+                </a:solidFill>
+                <a:latin typeface="Tahoma" panose="020B0604030504040204" pitchFamily="34" charset="0"/>
+                <a:ea typeface="Tahoma" panose="020B0604030504040204" pitchFamily="34" charset="0"/>
+                <a:cs typeface="Tahoma" panose="020B0604030504040204" pitchFamily="34" charset="0"/>
+              </a:rPr>
+              <a:t>Attacchi 51%</a:t>
+            </a:r>
+            <a:br>
+              <a:rPr lang="it-IT">
+                <a:solidFill>
+                  <a:schemeClr val="tx1"/>
+                </a:solidFill>
+                <a:latin typeface="Tahoma" panose="020B0604030504040204" pitchFamily="34" charset="0"/>
+                <a:ea typeface="Tahoma" panose="020B0604030504040204" pitchFamily="34" charset="0"/>
+                <a:cs typeface="Tahoma" panose="020B0604030504040204" pitchFamily="34" charset="0"/>
+              </a:rPr>
+            </a:br>
+            <a:endParaRPr lang="it-IT" dirty="0">
+              <a:solidFill>
+                <a:schemeClr val="tx1"/>
+              </a:solidFill>
+              <a:latin typeface="Tahoma" panose="020B0604030504040204" pitchFamily="34" charset="0"/>
+              <a:ea typeface="Tahoma" panose="020B0604030504040204" pitchFamily="34" charset="0"/>
+              <a:cs typeface="Tahoma" panose="020B0604030504040204" pitchFamily="34" charset="0"/>
+            </a:endParaRPr>
+          </a:p>
+        </p:txBody>
+      </p:sp>
+    </p:spTree>
+    <p:extLst>
+      <p:ext uri="{BB962C8B-B14F-4D97-AF65-F5344CB8AC3E}">
+        <p14:creationId xmlns:p14="http://schemas.microsoft.com/office/powerpoint/2010/main" val="1960342392"/>
+      </p:ext>
+    </p:extLst>
+  </p:cSld>
+  <p:clrMapOvr>
+    <a:masterClrMapping/>
+  </p:clrMapOvr>
+</p:sld>
+</file>
+
+<file path=ppt/slides/slide19.xml><?xml version="1.0" encoding="utf-8"?>
+<p:sld xmlns:a="http://schemas.openxmlformats.org/drawingml/2006/main" xmlns:r="http://schemas.openxmlformats.org/officeDocument/2006/relationships" xmlns:p="http://schemas.openxmlformats.org/presentationml/2006/main">
+  <p:cSld>
+    <p:spTree>
+      <p:nvGrpSpPr>
+        <p:cNvPr id="1" name=""/>
+        <p:cNvGrpSpPr/>
+        <p:nvPr/>
+      </p:nvGrpSpPr>
+      <p:grpSpPr>
+        <a:xfrm>
+          <a:off x="0" y="0"/>
+          <a:ext cx="0" cy="0"/>
+          <a:chOff x="0" y="0"/>
+          <a:chExt cx="0" cy="0"/>
+        </a:xfrm>
+      </p:grpSpPr>
+      <p:sp>
+        <p:nvSpPr>
+          <p:cNvPr id="2" name="Segnaposto testo 1">
+            <a:extLst>
+              <a:ext uri="{FF2B5EF4-FFF2-40B4-BE49-F238E27FC236}">
+                <a16:creationId xmlns:a16="http://schemas.microsoft.com/office/drawing/2014/main" id="{E5AE986C-196F-4141-A898-FA4C4198CDCC}"/>
+              </a:ext>
+            </a:extLst>
+          </p:cNvPr>
+          <p:cNvSpPr>
+            <a:spLocks noGrp="1"/>
+          </p:cNvSpPr>
+          <p:nvPr>
+            <p:ph type="body" idx="1"/>
+          </p:nvPr>
+        </p:nvSpPr>
+        <p:spPr>
+          <a:xfrm>
+            <a:off x="461168" y="1232694"/>
+            <a:ext cx="7979447" cy="3958284"/>
+          </a:xfrm>
+        </p:spPr>
+        <p:txBody>
+          <a:bodyPr/>
+          <a:lstStyle/>
+          <a:p>
+            <a:pPr marL="342900" indent="-342900" algn="just" rtl="0">
+              <a:buFont typeface="Wingdings" panose="05000000000000000000" pitchFamily="2" charset="2"/>
+              <a:buChar char="ü"/>
+            </a:pPr>
+            <a:r>
+              <a:rPr lang="it-IT" sz="2400">
+                <a:solidFill>
+                  <a:srgbClr val="27282D"/>
+                </a:solidFill>
+                <a:latin typeface="Tahoma" panose="020B0604030504040204" pitchFamily="34" charset="0"/>
+                <a:ea typeface="Tahoma" panose="020B0604030504040204" pitchFamily="34" charset="0"/>
+                <a:cs typeface="Tahoma" panose="020B0604030504040204" pitchFamily="34" charset="0"/>
+              </a:rPr>
+              <a:t>I principali svantaggi di un sistema </a:t>
+            </a:r>
+            <a:r>
+              <a:rPr lang="it-IT" sz="2400" b="1">
+                <a:solidFill>
+                  <a:srgbClr val="27282D"/>
+                </a:solidFill>
+                <a:latin typeface="Tahoma" panose="020B0604030504040204" pitchFamily="34" charset="0"/>
+                <a:ea typeface="Tahoma" panose="020B0604030504040204" pitchFamily="34" charset="0"/>
+                <a:cs typeface="Tahoma" panose="020B0604030504040204" pitchFamily="34" charset="0"/>
+              </a:rPr>
+              <a:t>PoW</a:t>
+            </a:r>
+            <a:r>
+              <a:rPr lang="it-IT" sz="2400">
+                <a:solidFill>
+                  <a:srgbClr val="27282D"/>
+                </a:solidFill>
+                <a:latin typeface="Tahoma" panose="020B0604030504040204" pitchFamily="34" charset="0"/>
+                <a:ea typeface="Tahoma" panose="020B0604030504040204" pitchFamily="34" charset="0"/>
+                <a:cs typeface="Tahoma" panose="020B0604030504040204" pitchFamily="34" charset="0"/>
+              </a:rPr>
+              <a:t> sono invece i costi elevati, la totale inutilità dei calcoli e il rischio di attacchi </a:t>
+            </a:r>
+            <a:r>
+              <a:rPr lang="it-IT" sz="2400" b="1">
+                <a:solidFill>
+                  <a:srgbClr val="27282D"/>
+                </a:solidFill>
+                <a:latin typeface="Tahoma" panose="020B0604030504040204" pitchFamily="34" charset="0"/>
+                <a:ea typeface="Tahoma" panose="020B0604030504040204" pitchFamily="34" charset="0"/>
+                <a:cs typeface="Tahoma" panose="020B0604030504040204" pitchFamily="34" charset="0"/>
+              </a:rPr>
+              <a:t>51</a:t>
+            </a:r>
+            <a:r>
+              <a:rPr lang="it-IT" sz="2400">
+                <a:solidFill>
+                  <a:srgbClr val="27282D"/>
+                </a:solidFill>
+                <a:latin typeface="Tahoma" panose="020B0604030504040204" pitchFamily="34" charset="0"/>
+                <a:ea typeface="Tahoma" panose="020B0604030504040204" pitchFamily="34" charset="0"/>
+                <a:cs typeface="Tahoma" panose="020B0604030504040204" pitchFamily="34" charset="0"/>
+              </a:rPr>
+              <a:t>%.</a:t>
+            </a:r>
+          </a:p>
+          <a:p>
+            <a:pPr marL="342900" indent="-342900" algn="just" rtl="0">
+              <a:buFont typeface="Wingdings" panose="05000000000000000000" pitchFamily="2" charset="2"/>
+              <a:buChar char="ü"/>
+            </a:pPr>
+            <a:r>
+              <a:rPr lang="it-IT" sz="2400" b="1">
+                <a:solidFill>
+                  <a:srgbClr val="27282D"/>
+                </a:solidFill>
+                <a:latin typeface="Tahoma" panose="020B0604030504040204" pitchFamily="34" charset="0"/>
+                <a:ea typeface="Tahoma" panose="020B0604030504040204" pitchFamily="34" charset="0"/>
+                <a:cs typeface="Tahoma" panose="020B0604030504040204" pitchFamily="34" charset="0"/>
+              </a:rPr>
+              <a:t>Costi elevati:</a:t>
+            </a:r>
+            <a:r>
+              <a:rPr lang="it-IT" sz="2400">
+                <a:solidFill>
+                  <a:srgbClr val="27282D"/>
+                </a:solidFill>
+                <a:latin typeface="Tahoma" panose="020B0604030504040204" pitchFamily="34" charset="0"/>
+                <a:ea typeface="Tahoma" panose="020B0604030504040204" pitchFamily="34" charset="0"/>
+                <a:cs typeface="Tahoma" panose="020B0604030504040204" pitchFamily="34" charset="0"/>
+              </a:rPr>
+              <a:t> Il processo di </a:t>
+            </a:r>
+            <a:r>
+              <a:rPr lang="it-IT" sz="2400" b="1">
+                <a:solidFill>
+                  <a:srgbClr val="27282D"/>
+                </a:solidFill>
+                <a:latin typeface="Tahoma" panose="020B0604030504040204" pitchFamily="34" charset="0"/>
+                <a:ea typeface="Tahoma" panose="020B0604030504040204" pitchFamily="34" charset="0"/>
+                <a:cs typeface="Tahoma" panose="020B0604030504040204" pitchFamily="34" charset="0"/>
+              </a:rPr>
+              <a:t>mining</a:t>
+            </a:r>
+            <a:r>
+              <a:rPr lang="it-IT" sz="2400">
+                <a:solidFill>
+                  <a:srgbClr val="27282D"/>
+                </a:solidFill>
+                <a:latin typeface="Tahoma" panose="020B0604030504040204" pitchFamily="34" charset="0"/>
+                <a:ea typeface="Tahoma" panose="020B0604030504040204" pitchFamily="34" charset="0"/>
+                <a:cs typeface="Tahoma" panose="020B0604030504040204" pitchFamily="34" charset="0"/>
+              </a:rPr>
+              <a:t> richiede macchine altamente specializzate, capaci di risolvere in tempi brevi algoritmi estremamente complessi. </a:t>
+            </a:r>
+          </a:p>
+          <a:p>
+            <a:pPr marL="342900" indent="-342900" algn="just" rtl="0">
+              <a:buFont typeface="Wingdings" panose="05000000000000000000" pitchFamily="2" charset="2"/>
+              <a:buChar char="ü"/>
+            </a:pPr>
+            <a:r>
+              <a:rPr lang="it-IT" sz="2400">
+                <a:solidFill>
+                  <a:srgbClr val="27282D"/>
+                </a:solidFill>
+                <a:latin typeface="Tahoma" panose="020B0604030504040204" pitchFamily="34" charset="0"/>
+                <a:ea typeface="Tahoma" panose="020B0604030504040204" pitchFamily="34" charset="0"/>
+                <a:cs typeface="Tahoma" panose="020B0604030504040204" pitchFamily="34" charset="0"/>
+              </a:rPr>
+              <a:t>Questi dispositivi non sono solo estremamente costosi, ma consumano anche </a:t>
+            </a:r>
+            <a:r>
+              <a:rPr lang="it-IT" sz="2400" b="1">
+                <a:solidFill>
+                  <a:srgbClr val="27282D"/>
+                </a:solidFill>
+                <a:latin typeface="Tahoma" panose="020B0604030504040204" pitchFamily="34" charset="0"/>
+                <a:ea typeface="Tahoma" panose="020B0604030504040204" pitchFamily="34" charset="0"/>
+                <a:cs typeface="Tahoma" panose="020B0604030504040204" pitchFamily="34" charset="0"/>
+              </a:rPr>
+              <a:t>enormi quantità di energia elettrica</a:t>
+            </a:r>
+            <a:r>
+              <a:rPr lang="it-IT" sz="2400">
+                <a:solidFill>
+                  <a:srgbClr val="27282D"/>
+                </a:solidFill>
+                <a:latin typeface="Tahoma" panose="020B0604030504040204" pitchFamily="34" charset="0"/>
+                <a:ea typeface="Tahoma" panose="020B0604030504040204" pitchFamily="34" charset="0"/>
+                <a:cs typeface="Tahoma" panose="020B0604030504040204" pitchFamily="34" charset="0"/>
+              </a:rPr>
+              <a:t>, incrementando ulteriormente i prezzi. Si tratta di una pericolosa minaccia alla decentralizzazione del sistema, in quanto solo una piccola fetta dell’utenza può permettersi questo genere di investimenti. Diamo ad esempio un’occhiata al seguente grafico sul Bitcoin.</a:t>
+            </a:r>
+          </a:p>
+          <a:p>
+            <a:br>
+              <a:rPr lang="it-IT" sz="2400"/>
+            </a:br>
+            <a:endParaRPr lang="it-IT" sz="2400">
+              <a:solidFill>
+                <a:srgbClr val="27282D"/>
+              </a:solidFill>
+              <a:latin typeface="Tahoma" panose="020B0604030504040204" pitchFamily="34" charset="0"/>
+              <a:ea typeface="Tahoma" panose="020B0604030504040204" pitchFamily="34" charset="0"/>
+              <a:cs typeface="Tahoma" panose="020B0604030504040204" pitchFamily="34" charset="0"/>
+            </a:endParaRPr>
+          </a:p>
+          <a:p>
+            <a:pPr marL="342900" indent="-342900" algn="just">
+              <a:buFont typeface="Wingdings" panose="05000000000000000000" pitchFamily="2" charset="2"/>
+              <a:buChar char="ü"/>
+            </a:pPr>
+            <a:endParaRPr lang="it-IT" sz="2400">
+              <a:solidFill>
+                <a:srgbClr val="27282D"/>
+              </a:solidFill>
+              <a:latin typeface="Tahoma" panose="020B0604030504040204" pitchFamily="34" charset="0"/>
+              <a:ea typeface="Tahoma" panose="020B0604030504040204" pitchFamily="34" charset="0"/>
+              <a:cs typeface="Tahoma" panose="020B0604030504040204" pitchFamily="34" charset="0"/>
+            </a:endParaRPr>
+          </a:p>
+          <a:p>
+            <a:pPr marL="342900" indent="-342900" algn="just">
+              <a:lnSpc>
+                <a:spcPct val="115000"/>
+              </a:lnSpc>
+              <a:spcBef>
+                <a:spcPts val="2400"/>
+              </a:spcBef>
+              <a:buFont typeface="Wingdings" panose="05000000000000000000" pitchFamily="2" charset="2"/>
+              <a:buChar char="ü"/>
+              <a:tabLst>
+                <a:tab pos="457200" algn="l"/>
+              </a:tabLst>
+            </a:pPr>
+            <a:endParaRPr lang="it-IT" sz="2400">
+              <a:solidFill>
+                <a:srgbClr val="27282D"/>
+              </a:solidFill>
+              <a:latin typeface="Tahoma" panose="020B0604030504040204" pitchFamily="34" charset="0"/>
+              <a:ea typeface="Tahoma" panose="020B0604030504040204" pitchFamily="34" charset="0"/>
+              <a:cs typeface="Tahoma" panose="020B0604030504040204" pitchFamily="34" charset="0"/>
+            </a:endParaRPr>
+          </a:p>
+        </p:txBody>
+      </p:sp>
+      <p:sp>
+        <p:nvSpPr>
+          <p:cNvPr id="7" name="Segnaposto numero diapositiva 6">
+            <a:extLst>
+              <a:ext uri="{FF2B5EF4-FFF2-40B4-BE49-F238E27FC236}">
+                <a16:creationId xmlns:a16="http://schemas.microsoft.com/office/drawing/2014/main" id="{AB740BE9-E218-4144-BFDE-AE473D230A3D}"/>
+              </a:ext>
+            </a:extLst>
+          </p:cNvPr>
+          <p:cNvSpPr>
+            <a:spLocks noGrp="1"/>
+          </p:cNvSpPr>
+          <p:nvPr>
+            <p:ph type="sldNum" sz="quarter" idx="12"/>
+          </p:nvPr>
+        </p:nvSpPr>
+        <p:spPr/>
+        <p:txBody>
+          <a:bodyPr/>
+          <a:lstStyle/>
+          <a:p>
+            <a:pPr>
+              <a:defRPr/>
+            </a:pPr>
+            <a:fld id="{48B4153A-D4C5-4CEF-8992-0D8815C829E3}" type="slidenum">
+              <a:rPr lang="en-US" smtClean="0"/>
+              <a:pPr>
+                <a:defRPr/>
+              </a:pPr>
+              <a:t>19</a:t>
+            </a:fld>
+            <a:endParaRPr lang="en-US" dirty="0"/>
+          </a:p>
+        </p:txBody>
+      </p:sp>
+      <p:sp>
+        <p:nvSpPr>
+          <p:cNvPr id="6" name="Titolo 4">
+            <a:extLst>
+              <a:ext uri="{FF2B5EF4-FFF2-40B4-BE49-F238E27FC236}">
+                <a16:creationId xmlns:a16="http://schemas.microsoft.com/office/drawing/2014/main" id="{CF9A4806-60B4-80DC-1F76-D2EB3E6C376B}"/>
+              </a:ext>
+            </a:extLst>
+          </p:cNvPr>
+          <p:cNvSpPr>
+            <a:spLocks noGrp="1"/>
+          </p:cNvSpPr>
+          <p:nvPr>
+            <p:ph type="title"/>
+          </p:nvPr>
+        </p:nvSpPr>
+        <p:spPr>
+          <a:xfrm>
+            <a:off x="461169" y="422999"/>
+            <a:ext cx="11269662" cy="384721"/>
+          </a:xfrm>
+        </p:spPr>
+        <p:txBody>
+          <a:bodyPr/>
+          <a:lstStyle/>
+          <a:p>
+            <a:r>
+              <a:rPr lang="it-IT" sz="2800">
+                <a:solidFill>
+                  <a:schemeClr val="tx1"/>
+                </a:solidFill>
+                <a:latin typeface="Tahoma" panose="020B0604030504040204" pitchFamily="34" charset="0"/>
+                <a:ea typeface="Tahoma" panose="020B0604030504040204" pitchFamily="34" charset="0"/>
+                <a:cs typeface="Tahoma" panose="020B0604030504040204" pitchFamily="34" charset="0"/>
+              </a:rPr>
+              <a:t>Algoritmo Proof-of-Work (PoW)</a:t>
+            </a:r>
             <a:endParaRPr lang="it-IT" dirty="0"/>
           </a:p>
-          <a:p>
-            <a:endParaRPr lang="it-IT" dirty="0"/>
-          </a:p>
         </p:txBody>
       </p:sp>
-      <p:sp>
-        <p:nvSpPr>
-          <p:cNvPr id="4" name="CasellaDiTesto 3">
-            <a:extLst>
-              <a:ext uri="{FF2B5EF4-FFF2-40B4-BE49-F238E27FC236}">
-                <a16:creationId xmlns:a16="http://schemas.microsoft.com/office/drawing/2014/main" id="{9322B210-1466-C4E8-AD81-696A0B3E32CF}"/>
-              </a:ext>
-            </a:extLst>
-          </p:cNvPr>
-          <p:cNvSpPr txBox="1"/>
+      <p:pic>
+        <p:nvPicPr>
+          <p:cNvPr id="5" name="Immagine 4">
+            <a:extLst>
+              <a:ext uri="{FF2B5EF4-FFF2-40B4-BE49-F238E27FC236}">
+                <a16:creationId xmlns:a16="http://schemas.microsoft.com/office/drawing/2014/main" id="{6C1D9908-5774-356A-4450-3F270B15B2F0}"/>
+              </a:ext>
+            </a:extLst>
+          </p:cNvPr>
+          <p:cNvPicPr>
+            <a:picLocks noChangeAspect="1"/>
+          </p:cNvPicPr>
           <p:nvPr/>
-        </p:nvSpPr>
-        <p:spPr>
-          <a:xfrm>
-            <a:off x="825119" y="1555595"/>
-            <a:ext cx="6098344" cy="646331"/>
+        </p:nvPicPr>
+        <p:blipFill>
+          <a:blip r:embed="rId2"/>
+          <a:stretch>
+            <a:fillRect/>
+          </a:stretch>
+        </p:blipFill>
+        <p:spPr>
+          <a:xfrm>
+            <a:off x="8734522" y="2459722"/>
+            <a:ext cx="3273572" cy="2140413"/>
           </a:xfrm>
           <a:prstGeom prst="rect">
             <a:avLst/>
           </a:prstGeom>
-          <a:noFill/>
-        </p:spPr>
-        <p:txBody>
-          <a:bodyPr wrap="square">
-            <a:spAutoFit/>
-          </a:bodyPr>
-          <a:lstStyle/>
-          <a:p>
-            <a:r>
-              <a:rPr lang="it-IT"/>
-              <a:t>https://academy.binance.com/it/articles/what-is-a-blockchain-consensus-algorithm</a:t>
-            </a:r>
-          </a:p>
-        </p:txBody>
-      </p:sp>
-      <p:sp>
-        <p:nvSpPr>
-          <p:cNvPr id="6" name="CasellaDiTesto 5">
-            <a:extLst>
-              <a:ext uri="{FF2B5EF4-FFF2-40B4-BE49-F238E27FC236}">
-                <a16:creationId xmlns:a16="http://schemas.microsoft.com/office/drawing/2014/main" id="{A7F42863-47C7-4217-8290-1943E1F79E31}"/>
-              </a:ext>
-            </a:extLst>
-          </p:cNvPr>
-          <p:cNvSpPr txBox="1"/>
-          <p:nvPr/>
-        </p:nvSpPr>
-        <p:spPr>
-          <a:xfrm>
-            <a:off x="825119" y="2392876"/>
-            <a:ext cx="6098344" cy="369332"/>
-          </a:xfrm>
-          <a:prstGeom prst="rect">
-            <a:avLst/>
-          </a:prstGeom>
-          <a:noFill/>
-        </p:spPr>
-        <p:txBody>
-          <a:bodyPr wrap="square">
-            <a:spAutoFit/>
-          </a:bodyPr>
-          <a:lstStyle/>
-          <a:p>
-            <a:r>
-              <a:rPr lang="it-IT"/>
-              <a:t>https://it.cointelegraph.com/explained/proof-of-work-explained</a:t>
-            </a:r>
-          </a:p>
-        </p:txBody>
-      </p:sp>
+        </p:spPr>
+      </p:pic>
     </p:spTree>
     <p:extLst>
       <p:ext uri="{BB962C8B-B14F-4D97-AF65-F5344CB8AC3E}">
-        <p14:creationId xmlns:p14="http://schemas.microsoft.com/office/powerpoint/2010/main" val="3490964097"/>
+        <p14:creationId xmlns:p14="http://schemas.microsoft.com/office/powerpoint/2010/main" val="1784971424"/>
       </p:ext>
     </p:extLst>
   </p:cSld>
@@ -9824,6 +10711,243 @@
     <p:extLst>
       <p:ext uri="{BB962C8B-B14F-4D97-AF65-F5344CB8AC3E}">
         <p14:creationId xmlns:p14="http://schemas.microsoft.com/office/powerpoint/2010/main" val="3328770070"/>
+      </p:ext>
+    </p:extLst>
+  </p:cSld>
+  <p:clrMapOvr>
+    <a:masterClrMapping/>
+  </p:clrMapOvr>
+</p:sld>
+</file>
+
+<file path=ppt/slides/slide20.xml><?xml version="1.0" encoding="utf-8"?>
+<p:sld xmlns:a="http://schemas.openxmlformats.org/drawingml/2006/main" xmlns:r="http://schemas.openxmlformats.org/officeDocument/2006/relationships" xmlns:p="http://schemas.openxmlformats.org/presentationml/2006/main">
+  <p:cSld>
+    <p:spTree>
+      <p:nvGrpSpPr>
+        <p:cNvPr id="1" name=""/>
+        <p:cNvGrpSpPr/>
+        <p:nvPr/>
+      </p:nvGrpSpPr>
+      <p:grpSpPr>
+        <a:xfrm>
+          <a:off x="0" y="0"/>
+          <a:ext cx="0" cy="0"/>
+          <a:chOff x="0" y="0"/>
+          <a:chExt cx="0" cy="0"/>
+        </a:xfrm>
+      </p:grpSpPr>
+      <p:sp>
+        <p:nvSpPr>
+          <p:cNvPr id="7" name="Segnaposto numero diapositiva 6">
+            <a:extLst>
+              <a:ext uri="{FF2B5EF4-FFF2-40B4-BE49-F238E27FC236}">
+                <a16:creationId xmlns:a16="http://schemas.microsoft.com/office/drawing/2014/main" id="{AB740BE9-E218-4144-BFDE-AE473D230A3D}"/>
+              </a:ext>
+            </a:extLst>
+          </p:cNvPr>
+          <p:cNvSpPr>
+            <a:spLocks noGrp="1"/>
+          </p:cNvSpPr>
+          <p:nvPr>
+            <p:ph type="sldNum" sz="quarter" idx="12"/>
+          </p:nvPr>
+        </p:nvSpPr>
+        <p:spPr/>
+        <p:txBody>
+          <a:bodyPr/>
+          <a:lstStyle/>
+          <a:p>
+            <a:pPr>
+              <a:defRPr/>
+            </a:pPr>
+            <a:fld id="{48B4153A-D4C5-4CEF-8992-0D8815C829E3}" type="slidenum">
+              <a:rPr lang="en-US" smtClean="0"/>
+              <a:pPr>
+                <a:defRPr/>
+              </a:pPr>
+              <a:t>20</a:t>
+            </a:fld>
+            <a:endParaRPr lang="en-US" dirty="0"/>
+          </a:p>
+        </p:txBody>
+      </p:sp>
+      <p:sp>
+        <p:nvSpPr>
+          <p:cNvPr id="5" name="Titolo 4">
+            <a:extLst>
+              <a:ext uri="{FF2B5EF4-FFF2-40B4-BE49-F238E27FC236}">
+                <a16:creationId xmlns:a16="http://schemas.microsoft.com/office/drawing/2014/main" id="{82C46BA2-B380-4357-B125-BA9F08A643F5}"/>
+              </a:ext>
+            </a:extLst>
+          </p:cNvPr>
+          <p:cNvSpPr>
+            <a:spLocks noGrp="1"/>
+          </p:cNvSpPr>
+          <p:nvPr>
+            <p:ph type="title"/>
+          </p:nvPr>
+        </p:nvSpPr>
+        <p:spPr>
+          <a:xfrm>
+            <a:off x="468895" y="503475"/>
+            <a:ext cx="11269308" cy="384721"/>
+          </a:xfrm>
+        </p:spPr>
+        <p:txBody>
+          <a:bodyPr/>
+          <a:lstStyle/>
+          <a:p>
+            <a:r>
+              <a:rPr lang="it-IT" altLang="it-IT"/>
+              <a:t>Bibliografia</a:t>
+            </a:r>
+            <a:endParaRPr lang="it-IT" dirty="0"/>
+          </a:p>
+        </p:txBody>
+      </p:sp>
+      <p:sp>
+        <p:nvSpPr>
+          <p:cNvPr id="3" name="Segnaposto testo 2">
+            <a:extLst>
+              <a:ext uri="{FF2B5EF4-FFF2-40B4-BE49-F238E27FC236}">
+                <a16:creationId xmlns:a16="http://schemas.microsoft.com/office/drawing/2014/main" id="{15CD42DB-61E6-AA3D-7125-BF4BEDB5D886}"/>
+              </a:ext>
+            </a:extLst>
+          </p:cNvPr>
+          <p:cNvSpPr>
+            <a:spLocks noGrp="1"/>
+          </p:cNvSpPr>
+          <p:nvPr>
+            <p:ph type="body" idx="1"/>
+          </p:nvPr>
+        </p:nvSpPr>
+        <p:spPr>
+          <a:xfrm>
+            <a:off x="477519" y="1557338"/>
+            <a:ext cx="11043921" cy="4392612"/>
+          </a:xfrm>
+        </p:spPr>
+        <p:txBody>
+          <a:bodyPr/>
+          <a:lstStyle/>
+          <a:p>
+            <a:endParaRPr lang="it-IT" dirty="0"/>
+          </a:p>
+          <a:p>
+            <a:endParaRPr lang="it-IT" dirty="0"/>
+          </a:p>
+        </p:txBody>
+      </p:sp>
+      <p:sp>
+        <p:nvSpPr>
+          <p:cNvPr id="4" name="CasellaDiTesto 3">
+            <a:extLst>
+              <a:ext uri="{FF2B5EF4-FFF2-40B4-BE49-F238E27FC236}">
+                <a16:creationId xmlns:a16="http://schemas.microsoft.com/office/drawing/2014/main" id="{9322B210-1466-C4E8-AD81-696A0B3E32CF}"/>
+              </a:ext>
+            </a:extLst>
+          </p:cNvPr>
+          <p:cNvSpPr txBox="1"/>
+          <p:nvPr/>
+        </p:nvSpPr>
+        <p:spPr>
+          <a:xfrm>
+            <a:off x="825119" y="1555595"/>
+            <a:ext cx="6098344" cy="646331"/>
+          </a:xfrm>
+          <a:prstGeom prst="rect">
+            <a:avLst/>
+          </a:prstGeom>
+          <a:noFill/>
+        </p:spPr>
+        <p:txBody>
+          <a:bodyPr wrap="square">
+            <a:spAutoFit/>
+          </a:bodyPr>
+          <a:lstStyle/>
+          <a:p>
+            <a:r>
+              <a:rPr lang="it-IT"/>
+              <a:t>https://academy.binance.com/it/articles/what-is-a-blockchain-consensus-algorithm</a:t>
+            </a:r>
+          </a:p>
+        </p:txBody>
+      </p:sp>
+      <p:sp>
+        <p:nvSpPr>
+          <p:cNvPr id="6" name="CasellaDiTesto 5">
+            <a:extLst>
+              <a:ext uri="{FF2B5EF4-FFF2-40B4-BE49-F238E27FC236}">
+                <a16:creationId xmlns:a16="http://schemas.microsoft.com/office/drawing/2014/main" id="{A7F42863-47C7-4217-8290-1943E1F79E31}"/>
+              </a:ext>
+            </a:extLst>
+          </p:cNvPr>
+          <p:cNvSpPr txBox="1"/>
+          <p:nvPr/>
+        </p:nvSpPr>
+        <p:spPr>
+          <a:xfrm>
+            <a:off x="825119" y="2392876"/>
+            <a:ext cx="6098344" cy="369332"/>
+          </a:xfrm>
+          <a:prstGeom prst="rect">
+            <a:avLst/>
+          </a:prstGeom>
+          <a:noFill/>
+        </p:spPr>
+        <p:txBody>
+          <a:bodyPr wrap="square">
+            <a:spAutoFit/>
+          </a:bodyPr>
+          <a:lstStyle/>
+          <a:p>
+            <a:r>
+              <a:rPr lang="it-IT"/>
+              <a:t>https://it.cointelegraph.com/explained/proof-of-work-explained</a:t>
+            </a:r>
+          </a:p>
+        </p:txBody>
+      </p:sp>
+      <p:sp>
+        <p:nvSpPr>
+          <p:cNvPr id="8" name="CasellaDiTesto 7">
+            <a:extLst>
+              <a:ext uri="{FF2B5EF4-FFF2-40B4-BE49-F238E27FC236}">
+                <a16:creationId xmlns:a16="http://schemas.microsoft.com/office/drawing/2014/main" id="{F99F6E9B-2AE7-841C-46D3-2DB7E93B1705}"/>
+              </a:ext>
+            </a:extLst>
+          </p:cNvPr>
+          <p:cNvSpPr txBox="1"/>
+          <p:nvPr/>
+        </p:nvSpPr>
+        <p:spPr>
+          <a:xfrm>
+            <a:off x="825119" y="3059668"/>
+            <a:ext cx="6098344" cy="369332"/>
+          </a:xfrm>
+          <a:prstGeom prst="rect">
+            <a:avLst/>
+          </a:prstGeom>
+          <a:noFill/>
+        </p:spPr>
+        <p:txBody>
+          <a:bodyPr wrap="square">
+            <a:spAutoFit/>
+          </a:bodyPr>
+          <a:lstStyle/>
+          <a:p>
+            <a:r>
+              <a:rPr lang="it-IT"/>
+              <a:t>https://www.edureka.co/blog/blockchain-mining/</a:t>
+            </a:r>
+          </a:p>
+        </p:txBody>
+      </p:sp>
+    </p:spTree>
+    <p:extLst>
+      <p:ext uri="{BB962C8B-B14F-4D97-AF65-F5344CB8AC3E}">
+        <p14:creationId xmlns:p14="http://schemas.microsoft.com/office/powerpoint/2010/main" val="3490964097"/>
       </p:ext>
     </p:extLst>
   </p:cSld>
@@ -12533,20 +13657,6 @@
 </file>
 
 <file path=customXml/item1.xml><?xml version="1.0" encoding="utf-8"?>
-<p:properties xmlns:p="http://schemas.microsoft.com/office/2006/metadata/properties" xmlns:xsi="http://www.w3.org/2001/XMLSchema-instance" xmlns:pc="http://schemas.microsoft.com/office/infopath/2007/PartnerControls">
-  <documentManagement>
-    <SottoCategoria xmlns="679261c3-551f-4e86-913f-177e0e529669">-</SottoCategoria>
-    <Categoria xmlns="c58f2efd-82a8-4ecf-b395-8c25e928921d">Power Point</Categoria>
-    <_dlc_DocId xmlns="459159c4-d20a-4ff3-9b11-fbd127bd52e5">INTRANET-14-158</_dlc_DocId>
-    <_dlc_DocIdUrl xmlns="459159c4-d20a-4ff3-9b11-fbd127bd52e5">
-      <Url>https://intranet.istat.it/Collaborativi/_layouts/15/DocIdRedir.aspx?ID=INTRANET-14-158</Url>
-      <Description>INTRANET-14-158</Description>
-    </_dlc_DocIdUrl>
-  </documentManagement>
-</p:properties>
-</file>
-
-<file path=customXml/item2.xml><?xml version="1.0" encoding="utf-8"?>
 <ct:contentTypeSchema xmlns:ct="http://schemas.microsoft.com/office/2006/metadata/contentType" xmlns:ma="http://schemas.microsoft.com/office/2006/metadata/properties/metaAttributes" ct:_="" ma:_="" ma:contentTypeName="Documento" ma:contentTypeID="0x010100661A2BE3120D674DA36C11D6006822D4" ma:contentTypeVersion="3" ma:contentTypeDescription="Creare un nuovo documento." ma:contentTypeScope="" ma:versionID="2ad8b07f9840a1ce9cd199d874146b74">
   <xsd:schema xmlns:xsd="http://www.w3.org/2001/XMLSchema" xmlns:xs="http://www.w3.org/2001/XMLSchema" xmlns:p="http://schemas.microsoft.com/office/2006/metadata/properties" xmlns:ns2="c58f2efd-82a8-4ecf-b395-8c25e928921d" xmlns:ns3="459159c4-d20a-4ff3-9b11-fbd127bd52e5" xmlns:ns4="679261c3-551f-4e86-913f-177e0e529669" targetNamespace="http://schemas.microsoft.com/office/2006/metadata/properties" ma:root="true" ma:fieldsID="fffb0e16fb90ffea59fef1085e90ecca" ns2:_="" ns3:_="" ns4:_="">
     <xsd:import namespace="c58f2efd-82a8-4ecf-b395-8c25e928921d"/>
@@ -12733,7 +13843,30 @@
 </ct:contentTypeSchema>
 </file>
 
+<file path=customXml/item2.xml><?xml version="1.0" encoding="utf-8"?>
+<p:properties xmlns:p="http://schemas.microsoft.com/office/2006/metadata/properties" xmlns:xsi="http://www.w3.org/2001/XMLSchema-instance" xmlns:pc="http://schemas.microsoft.com/office/infopath/2007/PartnerControls">
+  <documentManagement>
+    <SottoCategoria xmlns="679261c3-551f-4e86-913f-177e0e529669">-</SottoCategoria>
+    <Categoria xmlns="c58f2efd-82a8-4ecf-b395-8c25e928921d">Power Point</Categoria>
+    <_dlc_DocId xmlns="459159c4-d20a-4ff3-9b11-fbd127bd52e5">INTRANET-14-158</_dlc_DocId>
+    <_dlc_DocIdUrl xmlns="459159c4-d20a-4ff3-9b11-fbd127bd52e5">
+      <Url>https://intranet.istat.it/Collaborativi/_layouts/15/DocIdRedir.aspx?ID=INTRANET-14-158</Url>
+      <Description>INTRANET-14-158</Description>
+    </_dlc_DocIdUrl>
+  </documentManagement>
+</p:properties>
+</file>
+
 <file path=customXml/item3.xml><?xml version="1.0" encoding="utf-8"?>
+<?mso-contentType ?>
+<FormTemplates xmlns="http://schemas.microsoft.com/sharepoint/v3/contenttype/forms">
+  <Display>DocumentLibraryForm</Display>
+  <Edit>DocumentLibraryForm</Edit>
+  <New>DocumentLibraryForm</New>
+</FormTemplates>
+</file>
+
+<file path=customXml/item4.xml><?xml version="1.0" encoding="utf-8"?>
 <?mso-contentType ?>
 <spe:Receivers xmlns:spe="http://schemas.microsoft.com/sharepoint/events">
   <Receiver>
@@ -12783,34 +13916,7 @@
 </spe:Receivers>
 </file>
 
-<file path=customXml/item4.xml><?xml version="1.0" encoding="utf-8"?>
-<?mso-contentType ?>
-<FormTemplates xmlns="http://schemas.microsoft.com/sharepoint/v3/contenttype/forms">
-  <Display>DocumentLibraryForm</Display>
-  <Edit>DocumentLibraryForm</Edit>
-  <New>DocumentLibraryForm</New>
-</FormTemplates>
-</file>
-
 <file path=customXml/itemProps1.xml><?xml version="1.0" encoding="utf-8"?>
-<ds:datastoreItem xmlns:ds="http://schemas.openxmlformats.org/officeDocument/2006/customXml" ds:itemID="{3EF378BC-F4D0-4510-B4EC-07B6EFE18CF8}">
-  <ds:schemaRefs>
-    <ds:schemaRef ds:uri="http://schemas.microsoft.com/office/2006/metadata/properties"/>
-    <ds:schemaRef ds:uri="http://purl.org/dc/terms/"/>
-    <ds:schemaRef ds:uri="http://schemas.microsoft.com/office/2006/documentManagement/types"/>
-    <ds:schemaRef ds:uri="http://schemas.openxmlformats.org/package/2006/metadata/core-properties"/>
-    <ds:schemaRef ds:uri="459159c4-d20a-4ff3-9b11-fbd127bd52e5"/>
-    <ds:schemaRef ds:uri="c58f2efd-82a8-4ecf-b395-8c25e928921d"/>
-    <ds:schemaRef ds:uri="http://purl.org/dc/elements/1.1/"/>
-    <ds:schemaRef ds:uri="http://schemas.microsoft.com/office/infopath/2007/PartnerControls"/>
-    <ds:schemaRef ds:uri="679261c3-551f-4e86-913f-177e0e529669"/>
-    <ds:schemaRef ds:uri="http://www.w3.org/XML/1998/namespace"/>
-    <ds:schemaRef ds:uri="http://purl.org/dc/dcmitype/"/>
-  </ds:schemaRefs>
-</ds:datastoreItem>
-</file>
-
-<file path=customXml/itemProps2.xml><?xml version="1.0" encoding="utf-8"?>
 <ds:datastoreItem xmlns:ds="http://schemas.openxmlformats.org/officeDocument/2006/customXml" ds:itemID="{3F66F418-6054-4EA5-BF8E-6AF3CEAE6265}">
   <ds:schemaRefs>
     <ds:schemaRef ds:uri="http://schemas.microsoft.com/office/2006/metadata/contentType"/>
@@ -12830,18 +13936,36 @@
 </ds:datastoreItem>
 </file>
 
+<file path=customXml/itemProps2.xml><?xml version="1.0" encoding="utf-8"?>
+<ds:datastoreItem xmlns:ds="http://schemas.openxmlformats.org/officeDocument/2006/customXml" ds:itemID="{3EF378BC-F4D0-4510-B4EC-07B6EFE18CF8}">
+  <ds:schemaRefs>
+    <ds:schemaRef ds:uri="http://schemas.microsoft.com/office/2006/metadata/properties"/>
+    <ds:schemaRef ds:uri="http://purl.org/dc/terms/"/>
+    <ds:schemaRef ds:uri="http://schemas.microsoft.com/office/2006/documentManagement/types"/>
+    <ds:schemaRef ds:uri="http://schemas.openxmlformats.org/package/2006/metadata/core-properties"/>
+    <ds:schemaRef ds:uri="459159c4-d20a-4ff3-9b11-fbd127bd52e5"/>
+    <ds:schemaRef ds:uri="c58f2efd-82a8-4ecf-b395-8c25e928921d"/>
+    <ds:schemaRef ds:uri="http://purl.org/dc/elements/1.1/"/>
+    <ds:schemaRef ds:uri="http://schemas.microsoft.com/office/infopath/2007/PartnerControls"/>
+    <ds:schemaRef ds:uri="679261c3-551f-4e86-913f-177e0e529669"/>
+    <ds:schemaRef ds:uri="http://www.w3.org/XML/1998/namespace"/>
+    <ds:schemaRef ds:uri="http://purl.org/dc/dcmitype/"/>
+  </ds:schemaRefs>
+</ds:datastoreItem>
+</file>
+
 <file path=customXml/itemProps3.xml><?xml version="1.0" encoding="utf-8"?>
+<ds:datastoreItem xmlns:ds="http://schemas.openxmlformats.org/officeDocument/2006/customXml" ds:itemID="{BD9C238D-4D5C-4783-820B-4854DCE45D41}">
+  <ds:schemaRefs>
+    <ds:schemaRef ds:uri="http://schemas.microsoft.com/sharepoint/v3/contenttype/forms"/>
+  </ds:schemaRefs>
+</ds:datastoreItem>
+</file>
+
+<file path=customXml/itemProps4.xml><?xml version="1.0" encoding="utf-8"?>
 <ds:datastoreItem xmlns:ds="http://schemas.openxmlformats.org/officeDocument/2006/customXml" ds:itemID="{D9296C4F-9DE9-4B43-AA80-1FC85656CFFA}">
   <ds:schemaRefs>
     <ds:schemaRef ds:uri="http://schemas.microsoft.com/sharepoint/events"/>
   </ds:schemaRefs>
 </ds:datastoreItem>
-</file>
-
-<file path=customXml/itemProps4.xml><?xml version="1.0" encoding="utf-8"?>
-<ds:datastoreItem xmlns:ds="http://schemas.openxmlformats.org/officeDocument/2006/customXml" ds:itemID="{BD9C238D-4D5C-4783-820B-4854DCE45D41}">
-  <ds:schemaRefs>
-    <ds:schemaRef ds:uri="http://schemas.microsoft.com/sharepoint/v3/contenttype/forms"/>
-  </ds:schemaRefs>
-</ds:datastoreItem>
 </file>
--- a/Assicurazioni/Algoritmi di consenso distribuito_ita.pptx
+++ b/Assicurazioni/Algoritmi di consenso distribuito_ita.pptx
@@ -5,7 +5,7 @@
     <p:sldMasterId id="2147483648" r:id="rId5"/>
   </p:sldMasterIdLst>
   <p:notesMasterIdLst>
-    <p:notesMasterId r:id="rId26"/>
+    <p:notesMasterId r:id="rId30"/>
   </p:notesMasterIdLst>
   <p:sldIdLst>
     <p:sldId id="256" r:id="rId6"/>
@@ -26,8 +26,12 @@
     <p:sldId id="379" r:id="rId21"/>
     <p:sldId id="380" r:id="rId22"/>
     <p:sldId id="382" r:id="rId23"/>
-    <p:sldId id="381" r:id="rId24"/>
-    <p:sldId id="343" r:id="rId25"/>
+    <p:sldId id="383" r:id="rId24"/>
+    <p:sldId id="385" r:id="rId25"/>
+    <p:sldId id="386" r:id="rId26"/>
+    <p:sldId id="387" r:id="rId27"/>
+    <p:sldId id="384" r:id="rId28"/>
+    <p:sldId id="343" r:id="rId29"/>
   </p:sldIdLst>
   <p:sldSz cx="12192000" cy="6858000"/>
   <p:notesSz cx="6858000" cy="9144000"/>
@@ -285,7 +289,7 @@
               <a:pPr>
                 <a:defRPr/>
               </a:pPr>
-              <a:t>3/23/2023</a:t>
+              <a:t>3/26/2023</a:t>
             </a:fld>
             <a:endParaRPr lang="en-US"/>
           </a:p>
@@ -7053,7 +7057,7 @@
                 <a:ea typeface="Tahoma" panose="020B0604030504040204" pitchFamily="34" charset="0"/>
                 <a:cs typeface="Tahoma" panose="020B0604030504040204" pitchFamily="34" charset="0"/>
               </a:rPr>
-              <a:t>, questo algoritmo viene utilizzato per confermare le transazioni e produrre i nuovi blocchi della catena. La </a:t>
+              <a:t>, questo algoritmo viene utilizzato per confermare le transazioni e produrre i </a:t>
             </a:r>
             <a:r>
               <a:rPr lang="it-IT" sz="2400" b="1">
@@ -7064,6 +7068,50 @@
                 <a:ea typeface="Tahoma" panose="020B0604030504040204" pitchFamily="34" charset="0"/>
                 <a:cs typeface="Tahoma" panose="020B0604030504040204" pitchFamily="34" charset="0"/>
               </a:rPr>
+              <a:t>nuovi</a:t>
+            </a:r>
+            <a:r>
+              <a:rPr lang="it-IT" sz="2400">
+                <a:solidFill>
+                  <a:schemeClr val="tx1"/>
+                </a:solidFill>
+                <a:latin typeface="Tahoma" panose="020B0604030504040204" pitchFamily="34" charset="0"/>
+                <a:ea typeface="Tahoma" panose="020B0604030504040204" pitchFamily="34" charset="0"/>
+                <a:cs typeface="Tahoma" panose="020B0604030504040204" pitchFamily="34" charset="0"/>
+              </a:rPr>
+              <a:t> </a:t>
+            </a:r>
+            <a:r>
+              <a:rPr lang="it-IT" sz="2400" b="1">
+                <a:solidFill>
+                  <a:schemeClr val="tx1"/>
+                </a:solidFill>
+                <a:latin typeface="Tahoma" panose="020B0604030504040204" pitchFamily="34" charset="0"/>
+                <a:ea typeface="Tahoma" panose="020B0604030504040204" pitchFamily="34" charset="0"/>
+                <a:cs typeface="Tahoma" panose="020B0604030504040204" pitchFamily="34" charset="0"/>
+              </a:rPr>
+              <a:t>blocchi</a:t>
+            </a:r>
+            <a:r>
+              <a:rPr lang="it-IT" sz="2400">
+                <a:solidFill>
+                  <a:schemeClr val="tx1"/>
+                </a:solidFill>
+                <a:latin typeface="Tahoma" panose="020B0604030504040204" pitchFamily="34" charset="0"/>
+                <a:ea typeface="Tahoma" panose="020B0604030504040204" pitchFamily="34" charset="0"/>
+                <a:cs typeface="Tahoma" panose="020B0604030504040204" pitchFamily="34" charset="0"/>
+              </a:rPr>
+              <a:t> della catena. La </a:t>
+            </a:r>
+            <a:r>
+              <a:rPr lang="it-IT" sz="2400" b="1">
+                <a:solidFill>
+                  <a:schemeClr val="tx1"/>
+                </a:solidFill>
+                <a:latin typeface="Tahoma" panose="020B0604030504040204" pitchFamily="34" charset="0"/>
+                <a:ea typeface="Tahoma" panose="020B0604030504040204" pitchFamily="34" charset="0"/>
+                <a:cs typeface="Tahoma" panose="020B0604030504040204" pitchFamily="34" charset="0"/>
+              </a:rPr>
               <a:t>PoW</a:t>
             </a:r>
             <a:r>
@@ -7075,7 +7123,51 @@
                 <a:ea typeface="Tahoma" panose="020B0604030504040204" pitchFamily="34" charset="0"/>
                 <a:cs typeface="Tahoma" panose="020B0604030504040204" pitchFamily="34" charset="0"/>
               </a:rPr>
-              <a:t> incentiva i miner a competere tra loro nell’elaborazione degli scambi, ricevendo in cambio una ricompensa.</a:t>
+              <a:t> incentiva i </a:t>
+            </a:r>
+            <a:r>
+              <a:rPr lang="it-IT" sz="2400" b="1">
+                <a:solidFill>
+                  <a:schemeClr val="tx1"/>
+                </a:solidFill>
+                <a:latin typeface="Tahoma" panose="020B0604030504040204" pitchFamily="34" charset="0"/>
+                <a:ea typeface="Tahoma" panose="020B0604030504040204" pitchFamily="34" charset="0"/>
+                <a:cs typeface="Tahoma" panose="020B0604030504040204" pitchFamily="34" charset="0"/>
+              </a:rPr>
+              <a:t>miner</a:t>
+            </a:r>
+            <a:r>
+              <a:rPr lang="it-IT" sz="2400">
+                <a:solidFill>
+                  <a:schemeClr val="tx1"/>
+                </a:solidFill>
+                <a:latin typeface="Tahoma" panose="020B0604030504040204" pitchFamily="34" charset="0"/>
+                <a:ea typeface="Tahoma" panose="020B0604030504040204" pitchFamily="34" charset="0"/>
+                <a:cs typeface="Tahoma" panose="020B0604030504040204" pitchFamily="34" charset="0"/>
+              </a:rPr>
+              <a:t> a competere tra loro nell’elaborazione degli scambi, ricevendo in cambio una </a:t>
+            </a:r>
+            <a:r>
+              <a:rPr lang="it-IT" sz="2400" b="1">
+                <a:solidFill>
+                  <a:schemeClr val="tx1"/>
+                </a:solidFill>
+                <a:latin typeface="Tahoma" panose="020B0604030504040204" pitchFamily="34" charset="0"/>
+                <a:ea typeface="Tahoma" panose="020B0604030504040204" pitchFamily="34" charset="0"/>
+                <a:cs typeface="Tahoma" panose="020B0604030504040204" pitchFamily="34" charset="0"/>
+              </a:rPr>
+              <a:t>ricompensa</a:t>
+            </a:r>
+            <a:r>
+              <a:rPr lang="it-IT" sz="2400">
+                <a:solidFill>
+                  <a:schemeClr val="tx1"/>
+                </a:solidFill>
+                <a:latin typeface="Tahoma" panose="020B0604030504040204" pitchFamily="34" charset="0"/>
+                <a:ea typeface="Tahoma" panose="020B0604030504040204" pitchFamily="34" charset="0"/>
+                <a:cs typeface="Tahoma" panose="020B0604030504040204" pitchFamily="34" charset="0"/>
+              </a:rPr>
+              <a:t>.</a:t>
             </a:r>
           </a:p>
           <a:p>
@@ -7428,7 +7520,7 @@
                 <a:ea typeface="Tahoma" panose="020B0604030504040204" pitchFamily="34" charset="0"/>
                 <a:cs typeface="Tahoma" panose="020B0604030504040204" pitchFamily="34" charset="0"/>
               </a:rPr>
-              <a:t>La velocità e l’esattezza di un sistema Blockchain dipendono dalla difficoltà dei problemi. Ma i problemi non dovrebbero essere eccessivamente complessi, poiché in tal caso la </a:t>
+              <a:t>La </a:t>
             </a:r>
             <a:r>
               <a:rPr lang="it-IT" sz="2400" b="1">
@@ -7439,6 +7531,72 @@
                 <a:ea typeface="Tahoma" panose="020B0604030504040204" pitchFamily="34" charset="0"/>
                 <a:cs typeface="Tahoma" panose="020B0604030504040204" pitchFamily="34" charset="0"/>
               </a:rPr>
+              <a:t>velocità</a:t>
+            </a:r>
+            <a:r>
+              <a:rPr lang="it-IT" sz="2400">
+                <a:solidFill>
+                  <a:srgbClr val="27282D"/>
+                </a:solidFill>
+                <a:latin typeface="Tahoma" panose="020B0604030504040204" pitchFamily="34" charset="0"/>
+                <a:ea typeface="Tahoma" panose="020B0604030504040204" pitchFamily="34" charset="0"/>
+                <a:cs typeface="Tahoma" panose="020B0604030504040204" pitchFamily="34" charset="0"/>
+              </a:rPr>
+              <a:t> e </a:t>
+            </a:r>
+            <a:r>
+              <a:rPr lang="it-IT" sz="2400" b="1">
+                <a:solidFill>
+                  <a:srgbClr val="27282D"/>
+                </a:solidFill>
+                <a:latin typeface="Tahoma" panose="020B0604030504040204" pitchFamily="34" charset="0"/>
+                <a:ea typeface="Tahoma" panose="020B0604030504040204" pitchFamily="34" charset="0"/>
+                <a:cs typeface="Tahoma" panose="020B0604030504040204" pitchFamily="34" charset="0"/>
+              </a:rPr>
+              <a:t>l’esattezza</a:t>
+            </a:r>
+            <a:r>
+              <a:rPr lang="it-IT" sz="2400">
+                <a:solidFill>
+                  <a:srgbClr val="27282D"/>
+                </a:solidFill>
+                <a:latin typeface="Tahoma" panose="020B0604030504040204" pitchFamily="34" charset="0"/>
+                <a:ea typeface="Tahoma" panose="020B0604030504040204" pitchFamily="34" charset="0"/>
+                <a:cs typeface="Tahoma" panose="020B0604030504040204" pitchFamily="34" charset="0"/>
+              </a:rPr>
+              <a:t> di un sistema di </a:t>
+            </a:r>
+            <a:r>
+              <a:rPr lang="it-IT" sz="2400" b="1">
+                <a:solidFill>
+                  <a:srgbClr val="27282D"/>
+                </a:solidFill>
+                <a:latin typeface="Tahoma" panose="020B0604030504040204" pitchFamily="34" charset="0"/>
+                <a:ea typeface="Tahoma" panose="020B0604030504040204" pitchFamily="34" charset="0"/>
+                <a:cs typeface="Tahoma" panose="020B0604030504040204" pitchFamily="34" charset="0"/>
+              </a:rPr>
+              <a:t>Blockchain</a:t>
+            </a:r>
+            <a:r>
+              <a:rPr lang="it-IT" sz="2400">
+                <a:solidFill>
+                  <a:srgbClr val="27282D"/>
+                </a:solidFill>
+                <a:latin typeface="Tahoma" panose="020B0604030504040204" pitchFamily="34" charset="0"/>
+                <a:ea typeface="Tahoma" panose="020B0604030504040204" pitchFamily="34" charset="0"/>
+                <a:cs typeface="Tahoma" panose="020B0604030504040204" pitchFamily="34" charset="0"/>
+              </a:rPr>
+              <a:t> dipendono dalla difficoltà dei problemi. Ma i problemi non dovrebbero essere eccessivamente complessi, poiché in tal caso la </a:t>
+            </a:r>
+            <a:r>
+              <a:rPr lang="it-IT" sz="2400" b="1">
+                <a:solidFill>
+                  <a:srgbClr val="27282D"/>
+                </a:solidFill>
+                <a:latin typeface="Tahoma" panose="020B0604030504040204" pitchFamily="34" charset="0"/>
+                <a:ea typeface="Tahoma" panose="020B0604030504040204" pitchFamily="34" charset="0"/>
+                <a:cs typeface="Tahoma" panose="020B0604030504040204" pitchFamily="34" charset="0"/>
+              </a:rPr>
               <a:t>generazione di nuovi blocchi </a:t>
             </a:r>
             <a:r>
@@ -7450,7 +7608,51 @@
                 <a:ea typeface="Tahoma" panose="020B0604030504040204" pitchFamily="34" charset="0"/>
                 <a:cs typeface="Tahoma" panose="020B0604030504040204" pitchFamily="34" charset="0"/>
               </a:rPr>
-              <a:t>richiederebbe troppo tempo, le transazioni non verrebbero elaborate ed il flusso della rete si bloccherebbe. Se il problema non ha un tempo di risoluzione ben definito, generare nuovi blocchi sarebbe praticamente impossibile.</a:t>
+              <a:t>richiederebbe troppo tempo, le transazioni non verrebbero elaborate ed il flusso della rete si bloccherebbe. Se il problema non ha un tempo di risoluzione ben definito, generare </a:t>
+            </a:r>
+            <a:r>
+              <a:rPr lang="it-IT" sz="2400" b="1">
+                <a:solidFill>
+                  <a:srgbClr val="27282D"/>
+                </a:solidFill>
+                <a:latin typeface="Tahoma" panose="020B0604030504040204" pitchFamily="34" charset="0"/>
+                <a:ea typeface="Tahoma" panose="020B0604030504040204" pitchFamily="34" charset="0"/>
+                <a:cs typeface="Tahoma" panose="020B0604030504040204" pitchFamily="34" charset="0"/>
+              </a:rPr>
+              <a:t>nuovi</a:t>
+            </a:r>
+            <a:r>
+              <a:rPr lang="it-IT" sz="2400">
+                <a:solidFill>
+                  <a:srgbClr val="27282D"/>
+                </a:solidFill>
+                <a:latin typeface="Tahoma" panose="020B0604030504040204" pitchFamily="34" charset="0"/>
+                <a:ea typeface="Tahoma" panose="020B0604030504040204" pitchFamily="34" charset="0"/>
+                <a:cs typeface="Tahoma" panose="020B0604030504040204" pitchFamily="34" charset="0"/>
+              </a:rPr>
+              <a:t> </a:t>
+            </a:r>
+            <a:r>
+              <a:rPr lang="it-IT" sz="2400" b="1">
+                <a:solidFill>
+                  <a:srgbClr val="27282D"/>
+                </a:solidFill>
+                <a:latin typeface="Tahoma" panose="020B0604030504040204" pitchFamily="34" charset="0"/>
+                <a:ea typeface="Tahoma" panose="020B0604030504040204" pitchFamily="34" charset="0"/>
+                <a:cs typeface="Tahoma" panose="020B0604030504040204" pitchFamily="34" charset="0"/>
+              </a:rPr>
+              <a:t>blocchi</a:t>
+            </a:r>
+            <a:r>
+              <a:rPr lang="it-IT" sz="2400">
+                <a:solidFill>
+                  <a:srgbClr val="27282D"/>
+                </a:solidFill>
+                <a:latin typeface="Tahoma" panose="020B0604030504040204" pitchFamily="34" charset="0"/>
+                <a:ea typeface="Tahoma" panose="020B0604030504040204" pitchFamily="34" charset="0"/>
+                <a:cs typeface="Tahoma" panose="020B0604030504040204" pitchFamily="34" charset="0"/>
+              </a:rPr>
+              <a:t> sarebbe praticamente impossibile.</a:t>
             </a:r>
           </a:p>
         </p:txBody>
@@ -7745,7 +7947,29 @@
                 <a:ea typeface="Tahoma" panose="020B0604030504040204" pitchFamily="34" charset="0"/>
                 <a:cs typeface="Tahoma" panose="020B0604030504040204" pitchFamily="34" charset="0"/>
               </a:rPr>
-              <a:t> potrebbero essere capaci di appurare che i calcoli siano stati eseguiti correttamente. In tal caso questo nodi dovrebbero far affidamento su altri utenti, violando uno dei principi fondamentali della Blockchain: la trasparenza.</a:t>
+              <a:t> potrebbero essere capaci di appurare che i calcoli siano stati eseguiti correttamente. In tal caso questi nodi dovrebbero far affidamento su altri utenti, violando uno dei principi fondamentali della Blockchain: la </a:t>
+            </a:r>
+            <a:r>
+              <a:rPr lang="it-IT" sz="2400" b="1">
+                <a:solidFill>
+                  <a:srgbClr val="27282D"/>
+                </a:solidFill>
+                <a:latin typeface="Tahoma" panose="020B0604030504040204" pitchFamily="34" charset="0"/>
+                <a:ea typeface="Tahoma" panose="020B0604030504040204" pitchFamily="34" charset="0"/>
+                <a:cs typeface="Tahoma" panose="020B0604030504040204" pitchFamily="34" charset="0"/>
+              </a:rPr>
+              <a:t>trasparenza</a:t>
+            </a:r>
+            <a:r>
+              <a:rPr lang="it-IT" sz="2400">
+                <a:solidFill>
+                  <a:srgbClr val="27282D"/>
+                </a:solidFill>
+                <a:latin typeface="Tahoma" panose="020B0604030504040204" pitchFamily="34" charset="0"/>
+                <a:ea typeface="Tahoma" panose="020B0604030504040204" pitchFamily="34" charset="0"/>
+                <a:cs typeface="Tahoma" panose="020B0604030504040204" pitchFamily="34" charset="0"/>
+              </a:rPr>
+              <a:t>.</a:t>
             </a:r>
           </a:p>
           <a:p>
@@ -7974,7 +8198,51 @@
                 <a:ea typeface="Tahoma" panose="020B0604030504040204" pitchFamily="34" charset="0"/>
                 <a:cs typeface="Tahoma" panose="020B0604030504040204" pitchFamily="34" charset="0"/>
               </a:rPr>
-              <a:t> del problema dipende dal numero di utenti, dalla potenza di calcolo disponibile e dal carico della rete. La hash di ogni blocco contiene la hash del blocco precedente, incrementando la sicurezza ed impedendo ogni sorta di violazione informatica.</a:t>
+              <a:t> del problema dipende dal </a:t>
+            </a:r>
+            <a:r>
+              <a:rPr lang="it-IT" sz="2400" b="1">
+                <a:solidFill>
+                  <a:srgbClr val="27282D"/>
+                </a:solidFill>
+                <a:latin typeface="Tahoma" panose="020B0604030504040204" pitchFamily="34" charset="0"/>
+                <a:ea typeface="Tahoma" panose="020B0604030504040204" pitchFamily="34" charset="0"/>
+                <a:cs typeface="Tahoma" panose="020B0604030504040204" pitchFamily="34" charset="0"/>
+              </a:rPr>
+              <a:t>numero di utent</a:t>
+            </a:r>
+            <a:r>
+              <a:rPr lang="it-IT" sz="2400">
+                <a:solidFill>
+                  <a:srgbClr val="27282D"/>
+                </a:solidFill>
+                <a:latin typeface="Tahoma" panose="020B0604030504040204" pitchFamily="34" charset="0"/>
+                <a:ea typeface="Tahoma" panose="020B0604030504040204" pitchFamily="34" charset="0"/>
+                <a:cs typeface="Tahoma" panose="020B0604030504040204" pitchFamily="34" charset="0"/>
+              </a:rPr>
+              <a:t>i, dalla potenza di calcolo disponibile e dal carico della rete. La </a:t>
+            </a:r>
+            <a:r>
+              <a:rPr lang="it-IT" sz="2400" b="1">
+                <a:solidFill>
+                  <a:srgbClr val="27282D"/>
+                </a:solidFill>
+                <a:latin typeface="Tahoma" panose="020B0604030504040204" pitchFamily="34" charset="0"/>
+                <a:ea typeface="Tahoma" panose="020B0604030504040204" pitchFamily="34" charset="0"/>
+                <a:cs typeface="Tahoma" panose="020B0604030504040204" pitchFamily="34" charset="0"/>
+              </a:rPr>
+              <a:t>hash</a:t>
+            </a:r>
+            <a:r>
+              <a:rPr lang="it-IT" sz="2400">
+                <a:solidFill>
+                  <a:srgbClr val="27282D"/>
+                </a:solidFill>
+                <a:latin typeface="Tahoma" panose="020B0604030504040204" pitchFamily="34" charset="0"/>
+                <a:ea typeface="Tahoma" panose="020B0604030504040204" pitchFamily="34" charset="0"/>
+                <a:cs typeface="Tahoma" panose="020B0604030504040204" pitchFamily="34" charset="0"/>
+              </a:rPr>
+              <a:t> di ogni blocco contiene la hash del blocco precedente, incrementando la sicurezza ed impedendo ogni sorta di violazione informatica.</a:t>
             </a:r>
           </a:p>
         </p:txBody>
@@ -8656,7 +8924,29 @@
                 <a:ea typeface="Tahoma" panose="020B0604030504040204" pitchFamily="34" charset="0"/>
                 <a:cs typeface="Tahoma" panose="020B0604030504040204" pitchFamily="34" charset="0"/>
               </a:rPr>
-              <a:t>Un altro importante progetto basato sulla PoW è </a:t>
+              <a:t>Un altro importante progetto basato sulla </a:t>
+            </a:r>
+            <a:r>
+              <a:rPr lang="it-IT" sz="2400" b="1">
+                <a:solidFill>
+                  <a:srgbClr val="27282D"/>
+                </a:solidFill>
+                <a:latin typeface="Tahoma" panose="020B0604030504040204" pitchFamily="34" charset="0"/>
+                <a:ea typeface="Tahoma" panose="020B0604030504040204" pitchFamily="34" charset="0"/>
+                <a:cs typeface="Tahoma" panose="020B0604030504040204" pitchFamily="34" charset="0"/>
+              </a:rPr>
+              <a:t>PoW</a:t>
+            </a:r>
+            <a:r>
+              <a:rPr lang="it-IT" sz="2400">
+                <a:solidFill>
+                  <a:srgbClr val="27282D"/>
+                </a:solidFill>
+                <a:latin typeface="Tahoma" panose="020B0604030504040204" pitchFamily="34" charset="0"/>
+                <a:ea typeface="Tahoma" panose="020B0604030504040204" pitchFamily="34" charset="0"/>
+                <a:cs typeface="Tahoma" panose="020B0604030504040204" pitchFamily="34" charset="0"/>
+              </a:rPr>
+              <a:t> è </a:t>
             </a:r>
             <a:r>
               <a:rPr lang="it-IT" sz="2400" b="1">
@@ -8882,18 +9172,18 @@
                 <a:ea typeface="Tahoma" panose="020B0604030504040204" pitchFamily="34" charset="0"/>
                 <a:cs typeface="Tahoma" panose="020B0604030504040204" pitchFamily="34" charset="0"/>
               </a:rPr>
-              <a:t>DoS</a:t>
-            </a:r>
-            <a:r>
-              <a:rPr lang="it-IT" sz="2400">
-                <a:solidFill>
-                  <a:srgbClr val="27282D"/>
-                </a:solidFill>
-                <a:latin typeface="Tahoma" panose="020B0604030504040204" pitchFamily="34" charset="0"/>
-                <a:ea typeface="Tahoma" panose="020B0604030504040204" pitchFamily="34" charset="0"/>
-                <a:cs typeface="Tahoma" panose="020B0604030504040204" pitchFamily="34" charset="0"/>
-              </a:rPr>
-              <a:t> e l’impatto marginale delle quote nel mining.</a:t>
+              <a:t>DoS (Denial of Service) </a:t>
+            </a:r>
+            <a:r>
+              <a:rPr lang="it-IT" sz="2400">
+                <a:solidFill>
+                  <a:srgbClr val="27282D"/>
+                </a:solidFill>
+                <a:latin typeface="Tahoma" panose="020B0604030504040204" pitchFamily="34" charset="0"/>
+                <a:ea typeface="Tahoma" panose="020B0604030504040204" pitchFamily="34" charset="0"/>
+                <a:cs typeface="Tahoma" panose="020B0604030504040204" pitchFamily="34" charset="0"/>
+              </a:rPr>
+              <a:t>e l’impatto marginale delle quote nel mining.</a:t>
             </a:r>
           </a:p>
           <a:p>
@@ -8943,7 +9233,29 @@
                 <a:ea typeface="Tahoma" panose="020B0604030504040204" pitchFamily="34" charset="0"/>
                 <a:cs typeface="Tahoma" panose="020B0604030504040204" pitchFamily="34" charset="0"/>
               </a:rPr>
-              <a:t>. La PoW impone parecchi limiti alle azioni che è possibile intraprendere sulla rete, ed un attacco efficiente richiederebbe moltissimo tempo ed una potenza di calcolo incredibile. </a:t>
+              <a:t>. La </a:t>
+            </a:r>
+            <a:r>
+              <a:rPr lang="it-IT" sz="2400" b="1">
+                <a:solidFill>
+                  <a:srgbClr val="27282D"/>
+                </a:solidFill>
+                <a:latin typeface="Tahoma" panose="020B0604030504040204" pitchFamily="34" charset="0"/>
+                <a:ea typeface="Tahoma" panose="020B0604030504040204" pitchFamily="34" charset="0"/>
+                <a:cs typeface="Tahoma" panose="020B0604030504040204" pitchFamily="34" charset="0"/>
+              </a:rPr>
+              <a:t>PoW</a:t>
+            </a:r>
+            <a:r>
+              <a:rPr lang="it-IT" sz="2400">
+                <a:solidFill>
+                  <a:srgbClr val="27282D"/>
+                </a:solidFill>
+                <a:latin typeface="Tahoma" panose="020B0604030504040204" pitchFamily="34" charset="0"/>
+                <a:ea typeface="Tahoma" panose="020B0604030504040204" pitchFamily="34" charset="0"/>
+                <a:cs typeface="Tahoma" panose="020B0604030504040204" pitchFamily="34" charset="0"/>
+              </a:rPr>
+              <a:t> impone parecchi limiti alle azioni che è possibile intraprendere sulla rete, ed un attacco efficiente richiederebbe moltissimo tempo ed una potenza di calcolo incredibile. </a:t>
             </a:r>
           </a:p>
           <a:p>
@@ -9448,7 +9760,7 @@
                 <a:ea typeface="Tahoma" panose="020B0604030504040204" pitchFamily="34" charset="0"/>
                 <a:cs typeface="Tahoma" panose="020B0604030504040204" pitchFamily="34" charset="0"/>
               </a:rPr>
-              <a:t> sono invece i costi elevati, la totale inutilità dei calcoli e il rischio di attacchi </a:t>
+              <a:t> sono invece i costi elevati, la totale inutilità dei calcoli e il rischio di attacchi sono al </a:t>
             </a:r>
             <a:r>
               <a:rPr lang="it-IT" sz="2400" b="1">
@@ -9478,14 +9790,50 @@
               <a:buFont typeface="Wingdings" panose="05000000000000000000" pitchFamily="2" charset="2"/>
               <a:buChar char="ü"/>
             </a:pPr>
-            <a:endParaRPr lang="it-IT" sz="2400">
-              <a:solidFill>
-                <a:srgbClr val="27282D"/>
-              </a:solidFill>
-              <a:latin typeface="Tahoma" panose="020B0604030504040204" pitchFamily="34" charset="0"/>
-              <a:ea typeface="Tahoma" panose="020B0604030504040204" pitchFamily="34" charset="0"/>
-              <a:cs typeface="Tahoma" panose="020B0604030504040204" pitchFamily="34" charset="0"/>
-            </a:endParaRPr>
+            <a:r>
+              <a:rPr lang="it-IT" sz="2400" b="1">
+                <a:solidFill>
+                  <a:srgbClr val="27282D"/>
+                </a:solidFill>
+                <a:latin typeface="Tahoma" panose="020B0604030504040204" pitchFamily="34" charset="0"/>
+                <a:ea typeface="Tahoma" panose="020B0604030504040204" pitchFamily="34" charset="0"/>
+                <a:cs typeface="Tahoma" panose="020B0604030504040204" pitchFamily="34" charset="0"/>
+              </a:rPr>
+              <a:t>Costi elevati:</a:t>
+            </a:r>
+            <a:r>
+              <a:rPr lang="it-IT" sz="2400">
+                <a:solidFill>
+                  <a:srgbClr val="27282D"/>
+                </a:solidFill>
+                <a:latin typeface="Tahoma" panose="020B0604030504040204" pitchFamily="34" charset="0"/>
+                <a:ea typeface="Tahoma" panose="020B0604030504040204" pitchFamily="34" charset="0"/>
+                <a:cs typeface="Tahoma" panose="020B0604030504040204" pitchFamily="34" charset="0"/>
+              </a:rPr>
+              <a:t> Il processo di </a:t>
+            </a:r>
+            <a:r>
+              <a:rPr lang="it-IT" sz="2400" b="1">
+                <a:solidFill>
+                  <a:srgbClr val="27282D"/>
+                </a:solidFill>
+                <a:latin typeface="Tahoma" panose="020B0604030504040204" pitchFamily="34" charset="0"/>
+                <a:ea typeface="Tahoma" panose="020B0604030504040204" pitchFamily="34" charset="0"/>
+                <a:cs typeface="Tahoma" panose="020B0604030504040204" pitchFamily="34" charset="0"/>
+              </a:rPr>
+              <a:t>mining</a:t>
+            </a:r>
+            <a:r>
+              <a:rPr lang="it-IT" sz="2400">
+                <a:solidFill>
+                  <a:srgbClr val="27282D"/>
+                </a:solidFill>
+                <a:latin typeface="Tahoma" panose="020B0604030504040204" pitchFamily="34" charset="0"/>
+                <a:ea typeface="Tahoma" panose="020B0604030504040204" pitchFamily="34" charset="0"/>
+                <a:cs typeface="Tahoma" panose="020B0604030504040204" pitchFamily="34" charset="0"/>
+              </a:rPr>
+              <a:t> richiede macchine altamente specializzate, capaci di risolvere in tempi brevi algoritmi estremamente complessi. </a:t>
+            </a:r>
           </a:p>
           <a:p>
             <a:pPr marL="342900" indent="-342900" algn="just" rtl="0">
@@ -9493,6 +9841,17 @@
               <a:buChar char="ü"/>
             </a:pPr>
             <a:r>
+              <a:rPr lang="it-IT" sz="2400">
+                <a:solidFill>
+                  <a:srgbClr val="27282D"/>
+                </a:solidFill>
+                <a:latin typeface="Tahoma" panose="020B0604030504040204" pitchFamily="34" charset="0"/>
+                <a:ea typeface="Tahoma" panose="020B0604030504040204" pitchFamily="34" charset="0"/>
+                <a:cs typeface="Tahoma" panose="020B0604030504040204" pitchFamily="34" charset="0"/>
+              </a:rPr>
+              <a:t>Questi dispositivi non sono solo estremamente costosi, ma consumano anche </a:t>
+            </a:r>
+            <a:r>
               <a:rPr lang="it-IT" sz="2400" b="1">
                 <a:solidFill>
                   <a:srgbClr val="27282D"/>
@@ -9501,18 +9860,18 @@
                 <a:ea typeface="Tahoma" panose="020B0604030504040204" pitchFamily="34" charset="0"/>
                 <a:cs typeface="Tahoma" panose="020B0604030504040204" pitchFamily="34" charset="0"/>
               </a:rPr>
-              <a:t>Costi elevati:</a:t>
-            </a:r>
-            <a:r>
-              <a:rPr lang="it-IT" sz="2400">
-                <a:solidFill>
-                  <a:srgbClr val="27282D"/>
-                </a:solidFill>
-                <a:latin typeface="Tahoma" panose="020B0604030504040204" pitchFamily="34" charset="0"/>
-                <a:ea typeface="Tahoma" panose="020B0604030504040204" pitchFamily="34" charset="0"/>
-                <a:cs typeface="Tahoma" panose="020B0604030504040204" pitchFamily="34" charset="0"/>
-              </a:rPr>
-              <a:t> Il processo di </a:t>
+              <a:t>enormi quantità di energia elettrica</a:t>
+            </a:r>
+            <a:r>
+              <a:rPr lang="it-IT" sz="2400">
+                <a:solidFill>
+                  <a:srgbClr val="27282D"/>
+                </a:solidFill>
+                <a:latin typeface="Tahoma" panose="020B0604030504040204" pitchFamily="34" charset="0"/>
+                <a:ea typeface="Tahoma" panose="020B0604030504040204" pitchFamily="34" charset="0"/>
+                <a:cs typeface="Tahoma" panose="020B0604030504040204" pitchFamily="34" charset="0"/>
+              </a:rPr>
+              <a:t>, incrementando ulteriormente i prezzi. Si tratta di una pericolosa minaccia alla </a:t>
             </a:r>
             <a:r>
               <a:rPr lang="it-IT" sz="2400" b="1">
@@ -9523,35 +9882,18 @@
                 <a:ea typeface="Tahoma" panose="020B0604030504040204" pitchFamily="34" charset="0"/>
                 <a:cs typeface="Tahoma" panose="020B0604030504040204" pitchFamily="34" charset="0"/>
               </a:rPr>
-              <a:t>mining</a:t>
-            </a:r>
-            <a:r>
-              <a:rPr lang="it-IT" sz="2400">
-                <a:solidFill>
-                  <a:srgbClr val="27282D"/>
-                </a:solidFill>
-                <a:latin typeface="Tahoma" panose="020B0604030504040204" pitchFamily="34" charset="0"/>
-                <a:ea typeface="Tahoma" panose="020B0604030504040204" pitchFamily="34" charset="0"/>
-                <a:cs typeface="Tahoma" panose="020B0604030504040204" pitchFamily="34" charset="0"/>
-              </a:rPr>
-              <a:t> richiede macchine altamente specializzate, capaci di risolvere in tempi brevi algoritmi estremamente complessi. </a:t>
-            </a:r>
-          </a:p>
-          <a:p>
-            <a:pPr marL="342900" indent="-342900" algn="just" rtl="0">
-              <a:buFont typeface="Wingdings" panose="05000000000000000000" pitchFamily="2" charset="2"/>
-              <a:buChar char="ü"/>
-            </a:pPr>
-            <a:r>
-              <a:rPr lang="it-IT" sz="2400">
-                <a:solidFill>
-                  <a:srgbClr val="27282D"/>
-                </a:solidFill>
-                <a:latin typeface="Tahoma" panose="020B0604030504040204" pitchFamily="34" charset="0"/>
-                <a:ea typeface="Tahoma" panose="020B0604030504040204" pitchFamily="34" charset="0"/>
-                <a:cs typeface="Tahoma" panose="020B0604030504040204" pitchFamily="34" charset="0"/>
-              </a:rPr>
-              <a:t>Questi dispositivi non sono solo estremamente costosi, ma consumano anche </a:t>
+              <a:t>decentralizzazione</a:t>
+            </a:r>
+            <a:r>
+              <a:rPr lang="it-IT" sz="2400">
+                <a:solidFill>
+                  <a:srgbClr val="27282D"/>
+                </a:solidFill>
+                <a:latin typeface="Tahoma" panose="020B0604030504040204" pitchFamily="34" charset="0"/>
+                <a:ea typeface="Tahoma" panose="020B0604030504040204" pitchFamily="34" charset="0"/>
+                <a:cs typeface="Tahoma" panose="020B0604030504040204" pitchFamily="34" charset="0"/>
+              </a:rPr>
+              <a:t> </a:t>
             </a:r>
             <a:r>
               <a:rPr lang="it-IT" sz="2400" b="1">
@@ -9562,18 +9904,40 @@
                 <a:ea typeface="Tahoma" panose="020B0604030504040204" pitchFamily="34" charset="0"/>
                 <a:cs typeface="Tahoma" panose="020B0604030504040204" pitchFamily="34" charset="0"/>
               </a:rPr>
-              <a:t>enormi quantità di energia elettrica</a:t>
-            </a:r>
-            <a:r>
-              <a:rPr lang="it-IT" sz="2400">
-                <a:solidFill>
-                  <a:srgbClr val="27282D"/>
-                </a:solidFill>
-                <a:latin typeface="Tahoma" panose="020B0604030504040204" pitchFamily="34" charset="0"/>
-                <a:ea typeface="Tahoma" panose="020B0604030504040204" pitchFamily="34" charset="0"/>
-                <a:cs typeface="Tahoma" panose="020B0604030504040204" pitchFamily="34" charset="0"/>
-              </a:rPr>
-              <a:t>, incrementando ulteriormente i prezzi. Si tratta di una pericolosa minaccia alla decentralizzazione del sistema, in quanto solo una piccola fetta dell’utenza può permettersi questo genere di investimenti. Diamo ad esempio un’occhiata al seguente grafico sul Bitcoin.</a:t>
+              <a:t>del sistema</a:t>
+            </a:r>
+            <a:r>
+              <a:rPr lang="it-IT" sz="2400">
+                <a:solidFill>
+                  <a:srgbClr val="27282D"/>
+                </a:solidFill>
+                <a:latin typeface="Tahoma" panose="020B0604030504040204" pitchFamily="34" charset="0"/>
+                <a:ea typeface="Tahoma" panose="020B0604030504040204" pitchFamily="34" charset="0"/>
+                <a:cs typeface="Tahoma" panose="020B0604030504040204" pitchFamily="34" charset="0"/>
+              </a:rPr>
+              <a:t>, in quanto solo una piccola fetta dell’utenza può permettersi questo genere di investimenti. Diamo ad esempio un’occhiata al seguente grafico sul </a:t>
+            </a:r>
+            <a:r>
+              <a:rPr lang="it-IT" sz="2400" b="1">
+                <a:solidFill>
+                  <a:srgbClr val="27282D"/>
+                </a:solidFill>
+                <a:latin typeface="Tahoma" panose="020B0604030504040204" pitchFamily="34" charset="0"/>
+                <a:ea typeface="Tahoma" panose="020B0604030504040204" pitchFamily="34" charset="0"/>
+                <a:cs typeface="Tahoma" panose="020B0604030504040204" pitchFamily="34" charset="0"/>
+              </a:rPr>
+              <a:t>Bitcoin</a:t>
+            </a:r>
+            <a:r>
+              <a:rPr lang="it-IT" sz="2400">
+                <a:solidFill>
+                  <a:srgbClr val="27282D"/>
+                </a:solidFill>
+                <a:latin typeface="Tahoma" panose="020B0604030504040204" pitchFamily="34" charset="0"/>
+                <a:ea typeface="Tahoma" panose="020B0604030504040204" pitchFamily="34" charset="0"/>
+                <a:cs typeface="Tahoma" panose="020B0604030504040204" pitchFamily="34" charset="0"/>
+              </a:rPr>
+              <a:t>.</a:t>
             </a:r>
           </a:p>
           <a:p>
@@ -9726,8 +10090,8 @@
         </p:blipFill>
         <p:spPr>
           <a:xfrm>
-            <a:off x="8734522" y="2459722"/>
-            <a:ext cx="3273572" cy="2140413"/>
+            <a:off x="8431858" y="2459722"/>
+            <a:ext cx="3576236" cy="2338309"/>
           </a:xfrm>
           <a:prstGeom prst="rect">
             <a:avLst/>
@@ -9800,7 +10164,9 @@
                   <a:srgbClr val="27282D"/>
                 </a:solidFill>
                 <a:effectLst/>
-                <a:latin typeface="Open Sans" panose="020B0606030504020204" pitchFamily="34" charset="0"/>
+                <a:latin typeface="Tahoma" panose="020B0604030504040204" pitchFamily="34" charset="0"/>
+                <a:ea typeface="Tahoma" panose="020B0604030504040204" pitchFamily="34" charset="0"/>
+                <a:cs typeface="Tahoma" panose="020B0604030504040204" pitchFamily="34" charset="0"/>
               </a:rPr>
               <a:t>Inutilità dei calcoli:</a:t>
             </a:r>
@@ -9810,7 +10176,9 @@
                   <a:srgbClr val="27282D"/>
                 </a:solidFill>
                 <a:effectLst/>
-                <a:latin typeface="Open Sans" panose="020B0606030504020204" pitchFamily="34" charset="0"/>
+                <a:latin typeface="Tahoma" panose="020B0604030504040204" pitchFamily="34" charset="0"/>
+                <a:ea typeface="Tahoma" panose="020B0604030504040204" pitchFamily="34" charset="0"/>
+                <a:cs typeface="Tahoma" panose="020B0604030504040204" pitchFamily="34" charset="0"/>
               </a:rPr>
               <a:t> I </a:t>
             </a:r>
@@ -9820,7 +10188,9 @@
                   <a:srgbClr val="27282D"/>
                 </a:solidFill>
                 <a:effectLst/>
-                <a:latin typeface="Open Sans" panose="020B0606030504020204" pitchFamily="34" charset="0"/>
+                <a:latin typeface="Tahoma" panose="020B0604030504040204" pitchFamily="34" charset="0"/>
+                <a:ea typeface="Tahoma" panose="020B0604030504040204" pitchFamily="34" charset="0"/>
+                <a:cs typeface="Tahoma" panose="020B0604030504040204" pitchFamily="34" charset="0"/>
               </a:rPr>
               <a:t>miner</a:t>
             </a:r>
@@ -9830,7 +10200,9 @@
                   <a:srgbClr val="27282D"/>
                 </a:solidFill>
                 <a:effectLst/>
-                <a:latin typeface="Open Sans" panose="020B0606030504020204" pitchFamily="34" charset="0"/>
+                <a:latin typeface="Tahoma" panose="020B0604030504040204" pitchFamily="34" charset="0"/>
+                <a:ea typeface="Tahoma" panose="020B0604030504040204" pitchFamily="34" charset="0"/>
+                <a:cs typeface="Tahoma" panose="020B0604030504040204" pitchFamily="34" charset="0"/>
               </a:rPr>
               <a:t> consumano moltissimo tempo ed energie per generare nuovi blocchi, </a:t>
             </a:r>
@@ -9840,7 +10212,9 @@
                   <a:srgbClr val="27282D"/>
                 </a:solidFill>
                 <a:effectLst/>
-                <a:latin typeface="Open Sans" panose="020B0606030504020204" pitchFamily="34" charset="0"/>
+                <a:latin typeface="Tahoma" panose="020B0604030504040204" pitchFamily="34" charset="0"/>
+                <a:ea typeface="Tahoma" panose="020B0604030504040204" pitchFamily="34" charset="0"/>
+                <a:cs typeface="Tahoma" panose="020B0604030504040204" pitchFamily="34" charset="0"/>
               </a:rPr>
               <a:t>eseguendo</a:t>
             </a:r>
@@ -9850,7 +10224,9 @@
                   <a:srgbClr val="27282D"/>
                 </a:solidFill>
                 <a:effectLst/>
-                <a:latin typeface="Open Sans" panose="020B0606030504020204" pitchFamily="34" charset="0"/>
+                <a:latin typeface="Tahoma" panose="020B0604030504040204" pitchFamily="34" charset="0"/>
+                <a:ea typeface="Tahoma" panose="020B0604030504040204" pitchFamily="34" charset="0"/>
+                <a:cs typeface="Tahoma" panose="020B0604030504040204" pitchFamily="34" charset="0"/>
               </a:rPr>
               <a:t> </a:t>
             </a:r>
@@ -9860,7 +10236,9 @@
                   <a:srgbClr val="27282D"/>
                 </a:solidFill>
                 <a:effectLst/>
-                <a:latin typeface="Open Sans" panose="020B0606030504020204" pitchFamily="34" charset="0"/>
+                <a:latin typeface="Tahoma" panose="020B0604030504040204" pitchFamily="34" charset="0"/>
+                <a:ea typeface="Tahoma" panose="020B0604030504040204" pitchFamily="34" charset="0"/>
+                <a:cs typeface="Tahoma" panose="020B0604030504040204" pitchFamily="34" charset="0"/>
               </a:rPr>
               <a:t>calcoli</a:t>
             </a:r>
@@ -9870,9 +10248,101 @@
                   <a:srgbClr val="27282D"/>
                 </a:solidFill>
                 <a:effectLst/>
-                <a:latin typeface="Open Sans" panose="020B0606030504020204" pitchFamily="34" charset="0"/>
-              </a:rPr>
-              <a:t> fine a se stessi, non applicabili a nessun altro settore. I problemi garantiscono quindi la sicurezza della rete, ma non possono essere utilizzati in campo economico o scientifico.</a:t>
+                <a:latin typeface="Tahoma" panose="020B0604030504040204" pitchFamily="34" charset="0"/>
+                <a:ea typeface="Tahoma" panose="020B0604030504040204" pitchFamily="34" charset="0"/>
+                <a:cs typeface="Tahoma" panose="020B0604030504040204" pitchFamily="34" charset="0"/>
+              </a:rPr>
+              <a:t> fine a se stessi, non applicabili a nessun altro settore. I problemi garantiscono quindi la sicurezza della rete, ma non possono essere utilizzati in campo </a:t>
+            </a:r>
+            <a:r>
+              <a:rPr lang="it-IT" sz="2400" b="1" i="0">
+                <a:solidFill>
+                  <a:srgbClr val="27282D"/>
+                </a:solidFill>
+                <a:effectLst/>
+                <a:latin typeface="Tahoma" panose="020B0604030504040204" pitchFamily="34" charset="0"/>
+                <a:ea typeface="Tahoma" panose="020B0604030504040204" pitchFamily="34" charset="0"/>
+                <a:cs typeface="Tahoma" panose="020B0604030504040204" pitchFamily="34" charset="0"/>
+              </a:rPr>
+              <a:t>economico o scientifico</a:t>
+            </a:r>
+            <a:r>
+              <a:rPr lang="it-IT" sz="2400" b="0" i="0">
+                <a:solidFill>
+                  <a:srgbClr val="27282D"/>
+                </a:solidFill>
+                <a:effectLst/>
+                <a:latin typeface="Tahoma" panose="020B0604030504040204" pitchFamily="34" charset="0"/>
+                <a:ea typeface="Tahoma" panose="020B0604030504040204" pitchFamily="34" charset="0"/>
+                <a:cs typeface="Tahoma" panose="020B0604030504040204" pitchFamily="34" charset="0"/>
+              </a:rPr>
+              <a:t>.</a:t>
+            </a:r>
+          </a:p>
+          <a:p>
+            <a:pPr marL="342900" indent="-342900" algn="just" rtl="0">
+              <a:buFont typeface="Wingdings" panose="05000000000000000000" pitchFamily="2" charset="2"/>
+              <a:buChar char="ü"/>
+            </a:pPr>
+            <a:r>
+              <a:rPr lang="it-IT" sz="2400">
+                <a:solidFill>
+                  <a:srgbClr val="27282D"/>
+                </a:solidFill>
+                <a:effectLst/>
+                <a:latin typeface="Tahoma" panose="020B0604030504040204" pitchFamily="34" charset="0"/>
+                <a:ea typeface="Tahoma" panose="020B0604030504040204" pitchFamily="34" charset="0"/>
+                <a:cs typeface="Tahoma" panose="020B0604030504040204" pitchFamily="34" charset="0"/>
+              </a:rPr>
+              <a:t>Con </a:t>
+            </a:r>
+            <a:r>
+              <a:rPr lang="it-IT" sz="2400" b="1">
+                <a:solidFill>
+                  <a:srgbClr val="27282D"/>
+                </a:solidFill>
+                <a:effectLst/>
+                <a:latin typeface="Tahoma" panose="020B0604030504040204" pitchFamily="34" charset="0"/>
+                <a:ea typeface="Tahoma" panose="020B0604030504040204" pitchFamily="34" charset="0"/>
+                <a:cs typeface="Tahoma" panose="020B0604030504040204" pitchFamily="34" charset="0"/>
+              </a:rPr>
+              <a:t>attacco 51%, o attacco di maggioranza,</a:t>
+            </a:r>
+            <a:r>
+              <a:rPr lang="it-IT" sz="2400">
+                <a:solidFill>
+                  <a:srgbClr val="27282D"/>
+                </a:solidFill>
+                <a:effectLst/>
+                <a:latin typeface="Tahoma" panose="020B0604030504040204" pitchFamily="34" charset="0"/>
+                <a:ea typeface="Tahoma" panose="020B0604030504040204" pitchFamily="34" charset="0"/>
+                <a:cs typeface="Tahoma" panose="020B0604030504040204" pitchFamily="34" charset="0"/>
+              </a:rPr>
+              <a:t> s’intende il caso in cui un singolo utente o un gruppo di individui riesca a controllare la </a:t>
+            </a:r>
+            <a:r>
+              <a:rPr lang="it-IT" sz="2400" b="1">
+                <a:solidFill>
+                  <a:srgbClr val="27282D"/>
+                </a:solidFill>
+                <a:effectLst/>
+                <a:latin typeface="Tahoma" panose="020B0604030504040204" pitchFamily="34" charset="0"/>
+                <a:ea typeface="Tahoma" panose="020B0604030504040204" pitchFamily="34" charset="0"/>
+                <a:cs typeface="Tahoma" panose="020B0604030504040204" pitchFamily="34" charset="0"/>
+              </a:rPr>
+              <a:t>maggior parte della potenza di mining</a:t>
+            </a:r>
+            <a:r>
+              <a:rPr lang="it-IT" sz="2400">
+                <a:solidFill>
+                  <a:srgbClr val="27282D"/>
+                </a:solidFill>
+                <a:effectLst/>
+                <a:latin typeface="Tahoma" panose="020B0604030504040204" pitchFamily="34" charset="0"/>
+                <a:ea typeface="Tahoma" panose="020B0604030504040204" pitchFamily="34" charset="0"/>
+                <a:cs typeface="Tahoma" panose="020B0604030504040204" pitchFamily="34" charset="0"/>
+              </a:rPr>
+              <a:t> di una rete.</a:t>
             </a:r>
           </a:p>
           <a:p>
@@ -10035,6 +10505,36 @@
           </a:p>
         </p:txBody>
       </p:sp>
+      <p:pic>
+        <p:nvPicPr>
+          <p:cNvPr id="4" name="Immagine 3">
+            <a:extLst>
+              <a:ext uri="{FF2B5EF4-FFF2-40B4-BE49-F238E27FC236}">
+                <a16:creationId xmlns:a16="http://schemas.microsoft.com/office/drawing/2014/main" id="{1BC1A992-34CC-6B0D-2825-302E5DA1C3BE}"/>
+              </a:ext>
+            </a:extLst>
+          </p:cNvPr>
+          <p:cNvPicPr>
+            <a:picLocks noChangeAspect="1"/>
+          </p:cNvPicPr>
+          <p:nvPr/>
+        </p:nvPicPr>
+        <p:blipFill>
+          <a:blip r:embed="rId2"/>
+          <a:stretch>
+            <a:fillRect/>
+          </a:stretch>
+        </p:blipFill>
+        <p:spPr>
+          <a:xfrm>
+            <a:off x="4654193" y="3960594"/>
+            <a:ext cx="7393114" cy="2801756"/>
+          </a:xfrm>
+          <a:prstGeom prst="rect">
+            <a:avLst/>
+          </a:prstGeom>
+        </p:spPr>
+      </p:pic>
     </p:spTree>
     <p:extLst>
       <p:ext uri="{BB962C8B-B14F-4D97-AF65-F5344CB8AC3E}">
@@ -10083,8 +10583,8 @@
         </p:nvSpPr>
         <p:spPr>
           <a:xfrm>
-            <a:off x="461168" y="1232694"/>
-            <a:ext cx="7979447" cy="3958284"/>
+            <a:off x="461167" y="1232694"/>
+            <a:ext cx="10850679" cy="3958284"/>
           </a:xfrm>
         </p:spPr>
         <p:txBody>
@@ -10104,7 +10604,7 @@
                 <a:ea typeface="Tahoma" panose="020B0604030504040204" pitchFamily="34" charset="0"/>
                 <a:cs typeface="Tahoma" panose="020B0604030504040204" pitchFamily="34" charset="0"/>
               </a:rPr>
-              <a:t>I principali svantaggi di un sistema </a:t>
+              <a:t>In questo caso gli </a:t>
             </a:r>
             <a:r>
               <a:rPr lang="it-IT" sz="2400" b="1">
@@ -10115,18 +10615,18 @@
                 <a:ea typeface="Tahoma" panose="020B0604030504040204" pitchFamily="34" charset="0"/>
                 <a:cs typeface="Tahoma" panose="020B0604030504040204" pitchFamily="34" charset="0"/>
               </a:rPr>
-              <a:t>PoW</a:t>
-            </a:r>
-            <a:r>
-              <a:rPr lang="it-IT" sz="2400">
-                <a:solidFill>
-                  <a:srgbClr val="27282D"/>
-                </a:solidFill>
-                <a:latin typeface="Tahoma" panose="020B0604030504040204" pitchFamily="34" charset="0"/>
-                <a:ea typeface="Tahoma" panose="020B0604030504040204" pitchFamily="34" charset="0"/>
-                <a:cs typeface="Tahoma" panose="020B0604030504040204" pitchFamily="34" charset="0"/>
-              </a:rPr>
-              <a:t> sono invece i costi elevati, la totale inutilità dei calcoli e il rischio di attacchi </a:t>
+              <a:t>aggressori</a:t>
+            </a:r>
+            <a:r>
+              <a:rPr lang="it-IT" sz="2400">
+                <a:solidFill>
+                  <a:srgbClr val="27282D"/>
+                </a:solidFill>
+                <a:latin typeface="Tahoma" panose="020B0604030504040204" pitchFamily="34" charset="0"/>
+                <a:ea typeface="Tahoma" panose="020B0604030504040204" pitchFamily="34" charset="0"/>
+                <a:cs typeface="Tahoma" panose="020B0604030504040204" pitchFamily="34" charset="0"/>
+              </a:rPr>
+              <a:t> ottengono una tale influenza nella rete da poter controllare l’esito degli </a:t>
             </a:r>
             <a:r>
               <a:rPr lang="it-IT" sz="2400" b="1">
@@ -10137,18 +10637,18 @@
                 <a:ea typeface="Tahoma" panose="020B0604030504040204" pitchFamily="34" charset="0"/>
                 <a:cs typeface="Tahoma" panose="020B0604030504040204" pitchFamily="34" charset="0"/>
               </a:rPr>
-              <a:t>51</a:t>
-            </a:r>
-            <a:r>
-              <a:rPr lang="it-IT" sz="2400">
-                <a:solidFill>
-                  <a:srgbClr val="27282D"/>
-                </a:solidFill>
-                <a:latin typeface="Tahoma" panose="020B0604030504040204" pitchFamily="34" charset="0"/>
-                <a:ea typeface="Tahoma" panose="020B0604030504040204" pitchFamily="34" charset="0"/>
-                <a:cs typeface="Tahoma" panose="020B0604030504040204" pitchFamily="34" charset="0"/>
-              </a:rPr>
-              <a:t>%.</a:t>
+              <a:t>eventi</a:t>
+            </a:r>
+            <a:r>
+              <a:rPr lang="it-IT" sz="2400">
+                <a:solidFill>
+                  <a:srgbClr val="27282D"/>
+                </a:solidFill>
+                <a:latin typeface="Tahoma" panose="020B0604030504040204" pitchFamily="34" charset="0"/>
+                <a:ea typeface="Tahoma" panose="020B0604030504040204" pitchFamily="34" charset="0"/>
+                <a:cs typeface="Tahoma" panose="020B0604030504040204" pitchFamily="34" charset="0"/>
+              </a:rPr>
+              <a:t> che avvengono al suo interno. </a:t>
             </a:r>
           </a:p>
           <a:p>
@@ -10157,6 +10657,17 @@
               <a:buChar char="ü"/>
             </a:pPr>
             <a:r>
+              <a:rPr lang="it-IT" sz="2400">
+                <a:solidFill>
+                  <a:srgbClr val="27282D"/>
+                </a:solidFill>
+                <a:latin typeface="Tahoma" panose="020B0604030504040204" pitchFamily="34" charset="0"/>
+                <a:ea typeface="Tahoma" panose="020B0604030504040204" pitchFamily="34" charset="0"/>
+                <a:cs typeface="Tahoma" panose="020B0604030504040204" pitchFamily="34" charset="0"/>
+              </a:rPr>
+              <a:t>Potrebbero ad esempio monopolizzare la generazione di </a:t>
+            </a:r>
+            <a:r>
               <a:rPr lang="it-IT" sz="2400" b="1">
                 <a:solidFill>
                   <a:srgbClr val="27282D"/>
@@ -10165,18 +10676,18 @@
                 <a:ea typeface="Tahoma" panose="020B0604030504040204" pitchFamily="34" charset="0"/>
                 <a:cs typeface="Tahoma" panose="020B0604030504040204" pitchFamily="34" charset="0"/>
               </a:rPr>
-              <a:t>Costi elevati:</a:t>
-            </a:r>
-            <a:r>
-              <a:rPr lang="it-IT" sz="2400">
-                <a:solidFill>
-                  <a:srgbClr val="27282D"/>
-                </a:solidFill>
-                <a:latin typeface="Tahoma" panose="020B0604030504040204" pitchFamily="34" charset="0"/>
-                <a:ea typeface="Tahoma" panose="020B0604030504040204" pitchFamily="34" charset="0"/>
-                <a:cs typeface="Tahoma" panose="020B0604030504040204" pitchFamily="34" charset="0"/>
-              </a:rPr>
-              <a:t> Il processo di </a:t>
+              <a:t>nuovi blocchi</a:t>
+            </a:r>
+            <a:r>
+              <a:rPr lang="it-IT" sz="2400">
+                <a:solidFill>
+                  <a:srgbClr val="27282D"/>
+                </a:solidFill>
+                <a:latin typeface="Tahoma" panose="020B0604030504040204" pitchFamily="34" charset="0"/>
+                <a:ea typeface="Tahoma" panose="020B0604030504040204" pitchFamily="34" charset="0"/>
+                <a:cs typeface="Tahoma" panose="020B0604030504040204" pitchFamily="34" charset="0"/>
+              </a:rPr>
+              <a:t>, ostacolando gli altri </a:t>
             </a:r>
             <a:r>
               <a:rPr lang="it-IT" sz="2400" b="1">
@@ -10187,18 +10698,40 @@
                 <a:ea typeface="Tahoma" panose="020B0604030504040204" pitchFamily="34" charset="0"/>
                 <a:cs typeface="Tahoma" panose="020B0604030504040204" pitchFamily="34" charset="0"/>
               </a:rPr>
-              <a:t>mining</a:t>
-            </a:r>
-            <a:r>
-              <a:rPr lang="it-IT" sz="2400">
-                <a:solidFill>
-                  <a:srgbClr val="27282D"/>
-                </a:solidFill>
-                <a:latin typeface="Tahoma" panose="020B0604030504040204" pitchFamily="34" charset="0"/>
-                <a:ea typeface="Tahoma" panose="020B0604030504040204" pitchFamily="34" charset="0"/>
-                <a:cs typeface="Tahoma" panose="020B0604030504040204" pitchFamily="34" charset="0"/>
-              </a:rPr>
-              <a:t> richiede macchine altamente specializzate, capaci di risolvere in tempi brevi algoritmi estremamente complessi. </a:t>
+              <a:t>miner</a:t>
+            </a:r>
+            <a:r>
+              <a:rPr lang="it-IT" sz="2400">
+                <a:solidFill>
+                  <a:srgbClr val="27282D"/>
+                </a:solidFill>
+                <a:latin typeface="Tahoma" panose="020B0604030504040204" pitchFamily="34" charset="0"/>
+                <a:ea typeface="Tahoma" panose="020B0604030504040204" pitchFamily="34" charset="0"/>
+                <a:cs typeface="Tahoma" panose="020B0604030504040204" pitchFamily="34" charset="0"/>
+              </a:rPr>
+              <a:t> e impedendo loro di ricevere le ricompense. Oppure potrebbero addirittura </a:t>
+            </a:r>
+            <a:r>
+              <a:rPr lang="it-IT" sz="2400" b="1">
+                <a:solidFill>
+                  <a:srgbClr val="27282D"/>
+                </a:solidFill>
+                <a:latin typeface="Tahoma" panose="020B0604030504040204" pitchFamily="34" charset="0"/>
+                <a:ea typeface="Tahoma" panose="020B0604030504040204" pitchFamily="34" charset="0"/>
+                <a:cs typeface="Tahoma" panose="020B0604030504040204" pitchFamily="34" charset="0"/>
+              </a:rPr>
+              <a:t>annullare</a:t>
+            </a:r>
+            <a:r>
+              <a:rPr lang="it-IT" sz="2400">
+                <a:solidFill>
+                  <a:srgbClr val="27282D"/>
+                </a:solidFill>
+                <a:latin typeface="Tahoma" panose="020B0604030504040204" pitchFamily="34" charset="0"/>
+                <a:ea typeface="Tahoma" panose="020B0604030504040204" pitchFamily="34" charset="0"/>
+                <a:cs typeface="Tahoma" panose="020B0604030504040204" pitchFamily="34" charset="0"/>
+              </a:rPr>
+              <a:t> le transazioni.</a:t>
             </a:r>
           </a:p>
           <a:p>
@@ -10215,7 +10748,7 @@
                 <a:ea typeface="Tahoma" panose="020B0604030504040204" pitchFamily="34" charset="0"/>
                 <a:cs typeface="Tahoma" panose="020B0604030504040204" pitchFamily="34" charset="0"/>
               </a:rPr>
-              <a:t>Questi dispositivi non sono solo estremamente costosi, ma consumano anche </a:t>
+              <a:t>Supponiamo che </a:t>
             </a:r>
             <a:r>
               <a:rPr lang="it-IT" sz="2400" b="1">
@@ -10226,24 +10759,113 @@
                 <a:ea typeface="Tahoma" panose="020B0604030504040204" pitchFamily="34" charset="0"/>
                 <a:cs typeface="Tahoma" panose="020B0604030504040204" pitchFamily="34" charset="0"/>
               </a:rPr>
-              <a:t>enormi quantità di energia elettrica</a:t>
-            </a:r>
-            <a:r>
-              <a:rPr lang="it-IT" sz="2400">
-                <a:solidFill>
-                  <a:srgbClr val="27282D"/>
-                </a:solidFill>
-                <a:latin typeface="Tahoma" panose="020B0604030504040204" pitchFamily="34" charset="0"/>
-                <a:ea typeface="Tahoma" panose="020B0604030504040204" pitchFamily="34" charset="0"/>
-                <a:cs typeface="Tahoma" panose="020B0604030504040204" pitchFamily="34" charset="0"/>
-              </a:rPr>
-              <a:t>, incrementando ulteriormente i prezzi. Si tratta di una pericolosa minaccia alla decentralizzazione del sistema, in quanto solo una piccola fetta dell’utenza può permettersi questo genere di investimenti. Diamo ad esempio un’occhiata al seguente grafico sul Bitcoin.</a:t>
-            </a:r>
-          </a:p>
-          <a:p>
-            <a:br>
-              <a:rPr lang="it-IT" sz="2400"/>
-            </a:br>
+              <a:t>Alice</a:t>
+            </a:r>
+            <a:r>
+              <a:rPr lang="it-IT" sz="2400">
+                <a:solidFill>
+                  <a:srgbClr val="27282D"/>
+                </a:solidFill>
+                <a:latin typeface="Tahoma" panose="020B0604030504040204" pitchFamily="34" charset="0"/>
+                <a:ea typeface="Tahoma" panose="020B0604030504040204" pitchFamily="34" charset="0"/>
+                <a:cs typeface="Tahoma" panose="020B0604030504040204" pitchFamily="34" charset="0"/>
+              </a:rPr>
+              <a:t> abbia inviato dei fondi a </a:t>
+            </a:r>
+            <a:r>
+              <a:rPr lang="it-IT" sz="2400" b="1">
+                <a:solidFill>
+                  <a:srgbClr val="27282D"/>
+                </a:solidFill>
+                <a:latin typeface="Tahoma" panose="020B0604030504040204" pitchFamily="34" charset="0"/>
+                <a:ea typeface="Tahoma" panose="020B0604030504040204" pitchFamily="34" charset="0"/>
+                <a:cs typeface="Tahoma" panose="020B0604030504040204" pitchFamily="34" charset="0"/>
+              </a:rPr>
+              <a:t>Bob</a:t>
+            </a:r>
+            <a:r>
+              <a:rPr lang="it-IT" sz="2400">
+                <a:solidFill>
+                  <a:srgbClr val="27282D"/>
+                </a:solidFill>
+                <a:latin typeface="Tahoma" panose="020B0604030504040204" pitchFamily="34" charset="0"/>
+                <a:ea typeface="Tahoma" panose="020B0604030504040204" pitchFamily="34" charset="0"/>
+                <a:cs typeface="Tahoma" panose="020B0604030504040204" pitchFamily="34" charset="0"/>
+              </a:rPr>
+              <a:t> utilizzando una </a:t>
+            </a:r>
+            <a:r>
+              <a:rPr lang="it-IT" sz="2400" b="1">
+                <a:solidFill>
+                  <a:srgbClr val="27282D"/>
+                </a:solidFill>
+                <a:latin typeface="Tahoma" panose="020B0604030504040204" pitchFamily="34" charset="0"/>
+                <a:ea typeface="Tahoma" panose="020B0604030504040204" pitchFamily="34" charset="0"/>
+                <a:cs typeface="Tahoma" panose="020B0604030504040204" pitchFamily="34" charset="0"/>
+              </a:rPr>
+              <a:t>Blockchain</a:t>
+            </a:r>
+            <a:r>
+              <a:rPr lang="it-IT" sz="2400">
+                <a:solidFill>
+                  <a:srgbClr val="27282D"/>
+                </a:solidFill>
+                <a:latin typeface="Tahoma" panose="020B0604030504040204" pitchFamily="34" charset="0"/>
+                <a:ea typeface="Tahoma" panose="020B0604030504040204" pitchFamily="34" charset="0"/>
+                <a:cs typeface="Tahoma" panose="020B0604030504040204" pitchFamily="34" charset="0"/>
+              </a:rPr>
+              <a:t>. Alice controlla il </a:t>
+            </a:r>
+            <a:r>
+              <a:rPr lang="it-IT" sz="2400" b="1">
+                <a:solidFill>
+                  <a:srgbClr val="27282D"/>
+                </a:solidFill>
+                <a:latin typeface="Tahoma" panose="020B0604030504040204" pitchFamily="34" charset="0"/>
+                <a:ea typeface="Tahoma" panose="020B0604030504040204" pitchFamily="34" charset="0"/>
+                <a:cs typeface="Tahoma" panose="020B0604030504040204" pitchFamily="34" charset="0"/>
+              </a:rPr>
+              <a:t>51%</a:t>
+            </a:r>
+            <a:r>
+              <a:rPr lang="it-IT" sz="2400">
+                <a:solidFill>
+                  <a:srgbClr val="27282D"/>
+                </a:solidFill>
+                <a:latin typeface="Tahoma" panose="020B0604030504040204" pitchFamily="34" charset="0"/>
+                <a:ea typeface="Tahoma" panose="020B0604030504040204" pitchFamily="34" charset="0"/>
+                <a:cs typeface="Tahoma" panose="020B0604030504040204" pitchFamily="34" charset="0"/>
+              </a:rPr>
+              <a:t> della rete, mentre Bob ovviamente no: la transazione viene effettivamente piazzata all’interno del blocco, ma la prima non acconsente al trasferimento di denaro. In tal caso viene generata una </a:t>
+            </a:r>
+            <a:r>
+              <a:rPr lang="it-IT" sz="2400" b="1">
+                <a:solidFill>
+                  <a:srgbClr val="27282D"/>
+                </a:solidFill>
+                <a:latin typeface="Tahoma" panose="020B0604030504040204" pitchFamily="34" charset="0"/>
+                <a:ea typeface="Tahoma" panose="020B0604030504040204" pitchFamily="34" charset="0"/>
+                <a:cs typeface="Tahoma" panose="020B0604030504040204" pitchFamily="34" charset="0"/>
+              </a:rPr>
+              <a:t>'fork' </a:t>
+            </a:r>
+            <a:r>
+              <a:rPr lang="it-IT" sz="2400">
+                <a:solidFill>
+                  <a:srgbClr val="27282D"/>
+                </a:solidFill>
+                <a:latin typeface="Tahoma" panose="020B0604030504040204" pitchFamily="34" charset="0"/>
+                <a:ea typeface="Tahoma" panose="020B0604030504040204" pitchFamily="34" charset="0"/>
+                <a:cs typeface="Tahoma" panose="020B0604030504040204" pitchFamily="34" charset="0"/>
+              </a:rPr>
+              <a:t>della catena.</a:t>
+            </a:r>
+          </a:p>
+          <a:p>
+            <a:pPr marL="342900" indent="-342900" algn="just" rtl="0">
+              <a:buFont typeface="Wingdings" panose="05000000000000000000" pitchFamily="2" charset="2"/>
+              <a:buChar char="ü"/>
+            </a:pPr>
             <a:endParaRPr lang="it-IT" sz="2400">
               <a:solidFill>
                 <a:srgbClr val="27282D"/>
@@ -10254,7 +10876,7 @@
             </a:endParaRPr>
           </a:p>
           <a:p>
-            <a:pPr marL="342900" indent="-342900" algn="just">
+            <a:pPr marL="342900" indent="-342900" algn="just" rtl="0">
               <a:buFont typeface="Wingdings" panose="05000000000000000000" pitchFamily="2" charset="2"/>
               <a:buChar char="ü"/>
             </a:pPr>
@@ -10345,16 +10967,44 @@
         </p:nvSpPr>
         <p:spPr>
           <a:xfrm>
-            <a:off x="461169" y="422999"/>
-            <a:ext cx="11269662" cy="384721"/>
+            <a:off x="574294" y="347768"/>
+            <a:ext cx="11269662" cy="769441"/>
           </a:xfrm>
+          <a:noFill/>
+          <a:ln>
+            <a:noFill/>
+          </a:ln>
+          <a:extLst>
+            <a:ext uri="{909E8E84-426E-40DD-AFC4-6F175D3DCCD1}">
+              <a14:hiddenFill xmlns:a14="http://schemas.microsoft.com/office/drawing/2010/main">
+                <a:solidFill>
+                  <a:srgbClr val="FFFFFF"/>
+                </a:solidFill>
+              </a14:hiddenFill>
+            </a:ext>
+            <a:ext uri="{91240B29-F687-4F45-9708-019B960494DF}">
+              <a14:hiddenLine xmlns:a14="http://schemas.microsoft.com/office/drawing/2010/main" w="9525">
+                <a:solidFill>
+                  <a:srgbClr val="000000"/>
+                </a:solidFill>
+                <a:miter lim="800000"/>
+                <a:headEnd/>
+                <a:tailEnd/>
+              </a14:hiddenLine>
+            </a:ext>
+          </a:extLst>
         </p:spPr>
         <p:txBody>
-          <a:bodyPr/>
+          <a:bodyPr vert="horz" wrap="square" lIns="0" tIns="0" rIns="0" bIns="0" numCol="1" rtlCol="0" anchor="b" anchorCtr="0" compatLnSpc="1">
+            <a:prstTxWarp prst="textNoShape">
+              <a:avLst/>
+            </a:prstTxWarp>
+            <a:spAutoFit/>
+          </a:bodyPr>
           <a:lstStyle/>
           <a:p>
             <a:r>
-              <a:rPr lang="it-IT" sz="2800">
+              <a:rPr lang="it-IT">
                 <a:solidFill>
                   <a:schemeClr val="tx1"/>
                 </a:solidFill>
@@ -10362,18 +11012,35 @@
                 <a:ea typeface="Tahoma" panose="020B0604030504040204" pitchFamily="34" charset="0"/>
                 <a:cs typeface="Tahoma" panose="020B0604030504040204" pitchFamily="34" charset="0"/>
               </a:rPr>
-              <a:t>Algoritmo Proof-of-Work (PoW)</a:t>
-            </a:r>
-            <a:endParaRPr lang="it-IT" dirty="0"/>
+              <a:t>Attacchi 51%</a:t>
+            </a:r>
+            <a:br>
+              <a:rPr lang="it-IT">
+                <a:solidFill>
+                  <a:schemeClr val="tx1"/>
+                </a:solidFill>
+                <a:latin typeface="Tahoma" panose="020B0604030504040204" pitchFamily="34" charset="0"/>
+                <a:ea typeface="Tahoma" panose="020B0604030504040204" pitchFamily="34" charset="0"/>
+                <a:cs typeface="Tahoma" panose="020B0604030504040204" pitchFamily="34" charset="0"/>
+              </a:rPr>
+            </a:br>
+            <a:endParaRPr lang="it-IT" dirty="0">
+              <a:solidFill>
+                <a:schemeClr val="tx1"/>
+              </a:solidFill>
+              <a:latin typeface="Tahoma" panose="020B0604030504040204" pitchFamily="34" charset="0"/>
+              <a:ea typeface="Tahoma" panose="020B0604030504040204" pitchFamily="34" charset="0"/>
+              <a:cs typeface="Tahoma" panose="020B0604030504040204" pitchFamily="34" charset="0"/>
+            </a:endParaRPr>
           </a:p>
         </p:txBody>
       </p:sp>
       <p:pic>
         <p:nvPicPr>
-          <p:cNvPr id="5" name="Immagine 4">
-            <a:extLst>
-              <a:ext uri="{FF2B5EF4-FFF2-40B4-BE49-F238E27FC236}">
-                <a16:creationId xmlns:a16="http://schemas.microsoft.com/office/drawing/2014/main" id="{6C1D9908-5774-356A-4450-3F270B15B2F0}"/>
+          <p:cNvPr id="5" name="Immagine 4" descr="Immagine che contiene grafico&#10;&#10;Descrizione generata automaticamente">
+            <a:extLst>
+              <a:ext uri="{FF2B5EF4-FFF2-40B4-BE49-F238E27FC236}">
+                <a16:creationId xmlns:a16="http://schemas.microsoft.com/office/drawing/2014/main" id="{9C90B38B-8B2C-75F0-8445-2E4B0EAB3AF3}"/>
               </a:ext>
             </a:extLst>
           </p:cNvPr>
@@ -10390,8 +11057,8 @@
         </p:blipFill>
         <p:spPr>
           <a:xfrm>
-            <a:off x="8734522" y="2459722"/>
-            <a:ext cx="3273572" cy="2140413"/>
+            <a:off x="7839182" y="4840005"/>
+            <a:ext cx="3208871" cy="1804098"/>
           </a:xfrm>
           <a:prstGeom prst="rect">
             <a:avLst/>
@@ -10401,7 +11068,7 @@
     </p:spTree>
     <p:extLst>
       <p:ext uri="{BB962C8B-B14F-4D97-AF65-F5344CB8AC3E}">
-        <p14:creationId xmlns:p14="http://schemas.microsoft.com/office/powerpoint/2010/main" val="1784971424"/>
+        <p14:creationId xmlns:p14="http://schemas.microsoft.com/office/powerpoint/2010/main" val="1496292413"/>
       </p:ext>
     </p:extLst>
   </p:cSld>
@@ -10739,6 +11406,183 @@
       </p:grpSpPr>
       <p:sp>
         <p:nvSpPr>
+          <p:cNvPr id="2" name="Segnaposto testo 1">
+            <a:extLst>
+              <a:ext uri="{FF2B5EF4-FFF2-40B4-BE49-F238E27FC236}">
+                <a16:creationId xmlns:a16="http://schemas.microsoft.com/office/drawing/2014/main" id="{E5AE986C-196F-4141-A898-FA4C4198CDCC}"/>
+              </a:ext>
+            </a:extLst>
+          </p:cNvPr>
+          <p:cNvSpPr>
+            <a:spLocks noGrp="1"/>
+          </p:cNvSpPr>
+          <p:nvPr>
+            <p:ph type="body" idx="1"/>
+          </p:nvPr>
+        </p:nvSpPr>
+        <p:spPr>
+          <a:xfrm>
+            <a:off x="461167" y="1232694"/>
+            <a:ext cx="10850679" cy="3958284"/>
+          </a:xfrm>
+        </p:spPr>
+        <p:txBody>
+          <a:bodyPr/>
+          <a:lstStyle/>
+          <a:p>
+            <a:pPr marL="342900" indent="-342900" algn="just" rtl="0">
+              <a:buFont typeface="Wingdings" panose="05000000000000000000" pitchFamily="2" charset="2"/>
+              <a:buChar char="ü"/>
+            </a:pPr>
+            <a:r>
+              <a:rPr lang="it-IT" sz="2400">
+                <a:solidFill>
+                  <a:srgbClr val="27282D"/>
+                </a:solidFill>
+                <a:latin typeface="Tahoma" panose="020B0604030504040204" pitchFamily="34" charset="0"/>
+                <a:ea typeface="Tahoma" panose="020B0604030504040204" pitchFamily="34" charset="0"/>
+                <a:cs typeface="Tahoma" panose="020B0604030504040204" pitchFamily="34" charset="0"/>
+              </a:rPr>
+              <a:t>In questo caso gli </a:t>
+            </a:r>
+            <a:r>
+              <a:rPr lang="it-IT" sz="2400" b="1">
+                <a:solidFill>
+                  <a:srgbClr val="27282D"/>
+                </a:solidFill>
+                <a:latin typeface="Tahoma" panose="020B0604030504040204" pitchFamily="34" charset="0"/>
+                <a:ea typeface="Tahoma" panose="020B0604030504040204" pitchFamily="34" charset="0"/>
+                <a:cs typeface="Tahoma" panose="020B0604030504040204" pitchFamily="34" charset="0"/>
+              </a:rPr>
+              <a:t>aggressori</a:t>
+            </a:r>
+            <a:r>
+              <a:rPr lang="it-IT" sz="2400">
+                <a:solidFill>
+                  <a:srgbClr val="27282D"/>
+                </a:solidFill>
+                <a:latin typeface="Tahoma" panose="020B0604030504040204" pitchFamily="34" charset="0"/>
+                <a:ea typeface="Tahoma" panose="020B0604030504040204" pitchFamily="34" charset="0"/>
+                <a:cs typeface="Tahoma" panose="020B0604030504040204" pitchFamily="34" charset="0"/>
+              </a:rPr>
+              <a:t> ottengono una tale </a:t>
+            </a:r>
+            <a:r>
+              <a:rPr lang="it-IT" sz="2400" b="1">
+                <a:solidFill>
+                  <a:srgbClr val="27282D"/>
+                </a:solidFill>
+                <a:latin typeface="Tahoma" panose="020B0604030504040204" pitchFamily="34" charset="0"/>
+                <a:ea typeface="Tahoma" panose="020B0604030504040204" pitchFamily="34" charset="0"/>
+                <a:cs typeface="Tahoma" panose="020B0604030504040204" pitchFamily="34" charset="0"/>
+              </a:rPr>
+              <a:t>influenza</a:t>
+            </a:r>
+            <a:r>
+              <a:rPr lang="it-IT" sz="2400">
+                <a:solidFill>
+                  <a:srgbClr val="27282D"/>
+                </a:solidFill>
+                <a:latin typeface="Tahoma" panose="020B0604030504040204" pitchFamily="34" charset="0"/>
+                <a:ea typeface="Tahoma" panose="020B0604030504040204" pitchFamily="34" charset="0"/>
+                <a:cs typeface="Tahoma" panose="020B0604030504040204" pitchFamily="34" charset="0"/>
+              </a:rPr>
+              <a:t> nella rete da poter controllare l’esito degli </a:t>
+            </a:r>
+            <a:r>
+              <a:rPr lang="it-IT" sz="2400" b="1">
+                <a:solidFill>
+                  <a:srgbClr val="27282D"/>
+                </a:solidFill>
+                <a:latin typeface="Tahoma" panose="020B0604030504040204" pitchFamily="34" charset="0"/>
+                <a:ea typeface="Tahoma" panose="020B0604030504040204" pitchFamily="34" charset="0"/>
+                <a:cs typeface="Tahoma" panose="020B0604030504040204" pitchFamily="34" charset="0"/>
+              </a:rPr>
+              <a:t>eventi</a:t>
+            </a:r>
+            <a:r>
+              <a:rPr lang="it-IT" sz="2400">
+                <a:solidFill>
+                  <a:srgbClr val="27282D"/>
+                </a:solidFill>
+                <a:latin typeface="Tahoma" panose="020B0604030504040204" pitchFamily="34" charset="0"/>
+                <a:ea typeface="Tahoma" panose="020B0604030504040204" pitchFamily="34" charset="0"/>
+                <a:cs typeface="Tahoma" panose="020B0604030504040204" pitchFamily="34" charset="0"/>
+              </a:rPr>
+              <a:t> che avvengono al suo interno. Successivamente i miner si uniscono ad uno dei due rami appena generati. In quanto Alice possiede la maggior parte della </a:t>
+            </a:r>
+            <a:r>
+              <a:rPr lang="it-IT" sz="2400" b="1">
+                <a:solidFill>
+                  <a:srgbClr val="27282D"/>
+                </a:solidFill>
+                <a:latin typeface="Tahoma" panose="020B0604030504040204" pitchFamily="34" charset="0"/>
+                <a:ea typeface="Tahoma" panose="020B0604030504040204" pitchFamily="34" charset="0"/>
+                <a:cs typeface="Tahoma" panose="020B0604030504040204" pitchFamily="34" charset="0"/>
+              </a:rPr>
+              <a:t>potenza computazionale</a:t>
+            </a:r>
+            <a:r>
+              <a:rPr lang="it-IT" sz="2400">
+                <a:solidFill>
+                  <a:srgbClr val="27282D"/>
+                </a:solidFill>
+                <a:latin typeface="Tahoma" panose="020B0604030504040204" pitchFamily="34" charset="0"/>
+                <a:ea typeface="Tahoma" panose="020B0604030504040204" pitchFamily="34" charset="0"/>
+                <a:cs typeface="Tahoma" panose="020B0604030504040204" pitchFamily="34" charset="0"/>
+              </a:rPr>
+              <a:t> della rete, la sua </a:t>
+            </a:r>
+            <a:r>
+              <a:rPr lang="it-IT" sz="2400" b="1">
+                <a:solidFill>
+                  <a:srgbClr val="27282D"/>
+                </a:solidFill>
+                <a:latin typeface="Tahoma" panose="020B0604030504040204" pitchFamily="34" charset="0"/>
+                <a:ea typeface="Tahoma" panose="020B0604030504040204" pitchFamily="34" charset="0"/>
+                <a:cs typeface="Tahoma" panose="020B0604030504040204" pitchFamily="34" charset="0"/>
+              </a:rPr>
+              <a:t>catena</a:t>
+            </a:r>
+            <a:r>
+              <a:rPr lang="it-IT" sz="2400">
+                <a:solidFill>
+                  <a:srgbClr val="27282D"/>
+                </a:solidFill>
+                <a:latin typeface="Tahoma" panose="020B0604030504040204" pitchFamily="34" charset="0"/>
+                <a:ea typeface="Tahoma" panose="020B0604030504040204" pitchFamily="34" charset="0"/>
+                <a:cs typeface="Tahoma" panose="020B0604030504040204" pitchFamily="34" charset="0"/>
+              </a:rPr>
+              <a:t> conterrà sempre più blocchi dell’altra.</a:t>
+            </a:r>
+          </a:p>
+          <a:p>
+            <a:pPr marL="342900" indent="-342900" algn="just">
+              <a:lnSpc>
+                <a:spcPct val="115000"/>
+              </a:lnSpc>
+              <a:spcBef>
+                <a:spcPts val="2400"/>
+              </a:spcBef>
+              <a:buFont typeface="Wingdings" panose="05000000000000000000" pitchFamily="2" charset="2"/>
+              <a:buChar char="ü"/>
+              <a:tabLst>
+                <a:tab pos="457200" algn="l"/>
+              </a:tabLst>
+            </a:pPr>
+            <a:endParaRPr lang="it-IT" sz="2400">
+              <a:solidFill>
+                <a:srgbClr val="27282D"/>
+              </a:solidFill>
+              <a:latin typeface="Tahoma" panose="020B0604030504040204" pitchFamily="34" charset="0"/>
+              <a:ea typeface="Tahoma" panose="020B0604030504040204" pitchFamily="34" charset="0"/>
+              <a:cs typeface="Tahoma" panose="020B0604030504040204" pitchFamily="34" charset="0"/>
+            </a:endParaRPr>
+          </a:p>
+        </p:txBody>
+      </p:sp>
+      <p:sp>
+        <p:nvSpPr>
           <p:cNvPr id="7" name="Segnaposto numero diapositiva 6">
             <a:extLst>
               <a:ext uri="{FF2B5EF4-FFF2-40B4-BE49-F238E27FC236}">
@@ -10767,6 +11611,1427 @@
                 <a:defRPr/>
               </a:pPr>
               <a:t>20</a:t>
+            </a:fld>
+            <a:endParaRPr lang="en-US" dirty="0"/>
+          </a:p>
+        </p:txBody>
+      </p:sp>
+      <p:sp>
+        <p:nvSpPr>
+          <p:cNvPr id="6" name="Titolo 4">
+            <a:extLst>
+              <a:ext uri="{FF2B5EF4-FFF2-40B4-BE49-F238E27FC236}">
+                <a16:creationId xmlns:a16="http://schemas.microsoft.com/office/drawing/2014/main" id="{CF9A4806-60B4-80DC-1F76-D2EB3E6C376B}"/>
+              </a:ext>
+            </a:extLst>
+          </p:cNvPr>
+          <p:cNvSpPr>
+            <a:spLocks noGrp="1"/>
+          </p:cNvSpPr>
+          <p:nvPr>
+            <p:ph type="title"/>
+          </p:nvPr>
+        </p:nvSpPr>
+        <p:spPr>
+          <a:xfrm>
+            <a:off x="574294" y="347768"/>
+            <a:ext cx="11269662" cy="769441"/>
+          </a:xfrm>
+          <a:noFill/>
+          <a:ln>
+            <a:noFill/>
+          </a:ln>
+          <a:extLst>
+            <a:ext uri="{909E8E84-426E-40DD-AFC4-6F175D3DCCD1}">
+              <a14:hiddenFill xmlns:a14="http://schemas.microsoft.com/office/drawing/2010/main">
+                <a:solidFill>
+                  <a:srgbClr val="FFFFFF"/>
+                </a:solidFill>
+              </a14:hiddenFill>
+            </a:ext>
+            <a:ext uri="{91240B29-F687-4F45-9708-019B960494DF}">
+              <a14:hiddenLine xmlns:a14="http://schemas.microsoft.com/office/drawing/2010/main" w="9525">
+                <a:solidFill>
+                  <a:srgbClr val="000000"/>
+                </a:solidFill>
+                <a:miter lim="800000"/>
+                <a:headEnd/>
+                <a:tailEnd/>
+              </a14:hiddenLine>
+            </a:ext>
+          </a:extLst>
+        </p:spPr>
+        <p:txBody>
+          <a:bodyPr vert="horz" wrap="square" lIns="0" tIns="0" rIns="0" bIns="0" numCol="1" rtlCol="0" anchor="b" anchorCtr="0" compatLnSpc="1">
+            <a:prstTxWarp prst="textNoShape">
+              <a:avLst/>
+            </a:prstTxWarp>
+            <a:spAutoFit/>
+          </a:bodyPr>
+          <a:lstStyle/>
+          <a:p>
+            <a:r>
+              <a:rPr lang="it-IT">
+                <a:solidFill>
+                  <a:schemeClr val="tx1"/>
+                </a:solidFill>
+                <a:latin typeface="Tahoma" panose="020B0604030504040204" pitchFamily="34" charset="0"/>
+                <a:ea typeface="Tahoma" panose="020B0604030504040204" pitchFamily="34" charset="0"/>
+                <a:cs typeface="Tahoma" panose="020B0604030504040204" pitchFamily="34" charset="0"/>
+              </a:rPr>
+              <a:t>Attacchi 51%</a:t>
+            </a:r>
+            <a:br>
+              <a:rPr lang="it-IT">
+                <a:solidFill>
+                  <a:schemeClr val="tx1"/>
+                </a:solidFill>
+                <a:latin typeface="Tahoma" panose="020B0604030504040204" pitchFamily="34" charset="0"/>
+                <a:ea typeface="Tahoma" panose="020B0604030504040204" pitchFamily="34" charset="0"/>
+                <a:cs typeface="Tahoma" panose="020B0604030504040204" pitchFamily="34" charset="0"/>
+              </a:rPr>
+            </a:br>
+            <a:endParaRPr lang="it-IT" dirty="0">
+              <a:solidFill>
+                <a:schemeClr val="tx1"/>
+              </a:solidFill>
+              <a:latin typeface="Tahoma" panose="020B0604030504040204" pitchFamily="34" charset="0"/>
+              <a:ea typeface="Tahoma" panose="020B0604030504040204" pitchFamily="34" charset="0"/>
+              <a:cs typeface="Tahoma" panose="020B0604030504040204" pitchFamily="34" charset="0"/>
+            </a:endParaRPr>
+          </a:p>
+        </p:txBody>
+      </p:sp>
+      <p:pic>
+        <p:nvPicPr>
+          <p:cNvPr id="4" name="Immagine 3">
+            <a:extLst>
+              <a:ext uri="{FF2B5EF4-FFF2-40B4-BE49-F238E27FC236}">
+                <a16:creationId xmlns:a16="http://schemas.microsoft.com/office/drawing/2014/main" id="{D66ADC87-3992-A79A-33CE-263F318D8FF3}"/>
+              </a:ext>
+            </a:extLst>
+          </p:cNvPr>
+          <p:cNvPicPr>
+            <a:picLocks noChangeAspect="1"/>
+          </p:cNvPicPr>
+          <p:nvPr/>
+        </p:nvPicPr>
+        <p:blipFill>
+          <a:blip r:embed="rId2"/>
+          <a:stretch>
+            <a:fillRect/>
+          </a:stretch>
+        </p:blipFill>
+        <p:spPr>
+          <a:xfrm>
+            <a:off x="2866489" y="3242350"/>
+            <a:ext cx="8237620" cy="3267882"/>
+          </a:xfrm>
+          <a:prstGeom prst="rect">
+            <a:avLst/>
+          </a:prstGeom>
+        </p:spPr>
+      </p:pic>
+    </p:spTree>
+    <p:extLst>
+      <p:ext uri="{BB962C8B-B14F-4D97-AF65-F5344CB8AC3E}">
+        <p14:creationId xmlns:p14="http://schemas.microsoft.com/office/powerpoint/2010/main" val="1391422040"/>
+      </p:ext>
+    </p:extLst>
+  </p:cSld>
+  <p:clrMapOvr>
+    <a:masterClrMapping/>
+  </p:clrMapOvr>
+</p:sld>
+</file>
+
+<file path=ppt/slides/slide21.xml><?xml version="1.0" encoding="utf-8"?>
+<p:sld xmlns:a="http://schemas.openxmlformats.org/drawingml/2006/main" xmlns:r="http://schemas.openxmlformats.org/officeDocument/2006/relationships" xmlns:p="http://schemas.openxmlformats.org/presentationml/2006/main">
+  <p:cSld>
+    <p:spTree>
+      <p:nvGrpSpPr>
+        <p:cNvPr id="1" name=""/>
+        <p:cNvGrpSpPr/>
+        <p:nvPr/>
+      </p:nvGrpSpPr>
+      <p:grpSpPr>
+        <a:xfrm>
+          <a:off x="0" y="0"/>
+          <a:ext cx="0" cy="0"/>
+          <a:chOff x="0" y="0"/>
+          <a:chExt cx="0" cy="0"/>
+        </a:xfrm>
+      </p:grpSpPr>
+      <p:sp>
+        <p:nvSpPr>
+          <p:cNvPr id="2" name="Segnaposto testo 1">
+            <a:extLst>
+              <a:ext uri="{FF2B5EF4-FFF2-40B4-BE49-F238E27FC236}">
+                <a16:creationId xmlns:a16="http://schemas.microsoft.com/office/drawing/2014/main" id="{E5AE986C-196F-4141-A898-FA4C4198CDCC}"/>
+              </a:ext>
+            </a:extLst>
+          </p:cNvPr>
+          <p:cNvSpPr>
+            <a:spLocks noGrp="1"/>
+          </p:cNvSpPr>
+          <p:nvPr>
+            <p:ph type="body" idx="1"/>
+          </p:nvPr>
+        </p:nvSpPr>
+        <p:spPr>
+          <a:xfrm>
+            <a:off x="461167" y="1232694"/>
+            <a:ext cx="10850679" cy="3958284"/>
+          </a:xfrm>
+        </p:spPr>
+        <p:txBody>
+          <a:bodyPr/>
+          <a:lstStyle/>
+          <a:p>
+            <a:pPr marL="342900" indent="-342900" algn="just" rtl="0">
+              <a:buFont typeface="Wingdings" panose="05000000000000000000" pitchFamily="2" charset="2"/>
+              <a:buChar char="ü"/>
+            </a:pPr>
+            <a:r>
+              <a:rPr lang="it-IT" sz="2400">
+                <a:solidFill>
+                  <a:srgbClr val="27282D"/>
+                </a:solidFill>
+                <a:latin typeface="Tahoma" panose="020B0604030504040204" pitchFamily="34" charset="0"/>
+                <a:ea typeface="Tahoma" panose="020B0604030504040204" pitchFamily="34" charset="0"/>
+                <a:cs typeface="Tahoma" panose="020B0604030504040204" pitchFamily="34" charset="0"/>
+              </a:rPr>
+              <a:t>In una </a:t>
+            </a:r>
+            <a:r>
+              <a:rPr lang="it-IT" sz="2400" b="1">
+                <a:solidFill>
+                  <a:srgbClr val="27282D"/>
+                </a:solidFill>
+                <a:latin typeface="Tahoma" panose="020B0604030504040204" pitchFamily="34" charset="0"/>
+                <a:ea typeface="Tahoma" panose="020B0604030504040204" pitchFamily="34" charset="0"/>
+                <a:cs typeface="Tahoma" panose="020B0604030504040204" pitchFamily="34" charset="0"/>
+              </a:rPr>
+              <a:t>Blockchain</a:t>
+            </a:r>
+            <a:r>
+              <a:rPr lang="it-IT" sz="2400">
+                <a:solidFill>
+                  <a:srgbClr val="27282D"/>
+                </a:solidFill>
+                <a:latin typeface="Tahoma" panose="020B0604030504040204" pitchFamily="34" charset="0"/>
+                <a:ea typeface="Tahoma" panose="020B0604030504040204" pitchFamily="34" charset="0"/>
+                <a:cs typeface="Tahoma" panose="020B0604030504040204" pitchFamily="34" charset="0"/>
+              </a:rPr>
+              <a:t>, il ramo più lungo rimane, mentre quello più corto viene scartato. Quindi la transazione tra Alice e Bob è come se non fosse mai avvenuta, e quest’ultimo non riceverà mai i propri soldi.</a:t>
+            </a:r>
+          </a:p>
+          <a:p>
+            <a:pPr marL="342900" indent="-342900" algn="just" rtl="0">
+              <a:buFont typeface="Wingdings" panose="05000000000000000000" pitchFamily="2" charset="2"/>
+              <a:buChar char="ü"/>
+            </a:pPr>
+            <a:endParaRPr lang="it-IT" sz="2400">
+              <a:solidFill>
+                <a:srgbClr val="27282D"/>
+              </a:solidFill>
+              <a:latin typeface="Tahoma" panose="020B0604030504040204" pitchFamily="34" charset="0"/>
+              <a:ea typeface="Tahoma" panose="020B0604030504040204" pitchFamily="34" charset="0"/>
+              <a:cs typeface="Tahoma" panose="020B0604030504040204" pitchFamily="34" charset="0"/>
+            </a:endParaRPr>
+          </a:p>
+          <a:p>
+            <a:pPr marL="342900" indent="-342900" algn="just" rtl="0">
+              <a:buFont typeface="Wingdings" panose="05000000000000000000" pitchFamily="2" charset="2"/>
+              <a:buChar char="ü"/>
+            </a:pPr>
+            <a:endParaRPr lang="it-IT" sz="2400">
+              <a:solidFill>
+                <a:srgbClr val="27282D"/>
+              </a:solidFill>
+              <a:latin typeface="Tahoma" panose="020B0604030504040204" pitchFamily="34" charset="0"/>
+              <a:ea typeface="Tahoma" panose="020B0604030504040204" pitchFamily="34" charset="0"/>
+              <a:cs typeface="Tahoma" panose="020B0604030504040204" pitchFamily="34" charset="0"/>
+            </a:endParaRPr>
+          </a:p>
+          <a:p>
+            <a:pPr marL="342900" indent="-342900" algn="just">
+              <a:lnSpc>
+                <a:spcPct val="115000"/>
+              </a:lnSpc>
+              <a:spcBef>
+                <a:spcPts val="2400"/>
+              </a:spcBef>
+              <a:buFont typeface="Wingdings" panose="05000000000000000000" pitchFamily="2" charset="2"/>
+              <a:buChar char="ü"/>
+              <a:tabLst>
+                <a:tab pos="457200" algn="l"/>
+              </a:tabLst>
+            </a:pPr>
+            <a:endParaRPr lang="it-IT" sz="2400">
+              <a:solidFill>
+                <a:srgbClr val="27282D"/>
+              </a:solidFill>
+              <a:latin typeface="Tahoma" panose="020B0604030504040204" pitchFamily="34" charset="0"/>
+              <a:ea typeface="Tahoma" panose="020B0604030504040204" pitchFamily="34" charset="0"/>
+              <a:cs typeface="Tahoma" panose="020B0604030504040204" pitchFamily="34" charset="0"/>
+            </a:endParaRPr>
+          </a:p>
+        </p:txBody>
+      </p:sp>
+      <p:sp>
+        <p:nvSpPr>
+          <p:cNvPr id="7" name="Segnaposto numero diapositiva 6">
+            <a:extLst>
+              <a:ext uri="{FF2B5EF4-FFF2-40B4-BE49-F238E27FC236}">
+                <a16:creationId xmlns:a16="http://schemas.microsoft.com/office/drawing/2014/main" id="{AB740BE9-E218-4144-BFDE-AE473D230A3D}"/>
+              </a:ext>
+            </a:extLst>
+          </p:cNvPr>
+          <p:cNvSpPr>
+            <a:spLocks noGrp="1"/>
+          </p:cNvSpPr>
+          <p:nvPr>
+            <p:ph type="sldNum" sz="quarter" idx="12"/>
+          </p:nvPr>
+        </p:nvSpPr>
+        <p:spPr/>
+        <p:txBody>
+          <a:bodyPr/>
+          <a:lstStyle/>
+          <a:p>
+            <a:pPr>
+              <a:defRPr/>
+            </a:pPr>
+            <a:fld id="{48B4153A-D4C5-4CEF-8992-0D8815C829E3}" type="slidenum">
+              <a:rPr lang="en-US" smtClean="0"/>
+              <a:pPr>
+                <a:defRPr/>
+              </a:pPr>
+              <a:t>21</a:t>
+            </a:fld>
+            <a:endParaRPr lang="en-US" dirty="0"/>
+          </a:p>
+        </p:txBody>
+      </p:sp>
+      <p:sp>
+        <p:nvSpPr>
+          <p:cNvPr id="6" name="Titolo 4">
+            <a:extLst>
+              <a:ext uri="{FF2B5EF4-FFF2-40B4-BE49-F238E27FC236}">
+                <a16:creationId xmlns:a16="http://schemas.microsoft.com/office/drawing/2014/main" id="{CF9A4806-60B4-80DC-1F76-D2EB3E6C376B}"/>
+              </a:ext>
+            </a:extLst>
+          </p:cNvPr>
+          <p:cNvSpPr>
+            <a:spLocks noGrp="1"/>
+          </p:cNvSpPr>
+          <p:nvPr>
+            <p:ph type="title"/>
+          </p:nvPr>
+        </p:nvSpPr>
+        <p:spPr>
+          <a:xfrm>
+            <a:off x="574294" y="347768"/>
+            <a:ext cx="11269662" cy="769441"/>
+          </a:xfrm>
+          <a:noFill/>
+          <a:ln>
+            <a:noFill/>
+          </a:ln>
+          <a:extLst>
+            <a:ext uri="{909E8E84-426E-40DD-AFC4-6F175D3DCCD1}">
+              <a14:hiddenFill xmlns:a14="http://schemas.microsoft.com/office/drawing/2010/main">
+                <a:solidFill>
+                  <a:srgbClr val="FFFFFF"/>
+                </a:solidFill>
+              </a14:hiddenFill>
+            </a:ext>
+            <a:ext uri="{91240B29-F687-4F45-9708-019B960494DF}">
+              <a14:hiddenLine xmlns:a14="http://schemas.microsoft.com/office/drawing/2010/main" w="9525">
+                <a:solidFill>
+                  <a:srgbClr val="000000"/>
+                </a:solidFill>
+                <a:miter lim="800000"/>
+                <a:headEnd/>
+                <a:tailEnd/>
+              </a14:hiddenLine>
+            </a:ext>
+          </a:extLst>
+        </p:spPr>
+        <p:txBody>
+          <a:bodyPr vert="horz" wrap="square" lIns="0" tIns="0" rIns="0" bIns="0" numCol="1" rtlCol="0" anchor="b" anchorCtr="0" compatLnSpc="1">
+            <a:prstTxWarp prst="textNoShape">
+              <a:avLst/>
+            </a:prstTxWarp>
+            <a:spAutoFit/>
+          </a:bodyPr>
+          <a:lstStyle/>
+          <a:p>
+            <a:r>
+              <a:rPr lang="it-IT">
+                <a:solidFill>
+                  <a:schemeClr val="tx1"/>
+                </a:solidFill>
+                <a:latin typeface="Tahoma" panose="020B0604030504040204" pitchFamily="34" charset="0"/>
+                <a:ea typeface="Tahoma" panose="020B0604030504040204" pitchFamily="34" charset="0"/>
+                <a:cs typeface="Tahoma" panose="020B0604030504040204" pitchFamily="34" charset="0"/>
+              </a:rPr>
+              <a:t>Attacchi 51%</a:t>
+            </a:r>
+            <a:br>
+              <a:rPr lang="it-IT">
+                <a:solidFill>
+                  <a:schemeClr val="tx1"/>
+                </a:solidFill>
+                <a:latin typeface="Tahoma" panose="020B0604030504040204" pitchFamily="34" charset="0"/>
+                <a:ea typeface="Tahoma" panose="020B0604030504040204" pitchFamily="34" charset="0"/>
+                <a:cs typeface="Tahoma" panose="020B0604030504040204" pitchFamily="34" charset="0"/>
+              </a:rPr>
+            </a:br>
+            <a:endParaRPr lang="it-IT" dirty="0">
+              <a:solidFill>
+                <a:schemeClr val="tx1"/>
+              </a:solidFill>
+              <a:latin typeface="Tahoma" panose="020B0604030504040204" pitchFamily="34" charset="0"/>
+              <a:ea typeface="Tahoma" panose="020B0604030504040204" pitchFamily="34" charset="0"/>
+              <a:cs typeface="Tahoma" panose="020B0604030504040204" pitchFamily="34" charset="0"/>
+            </a:endParaRPr>
+          </a:p>
+        </p:txBody>
+      </p:sp>
+      <p:pic>
+        <p:nvPicPr>
+          <p:cNvPr id="4" name="Immagine 3">
+            <a:extLst>
+              <a:ext uri="{FF2B5EF4-FFF2-40B4-BE49-F238E27FC236}">
+                <a16:creationId xmlns:a16="http://schemas.microsoft.com/office/drawing/2014/main" id="{3E499D8C-797C-818C-5B09-EB0E059CEAF2}"/>
+              </a:ext>
+            </a:extLst>
+          </p:cNvPr>
+          <p:cNvPicPr>
+            <a:picLocks noChangeAspect="1"/>
+          </p:cNvPicPr>
+          <p:nvPr/>
+        </p:nvPicPr>
+        <p:blipFill>
+          <a:blip r:embed="rId2"/>
+          <a:stretch>
+            <a:fillRect/>
+          </a:stretch>
+        </p:blipFill>
+        <p:spPr>
+          <a:xfrm>
+            <a:off x="1491571" y="2633557"/>
+            <a:ext cx="9820275" cy="3876675"/>
+          </a:xfrm>
+          <a:prstGeom prst="rect">
+            <a:avLst/>
+          </a:prstGeom>
+        </p:spPr>
+      </p:pic>
+    </p:spTree>
+    <p:extLst>
+      <p:ext uri="{BB962C8B-B14F-4D97-AF65-F5344CB8AC3E}">
+        <p14:creationId xmlns:p14="http://schemas.microsoft.com/office/powerpoint/2010/main" val="2587519136"/>
+      </p:ext>
+    </p:extLst>
+  </p:cSld>
+  <p:clrMapOvr>
+    <a:masterClrMapping/>
+  </p:clrMapOvr>
+</p:sld>
+</file>
+
+<file path=ppt/slides/slide22.xml><?xml version="1.0" encoding="utf-8"?>
+<p:sld xmlns:a="http://schemas.openxmlformats.org/drawingml/2006/main" xmlns:r="http://schemas.openxmlformats.org/officeDocument/2006/relationships" xmlns:p="http://schemas.openxmlformats.org/presentationml/2006/main">
+  <p:cSld>
+    <p:spTree>
+      <p:nvGrpSpPr>
+        <p:cNvPr id="1" name=""/>
+        <p:cNvGrpSpPr/>
+        <p:nvPr/>
+      </p:nvGrpSpPr>
+      <p:grpSpPr>
+        <a:xfrm>
+          <a:off x="0" y="0"/>
+          <a:ext cx="0" cy="0"/>
+          <a:chOff x="0" y="0"/>
+          <a:chExt cx="0" cy="0"/>
+        </a:xfrm>
+      </p:grpSpPr>
+      <p:sp>
+        <p:nvSpPr>
+          <p:cNvPr id="2" name="Segnaposto testo 1">
+            <a:extLst>
+              <a:ext uri="{FF2B5EF4-FFF2-40B4-BE49-F238E27FC236}">
+                <a16:creationId xmlns:a16="http://schemas.microsoft.com/office/drawing/2014/main" id="{E5AE986C-196F-4141-A898-FA4C4198CDCC}"/>
+              </a:ext>
+            </a:extLst>
+          </p:cNvPr>
+          <p:cNvSpPr>
+            <a:spLocks noGrp="1"/>
+          </p:cNvSpPr>
+          <p:nvPr>
+            <p:ph type="body" idx="1"/>
+          </p:nvPr>
+        </p:nvSpPr>
+        <p:spPr>
+          <a:xfrm>
+            <a:off x="461167" y="1232694"/>
+            <a:ext cx="5795795" cy="3958284"/>
+          </a:xfrm>
+        </p:spPr>
+        <p:txBody>
+          <a:bodyPr/>
+          <a:lstStyle/>
+          <a:p>
+            <a:pPr marL="342900" indent="-342900" algn="just" rtl="0">
+              <a:buFont typeface="Wingdings" panose="05000000000000000000" pitchFamily="2" charset="2"/>
+              <a:buChar char="ü"/>
+            </a:pPr>
+            <a:r>
+              <a:rPr lang="it-IT" sz="2400">
+                <a:solidFill>
+                  <a:srgbClr val="27282D"/>
+                </a:solidFill>
+                <a:latin typeface="Tahoma" panose="020B0604030504040204" pitchFamily="34" charset="0"/>
+                <a:ea typeface="Tahoma" panose="020B0604030504040204" pitchFamily="34" charset="0"/>
+                <a:cs typeface="Tahoma" panose="020B0604030504040204" pitchFamily="34" charset="0"/>
+              </a:rPr>
+              <a:t>Fortunatamente un attacco 51% non è </a:t>
+            </a:r>
+            <a:r>
+              <a:rPr lang="it-IT" sz="2400" b="1">
+                <a:solidFill>
+                  <a:srgbClr val="27282D"/>
+                </a:solidFill>
+                <a:latin typeface="Tahoma" panose="020B0604030504040204" pitchFamily="34" charset="0"/>
+                <a:ea typeface="Tahoma" panose="020B0604030504040204" pitchFamily="34" charset="0"/>
+                <a:cs typeface="Tahoma" panose="020B0604030504040204" pitchFamily="34" charset="0"/>
+              </a:rPr>
+              <a:t>per nulla redditizio</a:t>
+            </a:r>
+            <a:r>
+              <a:rPr lang="it-IT" sz="2400">
+                <a:solidFill>
+                  <a:srgbClr val="27282D"/>
+                </a:solidFill>
+                <a:latin typeface="Tahoma" panose="020B0604030504040204" pitchFamily="34" charset="0"/>
+                <a:ea typeface="Tahoma" panose="020B0604030504040204" pitchFamily="34" charset="0"/>
+                <a:cs typeface="Tahoma" panose="020B0604030504040204" pitchFamily="34" charset="0"/>
+              </a:rPr>
+              <a:t>. Servirebbe una </a:t>
+            </a:r>
+            <a:r>
+              <a:rPr lang="it-IT" sz="2400" b="1">
+                <a:solidFill>
+                  <a:srgbClr val="27282D"/>
+                </a:solidFill>
+                <a:latin typeface="Tahoma" panose="020B0604030504040204" pitchFamily="34" charset="0"/>
+                <a:ea typeface="Tahoma" panose="020B0604030504040204" pitchFamily="34" charset="0"/>
+                <a:cs typeface="Tahoma" panose="020B0604030504040204" pitchFamily="34" charset="0"/>
+              </a:rPr>
+              <a:t>potenza di calcolo </a:t>
+            </a:r>
+            <a:r>
+              <a:rPr lang="it-IT" sz="2400">
+                <a:solidFill>
+                  <a:srgbClr val="27282D"/>
+                </a:solidFill>
+                <a:latin typeface="Tahoma" panose="020B0604030504040204" pitchFamily="34" charset="0"/>
+                <a:ea typeface="Tahoma" panose="020B0604030504040204" pitchFamily="34" charset="0"/>
+                <a:cs typeface="Tahoma" panose="020B0604030504040204" pitchFamily="34" charset="0"/>
+              </a:rPr>
+              <a:t>incredibile per poter controllare l’intera </a:t>
+            </a:r>
+            <a:r>
+              <a:rPr lang="it-IT" sz="2400" b="1">
+                <a:solidFill>
+                  <a:srgbClr val="27282D"/>
+                </a:solidFill>
+                <a:latin typeface="Tahoma" panose="020B0604030504040204" pitchFamily="34" charset="0"/>
+                <a:ea typeface="Tahoma" panose="020B0604030504040204" pitchFamily="34" charset="0"/>
+                <a:cs typeface="Tahoma" panose="020B0604030504040204" pitchFamily="34" charset="0"/>
+              </a:rPr>
+              <a:t>Blockchain</a:t>
+            </a:r>
+            <a:r>
+              <a:rPr lang="it-IT" sz="2400">
+                <a:solidFill>
+                  <a:srgbClr val="27282D"/>
+                </a:solidFill>
+                <a:latin typeface="Tahoma" panose="020B0604030504040204" pitchFamily="34" charset="0"/>
+                <a:ea typeface="Tahoma" panose="020B0604030504040204" pitchFamily="34" charset="0"/>
+                <a:cs typeface="Tahoma" panose="020B0604030504040204" pitchFamily="34" charset="0"/>
+              </a:rPr>
+              <a:t>, ed una volta che la notizia raggiunge il resto degli utenti, la rete viene considerata compromessa e </a:t>
+            </a:r>
+            <a:r>
+              <a:rPr lang="it-IT" sz="2400" b="1">
+                <a:solidFill>
+                  <a:srgbClr val="27282D"/>
+                </a:solidFill>
+                <a:latin typeface="Tahoma" panose="020B0604030504040204" pitchFamily="34" charset="0"/>
+                <a:ea typeface="Tahoma" panose="020B0604030504040204" pitchFamily="34" charset="0"/>
+                <a:cs typeface="Tahoma" panose="020B0604030504040204" pitchFamily="34" charset="0"/>
+              </a:rPr>
+              <a:t>prontamente abbandonata</a:t>
+            </a:r>
+            <a:r>
+              <a:rPr lang="it-IT" sz="2400">
+                <a:solidFill>
+                  <a:srgbClr val="27282D"/>
+                </a:solidFill>
+                <a:latin typeface="Tahoma" panose="020B0604030504040204" pitchFamily="34" charset="0"/>
+                <a:ea typeface="Tahoma" panose="020B0604030504040204" pitchFamily="34" charset="0"/>
+                <a:cs typeface="Tahoma" panose="020B0604030504040204" pitchFamily="34" charset="0"/>
+              </a:rPr>
+              <a:t>. </a:t>
+            </a:r>
+          </a:p>
+          <a:p>
+            <a:pPr marL="342900" indent="-342900" algn="just" rtl="0">
+              <a:buFont typeface="Wingdings" panose="05000000000000000000" pitchFamily="2" charset="2"/>
+              <a:buChar char="ü"/>
+            </a:pPr>
+            <a:r>
+              <a:rPr lang="it-IT" sz="2400">
+                <a:solidFill>
+                  <a:srgbClr val="27282D"/>
+                </a:solidFill>
+                <a:latin typeface="Tahoma" panose="020B0604030504040204" pitchFamily="34" charset="0"/>
+                <a:ea typeface="Tahoma" panose="020B0604030504040204" pitchFamily="34" charset="0"/>
+                <a:cs typeface="Tahoma" panose="020B0604030504040204" pitchFamily="34" charset="0"/>
+              </a:rPr>
+              <a:t>Questo porterebbe inevitabilmente ad una </a:t>
+            </a:r>
+            <a:r>
+              <a:rPr lang="it-IT" sz="2400" b="1">
+                <a:solidFill>
+                  <a:srgbClr val="27282D"/>
+                </a:solidFill>
+                <a:latin typeface="Tahoma" panose="020B0604030504040204" pitchFamily="34" charset="0"/>
+                <a:ea typeface="Tahoma" panose="020B0604030504040204" pitchFamily="34" charset="0"/>
+                <a:cs typeface="Tahoma" panose="020B0604030504040204" pitchFamily="34" charset="0"/>
+              </a:rPr>
+              <a:t>diminuzione del valore della criptovaluta</a:t>
+            </a:r>
+            <a:r>
+              <a:rPr lang="it-IT" sz="2400">
+                <a:solidFill>
+                  <a:srgbClr val="27282D"/>
+                </a:solidFill>
+                <a:latin typeface="Tahoma" panose="020B0604030504040204" pitchFamily="34" charset="0"/>
+                <a:ea typeface="Tahoma" panose="020B0604030504040204" pitchFamily="34" charset="0"/>
+                <a:cs typeface="Tahoma" panose="020B0604030504040204" pitchFamily="34" charset="0"/>
+              </a:rPr>
+              <a:t>, e di conseguenza dei fondi in possesso degli esecutori dell’attacco.</a:t>
+            </a:r>
+          </a:p>
+          <a:p>
+            <a:pPr marL="342900" indent="-342900" algn="just">
+              <a:lnSpc>
+                <a:spcPct val="115000"/>
+              </a:lnSpc>
+              <a:spcBef>
+                <a:spcPts val="2400"/>
+              </a:spcBef>
+              <a:buFont typeface="Wingdings" panose="05000000000000000000" pitchFamily="2" charset="2"/>
+              <a:buChar char="ü"/>
+              <a:tabLst>
+                <a:tab pos="457200" algn="l"/>
+              </a:tabLst>
+            </a:pPr>
+            <a:endParaRPr lang="it-IT" sz="2400">
+              <a:solidFill>
+                <a:srgbClr val="27282D"/>
+              </a:solidFill>
+              <a:latin typeface="Tahoma" panose="020B0604030504040204" pitchFamily="34" charset="0"/>
+              <a:ea typeface="Tahoma" panose="020B0604030504040204" pitchFamily="34" charset="0"/>
+              <a:cs typeface="Tahoma" panose="020B0604030504040204" pitchFamily="34" charset="0"/>
+            </a:endParaRPr>
+          </a:p>
+        </p:txBody>
+      </p:sp>
+      <p:sp>
+        <p:nvSpPr>
+          <p:cNvPr id="7" name="Segnaposto numero diapositiva 6">
+            <a:extLst>
+              <a:ext uri="{FF2B5EF4-FFF2-40B4-BE49-F238E27FC236}">
+                <a16:creationId xmlns:a16="http://schemas.microsoft.com/office/drawing/2014/main" id="{AB740BE9-E218-4144-BFDE-AE473D230A3D}"/>
+              </a:ext>
+            </a:extLst>
+          </p:cNvPr>
+          <p:cNvSpPr>
+            <a:spLocks noGrp="1"/>
+          </p:cNvSpPr>
+          <p:nvPr>
+            <p:ph type="sldNum" sz="quarter" idx="12"/>
+          </p:nvPr>
+        </p:nvSpPr>
+        <p:spPr/>
+        <p:txBody>
+          <a:bodyPr/>
+          <a:lstStyle/>
+          <a:p>
+            <a:pPr>
+              <a:defRPr/>
+            </a:pPr>
+            <a:fld id="{48B4153A-D4C5-4CEF-8992-0D8815C829E3}" type="slidenum">
+              <a:rPr lang="en-US" smtClean="0"/>
+              <a:pPr>
+                <a:defRPr/>
+              </a:pPr>
+              <a:t>22</a:t>
+            </a:fld>
+            <a:endParaRPr lang="en-US" dirty="0"/>
+          </a:p>
+        </p:txBody>
+      </p:sp>
+      <p:sp>
+        <p:nvSpPr>
+          <p:cNvPr id="6" name="Titolo 4">
+            <a:extLst>
+              <a:ext uri="{FF2B5EF4-FFF2-40B4-BE49-F238E27FC236}">
+                <a16:creationId xmlns:a16="http://schemas.microsoft.com/office/drawing/2014/main" id="{CF9A4806-60B4-80DC-1F76-D2EB3E6C376B}"/>
+              </a:ext>
+            </a:extLst>
+          </p:cNvPr>
+          <p:cNvSpPr>
+            <a:spLocks noGrp="1"/>
+          </p:cNvSpPr>
+          <p:nvPr>
+            <p:ph type="title"/>
+          </p:nvPr>
+        </p:nvSpPr>
+        <p:spPr>
+          <a:xfrm>
+            <a:off x="574294" y="347768"/>
+            <a:ext cx="11269662" cy="769441"/>
+          </a:xfrm>
+          <a:noFill/>
+          <a:ln>
+            <a:noFill/>
+          </a:ln>
+          <a:extLst>
+            <a:ext uri="{909E8E84-426E-40DD-AFC4-6F175D3DCCD1}">
+              <a14:hiddenFill xmlns:a14="http://schemas.microsoft.com/office/drawing/2010/main">
+                <a:solidFill>
+                  <a:srgbClr val="FFFFFF"/>
+                </a:solidFill>
+              </a14:hiddenFill>
+            </a:ext>
+            <a:ext uri="{91240B29-F687-4F45-9708-019B960494DF}">
+              <a14:hiddenLine xmlns:a14="http://schemas.microsoft.com/office/drawing/2010/main" w="9525">
+                <a:solidFill>
+                  <a:srgbClr val="000000"/>
+                </a:solidFill>
+                <a:miter lim="800000"/>
+                <a:headEnd/>
+                <a:tailEnd/>
+              </a14:hiddenLine>
+            </a:ext>
+          </a:extLst>
+        </p:spPr>
+        <p:txBody>
+          <a:bodyPr vert="horz" wrap="square" lIns="0" tIns="0" rIns="0" bIns="0" numCol="1" rtlCol="0" anchor="b" anchorCtr="0" compatLnSpc="1">
+            <a:prstTxWarp prst="textNoShape">
+              <a:avLst/>
+            </a:prstTxWarp>
+            <a:spAutoFit/>
+          </a:bodyPr>
+          <a:lstStyle/>
+          <a:p>
+            <a:r>
+              <a:rPr lang="it-IT">
+                <a:solidFill>
+                  <a:schemeClr val="tx1"/>
+                </a:solidFill>
+                <a:latin typeface="Tahoma" panose="020B0604030504040204" pitchFamily="34" charset="0"/>
+                <a:ea typeface="Tahoma" panose="020B0604030504040204" pitchFamily="34" charset="0"/>
+                <a:cs typeface="Tahoma" panose="020B0604030504040204" pitchFamily="34" charset="0"/>
+              </a:rPr>
+              <a:t>Attacchi 51%</a:t>
+            </a:r>
+            <a:br>
+              <a:rPr lang="it-IT">
+                <a:solidFill>
+                  <a:schemeClr val="tx1"/>
+                </a:solidFill>
+                <a:latin typeface="Tahoma" panose="020B0604030504040204" pitchFamily="34" charset="0"/>
+                <a:ea typeface="Tahoma" panose="020B0604030504040204" pitchFamily="34" charset="0"/>
+                <a:cs typeface="Tahoma" panose="020B0604030504040204" pitchFamily="34" charset="0"/>
+              </a:rPr>
+            </a:br>
+            <a:endParaRPr lang="it-IT" dirty="0">
+              <a:solidFill>
+                <a:schemeClr val="tx1"/>
+              </a:solidFill>
+              <a:latin typeface="Tahoma" panose="020B0604030504040204" pitchFamily="34" charset="0"/>
+              <a:ea typeface="Tahoma" panose="020B0604030504040204" pitchFamily="34" charset="0"/>
+              <a:cs typeface="Tahoma" panose="020B0604030504040204" pitchFamily="34" charset="0"/>
+            </a:endParaRPr>
+          </a:p>
+        </p:txBody>
+      </p:sp>
+      <p:pic>
+        <p:nvPicPr>
+          <p:cNvPr id="5" name="Immagine 4" descr="Immagine che contiene diagramma&#10;&#10;Descrizione generata automaticamente">
+            <a:extLst>
+              <a:ext uri="{FF2B5EF4-FFF2-40B4-BE49-F238E27FC236}">
+                <a16:creationId xmlns:a16="http://schemas.microsoft.com/office/drawing/2014/main" id="{72D0E692-5EDD-476D-D0BD-199A1C66C334}"/>
+              </a:ext>
+            </a:extLst>
+          </p:cNvPr>
+          <p:cNvPicPr>
+            <a:picLocks noChangeAspect="1"/>
+          </p:cNvPicPr>
+          <p:nvPr/>
+        </p:nvPicPr>
+        <p:blipFill>
+          <a:blip r:embed="rId2"/>
+          <a:stretch>
+            <a:fillRect/>
+          </a:stretch>
+        </p:blipFill>
+        <p:spPr>
+          <a:xfrm>
+            <a:off x="6256962" y="1534192"/>
+            <a:ext cx="5795795" cy="4259910"/>
+          </a:xfrm>
+          <a:prstGeom prst="rect">
+            <a:avLst/>
+          </a:prstGeom>
+        </p:spPr>
+      </p:pic>
+    </p:spTree>
+    <p:extLst>
+      <p:ext uri="{BB962C8B-B14F-4D97-AF65-F5344CB8AC3E}">
+        <p14:creationId xmlns:p14="http://schemas.microsoft.com/office/powerpoint/2010/main" val="806466063"/>
+      </p:ext>
+    </p:extLst>
+  </p:cSld>
+  <p:clrMapOvr>
+    <a:masterClrMapping/>
+  </p:clrMapOvr>
+</p:sld>
+</file>
+
+<file path=ppt/slides/slide23.xml><?xml version="1.0" encoding="utf-8"?>
+<p:sld xmlns:a="http://schemas.openxmlformats.org/drawingml/2006/main" xmlns:r="http://schemas.openxmlformats.org/officeDocument/2006/relationships" xmlns:p="http://schemas.openxmlformats.org/presentationml/2006/main">
+  <p:cSld>
+    <p:spTree>
+      <p:nvGrpSpPr>
+        <p:cNvPr id="1" name=""/>
+        <p:cNvGrpSpPr/>
+        <p:nvPr/>
+      </p:nvGrpSpPr>
+      <p:grpSpPr>
+        <a:xfrm>
+          <a:off x="0" y="0"/>
+          <a:ext cx="0" cy="0"/>
+          <a:chOff x="0" y="0"/>
+          <a:chExt cx="0" cy="0"/>
+        </a:xfrm>
+      </p:grpSpPr>
+      <p:sp>
+        <p:nvSpPr>
+          <p:cNvPr id="2" name="Segnaposto testo 1">
+            <a:extLst>
+              <a:ext uri="{FF2B5EF4-FFF2-40B4-BE49-F238E27FC236}">
+                <a16:creationId xmlns:a16="http://schemas.microsoft.com/office/drawing/2014/main" id="{E5AE986C-196F-4141-A898-FA4C4198CDCC}"/>
+              </a:ext>
+            </a:extLst>
+          </p:cNvPr>
+          <p:cNvSpPr>
+            <a:spLocks noGrp="1"/>
+          </p:cNvSpPr>
+          <p:nvPr>
+            <p:ph type="body" idx="1"/>
+          </p:nvPr>
+        </p:nvSpPr>
+        <p:spPr>
+          <a:xfrm>
+            <a:off x="729465" y="1366258"/>
+            <a:ext cx="10602930" cy="3958284"/>
+          </a:xfrm>
+        </p:spPr>
+        <p:txBody>
+          <a:bodyPr/>
+          <a:lstStyle/>
+          <a:p>
+            <a:pPr marL="342900" indent="-342900" algn="just" rtl="0">
+              <a:buFont typeface="Wingdings" panose="05000000000000000000" pitchFamily="2" charset="2"/>
+              <a:buChar char="ü"/>
+            </a:pPr>
+            <a:r>
+              <a:rPr lang="it-IT" sz="2400">
+                <a:solidFill>
+                  <a:srgbClr val="27282D"/>
+                </a:solidFill>
+                <a:latin typeface="Tahoma" panose="020B0604030504040204" pitchFamily="34" charset="0"/>
+                <a:ea typeface="Tahoma" panose="020B0604030504040204" pitchFamily="34" charset="0"/>
+                <a:cs typeface="Tahoma" panose="020B0604030504040204" pitchFamily="34" charset="0"/>
+              </a:rPr>
+              <a:t>In sostanza, un </a:t>
+            </a:r>
+            <a:r>
+              <a:rPr lang="it-IT" sz="2400" b="1">
+                <a:solidFill>
+                  <a:srgbClr val="27282D"/>
+                </a:solidFill>
+                <a:latin typeface="Tahoma" panose="020B0604030504040204" pitchFamily="34" charset="0"/>
+                <a:ea typeface="Tahoma" panose="020B0604030504040204" pitchFamily="34" charset="0"/>
+                <a:cs typeface="Tahoma" panose="020B0604030504040204" pitchFamily="34" charset="0"/>
+              </a:rPr>
+              <a:t>"attacco al 51%"</a:t>
+            </a:r>
+            <a:r>
+              <a:rPr lang="it-IT" sz="2400">
+                <a:solidFill>
+                  <a:srgbClr val="27282D"/>
+                </a:solidFill>
+                <a:latin typeface="Tahoma" panose="020B0604030504040204" pitchFamily="34" charset="0"/>
+                <a:ea typeface="Tahoma" panose="020B0604030504040204" pitchFamily="34" charset="0"/>
+                <a:cs typeface="Tahoma" panose="020B0604030504040204" pitchFamily="34" charset="0"/>
+              </a:rPr>
+              <a:t> si verifica quando un </a:t>
+            </a:r>
+            <a:r>
+              <a:rPr lang="it-IT" sz="2400" b="1">
+                <a:solidFill>
+                  <a:srgbClr val="27282D"/>
+                </a:solidFill>
+                <a:latin typeface="Tahoma" panose="020B0604030504040204" pitchFamily="34" charset="0"/>
+                <a:ea typeface="Tahoma" panose="020B0604030504040204" pitchFamily="34" charset="0"/>
+                <a:cs typeface="Tahoma" panose="020B0604030504040204" pitchFamily="34" charset="0"/>
+              </a:rPr>
+              <a:t>singolo miner</a:t>
+            </a:r>
+            <a:r>
+              <a:rPr lang="it-IT" sz="2400">
+                <a:solidFill>
+                  <a:srgbClr val="27282D"/>
+                </a:solidFill>
+                <a:latin typeface="Tahoma" panose="020B0604030504040204" pitchFamily="34" charset="0"/>
+                <a:ea typeface="Tahoma" panose="020B0604030504040204" pitchFamily="34" charset="0"/>
+                <a:cs typeface="Tahoma" panose="020B0604030504040204" pitchFamily="34" charset="0"/>
+              </a:rPr>
+              <a:t> o un </a:t>
+            </a:r>
+            <a:r>
+              <a:rPr lang="it-IT" sz="2400" b="1">
+                <a:solidFill>
+                  <a:srgbClr val="27282D"/>
+                </a:solidFill>
+                <a:latin typeface="Tahoma" panose="020B0604030504040204" pitchFamily="34" charset="0"/>
+                <a:ea typeface="Tahoma" panose="020B0604030504040204" pitchFamily="34" charset="0"/>
+                <a:cs typeface="Tahoma" panose="020B0604030504040204" pitchFamily="34" charset="0"/>
+              </a:rPr>
+              <a:t>gruppo di miner</a:t>
+            </a:r>
+            <a:r>
+              <a:rPr lang="it-IT" sz="2400">
+                <a:solidFill>
+                  <a:srgbClr val="27282D"/>
+                </a:solidFill>
+                <a:latin typeface="Tahoma" panose="020B0604030504040204" pitchFamily="34" charset="0"/>
+                <a:ea typeface="Tahoma" panose="020B0604030504040204" pitchFamily="34" charset="0"/>
+                <a:cs typeface="Tahoma" panose="020B0604030504040204" pitchFamily="34" charset="0"/>
+              </a:rPr>
+              <a:t> prende il controllo della maggioranza di una blockchain basata sulla </a:t>
+            </a:r>
+            <a:r>
+              <a:rPr lang="it-IT" sz="2400" b="1">
+                <a:solidFill>
+                  <a:srgbClr val="27282D"/>
+                </a:solidFill>
+                <a:latin typeface="Tahoma" panose="020B0604030504040204" pitchFamily="34" charset="0"/>
+                <a:ea typeface="Tahoma" panose="020B0604030504040204" pitchFamily="34" charset="0"/>
+                <a:cs typeface="Tahoma" panose="020B0604030504040204" pitchFamily="34" charset="0"/>
+              </a:rPr>
+              <a:t>Proof of Work</a:t>
+            </a:r>
+            <a:r>
+              <a:rPr lang="it-IT" sz="2400">
+                <a:solidFill>
+                  <a:srgbClr val="27282D"/>
+                </a:solidFill>
+                <a:latin typeface="Tahoma" panose="020B0604030504040204" pitchFamily="34" charset="0"/>
+                <a:ea typeface="Tahoma" panose="020B0604030504040204" pitchFamily="34" charset="0"/>
+                <a:cs typeface="Tahoma" panose="020B0604030504040204" pitchFamily="34" charset="0"/>
+              </a:rPr>
+              <a:t> e spende due volte alcune delle sue monete. </a:t>
+            </a:r>
+          </a:p>
+          <a:p>
+            <a:pPr marL="342900" indent="-342900" algn="just" rtl="0">
+              <a:buFont typeface="Wingdings" panose="05000000000000000000" pitchFamily="2" charset="2"/>
+              <a:buChar char="ü"/>
+            </a:pPr>
+            <a:r>
+              <a:rPr lang="it-IT" sz="2400">
+                <a:solidFill>
+                  <a:srgbClr val="27282D"/>
+                </a:solidFill>
+                <a:latin typeface="Tahoma" panose="020B0604030504040204" pitchFamily="34" charset="0"/>
+                <a:ea typeface="Tahoma" panose="020B0604030504040204" pitchFamily="34" charset="0"/>
+                <a:cs typeface="Tahoma" panose="020B0604030504040204" pitchFamily="34" charset="0"/>
+              </a:rPr>
+              <a:t>Un </a:t>
+            </a:r>
+            <a:r>
+              <a:rPr lang="it-IT" sz="2400" b="1">
+                <a:solidFill>
+                  <a:srgbClr val="27282D"/>
+                </a:solidFill>
+                <a:latin typeface="Tahoma" panose="020B0604030504040204" pitchFamily="34" charset="0"/>
+                <a:ea typeface="Tahoma" panose="020B0604030504040204" pitchFamily="34" charset="0"/>
+                <a:cs typeface="Tahoma" panose="020B0604030504040204" pitchFamily="34" charset="0"/>
+              </a:rPr>
+              <a:t>attacco al 51%</a:t>
+            </a:r>
+            <a:r>
+              <a:rPr lang="it-IT" sz="2400">
+                <a:solidFill>
+                  <a:srgbClr val="27282D"/>
+                </a:solidFill>
+                <a:latin typeface="Tahoma" panose="020B0604030504040204" pitchFamily="34" charset="0"/>
+                <a:ea typeface="Tahoma" panose="020B0604030504040204" pitchFamily="34" charset="0"/>
+                <a:cs typeface="Tahoma" panose="020B0604030504040204" pitchFamily="34" charset="0"/>
+              </a:rPr>
+              <a:t> è probabilmente il problema </a:t>
+            </a:r>
+            <a:r>
+              <a:rPr lang="it-IT" sz="2400" b="1">
+                <a:solidFill>
+                  <a:srgbClr val="27282D"/>
+                </a:solidFill>
+                <a:latin typeface="Tahoma" panose="020B0604030504040204" pitchFamily="34" charset="0"/>
+                <a:ea typeface="Tahoma" panose="020B0604030504040204" pitchFamily="34" charset="0"/>
+                <a:cs typeface="Tahoma" panose="020B0604030504040204" pitchFamily="34" charset="0"/>
+              </a:rPr>
+              <a:t>più temuto</a:t>
+            </a:r>
+            <a:r>
+              <a:rPr lang="it-IT" sz="2400">
+                <a:solidFill>
+                  <a:srgbClr val="27282D"/>
+                </a:solidFill>
+                <a:latin typeface="Tahoma" panose="020B0604030504040204" pitchFamily="34" charset="0"/>
+                <a:ea typeface="Tahoma" panose="020B0604030504040204" pitchFamily="34" charset="0"/>
+                <a:cs typeface="Tahoma" panose="020B0604030504040204" pitchFamily="34" charset="0"/>
+              </a:rPr>
+              <a:t> nell'intero settore delle blockchain.</a:t>
+            </a:r>
+          </a:p>
+          <a:p>
+            <a:pPr marL="342900" indent="-342900" algn="just" rtl="0">
+              <a:buFont typeface="Wingdings" panose="05000000000000000000" pitchFamily="2" charset="2"/>
+              <a:buChar char="ü"/>
+            </a:pPr>
+            <a:r>
+              <a:rPr lang="it-IT" sz="2400">
+                <a:solidFill>
+                  <a:srgbClr val="27282D"/>
+                </a:solidFill>
+                <a:latin typeface="Tahoma" panose="020B0604030504040204" pitchFamily="34" charset="0"/>
+                <a:ea typeface="Tahoma" panose="020B0604030504040204" pitchFamily="34" charset="0"/>
+                <a:cs typeface="Tahoma" panose="020B0604030504040204" pitchFamily="34" charset="0"/>
+              </a:rPr>
+              <a:t>In un </a:t>
+            </a:r>
+            <a:r>
+              <a:rPr lang="it-IT" sz="2400" b="1">
+                <a:solidFill>
+                  <a:srgbClr val="27282D"/>
+                </a:solidFill>
+                <a:latin typeface="Tahoma" panose="020B0604030504040204" pitchFamily="34" charset="0"/>
+                <a:ea typeface="Tahoma" panose="020B0604030504040204" pitchFamily="34" charset="0"/>
+                <a:cs typeface="Tahoma" panose="020B0604030504040204" pitchFamily="34" charset="0"/>
+              </a:rPr>
+              <a:t>attacco al 51%</a:t>
+            </a:r>
+            <a:r>
+              <a:rPr lang="it-IT" sz="2400">
+                <a:solidFill>
+                  <a:srgbClr val="27282D"/>
+                </a:solidFill>
+                <a:latin typeface="Tahoma" panose="020B0604030504040204" pitchFamily="34" charset="0"/>
+                <a:ea typeface="Tahoma" panose="020B0604030504040204" pitchFamily="34" charset="0"/>
+                <a:cs typeface="Tahoma" panose="020B0604030504040204" pitchFamily="34" charset="0"/>
+              </a:rPr>
+              <a:t>, un miner o un gruppo di miner guadagna o acquista </a:t>
+            </a:r>
+            <a:r>
+              <a:rPr lang="it-IT" sz="2400" b="1">
+                <a:solidFill>
+                  <a:srgbClr val="27282D"/>
+                </a:solidFill>
+                <a:latin typeface="Tahoma" panose="020B0604030504040204" pitchFamily="34" charset="0"/>
+                <a:ea typeface="Tahoma" panose="020B0604030504040204" pitchFamily="34" charset="0"/>
+                <a:cs typeface="Tahoma" panose="020B0604030504040204" pitchFamily="34" charset="0"/>
+              </a:rPr>
+              <a:t>abbastanza potenza di hash</a:t>
+            </a:r>
+            <a:r>
+              <a:rPr lang="it-IT" sz="2400">
+                <a:solidFill>
+                  <a:srgbClr val="27282D"/>
+                </a:solidFill>
+                <a:latin typeface="Tahoma" panose="020B0604030504040204" pitchFamily="34" charset="0"/>
+                <a:ea typeface="Tahoma" panose="020B0604030504040204" pitchFamily="34" charset="0"/>
+                <a:cs typeface="Tahoma" panose="020B0604030504040204" pitchFamily="34" charset="0"/>
+              </a:rPr>
+              <a:t> da prendere il </a:t>
+            </a:r>
+            <a:r>
+              <a:rPr lang="it-IT" sz="2400" b="1">
+                <a:solidFill>
+                  <a:srgbClr val="27282D"/>
+                </a:solidFill>
+                <a:latin typeface="Tahoma" panose="020B0604030504040204" pitchFamily="34" charset="0"/>
+                <a:ea typeface="Tahoma" panose="020B0604030504040204" pitchFamily="34" charset="0"/>
+                <a:cs typeface="Tahoma" panose="020B0604030504040204" pitchFamily="34" charset="0"/>
+              </a:rPr>
+              <a:t>controllo al 51%</a:t>
+            </a:r>
+            <a:r>
+              <a:rPr lang="it-IT" sz="2400">
+                <a:solidFill>
+                  <a:srgbClr val="27282D"/>
+                </a:solidFill>
+                <a:latin typeface="Tahoma" panose="020B0604030504040204" pitchFamily="34" charset="0"/>
+                <a:ea typeface="Tahoma" panose="020B0604030504040204" pitchFamily="34" charset="0"/>
+                <a:cs typeface="Tahoma" panose="020B0604030504040204" pitchFamily="34" charset="0"/>
+              </a:rPr>
+              <a:t> o più di una rete blockchain e spendere due volte le stesse criptovalute. </a:t>
+            </a:r>
+          </a:p>
+          <a:p>
+            <a:pPr marL="342900" indent="-342900" algn="just" rtl="0">
+              <a:buFont typeface="Wingdings" panose="05000000000000000000" pitchFamily="2" charset="2"/>
+              <a:buChar char="ü"/>
+            </a:pPr>
+            <a:r>
+              <a:rPr lang="it-IT" sz="2400">
+                <a:solidFill>
+                  <a:srgbClr val="27282D"/>
+                </a:solidFill>
+                <a:latin typeface="Tahoma" panose="020B0604030504040204" pitchFamily="34" charset="0"/>
+                <a:ea typeface="Tahoma" panose="020B0604030504040204" pitchFamily="34" charset="0"/>
+                <a:cs typeface="Tahoma" panose="020B0604030504040204" pitchFamily="34" charset="0"/>
+              </a:rPr>
+              <a:t>Finora </a:t>
+            </a:r>
+            <a:r>
+              <a:rPr lang="it-IT" sz="2400" b="1">
+                <a:solidFill>
+                  <a:srgbClr val="27282D"/>
+                </a:solidFill>
+                <a:latin typeface="Tahoma" panose="020B0604030504040204" pitchFamily="34" charset="0"/>
+                <a:ea typeface="Tahoma" panose="020B0604030504040204" pitchFamily="34" charset="0"/>
+                <a:cs typeface="Tahoma" panose="020B0604030504040204" pitchFamily="34" charset="0"/>
+              </a:rPr>
+              <a:t>nessun</a:t>
+            </a:r>
+            <a:r>
+              <a:rPr lang="it-IT" sz="2400">
+                <a:solidFill>
+                  <a:srgbClr val="27282D"/>
+                </a:solidFill>
+                <a:latin typeface="Tahoma" panose="020B0604030504040204" pitchFamily="34" charset="0"/>
+                <a:ea typeface="Tahoma" panose="020B0604030504040204" pitchFamily="34" charset="0"/>
+                <a:cs typeface="Tahoma" panose="020B0604030504040204" pitchFamily="34" charset="0"/>
+              </a:rPr>
+              <a:t> attacco al 51% ha avuto successo sulla </a:t>
+            </a:r>
+            <a:r>
+              <a:rPr lang="it-IT" sz="2400" b="1">
+                <a:solidFill>
+                  <a:srgbClr val="27282D"/>
+                </a:solidFill>
+                <a:latin typeface="Tahoma" panose="020B0604030504040204" pitchFamily="34" charset="0"/>
+                <a:ea typeface="Tahoma" panose="020B0604030504040204" pitchFamily="34" charset="0"/>
+                <a:cs typeface="Tahoma" panose="020B0604030504040204" pitchFamily="34" charset="0"/>
+              </a:rPr>
+              <a:t>blockchain di Bitcoin</a:t>
+            </a:r>
+            <a:r>
+              <a:rPr lang="it-IT" sz="2400">
+                <a:solidFill>
+                  <a:srgbClr val="27282D"/>
+                </a:solidFill>
+                <a:latin typeface="Tahoma" panose="020B0604030504040204" pitchFamily="34" charset="0"/>
+                <a:ea typeface="Tahoma" panose="020B0604030504040204" pitchFamily="34" charset="0"/>
+                <a:cs typeface="Tahoma" panose="020B0604030504040204" pitchFamily="34" charset="0"/>
+              </a:rPr>
+              <a:t>, ma è successo in reti di altcoin con molto meno hashpower e con una sicurezza più scarsa. </a:t>
+            </a:r>
+          </a:p>
+          <a:p>
+            <a:pPr marL="342900" indent="-342900" algn="just" rtl="0">
+              <a:buFont typeface="Wingdings" panose="05000000000000000000" pitchFamily="2" charset="2"/>
+              <a:buChar char="ü"/>
+            </a:pPr>
+            <a:endParaRPr lang="it-IT" sz="2400">
+              <a:solidFill>
+                <a:srgbClr val="27282D"/>
+              </a:solidFill>
+              <a:latin typeface="Tahoma" panose="020B0604030504040204" pitchFamily="34" charset="0"/>
+              <a:ea typeface="Tahoma" panose="020B0604030504040204" pitchFamily="34" charset="0"/>
+              <a:cs typeface="Tahoma" panose="020B0604030504040204" pitchFamily="34" charset="0"/>
+            </a:endParaRPr>
+          </a:p>
+          <a:p>
+            <a:pPr marL="342900" indent="-342900" algn="just" rtl="0">
+              <a:buFont typeface="Wingdings" panose="05000000000000000000" pitchFamily="2" charset="2"/>
+              <a:buChar char="ü"/>
+            </a:pPr>
+            <a:endParaRPr lang="it-IT" sz="2400">
+              <a:solidFill>
+                <a:srgbClr val="27282D"/>
+              </a:solidFill>
+              <a:latin typeface="Tahoma" panose="020B0604030504040204" pitchFamily="34" charset="0"/>
+              <a:ea typeface="Tahoma" panose="020B0604030504040204" pitchFamily="34" charset="0"/>
+              <a:cs typeface="Tahoma" panose="020B0604030504040204" pitchFamily="34" charset="0"/>
+            </a:endParaRPr>
+          </a:p>
+          <a:p>
+            <a:pPr marL="342900" indent="-342900" algn="just" rtl="0">
+              <a:buFont typeface="Wingdings" panose="05000000000000000000" pitchFamily="2" charset="2"/>
+              <a:buChar char="ü"/>
+            </a:pPr>
+            <a:endParaRPr lang="it-IT" sz="2400">
+              <a:solidFill>
+                <a:srgbClr val="27282D"/>
+              </a:solidFill>
+              <a:latin typeface="Tahoma" panose="020B0604030504040204" pitchFamily="34" charset="0"/>
+              <a:ea typeface="Tahoma" panose="020B0604030504040204" pitchFamily="34" charset="0"/>
+              <a:cs typeface="Tahoma" panose="020B0604030504040204" pitchFamily="34" charset="0"/>
+            </a:endParaRPr>
+          </a:p>
+          <a:p>
+            <a:pPr marL="342900" indent="-342900" algn="just" rtl="0">
+              <a:buFont typeface="Wingdings" panose="05000000000000000000" pitchFamily="2" charset="2"/>
+              <a:buChar char="ü"/>
+            </a:pPr>
+            <a:endParaRPr lang="it-IT" sz="2400">
+              <a:solidFill>
+                <a:srgbClr val="27282D"/>
+              </a:solidFill>
+              <a:latin typeface="Tahoma" panose="020B0604030504040204" pitchFamily="34" charset="0"/>
+              <a:ea typeface="Tahoma" panose="020B0604030504040204" pitchFamily="34" charset="0"/>
+              <a:cs typeface="Tahoma" panose="020B0604030504040204" pitchFamily="34" charset="0"/>
+            </a:endParaRPr>
+          </a:p>
+          <a:p>
+            <a:pPr marL="342900" indent="-342900" algn="just">
+              <a:lnSpc>
+                <a:spcPct val="115000"/>
+              </a:lnSpc>
+              <a:spcBef>
+                <a:spcPts val="2400"/>
+              </a:spcBef>
+              <a:buFont typeface="Wingdings" panose="05000000000000000000" pitchFamily="2" charset="2"/>
+              <a:buChar char="ü"/>
+              <a:tabLst>
+                <a:tab pos="457200" algn="l"/>
+              </a:tabLst>
+            </a:pPr>
+            <a:endParaRPr lang="it-IT" sz="2400">
+              <a:solidFill>
+                <a:srgbClr val="27282D"/>
+              </a:solidFill>
+              <a:latin typeface="Tahoma" panose="020B0604030504040204" pitchFamily="34" charset="0"/>
+              <a:ea typeface="Tahoma" panose="020B0604030504040204" pitchFamily="34" charset="0"/>
+              <a:cs typeface="Tahoma" panose="020B0604030504040204" pitchFamily="34" charset="0"/>
+            </a:endParaRPr>
+          </a:p>
+        </p:txBody>
+      </p:sp>
+      <p:sp>
+        <p:nvSpPr>
+          <p:cNvPr id="7" name="Segnaposto numero diapositiva 6">
+            <a:extLst>
+              <a:ext uri="{FF2B5EF4-FFF2-40B4-BE49-F238E27FC236}">
+                <a16:creationId xmlns:a16="http://schemas.microsoft.com/office/drawing/2014/main" id="{AB740BE9-E218-4144-BFDE-AE473D230A3D}"/>
+              </a:ext>
+            </a:extLst>
+          </p:cNvPr>
+          <p:cNvSpPr>
+            <a:spLocks noGrp="1"/>
+          </p:cNvSpPr>
+          <p:nvPr>
+            <p:ph type="sldNum" sz="quarter" idx="12"/>
+          </p:nvPr>
+        </p:nvSpPr>
+        <p:spPr/>
+        <p:txBody>
+          <a:bodyPr/>
+          <a:lstStyle/>
+          <a:p>
+            <a:pPr>
+              <a:defRPr/>
+            </a:pPr>
+            <a:fld id="{48B4153A-D4C5-4CEF-8992-0D8815C829E3}" type="slidenum">
+              <a:rPr lang="en-US" smtClean="0"/>
+              <a:pPr>
+                <a:defRPr/>
+              </a:pPr>
+              <a:t>23</a:t>
+            </a:fld>
+            <a:endParaRPr lang="en-US" dirty="0"/>
+          </a:p>
+        </p:txBody>
+      </p:sp>
+      <p:sp>
+        <p:nvSpPr>
+          <p:cNvPr id="6" name="Titolo 4">
+            <a:extLst>
+              <a:ext uri="{FF2B5EF4-FFF2-40B4-BE49-F238E27FC236}">
+                <a16:creationId xmlns:a16="http://schemas.microsoft.com/office/drawing/2014/main" id="{CF9A4806-60B4-80DC-1F76-D2EB3E6C376B}"/>
+              </a:ext>
+            </a:extLst>
+          </p:cNvPr>
+          <p:cNvSpPr>
+            <a:spLocks noGrp="1"/>
+          </p:cNvSpPr>
+          <p:nvPr>
+            <p:ph type="title"/>
+          </p:nvPr>
+        </p:nvSpPr>
+        <p:spPr>
+          <a:xfrm>
+            <a:off x="574294" y="347768"/>
+            <a:ext cx="11269662" cy="769441"/>
+          </a:xfrm>
+          <a:noFill/>
+          <a:ln>
+            <a:noFill/>
+          </a:ln>
+          <a:extLst>
+            <a:ext uri="{909E8E84-426E-40DD-AFC4-6F175D3DCCD1}">
+              <a14:hiddenFill xmlns:a14="http://schemas.microsoft.com/office/drawing/2010/main">
+                <a:solidFill>
+                  <a:srgbClr val="FFFFFF"/>
+                </a:solidFill>
+              </a14:hiddenFill>
+            </a:ext>
+            <a:ext uri="{91240B29-F687-4F45-9708-019B960494DF}">
+              <a14:hiddenLine xmlns:a14="http://schemas.microsoft.com/office/drawing/2010/main" w="9525">
+                <a:solidFill>
+                  <a:srgbClr val="000000"/>
+                </a:solidFill>
+                <a:miter lim="800000"/>
+                <a:headEnd/>
+                <a:tailEnd/>
+              </a14:hiddenLine>
+            </a:ext>
+          </a:extLst>
+        </p:spPr>
+        <p:txBody>
+          <a:bodyPr vert="horz" wrap="square" lIns="0" tIns="0" rIns="0" bIns="0" numCol="1" rtlCol="0" anchor="b" anchorCtr="0" compatLnSpc="1">
+            <a:prstTxWarp prst="textNoShape">
+              <a:avLst/>
+            </a:prstTxWarp>
+            <a:spAutoFit/>
+          </a:bodyPr>
+          <a:lstStyle/>
+          <a:p>
+            <a:r>
+              <a:rPr lang="it-IT">
+                <a:solidFill>
+                  <a:schemeClr val="tx1"/>
+                </a:solidFill>
+                <a:latin typeface="Tahoma" panose="020B0604030504040204" pitchFamily="34" charset="0"/>
+                <a:ea typeface="Tahoma" panose="020B0604030504040204" pitchFamily="34" charset="0"/>
+                <a:cs typeface="Tahoma" panose="020B0604030504040204" pitchFamily="34" charset="0"/>
+              </a:rPr>
+              <a:t>Attacchi 51%</a:t>
+            </a:r>
+            <a:br>
+              <a:rPr lang="it-IT">
+                <a:solidFill>
+                  <a:schemeClr val="tx1"/>
+                </a:solidFill>
+                <a:latin typeface="Tahoma" panose="020B0604030504040204" pitchFamily="34" charset="0"/>
+                <a:ea typeface="Tahoma" panose="020B0604030504040204" pitchFamily="34" charset="0"/>
+                <a:cs typeface="Tahoma" panose="020B0604030504040204" pitchFamily="34" charset="0"/>
+              </a:rPr>
+            </a:br>
+            <a:endParaRPr lang="it-IT" dirty="0">
+              <a:solidFill>
+                <a:schemeClr val="tx1"/>
+              </a:solidFill>
+              <a:latin typeface="Tahoma" panose="020B0604030504040204" pitchFamily="34" charset="0"/>
+              <a:ea typeface="Tahoma" panose="020B0604030504040204" pitchFamily="34" charset="0"/>
+              <a:cs typeface="Tahoma" panose="020B0604030504040204" pitchFamily="34" charset="0"/>
+            </a:endParaRPr>
+          </a:p>
+        </p:txBody>
+      </p:sp>
+    </p:spTree>
+    <p:extLst>
+      <p:ext uri="{BB962C8B-B14F-4D97-AF65-F5344CB8AC3E}">
+        <p14:creationId xmlns:p14="http://schemas.microsoft.com/office/powerpoint/2010/main" val="944881388"/>
+      </p:ext>
+    </p:extLst>
+  </p:cSld>
+  <p:clrMapOvr>
+    <a:masterClrMapping/>
+  </p:clrMapOvr>
+</p:sld>
+</file>
+
+<file path=ppt/slides/slide24.xml><?xml version="1.0" encoding="utf-8"?>
+<p:sld xmlns:a="http://schemas.openxmlformats.org/drawingml/2006/main" xmlns:r="http://schemas.openxmlformats.org/officeDocument/2006/relationships" xmlns:p="http://schemas.openxmlformats.org/presentationml/2006/main">
+  <p:cSld>
+    <p:spTree>
+      <p:nvGrpSpPr>
+        <p:cNvPr id="1" name=""/>
+        <p:cNvGrpSpPr/>
+        <p:nvPr/>
+      </p:nvGrpSpPr>
+      <p:grpSpPr>
+        <a:xfrm>
+          <a:off x="0" y="0"/>
+          <a:ext cx="0" cy="0"/>
+          <a:chOff x="0" y="0"/>
+          <a:chExt cx="0" cy="0"/>
+        </a:xfrm>
+      </p:grpSpPr>
+      <p:sp>
+        <p:nvSpPr>
+          <p:cNvPr id="7" name="Segnaposto numero diapositiva 6">
+            <a:extLst>
+              <a:ext uri="{FF2B5EF4-FFF2-40B4-BE49-F238E27FC236}">
+                <a16:creationId xmlns:a16="http://schemas.microsoft.com/office/drawing/2014/main" id="{AB740BE9-E218-4144-BFDE-AE473D230A3D}"/>
+              </a:ext>
+            </a:extLst>
+          </p:cNvPr>
+          <p:cNvSpPr>
+            <a:spLocks noGrp="1"/>
+          </p:cNvSpPr>
+          <p:nvPr>
+            <p:ph type="sldNum" sz="quarter" idx="12"/>
+          </p:nvPr>
+        </p:nvSpPr>
+        <p:spPr/>
+        <p:txBody>
+          <a:bodyPr/>
+          <a:lstStyle/>
+          <a:p>
+            <a:pPr>
+              <a:defRPr/>
+            </a:pPr>
+            <a:fld id="{48B4153A-D4C5-4CEF-8992-0D8815C829E3}" type="slidenum">
+              <a:rPr lang="en-US" smtClean="0"/>
+              <a:pPr>
+                <a:defRPr/>
+              </a:pPr>
+              <a:t>24</a:t>
             </a:fld>
             <a:endParaRPr lang="en-US" dirty="0"/>
           </a:p>
@@ -10940,6 +13205,41 @@
             <a:r>
               <a:rPr lang="it-IT"/>
               <a:t>https://www.edureka.co/blog/blockchain-mining/</a:t>
+            </a:r>
+          </a:p>
+        </p:txBody>
+      </p:sp>
+      <p:sp>
+        <p:nvSpPr>
+          <p:cNvPr id="9" name="CasellaDiTesto 8">
+            <a:extLst>
+              <a:ext uri="{FF2B5EF4-FFF2-40B4-BE49-F238E27FC236}">
+                <a16:creationId xmlns:a16="http://schemas.microsoft.com/office/drawing/2014/main" id="{B6CE7D4F-45D7-51EF-3E5D-73C6846025E3}"/>
+              </a:ext>
+            </a:extLst>
+          </p:cNvPr>
+          <p:cNvSpPr txBox="1"/>
+          <p:nvPr/>
+        </p:nvSpPr>
+        <p:spPr>
+          <a:xfrm>
+            <a:off x="825751" y="3553109"/>
+            <a:ext cx="6097712" cy="646331"/>
+          </a:xfrm>
+          <a:prstGeom prst="rect">
+            <a:avLst/>
+          </a:prstGeom>
+          <a:noFill/>
+        </p:spPr>
+        <p:txBody>
+          <a:bodyPr wrap="square">
+            <a:spAutoFit/>
+          </a:bodyPr>
+          <a:lstStyle/>
+          <a:p>
+            <a:r>
+              <a:rPr lang="it-IT"/>
+              <a:t>https://www.bitpanda.com/academy/it/lezioni/cos-e-un-attacco-al-51-e-come-si-previene/</a:t>
             </a:r>
           </a:p>
         </p:txBody>
@@ -11044,7 +13344,29 @@
                 <a:ea typeface="Tahoma" panose="020B0604030504040204" pitchFamily="34" charset="0"/>
                 <a:cs typeface="Tahoma" panose="020B0604030504040204" pitchFamily="34" charset="0"/>
               </a:rPr>
-              <a:t>. In gran parte dei casi, possono apportare modifiche come vogliono – non esiste un complesso sistema di governance per raggiungere il consenso tra diversi amministratori. </a:t>
+              <a:t>. In gran parte dei casi, possono apportare modifiche come vogliono – non esiste un </a:t>
+            </a:r>
+            <a:r>
+              <a:rPr lang="it-IT" sz="2400" b="1">
+                <a:solidFill>
+                  <a:schemeClr val="tx1"/>
+                </a:solidFill>
+                <a:latin typeface="Tahoma" panose="020B0604030504040204" pitchFamily="34" charset="0"/>
+                <a:ea typeface="Tahoma" panose="020B0604030504040204" pitchFamily="34" charset="0"/>
+                <a:cs typeface="Tahoma" panose="020B0604030504040204" pitchFamily="34" charset="0"/>
+              </a:rPr>
+              <a:t>complesso sistema</a:t>
+            </a:r>
+            <a:r>
+              <a:rPr lang="it-IT" sz="2400">
+                <a:solidFill>
+                  <a:schemeClr val="tx1"/>
+                </a:solidFill>
+                <a:latin typeface="Tahoma" panose="020B0604030504040204" pitchFamily="34" charset="0"/>
+                <a:ea typeface="Tahoma" panose="020B0604030504040204" pitchFamily="34" charset="0"/>
+                <a:cs typeface="Tahoma" panose="020B0604030504040204" pitchFamily="34" charset="0"/>
+              </a:rPr>
+              <a:t> di governance per raggiungere il consenso tra diversi amministratori. </a:t>
             </a:r>
           </a:p>
           <a:p>
@@ -11704,7 +14026,29 @@
                 <a:ea typeface="Tahoma" panose="020B0604030504040204" pitchFamily="34" charset="0"/>
                 <a:cs typeface="Tahoma" panose="020B0604030504040204" pitchFamily="34" charset="0"/>
               </a:rPr>
-              <a:t>. Altrimenti, finiremmo presto con informazioni contrastanti, compromettendo totalmente lo scopo del network di criptovaluta.</a:t>
+              <a:t>. Altrimenti, finiremmo presto con informazioni contrastanti, compromettendo totalmente lo scopo del </a:t>
+            </a:r>
+            <a:r>
+              <a:rPr lang="it-IT" sz="2400" b="1">
+                <a:solidFill>
+                  <a:schemeClr val="tx1"/>
+                </a:solidFill>
+                <a:latin typeface="Tahoma" panose="020B0604030504040204" pitchFamily="34" charset="0"/>
+                <a:ea typeface="Tahoma" panose="020B0604030504040204" pitchFamily="34" charset="0"/>
+                <a:cs typeface="Tahoma" panose="020B0604030504040204" pitchFamily="34" charset="0"/>
+              </a:rPr>
+              <a:t>network di criptovaluta</a:t>
+            </a:r>
+            <a:r>
+              <a:rPr lang="it-IT" sz="2400">
+                <a:solidFill>
+                  <a:schemeClr val="tx1"/>
+                </a:solidFill>
+                <a:latin typeface="Tahoma" panose="020B0604030504040204" pitchFamily="34" charset="0"/>
+                <a:ea typeface="Tahoma" panose="020B0604030504040204" pitchFamily="34" charset="0"/>
+                <a:cs typeface="Tahoma" panose="020B0604030504040204" pitchFamily="34" charset="0"/>
+              </a:rPr>
+              <a:t>.</a:t>
             </a:r>
           </a:p>
           <a:p>
@@ -12025,7 +14369,29 @@
                 <a:ea typeface="Tahoma" panose="020B0604030504040204" pitchFamily="34" charset="0"/>
                 <a:cs typeface="Tahoma" panose="020B0604030504040204" pitchFamily="34" charset="0"/>
               </a:rPr>
-              <a:t> è una qualche sorta di valore che il validatore deve mettere in gioco, con l'obiettivo di dissuaderlo dall'agire in modo disonesto. Se imbroglia, perderà la sua posta in gioco. </a:t>
+              <a:t> è una qualche sorta di valore che il validatore deve mettere in gioco, con l'obiettivo di </a:t>
+            </a:r>
+            <a:r>
+              <a:rPr lang="it-IT" sz="2400" b="1">
+                <a:solidFill>
+                  <a:schemeClr val="tx1"/>
+                </a:solidFill>
+                <a:latin typeface="Tahoma" panose="020B0604030504040204" pitchFamily="34" charset="0"/>
+                <a:ea typeface="Tahoma" panose="020B0604030504040204" pitchFamily="34" charset="0"/>
+                <a:cs typeface="Tahoma" panose="020B0604030504040204" pitchFamily="34" charset="0"/>
+              </a:rPr>
+              <a:t>dissuaderlo dall'agire in modo disonesto</a:t>
+            </a:r>
+            <a:r>
+              <a:rPr lang="it-IT" sz="2400">
+                <a:solidFill>
+                  <a:schemeClr val="tx1"/>
+                </a:solidFill>
+                <a:latin typeface="Tahoma" panose="020B0604030504040204" pitchFamily="34" charset="0"/>
+                <a:ea typeface="Tahoma" panose="020B0604030504040204" pitchFamily="34" charset="0"/>
+                <a:cs typeface="Tahoma" panose="020B0604030504040204" pitchFamily="34" charset="0"/>
+              </a:rPr>
+              <a:t>. Se imbroglia, perderà la sua posta in gioco. </a:t>
             </a:r>
           </a:p>
           <a:p>
@@ -12051,7 +14417,29 @@
                 <a:ea typeface="Tahoma" panose="020B0604030504040204" pitchFamily="34" charset="0"/>
                 <a:cs typeface="Tahoma" panose="020B0604030504040204" pitchFamily="34" charset="0"/>
               </a:rPr>
-              <a:t>Esempi di questa stake includono potenza computazionale, criptovaluta o persino reputazione. </a:t>
+              <a:t>Esempi di </a:t>
+            </a:r>
+            <a:r>
+              <a:rPr lang="it-IT" sz="2400" b="1">
+                <a:solidFill>
+                  <a:schemeClr val="tx1"/>
+                </a:solidFill>
+                <a:latin typeface="Tahoma" panose="020B0604030504040204" pitchFamily="34" charset="0"/>
+                <a:ea typeface="Tahoma" panose="020B0604030504040204" pitchFamily="34" charset="0"/>
+                <a:cs typeface="Tahoma" panose="020B0604030504040204" pitchFamily="34" charset="0"/>
+              </a:rPr>
+              <a:t>questa stake</a:t>
+            </a:r>
+            <a:r>
+              <a:rPr lang="it-IT" sz="2400">
+                <a:solidFill>
+                  <a:schemeClr val="tx1"/>
+                </a:solidFill>
+                <a:latin typeface="Tahoma" panose="020B0604030504040204" pitchFamily="34" charset="0"/>
+                <a:ea typeface="Tahoma" panose="020B0604030504040204" pitchFamily="34" charset="0"/>
+                <a:cs typeface="Tahoma" panose="020B0604030504040204" pitchFamily="34" charset="0"/>
+              </a:rPr>
+              <a:t> includono potenza computazionale, criptovaluta o persino reputazione. </a:t>
             </a:r>
           </a:p>
           <a:p>
@@ -12453,7 +14841,7 @@
         <p:spPr>
           <a:xfrm>
             <a:off x="877221" y="3429000"/>
-            <a:ext cx="5983644" cy="3046988"/>
+            <a:ext cx="5983644" cy="3416320"/>
           </a:xfrm>
           <a:prstGeom prst="rect">
             <a:avLst/>
@@ -12488,7 +14876,7 @@
                 <a:ea typeface="Tahoma" panose="020B0604030504040204" pitchFamily="34" charset="0"/>
                 <a:cs typeface="Tahoma" panose="020B0604030504040204" pitchFamily="34" charset="0"/>
               </a:rPr>
-              <a:t>. Dobbiamo essere in grado di scoprire quando qualcuno sta imbrogliando. Idealmente, dovrebbe essere costoso produrre </a:t>
+              <a:t>. Dobbiamo essere in grado di scoprire quando qualcuno sta imbrogliando. Idealmente, dovrebbero essere costoso a produrre </a:t>
             </a:r>
             <a:r>
               <a:rPr lang="it-IT" sz="2400" b="1">
@@ -12504,7 +14892,7 @@
                 <a:ea typeface="Tahoma" panose="020B0604030504040204" pitchFamily="34" charset="0"/>
                 <a:cs typeface="Tahoma" panose="020B0604030504040204" pitchFamily="34" charset="0"/>
               </a:rPr>
-              <a:t>ma economico per chiunque verificarli. Ciò garantisce che i </a:t>
+              <a:t>ma è un dispendio economico per chiunque verificarli. Ciò garantisce che i </a:t>
             </a:r>
             <a:r>
               <a:rPr lang="it-IT" sz="2400" b="1">
@@ -12669,7 +15057,7 @@
                 <a:ea typeface="Tahoma" panose="020B0604030504040204" pitchFamily="34" charset="0"/>
                 <a:cs typeface="Tahoma" panose="020B0604030504040204" pitchFamily="34" charset="0"/>
               </a:rPr>
-              <a:t>, ma il concetto è in circolazione da ben prima. Nella Proof of Work, i </a:t>
+              <a:t>, ma il concetto è in circolazione da ben prima. Nella </a:t>
             </a:r>
             <a:r>
               <a:rPr lang="it-IT" sz="2400" b="1">
@@ -12680,6 +15068,28 @@
                 <a:ea typeface="Tahoma" panose="020B0604030504040204" pitchFamily="34" charset="0"/>
                 <a:cs typeface="Tahoma" panose="020B0604030504040204" pitchFamily="34" charset="0"/>
               </a:rPr>
+              <a:t>Proof of Work</a:t>
+            </a:r>
+            <a:r>
+              <a:rPr lang="it-IT" sz="2400">
+                <a:solidFill>
+                  <a:schemeClr val="tx1"/>
+                </a:solidFill>
+                <a:latin typeface="Tahoma" panose="020B0604030504040204" pitchFamily="34" charset="0"/>
+                <a:ea typeface="Tahoma" panose="020B0604030504040204" pitchFamily="34" charset="0"/>
+                <a:cs typeface="Tahoma" panose="020B0604030504040204" pitchFamily="34" charset="0"/>
+              </a:rPr>
+              <a:t>, i </a:t>
+            </a:r>
+            <a:r>
+              <a:rPr lang="it-IT" sz="2400" b="1">
+                <a:solidFill>
+                  <a:schemeClr val="tx1"/>
+                </a:solidFill>
+                <a:latin typeface="Tahoma" panose="020B0604030504040204" pitchFamily="34" charset="0"/>
+                <a:ea typeface="Tahoma" panose="020B0604030504040204" pitchFamily="34" charset="0"/>
+                <a:cs typeface="Tahoma" panose="020B0604030504040204" pitchFamily="34" charset="0"/>
+              </a:rPr>
               <a:t>validatori</a:t>
             </a:r>
             <a:r>
@@ -12691,7 +15101,29 @@
                 <a:ea typeface="Tahoma" panose="020B0604030504040204" pitchFamily="34" charset="0"/>
                 <a:cs typeface="Tahoma" panose="020B0604030504040204" pitchFamily="34" charset="0"/>
               </a:rPr>
-              <a:t> (denominati miner) elaborano tramite </a:t>
+              <a:t> (denominati </a:t>
+            </a:r>
+            <a:r>
+              <a:rPr lang="it-IT" sz="2400" b="1">
+                <a:solidFill>
+                  <a:schemeClr val="tx1"/>
+                </a:solidFill>
+                <a:latin typeface="Tahoma" panose="020B0604030504040204" pitchFamily="34" charset="0"/>
+                <a:ea typeface="Tahoma" panose="020B0604030504040204" pitchFamily="34" charset="0"/>
+                <a:cs typeface="Tahoma" panose="020B0604030504040204" pitchFamily="34" charset="0"/>
+              </a:rPr>
+              <a:t>miner</a:t>
+            </a:r>
+            <a:r>
+              <a:rPr lang="it-IT" sz="2400">
+                <a:solidFill>
+                  <a:schemeClr val="tx1"/>
+                </a:solidFill>
+                <a:latin typeface="Tahoma" panose="020B0604030504040204" pitchFamily="34" charset="0"/>
+                <a:ea typeface="Tahoma" panose="020B0604030504040204" pitchFamily="34" charset="0"/>
+                <a:cs typeface="Tahoma" panose="020B0604030504040204" pitchFamily="34" charset="0"/>
+              </a:rPr>
+              <a:t>) elaborano tramite </a:t>
             </a:r>
             <a:r>
               <a:rPr lang="it-IT" sz="2400" b="1">
@@ -12968,7 +15400,29 @@
                 <a:ea typeface="Tahoma" panose="020B0604030504040204" pitchFamily="34" charset="0"/>
                 <a:cs typeface="Tahoma" panose="020B0604030504040204" pitchFamily="34" charset="0"/>
               </a:rPr>
-              <a:t>. Tuttavia, elaborando gli stessi dati nella stessa funzione, si otterrà lo stesso output. Cambiando anche un solo dettaglio, però, porterà a una hash completamente differente.</a:t>
+              <a:t>. Tuttavia, elaborando gli stessi dati nella stessa funzione, si otterrà lo stesso output. Cambiando anche un solo dettaglio, però, porterà a una </a:t>
+            </a:r>
+            <a:r>
+              <a:rPr lang="it-IT" sz="2400" b="1">
+                <a:solidFill>
+                  <a:schemeClr val="tx1"/>
+                </a:solidFill>
+                <a:latin typeface="Tahoma" panose="020B0604030504040204" pitchFamily="34" charset="0"/>
+                <a:ea typeface="Tahoma" panose="020B0604030504040204" pitchFamily="34" charset="0"/>
+                <a:cs typeface="Tahoma" panose="020B0604030504040204" pitchFamily="34" charset="0"/>
+              </a:rPr>
+              <a:t>hash completamente differente</a:t>
+            </a:r>
+            <a:r>
+              <a:rPr lang="it-IT" sz="2400">
+                <a:solidFill>
+                  <a:schemeClr val="tx1"/>
+                </a:solidFill>
+                <a:latin typeface="Tahoma" panose="020B0604030504040204" pitchFamily="34" charset="0"/>
+                <a:ea typeface="Tahoma" panose="020B0604030504040204" pitchFamily="34" charset="0"/>
+                <a:cs typeface="Tahoma" panose="020B0604030504040204" pitchFamily="34" charset="0"/>
+              </a:rPr>
+              <a:t>.</a:t>
             </a:r>
           </a:p>
         </p:txBody>
@@ -13657,6 +16111,20 @@
 </file>
 
 <file path=customXml/item1.xml><?xml version="1.0" encoding="utf-8"?>
+<p:properties xmlns:p="http://schemas.microsoft.com/office/2006/metadata/properties" xmlns:xsi="http://www.w3.org/2001/XMLSchema-instance" xmlns:pc="http://schemas.microsoft.com/office/infopath/2007/PartnerControls">
+  <documentManagement>
+    <SottoCategoria xmlns="679261c3-551f-4e86-913f-177e0e529669">-</SottoCategoria>
+    <Categoria xmlns="c58f2efd-82a8-4ecf-b395-8c25e928921d">Power Point</Categoria>
+    <_dlc_DocId xmlns="459159c4-d20a-4ff3-9b11-fbd127bd52e5">INTRANET-14-158</_dlc_DocId>
+    <_dlc_DocIdUrl xmlns="459159c4-d20a-4ff3-9b11-fbd127bd52e5">
+      <Url>https://intranet.istat.it/Collaborativi/_layouts/15/DocIdRedir.aspx?ID=INTRANET-14-158</Url>
+      <Description>INTRANET-14-158</Description>
+    </_dlc_DocIdUrl>
+  </documentManagement>
+</p:properties>
+</file>
+
+<file path=customXml/item2.xml><?xml version="1.0" encoding="utf-8"?>
 <ct:contentTypeSchema xmlns:ct="http://schemas.microsoft.com/office/2006/metadata/contentType" xmlns:ma="http://schemas.microsoft.com/office/2006/metadata/properties/metaAttributes" ct:_="" ma:_="" ma:contentTypeName="Documento" ma:contentTypeID="0x010100661A2BE3120D674DA36C11D6006822D4" ma:contentTypeVersion="3" ma:contentTypeDescription="Creare un nuovo documento." ma:contentTypeScope="" ma:versionID="2ad8b07f9840a1ce9cd199d874146b74">
   <xsd:schema xmlns:xsd="http://www.w3.org/2001/XMLSchema" xmlns:xs="http://www.w3.org/2001/XMLSchema" xmlns:p="http://schemas.microsoft.com/office/2006/metadata/properties" xmlns:ns2="c58f2efd-82a8-4ecf-b395-8c25e928921d" xmlns:ns3="459159c4-d20a-4ff3-9b11-fbd127bd52e5" xmlns:ns4="679261c3-551f-4e86-913f-177e0e529669" targetNamespace="http://schemas.microsoft.com/office/2006/metadata/properties" ma:root="true" ma:fieldsID="fffb0e16fb90ffea59fef1085e90ecca" ns2:_="" ns3:_="" ns4:_="">
     <xsd:import namespace="c58f2efd-82a8-4ecf-b395-8c25e928921d"/>
@@ -13843,30 +16311,7 @@
 </ct:contentTypeSchema>
 </file>
 
-<file path=customXml/item2.xml><?xml version="1.0" encoding="utf-8"?>
-<p:properties xmlns:p="http://schemas.microsoft.com/office/2006/metadata/properties" xmlns:xsi="http://www.w3.org/2001/XMLSchema-instance" xmlns:pc="http://schemas.microsoft.com/office/infopath/2007/PartnerControls">
-  <documentManagement>
-    <SottoCategoria xmlns="679261c3-551f-4e86-913f-177e0e529669">-</SottoCategoria>
-    <Categoria xmlns="c58f2efd-82a8-4ecf-b395-8c25e928921d">Power Point</Categoria>
-    <_dlc_DocId xmlns="459159c4-d20a-4ff3-9b11-fbd127bd52e5">INTRANET-14-158</_dlc_DocId>
-    <_dlc_DocIdUrl xmlns="459159c4-d20a-4ff3-9b11-fbd127bd52e5">
-      <Url>https://intranet.istat.it/Collaborativi/_layouts/15/DocIdRedir.aspx?ID=INTRANET-14-158</Url>
-      <Description>INTRANET-14-158</Description>
-    </_dlc_DocIdUrl>
-  </documentManagement>
-</p:properties>
-</file>
-
 <file path=customXml/item3.xml><?xml version="1.0" encoding="utf-8"?>
-<?mso-contentType ?>
-<FormTemplates xmlns="http://schemas.microsoft.com/sharepoint/v3/contenttype/forms">
-  <Display>DocumentLibraryForm</Display>
-  <Edit>DocumentLibraryForm</Edit>
-  <New>DocumentLibraryForm</New>
-</FormTemplates>
-</file>
-
-<file path=customXml/item4.xml><?xml version="1.0" encoding="utf-8"?>
 <?mso-contentType ?>
 <spe:Receivers xmlns:spe="http://schemas.microsoft.com/sharepoint/events">
   <Receiver>
@@ -13916,7 +16361,34 @@
 </spe:Receivers>
 </file>
 
+<file path=customXml/item4.xml><?xml version="1.0" encoding="utf-8"?>
+<?mso-contentType ?>
+<FormTemplates xmlns="http://schemas.microsoft.com/sharepoint/v3/contenttype/forms">
+  <Display>DocumentLibraryForm</Display>
+  <Edit>DocumentLibraryForm</Edit>
+  <New>DocumentLibraryForm</New>
+</FormTemplates>
+</file>
+
 <file path=customXml/itemProps1.xml><?xml version="1.0" encoding="utf-8"?>
+<ds:datastoreItem xmlns:ds="http://schemas.openxmlformats.org/officeDocument/2006/customXml" ds:itemID="{3EF378BC-F4D0-4510-B4EC-07B6EFE18CF8}">
+  <ds:schemaRefs>
+    <ds:schemaRef ds:uri="http://schemas.microsoft.com/office/2006/metadata/properties"/>
+    <ds:schemaRef ds:uri="http://purl.org/dc/terms/"/>
+    <ds:schemaRef ds:uri="http://schemas.microsoft.com/office/2006/documentManagement/types"/>
+    <ds:schemaRef ds:uri="http://schemas.openxmlformats.org/package/2006/metadata/core-properties"/>
+    <ds:schemaRef ds:uri="459159c4-d20a-4ff3-9b11-fbd127bd52e5"/>
+    <ds:schemaRef ds:uri="c58f2efd-82a8-4ecf-b395-8c25e928921d"/>
+    <ds:schemaRef ds:uri="http://purl.org/dc/elements/1.1/"/>
+    <ds:schemaRef ds:uri="http://schemas.microsoft.com/office/infopath/2007/PartnerControls"/>
+    <ds:schemaRef ds:uri="679261c3-551f-4e86-913f-177e0e529669"/>
+    <ds:schemaRef ds:uri="http://www.w3.org/XML/1998/namespace"/>
+    <ds:schemaRef ds:uri="http://purl.org/dc/dcmitype/"/>
+  </ds:schemaRefs>
+</ds:datastoreItem>
+</file>
+
+<file path=customXml/itemProps2.xml><?xml version="1.0" encoding="utf-8"?>
 <ds:datastoreItem xmlns:ds="http://schemas.openxmlformats.org/officeDocument/2006/customXml" ds:itemID="{3F66F418-6054-4EA5-BF8E-6AF3CEAE6265}">
   <ds:schemaRefs>
     <ds:schemaRef ds:uri="http://schemas.microsoft.com/office/2006/metadata/contentType"/>
@@ -13936,36 +16408,18 @@
 </ds:datastoreItem>
 </file>
 
-<file path=customXml/itemProps2.xml><?xml version="1.0" encoding="utf-8"?>
-<ds:datastoreItem xmlns:ds="http://schemas.openxmlformats.org/officeDocument/2006/customXml" ds:itemID="{3EF378BC-F4D0-4510-B4EC-07B6EFE18CF8}">
+<file path=customXml/itemProps3.xml><?xml version="1.0" encoding="utf-8"?>
+<ds:datastoreItem xmlns:ds="http://schemas.openxmlformats.org/officeDocument/2006/customXml" ds:itemID="{D9296C4F-9DE9-4B43-AA80-1FC85656CFFA}">
   <ds:schemaRefs>
-    <ds:schemaRef ds:uri="http://schemas.microsoft.com/office/2006/metadata/properties"/>
-    <ds:schemaRef ds:uri="http://purl.org/dc/terms/"/>
-    <ds:schemaRef ds:uri="http://schemas.microsoft.com/office/2006/documentManagement/types"/>
-    <ds:schemaRef ds:uri="http://schemas.openxmlformats.org/package/2006/metadata/core-properties"/>
-    <ds:schemaRef ds:uri="459159c4-d20a-4ff3-9b11-fbd127bd52e5"/>
-    <ds:schemaRef ds:uri="c58f2efd-82a8-4ecf-b395-8c25e928921d"/>
-    <ds:schemaRef ds:uri="http://purl.org/dc/elements/1.1/"/>
-    <ds:schemaRef ds:uri="http://schemas.microsoft.com/office/infopath/2007/PartnerControls"/>
-    <ds:schemaRef ds:uri="679261c3-551f-4e86-913f-177e0e529669"/>
-    <ds:schemaRef ds:uri="http://www.w3.org/XML/1998/namespace"/>
-    <ds:schemaRef ds:uri="http://purl.org/dc/dcmitype/"/>
+    <ds:schemaRef ds:uri="http://schemas.microsoft.com/sharepoint/events"/>
   </ds:schemaRefs>
 </ds:datastoreItem>
 </file>
 
-<file path=customXml/itemProps3.xml><?xml version="1.0" encoding="utf-8"?>
+<file path=customXml/itemProps4.xml><?xml version="1.0" encoding="utf-8"?>
 <ds:datastoreItem xmlns:ds="http://schemas.openxmlformats.org/officeDocument/2006/customXml" ds:itemID="{BD9C238D-4D5C-4783-820B-4854DCE45D41}">
   <ds:schemaRefs>
     <ds:schemaRef ds:uri="http://schemas.microsoft.com/sharepoint/v3/contenttype/forms"/>
   </ds:schemaRefs>
 </ds:datastoreItem>
-</file>
-
-<file path=customXml/itemProps4.xml><?xml version="1.0" encoding="utf-8"?>
-<ds:datastoreItem xmlns:ds="http://schemas.openxmlformats.org/officeDocument/2006/customXml" ds:itemID="{D9296C4F-9DE9-4B43-AA80-1FC85656CFFA}">
-  <ds:schemaRefs>
-    <ds:schemaRef ds:uri="http://schemas.microsoft.com/sharepoint/events"/>
-  </ds:schemaRefs>
-</ds:datastoreItem>
 </file>
--- a/Assicurazioni/Algoritmi di consenso distribuito_ita.pptx
+++ b/Assicurazioni/Algoritmi di consenso distribuito_ita.pptx
@@ -289,7 +289,7 @@
               <a:pPr>
                 <a:defRPr/>
               </a:pPr>
-              <a:t>3/26/2023</a:t>
+              <a:t>4/7/2023</a:t>
             </a:fld>
             <a:endParaRPr lang="en-US"/>
           </a:p>
@@ -7241,6 +7241,10 @@
             </a:r>
           </a:p>
           <a:p>
+            <a:r>
+              <a:rPr lang="it-IT" sz="2400"/>
+              <a:t/>
+            </a:r>
             <a:br>
               <a:rPr lang="it-IT" sz="2400"/>
             </a:br>
@@ -7341,6 +7345,13 @@
   <p:clrMapOvr>
     <a:masterClrMapping/>
   </p:clrMapOvr>
+  <p:timing>
+    <p:tnLst>
+      <p:par>
+        <p:cTn id="1" dur="indefinite" restart="never" nodeType="tmRoot"/>
+      </p:par>
+    </p:tnLst>
+  </p:timing>
 </p:sld>
 </file>
 
@@ -7743,6 +7754,13 @@
   <p:clrMapOvr>
     <a:masterClrMapping/>
   </p:clrMapOvr>
+  <p:timing>
+    <p:tnLst>
+      <p:par>
+        <p:cTn id="1" dur="indefinite" restart="never" nodeType="tmRoot"/>
+      </p:par>
+    </p:tnLst>
+  </p:timing>
 </p:sld>
 </file>
 
@@ -8108,6 +8126,13 @@
   <p:clrMapOvr>
     <a:masterClrMapping/>
   </p:clrMapOvr>
+  <p:timing>
+    <p:tnLst>
+      <p:par>
+        <p:cTn id="1" dur="indefinite" restart="never" nodeType="tmRoot"/>
+      </p:par>
+    </p:tnLst>
+  </p:timing>
 </p:sld>
 </file>
 
@@ -8363,6 +8388,13 @@
   <p:clrMapOvr>
     <a:masterClrMapping/>
   </p:clrMapOvr>
+  <p:timing>
+    <p:tnLst>
+      <p:par>
+        <p:cTn id="1" dur="indefinite" restart="never" nodeType="tmRoot"/>
+      </p:par>
+    </p:tnLst>
+  </p:timing>
 </p:sld>
 </file>
 
@@ -8865,6 +8897,13 @@
   <p:clrMapOvr>
     <a:masterClrMapping/>
   </p:clrMapOvr>
+  <p:timing>
+    <p:tnLst>
+      <p:par>
+        <p:cTn id="1" dur="indefinite" restart="never" nodeType="tmRoot"/>
+      </p:par>
+    </p:tnLst>
+  </p:timing>
 </p:sld>
 </file>
 
@@ -9407,6 +9446,13 @@
   <p:clrMapOvr>
     <a:masterClrMapping/>
   </p:clrMapOvr>
+  <p:timing>
+    <p:tnLst>
+      <p:par>
+        <p:cTn id="1" dur="indefinite" restart="never" nodeType="tmRoot"/>
+      </p:par>
+    </p:tnLst>
+  </p:timing>
 </p:sld>
 </file>
 
@@ -9679,6 +9725,13 @@
   <p:clrMapOvr>
     <a:masterClrMapping/>
   </p:clrMapOvr>
+  <p:timing>
+    <p:tnLst>
+      <p:par>
+        <p:cTn id="1" dur="indefinite" restart="never" nodeType="tmRoot"/>
+      </p:par>
+    </p:tnLst>
+  </p:timing>
 </p:sld>
 </file>
 
@@ -9941,6 +9994,10 @@
             </a:r>
           </a:p>
           <a:p>
+            <a:r>
+              <a:rPr lang="it-IT" sz="2400"/>
+              <a:t/>
+            </a:r>
             <a:br>
               <a:rPr lang="it-IT" sz="2400"/>
             </a:br>
@@ -10108,6 +10165,13 @@
   <p:clrMapOvr>
     <a:masterClrMapping/>
   </p:clrMapOvr>
+  <p:timing>
+    <p:tnLst>
+      <p:par>
+        <p:cTn id="1" dur="indefinite" restart="never" nodeType="tmRoot"/>
+      </p:par>
+    </p:tnLst>
+  </p:timing>
 </p:sld>
 </file>
 
@@ -10545,6 +10609,13 @@
   <p:clrMapOvr>
     <a:masterClrMapping/>
   </p:clrMapOvr>
+  <p:timing>
+    <p:tnLst>
+      <p:par>
+        <p:cTn id="1" dur="indefinite" restart="never" nodeType="tmRoot"/>
+      </p:par>
+    </p:tnLst>
+  </p:timing>
 </p:sld>
 </file>
 
@@ -11075,6 +11146,13 @@
   <p:clrMapOvr>
     <a:masterClrMapping/>
   </p:clrMapOvr>
+  <p:timing>
+    <p:tnLst>
+      <p:par>
+        <p:cTn id="1" dur="indefinite" restart="never" nodeType="tmRoot"/>
+      </p:par>
+    </p:tnLst>
+  </p:timing>
 </p:sld>
 </file>
 
@@ -11336,6 +11414,10 @@
                 <a:cs typeface="Tahoma" panose="020B0604030504040204" pitchFamily="34" charset="0"/>
               </a:rPr>
               <a:t>Algoritmi di consenso distribuito</a:t>
+            </a:r>
+            <a:r>
+              <a:rPr lang="it-IT"/>
+              <a:t/>
             </a:r>
             <a:br>
               <a:rPr lang="it-IT"/>
@@ -11742,6 +11824,13 @@
   <p:clrMapOvr>
     <a:masterClrMapping/>
   </p:clrMapOvr>
+  <p:timing>
+    <p:tnLst>
+      <p:par>
+        <p:cTn id="1" dur="indefinite" restart="never" nodeType="tmRoot"/>
+      </p:par>
+    </p:tnLst>
+  </p:timing>
 </p:sld>
 </file>
 
@@ -12040,6 +12129,13 @@
   <p:clrMapOvr>
     <a:masterClrMapping/>
   </p:clrMapOvr>
+  <p:timing>
+    <p:tnLst>
+      <p:par>
+        <p:cTn id="1" dur="indefinite" restart="never" nodeType="tmRoot"/>
+      </p:par>
+    </p:tnLst>
+  </p:timing>
 </p:sld>
 </file>
 
@@ -13491,6 +13587,10 @@
               </a:rPr>
               <a:t>Algoritmi di consenso distribuito</a:t>
             </a:r>
+            <a:r>
+              <a:rPr lang="it-IT"/>
+              <a:t/>
+            </a:r>
             <a:br>
               <a:rPr lang="it-IT"/>
             </a:br>
@@ -13753,6 +13853,10 @@
               </a:rPr>
               <a:t>Algoritmi di consenso distribuito</a:t>
             </a:r>
+            <a:r>
+              <a:rPr lang="it-IT"/>
+              <a:t/>
+            </a:r>
             <a:br>
               <a:rPr lang="it-IT"/>
             </a:br>
@@ -13860,7 +13964,7 @@
               </a:tabLst>
             </a:pPr>
             <a:r>
-              <a:rPr lang="it-IT" sz="2400">
+              <a:rPr lang="it-IT" sz="2400" dirty="0">
                 <a:solidFill>
                   <a:schemeClr val="tx1"/>
                 </a:solidFill>
@@ -13871,7 +13975,7 @@
               <a:t>Nelle </a:t>
             </a:r>
             <a:r>
-              <a:rPr lang="it-IT" sz="2400" b="1">
+              <a:rPr lang="it-IT" sz="2400" b="1" dirty="0" err="1">
                 <a:solidFill>
                   <a:schemeClr val="tx1"/>
                 </a:solidFill>
@@ -13882,7 +13986,7 @@
               <a:t>criptovalute</a:t>
             </a:r>
             <a:r>
-              <a:rPr lang="it-IT" sz="2400">
+              <a:rPr lang="it-IT" sz="2400" dirty="0">
                 <a:solidFill>
                   <a:schemeClr val="tx1"/>
                 </a:solidFill>
@@ -13890,10 +13994,10 @@
                 <a:ea typeface="Tahoma" panose="020B0604030504040204" pitchFamily="34" charset="0"/>
                 <a:cs typeface="Tahoma" panose="020B0604030504040204" pitchFamily="34" charset="0"/>
               </a:rPr>
-              <a:t>, i saldi degli utenti vengono registrati in un database – la </a:t>
-            </a:r>
-            <a:r>
-              <a:rPr lang="it-IT" sz="2400" b="1">
+              <a:t>, i </a:t>
+            </a:r>
+            <a:r>
+              <a:rPr lang="it-IT" sz="2400" b="1" dirty="0">
                 <a:solidFill>
                   <a:schemeClr val="tx1"/>
                 </a:solidFill>
@@ -13901,10 +14005,32 @@
                 <a:ea typeface="Tahoma" panose="020B0604030504040204" pitchFamily="34" charset="0"/>
                 <a:cs typeface="Tahoma" panose="020B0604030504040204" pitchFamily="34" charset="0"/>
               </a:rPr>
+              <a:t>saldi</a:t>
+            </a:r>
+            <a:r>
+              <a:rPr lang="it-IT" sz="2400" dirty="0">
+                <a:solidFill>
+                  <a:schemeClr val="tx1"/>
+                </a:solidFill>
+                <a:latin typeface="Tahoma" panose="020B0604030504040204" pitchFamily="34" charset="0"/>
+                <a:ea typeface="Tahoma" panose="020B0604030504040204" pitchFamily="34" charset="0"/>
+                <a:cs typeface="Tahoma" panose="020B0604030504040204" pitchFamily="34" charset="0"/>
+              </a:rPr>
+              <a:t> degli utenti vengono registrati in un database – la </a:t>
+            </a:r>
+            <a:r>
+              <a:rPr lang="it-IT" sz="2400" b="1" dirty="0" err="1">
+                <a:solidFill>
+                  <a:schemeClr val="tx1"/>
+                </a:solidFill>
+                <a:latin typeface="Tahoma" panose="020B0604030504040204" pitchFamily="34" charset="0"/>
+                <a:ea typeface="Tahoma" panose="020B0604030504040204" pitchFamily="34" charset="0"/>
+                <a:cs typeface="Tahoma" panose="020B0604030504040204" pitchFamily="34" charset="0"/>
+              </a:rPr>
               <a:t>blockchain</a:t>
             </a:r>
             <a:r>
-              <a:rPr lang="it-IT" sz="2400">
+              <a:rPr lang="it-IT" sz="2400" dirty="0">
                 <a:solidFill>
                   <a:schemeClr val="tx1"/>
                 </a:solidFill>
@@ -13930,7 +14056,7 @@
               </a:tabLst>
             </a:pPr>
             <a:r>
-              <a:rPr lang="it-IT" sz="2400">
+              <a:rPr lang="it-IT" sz="2400" dirty="0">
                 <a:solidFill>
                   <a:schemeClr val="tx1"/>
                 </a:solidFill>
@@ -13941,7 +14067,7 @@
               <a:t>E' fondamentale che tutti (o, più precisamente, tutti i </a:t>
             </a:r>
             <a:r>
-              <a:rPr lang="it-IT" sz="2400" b="1">
+              <a:rPr lang="it-IT" sz="2400" b="1" dirty="0">
                 <a:solidFill>
                   <a:schemeClr val="tx1"/>
                 </a:solidFill>
@@ -13952,7 +14078,7 @@
               <a:t>nodi</a:t>
             </a:r>
             <a:r>
-              <a:rPr lang="it-IT" sz="2400">
+              <a:rPr lang="it-IT" sz="2400" dirty="0">
                 <a:solidFill>
                   <a:schemeClr val="tx1"/>
                 </a:solidFill>
@@ -13963,7 +14089,7 @@
               <a:t>) mantengano una copia </a:t>
             </a:r>
             <a:r>
-              <a:rPr lang="it-IT" sz="2400" b="1">
+              <a:rPr lang="it-IT" sz="2400" b="1" dirty="0">
                 <a:solidFill>
                   <a:schemeClr val="tx1"/>
                 </a:solidFill>
@@ -13974,7 +14100,7 @@
               <a:t>identica</a:t>
             </a:r>
             <a:r>
-              <a:rPr lang="it-IT" sz="2400">
+              <a:rPr lang="it-IT" sz="2400" dirty="0">
                 <a:solidFill>
                   <a:schemeClr val="tx1"/>
                 </a:solidFill>
@@ -13985,7 +14111,7 @@
               <a:t> </a:t>
             </a:r>
             <a:r>
-              <a:rPr lang="it-IT" sz="2400" b="1">
+              <a:rPr lang="it-IT" sz="2400" b="1" dirty="0">
                 <a:solidFill>
                   <a:schemeClr val="tx1"/>
                 </a:solidFill>
@@ -13996,7 +14122,7 @@
               <a:t>del</a:t>
             </a:r>
             <a:r>
-              <a:rPr lang="it-IT" sz="2400">
+              <a:rPr lang="it-IT" sz="2400" dirty="0">
                 <a:solidFill>
                   <a:schemeClr val="tx1"/>
                 </a:solidFill>
@@ -14007,7 +14133,7 @@
               <a:t> </a:t>
             </a:r>
             <a:r>
-              <a:rPr lang="it-IT" sz="2400" b="1">
+              <a:rPr lang="it-IT" sz="2400" b="1" dirty="0">
                 <a:solidFill>
                   <a:schemeClr val="tx1"/>
                 </a:solidFill>
@@ -14018,7 +14144,7 @@
               <a:t>database</a:t>
             </a:r>
             <a:r>
-              <a:rPr lang="it-IT" sz="2400">
+              <a:rPr lang="it-IT" sz="2400" dirty="0">
                 <a:solidFill>
                   <a:schemeClr val="tx1"/>
                 </a:solidFill>
@@ -14029,7 +14155,7 @@
               <a:t>. Altrimenti, finiremmo presto con informazioni contrastanti, compromettendo totalmente lo scopo del </a:t>
             </a:r>
             <a:r>
-              <a:rPr lang="it-IT" sz="2400" b="1">
+              <a:rPr lang="it-IT" sz="2400" b="1" dirty="0">
                 <a:solidFill>
                   <a:schemeClr val="tx1"/>
                 </a:solidFill>
@@ -14037,10 +14163,21 @@
                 <a:ea typeface="Tahoma" panose="020B0604030504040204" pitchFamily="34" charset="0"/>
                 <a:cs typeface="Tahoma" panose="020B0604030504040204" pitchFamily="34" charset="0"/>
               </a:rPr>
-              <a:t>network di criptovaluta</a:t>
-            </a:r>
-            <a:r>
-              <a:rPr lang="it-IT" sz="2400">
+              <a:t>network di </a:t>
+            </a:r>
+            <a:r>
+              <a:rPr lang="it-IT" sz="2400" b="1" dirty="0" err="1">
+                <a:solidFill>
+                  <a:schemeClr val="tx1"/>
+                </a:solidFill>
+                <a:latin typeface="Tahoma" panose="020B0604030504040204" pitchFamily="34" charset="0"/>
+                <a:ea typeface="Tahoma" panose="020B0604030504040204" pitchFamily="34" charset="0"/>
+                <a:cs typeface="Tahoma" panose="020B0604030504040204" pitchFamily="34" charset="0"/>
+              </a:rPr>
+              <a:t>criptovaluta</a:t>
+            </a:r>
+            <a:r>
+              <a:rPr lang="it-IT" sz="2400" dirty="0">
                 <a:solidFill>
                   <a:schemeClr val="tx1"/>
                 </a:solidFill>
@@ -14066,7 +14203,7 @@
               </a:tabLst>
             </a:pPr>
             <a:r>
-              <a:rPr lang="it-IT" sz="2400">
+              <a:rPr lang="it-IT" sz="2400" dirty="0">
                 <a:solidFill>
                   <a:schemeClr val="tx1"/>
                 </a:solidFill>
@@ -14077,7 +14214,7 @@
               <a:t>La </a:t>
             </a:r>
             <a:r>
-              <a:rPr lang="it-IT" sz="2400" b="1">
+              <a:rPr lang="it-IT" sz="2400" b="1" dirty="0">
                 <a:solidFill>
                   <a:schemeClr val="tx1"/>
                 </a:solidFill>
@@ -14088,7 +14225,7 @@
               <a:t>crittografia a chiave pubblica </a:t>
             </a:r>
             <a:r>
-              <a:rPr lang="it-IT" sz="2400">
+              <a:rPr lang="it-IT" sz="2400" dirty="0">
                 <a:solidFill>
                   <a:schemeClr val="tx1"/>
                 </a:solidFill>
@@ -14099,7 +14236,7 @@
               <a:t>garantisce che gli utenti non possono spendere le </a:t>
             </a:r>
             <a:r>
-              <a:rPr lang="it-IT" sz="2400" b="1">
+              <a:rPr lang="it-IT" sz="2400" b="1" dirty="0">
                 <a:solidFill>
                   <a:schemeClr val="tx1"/>
                 </a:solidFill>
@@ -14110,7 +14247,7 @@
               <a:t>monete </a:t>
             </a:r>
             <a:r>
-              <a:rPr lang="it-IT" sz="2400">
+              <a:rPr lang="it-IT" sz="2400" dirty="0">
                 <a:solidFill>
                   <a:schemeClr val="tx1"/>
                 </a:solidFill>
@@ -14269,7 +14406,7 @@
               </a:tabLst>
             </a:pPr>
             <a:r>
-              <a:rPr lang="it-IT" sz="2400">
+              <a:rPr lang="it-IT" sz="2400" dirty="0">
                 <a:solidFill>
                   <a:schemeClr val="tx1"/>
                 </a:solidFill>
@@ -14280,7 +14417,7 @@
               <a:t>Per prima cosa, chiediamo agli utenti che vogliono aggiungere </a:t>
             </a:r>
             <a:r>
-              <a:rPr lang="it-IT" sz="2400" b="1">
+              <a:rPr lang="it-IT" sz="2400" b="1" dirty="0">
                 <a:solidFill>
                   <a:schemeClr val="tx1"/>
                 </a:solidFill>
@@ -14291,7 +14428,7 @@
               <a:t>blocchi</a:t>
             </a:r>
             <a:r>
-              <a:rPr lang="it-IT" sz="2400">
+              <a:rPr lang="it-IT" sz="2400" dirty="0">
                 <a:solidFill>
                   <a:schemeClr val="tx1"/>
                 </a:solidFill>
@@ -14299,10 +14436,10 @@
                 <a:ea typeface="Tahoma" panose="020B0604030504040204" pitchFamily="34" charset="0"/>
                 <a:cs typeface="Tahoma" panose="020B0604030504040204" pitchFamily="34" charset="0"/>
               </a:rPr>
-              <a:t> (chiamiamoli validatori) di fornire una </a:t>
-            </a:r>
-            <a:r>
-              <a:rPr lang="it-IT" sz="2400" b="1">
+              <a:t> (chiamiamoli </a:t>
+            </a:r>
+            <a:r>
+              <a:rPr lang="it-IT" sz="2400" b="1" dirty="0" err="1">
                 <a:solidFill>
                   <a:schemeClr val="tx1"/>
                 </a:solidFill>
@@ -14310,10 +14447,32 @@
                 <a:ea typeface="Tahoma" panose="020B0604030504040204" pitchFamily="34" charset="0"/>
                 <a:cs typeface="Tahoma" panose="020B0604030504040204" pitchFamily="34" charset="0"/>
               </a:rPr>
+              <a:t>validatori</a:t>
+            </a:r>
+            <a:r>
+              <a:rPr lang="it-IT" sz="2400" dirty="0">
+                <a:solidFill>
+                  <a:schemeClr val="tx1"/>
+                </a:solidFill>
+                <a:latin typeface="Tahoma" panose="020B0604030504040204" pitchFamily="34" charset="0"/>
+                <a:ea typeface="Tahoma" panose="020B0604030504040204" pitchFamily="34" charset="0"/>
+                <a:cs typeface="Tahoma" panose="020B0604030504040204" pitchFamily="34" charset="0"/>
+              </a:rPr>
+              <a:t>) di fornire una </a:t>
+            </a:r>
+            <a:r>
+              <a:rPr lang="it-IT" sz="2400" b="1" dirty="0" err="1">
+                <a:solidFill>
+                  <a:schemeClr val="tx1"/>
+                </a:solidFill>
+                <a:latin typeface="Tahoma" panose="020B0604030504040204" pitchFamily="34" charset="0"/>
+                <a:ea typeface="Tahoma" panose="020B0604030504040204" pitchFamily="34" charset="0"/>
+                <a:cs typeface="Tahoma" panose="020B0604030504040204" pitchFamily="34" charset="0"/>
+              </a:rPr>
               <a:t>stake</a:t>
             </a:r>
             <a:r>
-              <a:rPr lang="it-IT" sz="2400">
+              <a:rPr lang="it-IT" sz="2400" dirty="0">
                 <a:solidFill>
                   <a:schemeClr val="tx1"/>
                 </a:solidFill>
@@ -14339,7 +14498,7 @@
               </a:tabLst>
             </a:pPr>
             <a:r>
-              <a:rPr lang="it-IT" sz="2400">
+              <a:rPr lang="it-IT" sz="2400" dirty="0">
                 <a:solidFill>
                   <a:schemeClr val="tx1"/>
                 </a:solidFill>
@@ -14350,7 +14509,7 @@
               <a:t>La </a:t>
             </a:r>
             <a:r>
-              <a:rPr lang="it-IT" sz="2400" b="1">
+              <a:rPr lang="it-IT" sz="2400" b="1" dirty="0" err="1">
                 <a:solidFill>
                   <a:schemeClr val="tx1"/>
                 </a:solidFill>
@@ -14361,7 +14520,7 @@
               <a:t>stake</a:t>
             </a:r>
             <a:r>
-              <a:rPr lang="it-IT" sz="2400">
+              <a:rPr lang="it-IT" sz="2400" dirty="0">
                 <a:solidFill>
                   <a:schemeClr val="tx1"/>
                 </a:solidFill>
@@ -14369,10 +14528,10 @@
                 <a:ea typeface="Tahoma" panose="020B0604030504040204" pitchFamily="34" charset="0"/>
                 <a:cs typeface="Tahoma" panose="020B0604030504040204" pitchFamily="34" charset="0"/>
               </a:rPr>
-              <a:t> è una qualche sorta di valore che il validatore deve mettere in gioco, con l'obiettivo di </a:t>
-            </a:r>
-            <a:r>
-              <a:rPr lang="it-IT" sz="2400" b="1">
+              <a:t> è una qualche sorta di valore che il </a:t>
+            </a:r>
+            <a:r>
+              <a:rPr lang="it-IT" sz="2400" dirty="0" err="1">
                 <a:solidFill>
                   <a:schemeClr val="tx1"/>
                 </a:solidFill>
@@ -14380,10 +14539,32 @@
                 <a:ea typeface="Tahoma" panose="020B0604030504040204" pitchFamily="34" charset="0"/>
                 <a:cs typeface="Tahoma" panose="020B0604030504040204" pitchFamily="34" charset="0"/>
               </a:rPr>
+              <a:t>validatore</a:t>
+            </a:r>
+            <a:r>
+              <a:rPr lang="it-IT" sz="2400" dirty="0">
+                <a:solidFill>
+                  <a:schemeClr val="tx1"/>
+                </a:solidFill>
+                <a:latin typeface="Tahoma" panose="020B0604030504040204" pitchFamily="34" charset="0"/>
+                <a:ea typeface="Tahoma" panose="020B0604030504040204" pitchFamily="34" charset="0"/>
+                <a:cs typeface="Tahoma" panose="020B0604030504040204" pitchFamily="34" charset="0"/>
+              </a:rPr>
+              <a:t> deve mettere in gioco, con l'obiettivo di </a:t>
+            </a:r>
+            <a:r>
+              <a:rPr lang="it-IT" sz="2400" b="1" dirty="0">
+                <a:solidFill>
+                  <a:schemeClr val="tx1"/>
+                </a:solidFill>
+                <a:latin typeface="Tahoma" panose="020B0604030504040204" pitchFamily="34" charset="0"/>
+                <a:ea typeface="Tahoma" panose="020B0604030504040204" pitchFamily="34" charset="0"/>
+                <a:cs typeface="Tahoma" panose="020B0604030504040204" pitchFamily="34" charset="0"/>
+              </a:rPr>
               <a:t>dissuaderlo dall'agire in modo disonesto</a:t>
             </a:r>
             <a:r>
-              <a:rPr lang="it-IT" sz="2400">
+              <a:rPr lang="it-IT" sz="2400" dirty="0">
                 <a:solidFill>
                   <a:schemeClr val="tx1"/>
                 </a:solidFill>
@@ -14409,7 +14590,7 @@
               </a:tabLst>
             </a:pPr>
             <a:r>
-              <a:rPr lang="it-IT" sz="2400">
+              <a:rPr lang="it-IT" sz="2400" dirty="0">
                 <a:solidFill>
                   <a:schemeClr val="tx1"/>
                 </a:solidFill>
@@ -14420,7 +14601,7 @@
               <a:t>Esempi di </a:t>
             </a:r>
             <a:r>
-              <a:rPr lang="it-IT" sz="2400" b="1">
+              <a:rPr lang="it-IT" sz="2400" b="1" dirty="0">
                 <a:solidFill>
                   <a:schemeClr val="tx1"/>
                 </a:solidFill>
@@ -14428,10 +14609,10 @@
                 <a:ea typeface="Tahoma" panose="020B0604030504040204" pitchFamily="34" charset="0"/>
                 <a:cs typeface="Tahoma" panose="020B0604030504040204" pitchFamily="34" charset="0"/>
               </a:rPr>
-              <a:t>questa stake</a:t>
-            </a:r>
-            <a:r>
-              <a:rPr lang="it-IT" sz="2400">
+              <a:t>questa </a:t>
+            </a:r>
+            <a:r>
+              <a:rPr lang="it-IT" sz="2400" b="1" dirty="0" err="1">
                 <a:solidFill>
                   <a:schemeClr val="tx1"/>
                 </a:solidFill>
@@ -14439,7 +14620,40 @@
                 <a:ea typeface="Tahoma" panose="020B0604030504040204" pitchFamily="34" charset="0"/>
                 <a:cs typeface="Tahoma" panose="020B0604030504040204" pitchFamily="34" charset="0"/>
               </a:rPr>
-              <a:t> includono potenza computazionale, criptovaluta o persino reputazione. </a:t>
+              <a:t>stake</a:t>
+            </a:r>
+            <a:r>
+              <a:rPr lang="it-IT" sz="2400" dirty="0">
+                <a:solidFill>
+                  <a:schemeClr val="tx1"/>
+                </a:solidFill>
+                <a:latin typeface="Tahoma" panose="020B0604030504040204" pitchFamily="34" charset="0"/>
+                <a:ea typeface="Tahoma" panose="020B0604030504040204" pitchFamily="34" charset="0"/>
+                <a:cs typeface="Tahoma" panose="020B0604030504040204" pitchFamily="34" charset="0"/>
+              </a:rPr>
+              <a:t> includono potenza computazionale, </a:t>
+            </a:r>
+            <a:r>
+              <a:rPr lang="it-IT" sz="2400" dirty="0" err="1">
+                <a:solidFill>
+                  <a:schemeClr val="tx1"/>
+                </a:solidFill>
+                <a:latin typeface="Tahoma" panose="020B0604030504040204" pitchFamily="34" charset="0"/>
+                <a:ea typeface="Tahoma" panose="020B0604030504040204" pitchFamily="34" charset="0"/>
+                <a:cs typeface="Tahoma" panose="020B0604030504040204" pitchFamily="34" charset="0"/>
+              </a:rPr>
+              <a:t>criptovaluta</a:t>
+            </a:r>
+            <a:r>
+              <a:rPr lang="it-IT" sz="2400" dirty="0">
+                <a:solidFill>
+                  <a:schemeClr val="tx1"/>
+                </a:solidFill>
+                <a:latin typeface="Tahoma" panose="020B0604030504040204" pitchFamily="34" charset="0"/>
+                <a:ea typeface="Tahoma" panose="020B0604030504040204" pitchFamily="34" charset="0"/>
+                <a:cs typeface="Tahoma" panose="020B0604030504040204" pitchFamily="34" charset="0"/>
+              </a:rPr>
+              <a:t> o persino reputazione. </a:t>
             </a:r>
           </a:p>
           <a:p>
@@ -14454,7 +14668,7 @@
                 <a:tab pos="457200" algn="l"/>
               </a:tabLst>
             </a:pPr>
-            <a:endParaRPr lang="it-IT" sz="2400">
+            <a:endParaRPr lang="it-IT" sz="2400" dirty="0">
               <a:solidFill>
                 <a:schemeClr val="tx1"/>
               </a:solidFill>
@@ -14641,7 +14855,7 @@
               </a:tabLst>
             </a:pPr>
             <a:r>
-              <a:rPr lang="it-IT" sz="2400">
+              <a:rPr lang="it-IT" sz="2400" dirty="0">
                 <a:solidFill>
                   <a:schemeClr val="tx1"/>
                 </a:solidFill>
@@ -14652,7 +14866,7 @@
               <a:t>Perché i </a:t>
             </a:r>
             <a:r>
-              <a:rPr lang="it-IT" sz="2400" b="1">
+              <a:rPr lang="it-IT" sz="2400" b="1" dirty="0" err="1">
                 <a:solidFill>
                   <a:schemeClr val="tx1"/>
                 </a:solidFill>
@@ -14663,7 +14877,7 @@
               <a:t>validatori</a:t>
             </a:r>
             <a:r>
-              <a:rPr lang="it-IT" sz="2400">
+              <a:rPr lang="it-IT" sz="2400" dirty="0">
                 <a:solidFill>
                   <a:schemeClr val="tx1"/>
                 </a:solidFill>
@@ -14674,7 +14888,7 @@
               <a:t> dovrebbero rischiare le proprie risorse? Beh, c'è anche una ricompensa in palio. Questa consiste solitamente nella </a:t>
             </a:r>
             <a:r>
-              <a:rPr lang="it-IT" sz="2400" b="1">
+              <a:rPr lang="it-IT" sz="2400" b="1" dirty="0" err="1">
                 <a:solidFill>
                   <a:schemeClr val="tx1"/>
                 </a:solidFill>
@@ -14685,7 +14899,7 @@
               <a:t>criptovaluta</a:t>
             </a:r>
             <a:r>
-              <a:rPr lang="it-IT" sz="2400">
+              <a:rPr lang="it-IT" sz="2400" dirty="0">
                 <a:solidFill>
                   <a:schemeClr val="tx1"/>
                 </a:solidFill>
@@ -14696,7 +14910,7 @@
               <a:t> </a:t>
             </a:r>
             <a:r>
-              <a:rPr lang="it-IT" sz="2400" b="1">
+              <a:rPr lang="it-IT" sz="2400" b="1" dirty="0">
                 <a:solidFill>
                   <a:schemeClr val="tx1"/>
                 </a:solidFill>
@@ -14707,7 +14921,7 @@
               <a:t>nativa</a:t>
             </a:r>
             <a:r>
-              <a:rPr lang="it-IT" sz="2400">
+              <a:rPr lang="it-IT" sz="2400" dirty="0">
                 <a:solidFill>
                   <a:schemeClr val="tx1"/>
                 </a:solidFill>
@@ -14715,7 +14929,29 @@
                 <a:ea typeface="Tahoma" panose="020B0604030504040204" pitchFamily="34" charset="0"/>
                 <a:cs typeface="Tahoma" panose="020B0604030504040204" pitchFamily="34" charset="0"/>
               </a:rPr>
-              <a:t> del protocollo ed è composta dalle commissioni pagate da altri utenti, unità di criptovaluta appena generate o entrambi.</a:t>
+              <a:t> del protocollo ed è composta dalle commissioni pagate da altri utenti, unità di </a:t>
+            </a:r>
+            <a:r>
+              <a:rPr lang="it-IT" sz="2400" dirty="0" err="1">
+                <a:solidFill>
+                  <a:schemeClr val="tx1"/>
+                </a:solidFill>
+                <a:latin typeface="Tahoma" panose="020B0604030504040204" pitchFamily="34" charset="0"/>
+                <a:ea typeface="Tahoma" panose="020B0604030504040204" pitchFamily="34" charset="0"/>
+                <a:cs typeface="Tahoma" panose="020B0604030504040204" pitchFamily="34" charset="0"/>
+              </a:rPr>
+              <a:t>criptovaluta</a:t>
+            </a:r>
+            <a:r>
+              <a:rPr lang="it-IT" sz="2400" dirty="0">
+                <a:solidFill>
+                  <a:schemeClr val="tx1"/>
+                </a:solidFill>
+                <a:latin typeface="Tahoma" panose="020B0604030504040204" pitchFamily="34" charset="0"/>
+                <a:ea typeface="Tahoma" panose="020B0604030504040204" pitchFamily="34" charset="0"/>
+                <a:cs typeface="Tahoma" panose="020B0604030504040204" pitchFamily="34" charset="0"/>
+              </a:rPr>
+              <a:t> appena generate o entrambi.</a:t>
             </a:r>
           </a:p>
         </p:txBody>
@@ -14855,7 +15091,7 @@
           <a:lstStyle/>
           <a:p>
             <a:r>
-              <a:rPr lang="it-IT" sz="2400">
+              <a:rPr lang="it-IT" sz="2400" dirty="0">
                 <a:latin typeface="Tahoma" panose="020B0604030504040204" pitchFamily="34" charset="0"/>
                 <a:ea typeface="Tahoma" panose="020B0604030504040204" pitchFamily="34" charset="0"/>
                 <a:cs typeface="Tahoma" panose="020B0604030504040204" pitchFamily="34" charset="0"/>
@@ -14863,7 +15099,7 @@
               <a:t>L'ultimo elemento di cui abbiamo bisogno è la </a:t>
             </a:r>
             <a:r>
-              <a:rPr lang="it-IT" sz="2400" b="1">
+              <a:rPr lang="it-IT" sz="2400" b="1" dirty="0">
                 <a:latin typeface="Tahoma" panose="020B0604030504040204" pitchFamily="34" charset="0"/>
                 <a:ea typeface="Tahoma" panose="020B0604030504040204" pitchFamily="34" charset="0"/>
                 <a:cs typeface="Tahoma" panose="020B0604030504040204" pitchFamily="34" charset="0"/>
@@ -14871,15 +15107,47 @@
               <a:t>trasparenza</a:t>
             </a:r>
             <a:r>
-              <a:rPr lang="it-IT" sz="2400">
-                <a:latin typeface="Tahoma" panose="020B0604030504040204" pitchFamily="34" charset="0"/>
-                <a:ea typeface="Tahoma" panose="020B0604030504040204" pitchFamily="34" charset="0"/>
-                <a:cs typeface="Tahoma" panose="020B0604030504040204" pitchFamily="34" charset="0"/>
-              </a:rPr>
-              <a:t>. Dobbiamo essere in grado di scoprire quando qualcuno sta imbrogliando. Idealmente, dovrebbero essere costoso a produrre </a:t>
-            </a:r>
-            <a:r>
-              <a:rPr lang="it-IT" sz="2400" b="1">
+              <a:rPr lang="it-IT" sz="2400" dirty="0">
+                <a:latin typeface="Tahoma" panose="020B0604030504040204" pitchFamily="34" charset="0"/>
+                <a:ea typeface="Tahoma" panose="020B0604030504040204" pitchFamily="34" charset="0"/>
+                <a:cs typeface="Tahoma" panose="020B0604030504040204" pitchFamily="34" charset="0"/>
+              </a:rPr>
+              <a:t>. Dobbiamo essere in grado di scoprire quando qualcuno sta imbrogliando. Idealmente, </a:t>
+            </a:r>
+            <a:r>
+              <a:rPr lang="it-IT" sz="2400" dirty="0" smtClean="0">
+                <a:latin typeface="Tahoma" panose="020B0604030504040204" pitchFamily="34" charset="0"/>
+                <a:ea typeface="Tahoma" panose="020B0604030504040204" pitchFamily="34" charset="0"/>
+                <a:cs typeface="Tahoma" panose="020B0604030504040204" pitchFamily="34" charset="0"/>
+              </a:rPr>
+              <a:t>dovrebbe </a:t>
+            </a:r>
+            <a:r>
+              <a:rPr lang="it-IT" sz="2400" dirty="0">
+                <a:latin typeface="Tahoma" panose="020B0604030504040204" pitchFamily="34" charset="0"/>
+                <a:ea typeface="Tahoma" panose="020B0604030504040204" pitchFamily="34" charset="0"/>
+                <a:cs typeface="Tahoma" panose="020B0604030504040204" pitchFamily="34" charset="0"/>
+              </a:rPr>
+              <a:t>essere costoso </a:t>
+            </a:r>
+            <a:r>
+              <a:rPr lang="it-IT" sz="2400" dirty="0" smtClean="0">
+                <a:latin typeface="Tahoma" panose="020B0604030504040204" pitchFamily="34" charset="0"/>
+                <a:ea typeface="Tahoma" panose="020B0604030504040204" pitchFamily="34" charset="0"/>
+                <a:cs typeface="Tahoma" panose="020B0604030504040204" pitchFamily="34" charset="0"/>
+              </a:rPr>
+              <a:t>produrre</a:t>
+            </a:r>
+            <a:r>
+              <a:rPr lang="it-IT" sz="2400" dirty="0">
+                <a:latin typeface="Tahoma" panose="020B0604030504040204" pitchFamily="34" charset="0"/>
+                <a:ea typeface="Tahoma" panose="020B0604030504040204" pitchFamily="34" charset="0"/>
+                <a:cs typeface="Tahoma" panose="020B0604030504040204" pitchFamily="34" charset="0"/>
+              </a:rPr>
+              <a:t> </a:t>
+            </a:r>
+            <a:r>
+              <a:rPr lang="it-IT" sz="2400" b="1" dirty="0">
                 <a:latin typeface="Tahoma" panose="020B0604030504040204" pitchFamily="34" charset="0"/>
                 <a:ea typeface="Tahoma" panose="020B0604030504040204" pitchFamily="34" charset="0"/>
                 <a:cs typeface="Tahoma" panose="020B0604030504040204" pitchFamily="34" charset="0"/>
@@ -14887,7 +15155,7 @@
               <a:t>blocchi </a:t>
             </a:r>
             <a:r>
-              <a:rPr lang="it-IT" sz="2400">
+              <a:rPr lang="it-IT" sz="2400" dirty="0">
                 <a:latin typeface="Tahoma" panose="020B0604030504040204" pitchFamily="34" charset="0"/>
                 <a:ea typeface="Tahoma" panose="020B0604030504040204" pitchFamily="34" charset="0"/>
                 <a:cs typeface="Tahoma" panose="020B0604030504040204" pitchFamily="34" charset="0"/>
@@ -14895,7 +15163,7 @@
               <a:t>ma è un dispendio economico per chiunque verificarli. Ciò garantisce che i </a:t>
             </a:r>
             <a:r>
-              <a:rPr lang="it-IT" sz="2400" b="1">
+              <a:rPr lang="it-IT" sz="2400" b="1" dirty="0" err="1">
                 <a:latin typeface="Tahoma" panose="020B0604030504040204" pitchFamily="34" charset="0"/>
                 <a:ea typeface="Tahoma" panose="020B0604030504040204" pitchFamily="34" charset="0"/>
                 <a:cs typeface="Tahoma" panose="020B0604030504040204" pitchFamily="34" charset="0"/>
@@ -14903,7 +15171,7 @@
               <a:t>validatori</a:t>
             </a:r>
             <a:r>
-              <a:rPr lang="it-IT" sz="2400">
+              <a:rPr lang="it-IT" sz="2400" dirty="0">
                 <a:latin typeface="Tahoma" panose="020B0604030504040204" pitchFamily="34" charset="0"/>
                 <a:ea typeface="Tahoma" panose="020B0604030504040204" pitchFamily="34" charset="0"/>
                 <a:cs typeface="Tahoma" panose="020B0604030504040204" pitchFamily="34" charset="0"/>
@@ -15543,6 +15811,13 @@
   <p:clrMapOvr>
     <a:masterClrMapping/>
   </p:clrMapOvr>
+  <p:timing>
+    <p:tnLst>
+      <p:par>
+        <p:cTn id="1" dur="indefinite" restart="never" nodeType="tmRoot"/>
+      </p:par>
+    </p:tnLst>
+  </p:timing>
 </p:sld>
 </file>
 
@@ -16111,20 +16386,6 @@
 </file>
 
 <file path=customXml/item1.xml><?xml version="1.0" encoding="utf-8"?>
-<p:properties xmlns:p="http://schemas.microsoft.com/office/2006/metadata/properties" xmlns:xsi="http://www.w3.org/2001/XMLSchema-instance" xmlns:pc="http://schemas.microsoft.com/office/infopath/2007/PartnerControls">
-  <documentManagement>
-    <SottoCategoria xmlns="679261c3-551f-4e86-913f-177e0e529669">-</SottoCategoria>
-    <Categoria xmlns="c58f2efd-82a8-4ecf-b395-8c25e928921d">Power Point</Categoria>
-    <_dlc_DocId xmlns="459159c4-d20a-4ff3-9b11-fbd127bd52e5">INTRANET-14-158</_dlc_DocId>
-    <_dlc_DocIdUrl xmlns="459159c4-d20a-4ff3-9b11-fbd127bd52e5">
-      <Url>https://intranet.istat.it/Collaborativi/_layouts/15/DocIdRedir.aspx?ID=INTRANET-14-158</Url>
-      <Description>INTRANET-14-158</Description>
-    </_dlc_DocIdUrl>
-  </documentManagement>
-</p:properties>
-</file>
-
-<file path=customXml/item2.xml><?xml version="1.0" encoding="utf-8"?>
 <ct:contentTypeSchema xmlns:ct="http://schemas.microsoft.com/office/2006/metadata/contentType" xmlns:ma="http://schemas.microsoft.com/office/2006/metadata/properties/metaAttributes" ct:_="" ma:_="" ma:contentTypeName="Documento" ma:contentTypeID="0x010100661A2BE3120D674DA36C11D6006822D4" ma:contentTypeVersion="3" ma:contentTypeDescription="Creare un nuovo documento." ma:contentTypeScope="" ma:versionID="2ad8b07f9840a1ce9cd199d874146b74">
   <xsd:schema xmlns:xsd="http://www.w3.org/2001/XMLSchema" xmlns:xs="http://www.w3.org/2001/XMLSchema" xmlns:p="http://schemas.microsoft.com/office/2006/metadata/properties" xmlns:ns2="c58f2efd-82a8-4ecf-b395-8c25e928921d" xmlns:ns3="459159c4-d20a-4ff3-9b11-fbd127bd52e5" xmlns:ns4="679261c3-551f-4e86-913f-177e0e529669" targetNamespace="http://schemas.microsoft.com/office/2006/metadata/properties" ma:root="true" ma:fieldsID="fffb0e16fb90ffea59fef1085e90ecca" ns2:_="" ns3:_="" ns4:_="">
     <xsd:import namespace="c58f2efd-82a8-4ecf-b395-8c25e928921d"/>
@@ -16311,7 +16572,30 @@
 </ct:contentTypeSchema>
 </file>
 
+<file path=customXml/item2.xml><?xml version="1.0" encoding="utf-8"?>
+<p:properties xmlns:p="http://schemas.microsoft.com/office/2006/metadata/properties" xmlns:xsi="http://www.w3.org/2001/XMLSchema-instance" xmlns:pc="http://schemas.microsoft.com/office/infopath/2007/PartnerControls">
+  <documentManagement>
+    <SottoCategoria xmlns="679261c3-551f-4e86-913f-177e0e529669">-</SottoCategoria>
+    <Categoria xmlns="c58f2efd-82a8-4ecf-b395-8c25e928921d">Power Point</Categoria>
+    <_dlc_DocId xmlns="459159c4-d20a-4ff3-9b11-fbd127bd52e5">INTRANET-14-158</_dlc_DocId>
+    <_dlc_DocIdUrl xmlns="459159c4-d20a-4ff3-9b11-fbd127bd52e5">
+      <Url>https://intranet.istat.it/Collaborativi/_layouts/15/DocIdRedir.aspx?ID=INTRANET-14-158</Url>
+      <Description>INTRANET-14-158</Description>
+    </_dlc_DocIdUrl>
+  </documentManagement>
+</p:properties>
+</file>
+
 <file path=customXml/item3.xml><?xml version="1.0" encoding="utf-8"?>
+<?mso-contentType ?>
+<FormTemplates xmlns="http://schemas.microsoft.com/sharepoint/v3/contenttype/forms">
+  <Display>DocumentLibraryForm</Display>
+  <Edit>DocumentLibraryForm</Edit>
+  <New>DocumentLibraryForm</New>
+</FormTemplates>
+</file>
+
+<file path=customXml/item4.xml><?xml version="1.0" encoding="utf-8"?>
 <?mso-contentType ?>
 <spe:Receivers xmlns:spe="http://schemas.microsoft.com/sharepoint/events">
   <Receiver>
@@ -16361,34 +16645,7 @@
 </spe:Receivers>
 </file>
 
-<file path=customXml/item4.xml><?xml version="1.0" encoding="utf-8"?>
-<?mso-contentType ?>
-<FormTemplates xmlns="http://schemas.microsoft.com/sharepoint/v3/contenttype/forms">
-  <Display>DocumentLibraryForm</Display>
-  <Edit>DocumentLibraryForm</Edit>
-  <New>DocumentLibraryForm</New>
-</FormTemplates>
-</file>
-
 <file path=customXml/itemProps1.xml><?xml version="1.0" encoding="utf-8"?>
-<ds:datastoreItem xmlns:ds="http://schemas.openxmlformats.org/officeDocument/2006/customXml" ds:itemID="{3EF378BC-F4D0-4510-B4EC-07B6EFE18CF8}">
-  <ds:schemaRefs>
-    <ds:schemaRef ds:uri="http://schemas.microsoft.com/office/2006/metadata/properties"/>
-    <ds:schemaRef ds:uri="http://purl.org/dc/terms/"/>
-    <ds:schemaRef ds:uri="http://schemas.microsoft.com/office/2006/documentManagement/types"/>
-    <ds:schemaRef ds:uri="http://schemas.openxmlformats.org/package/2006/metadata/core-properties"/>
-    <ds:schemaRef ds:uri="459159c4-d20a-4ff3-9b11-fbd127bd52e5"/>
-    <ds:schemaRef ds:uri="c58f2efd-82a8-4ecf-b395-8c25e928921d"/>
-    <ds:schemaRef ds:uri="http://purl.org/dc/elements/1.1/"/>
-    <ds:schemaRef ds:uri="http://schemas.microsoft.com/office/infopath/2007/PartnerControls"/>
-    <ds:schemaRef ds:uri="679261c3-551f-4e86-913f-177e0e529669"/>
-    <ds:schemaRef ds:uri="http://www.w3.org/XML/1998/namespace"/>
-    <ds:schemaRef ds:uri="http://purl.org/dc/dcmitype/"/>
-  </ds:schemaRefs>
-</ds:datastoreItem>
-</file>
-
-<file path=customXml/itemProps2.xml><?xml version="1.0" encoding="utf-8"?>
 <ds:datastoreItem xmlns:ds="http://schemas.openxmlformats.org/officeDocument/2006/customXml" ds:itemID="{3F66F418-6054-4EA5-BF8E-6AF3CEAE6265}">
   <ds:schemaRefs>
     <ds:schemaRef ds:uri="http://schemas.microsoft.com/office/2006/metadata/contentType"/>
@@ -16408,18 +16665,36 @@
 </ds:datastoreItem>
 </file>
 
+<file path=customXml/itemProps2.xml><?xml version="1.0" encoding="utf-8"?>
+<ds:datastoreItem xmlns:ds="http://schemas.openxmlformats.org/officeDocument/2006/customXml" ds:itemID="{3EF378BC-F4D0-4510-B4EC-07B6EFE18CF8}">
+  <ds:schemaRefs>
+    <ds:schemaRef ds:uri="http://schemas.microsoft.com/office/2006/documentManagement/types"/>
+    <ds:schemaRef ds:uri="http://purl.org/dc/terms/"/>
+    <ds:schemaRef ds:uri="http://purl.org/dc/dcmitype/"/>
+    <ds:schemaRef ds:uri="http://www.w3.org/XML/1998/namespace"/>
+    <ds:schemaRef ds:uri="http://purl.org/dc/elements/1.1/"/>
+    <ds:schemaRef ds:uri="679261c3-551f-4e86-913f-177e0e529669"/>
+    <ds:schemaRef ds:uri="459159c4-d20a-4ff3-9b11-fbd127bd52e5"/>
+    <ds:schemaRef ds:uri="http://schemas.microsoft.com/office/infopath/2007/PartnerControls"/>
+    <ds:schemaRef ds:uri="c58f2efd-82a8-4ecf-b395-8c25e928921d"/>
+    <ds:schemaRef ds:uri="http://schemas.openxmlformats.org/package/2006/metadata/core-properties"/>
+    <ds:schemaRef ds:uri="http://schemas.microsoft.com/office/2006/metadata/properties"/>
+  </ds:schemaRefs>
+</ds:datastoreItem>
+</file>
+
 <file path=customXml/itemProps3.xml><?xml version="1.0" encoding="utf-8"?>
+<ds:datastoreItem xmlns:ds="http://schemas.openxmlformats.org/officeDocument/2006/customXml" ds:itemID="{BD9C238D-4D5C-4783-820B-4854DCE45D41}">
+  <ds:schemaRefs>
+    <ds:schemaRef ds:uri="http://schemas.microsoft.com/sharepoint/v3/contenttype/forms"/>
+  </ds:schemaRefs>
+</ds:datastoreItem>
+</file>
+
+<file path=customXml/itemProps4.xml><?xml version="1.0" encoding="utf-8"?>
 <ds:datastoreItem xmlns:ds="http://schemas.openxmlformats.org/officeDocument/2006/customXml" ds:itemID="{D9296C4F-9DE9-4B43-AA80-1FC85656CFFA}">
   <ds:schemaRefs>
     <ds:schemaRef ds:uri="http://schemas.microsoft.com/sharepoint/events"/>
   </ds:schemaRefs>
 </ds:datastoreItem>
-</file>
-
-<file path=customXml/itemProps4.xml><?xml version="1.0" encoding="utf-8"?>
-<ds:datastoreItem xmlns:ds="http://schemas.openxmlformats.org/officeDocument/2006/customXml" ds:itemID="{BD9C238D-4D5C-4783-820B-4854DCE45D41}">
-  <ds:schemaRefs>
-    <ds:schemaRef ds:uri="http://schemas.microsoft.com/sharepoint/v3/contenttype/forms"/>
-  </ds:schemaRefs>
-</ds:datastoreItem>
 </file>
--- a/Assicurazioni/Algoritmi di consenso distribuito_ita.pptx
+++ b/Assicurazioni/Algoritmi di consenso distribuito_ita.pptx
@@ -289,7 +289,7 @@
               <a:pPr>
                 <a:defRPr/>
               </a:pPr>
-              <a:t>4/7/2023</a:t>
+              <a:t>4/22/2023</a:t>
             </a:fld>
             <a:endParaRPr lang="en-US"/>
           </a:p>
@@ -7241,10 +7241,6 @@
             </a:r>
           </a:p>
           <a:p>
-            <a:r>
-              <a:rPr lang="it-IT" sz="2400"/>
-              <a:t/>
-            </a:r>
             <a:br>
               <a:rPr lang="it-IT" sz="2400"/>
             </a:br>
@@ -7345,13 +7341,6 @@
   <p:clrMapOvr>
     <a:masterClrMapping/>
   </p:clrMapOvr>
-  <p:timing>
-    <p:tnLst>
-      <p:par>
-        <p:cTn id="1" dur="indefinite" restart="never" nodeType="tmRoot"/>
-      </p:par>
-    </p:tnLst>
-  </p:timing>
 </p:sld>
 </file>
 
@@ -7414,7 +7403,7 @@
             <a:r>
               <a:rPr lang="it-IT" sz="2400" b="0" i="0">
                 <a:solidFill>
-                  <a:srgbClr val="27282D"/>
+                  <a:schemeClr val="tx1"/>
                 </a:solidFill>
                 <a:effectLst/>
                 <a:latin typeface="Tahoma" panose="020B0604030504040204" pitchFamily="34" charset="0"/>
@@ -7426,7 +7415,7 @@
             <a:r>
               <a:rPr lang="it-IT" sz="2400" b="1" i="0">
                 <a:solidFill>
-                  <a:srgbClr val="27282D"/>
+                  <a:schemeClr val="tx1"/>
                 </a:solidFill>
                 <a:effectLst/>
                 <a:latin typeface="Tahoma" panose="020B0604030504040204" pitchFamily="34" charset="0"/>
@@ -7438,7 +7427,7 @@
             <a:r>
               <a:rPr lang="it-IT" sz="2400" b="0" i="0">
                 <a:solidFill>
-                  <a:srgbClr val="27282D"/>
+                  <a:schemeClr val="tx1"/>
                 </a:solidFill>
                 <a:effectLst/>
                 <a:latin typeface="Tahoma" panose="020B0604030504040204" pitchFamily="34" charset="0"/>
@@ -7450,7 +7439,7 @@
             <a:r>
               <a:rPr lang="it-IT" sz="2400" b="1" i="0">
                 <a:solidFill>
-                  <a:srgbClr val="27282D"/>
+                  <a:schemeClr val="tx1"/>
                 </a:solidFill>
                 <a:effectLst/>
                 <a:latin typeface="Tahoma" panose="020B0604030504040204" pitchFamily="34" charset="0"/>
@@ -7477,7 +7466,7 @@
             <a:r>
               <a:rPr lang="it-IT" sz="2400">
                 <a:solidFill>
-                  <a:srgbClr val="27282D"/>
+                  <a:schemeClr val="tx1"/>
                 </a:solidFill>
                 <a:latin typeface="Tahoma" panose="020B0604030504040204" pitchFamily="34" charset="0"/>
                 <a:ea typeface="Tahoma" panose="020B0604030504040204" pitchFamily="34" charset="0"/>
@@ -7488,7 +7477,7 @@
             <a:r>
               <a:rPr lang="it-IT" sz="2400" b="1">
                 <a:solidFill>
-                  <a:srgbClr val="27282D"/>
+                  <a:schemeClr val="tx1"/>
                 </a:solidFill>
                 <a:latin typeface="Tahoma" panose="020B0604030504040204" pitchFamily="34" charset="0"/>
                 <a:ea typeface="Tahoma" panose="020B0604030504040204" pitchFamily="34" charset="0"/>
@@ -7499,7 +7488,7 @@
             <a:r>
               <a:rPr lang="it-IT" sz="2400">
                 <a:solidFill>
-                  <a:srgbClr val="27282D"/>
+                  <a:schemeClr val="tx1"/>
                 </a:solidFill>
                 <a:latin typeface="Tahoma" panose="020B0604030504040204" pitchFamily="34" charset="0"/>
                 <a:ea typeface="Tahoma" panose="020B0604030504040204" pitchFamily="34" charset="0"/>
@@ -7525,7 +7514,7 @@
             <a:r>
               <a:rPr lang="it-IT" sz="2400">
                 <a:solidFill>
-                  <a:srgbClr val="27282D"/>
+                  <a:schemeClr val="tx1"/>
                 </a:solidFill>
                 <a:latin typeface="Tahoma" panose="020B0604030504040204" pitchFamily="34" charset="0"/>
                 <a:ea typeface="Tahoma" panose="020B0604030504040204" pitchFamily="34" charset="0"/>
@@ -7536,7 +7525,7 @@
             <a:r>
               <a:rPr lang="it-IT" sz="2400" b="1">
                 <a:solidFill>
-                  <a:srgbClr val="27282D"/>
+                  <a:schemeClr val="tx1"/>
                 </a:solidFill>
                 <a:latin typeface="Tahoma" panose="020B0604030504040204" pitchFamily="34" charset="0"/>
                 <a:ea typeface="Tahoma" panose="020B0604030504040204" pitchFamily="34" charset="0"/>
@@ -7547,7 +7536,7 @@
             <a:r>
               <a:rPr lang="it-IT" sz="2400">
                 <a:solidFill>
-                  <a:srgbClr val="27282D"/>
+                  <a:schemeClr val="tx1"/>
                 </a:solidFill>
                 <a:latin typeface="Tahoma" panose="020B0604030504040204" pitchFamily="34" charset="0"/>
                 <a:ea typeface="Tahoma" panose="020B0604030504040204" pitchFamily="34" charset="0"/>
@@ -7558,7 +7547,7 @@
             <a:r>
               <a:rPr lang="it-IT" sz="2400" b="1">
                 <a:solidFill>
-                  <a:srgbClr val="27282D"/>
+                  <a:schemeClr val="tx1"/>
                 </a:solidFill>
                 <a:latin typeface="Tahoma" panose="020B0604030504040204" pitchFamily="34" charset="0"/>
                 <a:ea typeface="Tahoma" panose="020B0604030504040204" pitchFamily="34" charset="0"/>
@@ -7569,7 +7558,7 @@
             <a:r>
               <a:rPr lang="it-IT" sz="2400">
                 <a:solidFill>
-                  <a:srgbClr val="27282D"/>
+                  <a:schemeClr val="tx1"/>
                 </a:solidFill>
                 <a:latin typeface="Tahoma" panose="020B0604030504040204" pitchFamily="34" charset="0"/>
                 <a:ea typeface="Tahoma" panose="020B0604030504040204" pitchFamily="34" charset="0"/>
@@ -7580,7 +7569,7 @@
             <a:r>
               <a:rPr lang="it-IT" sz="2400" b="1">
                 <a:solidFill>
-                  <a:srgbClr val="27282D"/>
+                  <a:schemeClr val="tx1"/>
                 </a:solidFill>
                 <a:latin typeface="Tahoma" panose="020B0604030504040204" pitchFamily="34" charset="0"/>
                 <a:ea typeface="Tahoma" panose="020B0604030504040204" pitchFamily="34" charset="0"/>
@@ -7591,7 +7580,7 @@
             <a:r>
               <a:rPr lang="it-IT" sz="2400">
                 <a:solidFill>
-                  <a:srgbClr val="27282D"/>
+                  <a:schemeClr val="tx1"/>
                 </a:solidFill>
                 <a:latin typeface="Tahoma" panose="020B0604030504040204" pitchFamily="34" charset="0"/>
                 <a:ea typeface="Tahoma" panose="020B0604030504040204" pitchFamily="34" charset="0"/>
@@ -7602,7 +7591,7 @@
             <a:r>
               <a:rPr lang="it-IT" sz="2400" b="1">
                 <a:solidFill>
-                  <a:srgbClr val="27282D"/>
+                  <a:schemeClr val="tx1"/>
                 </a:solidFill>
                 <a:latin typeface="Tahoma" panose="020B0604030504040204" pitchFamily="34" charset="0"/>
                 <a:ea typeface="Tahoma" panose="020B0604030504040204" pitchFamily="34" charset="0"/>
@@ -7613,7 +7602,7 @@
             <a:r>
               <a:rPr lang="it-IT" sz="2400">
                 <a:solidFill>
-                  <a:srgbClr val="27282D"/>
+                  <a:schemeClr val="tx1"/>
                 </a:solidFill>
                 <a:latin typeface="Tahoma" panose="020B0604030504040204" pitchFamily="34" charset="0"/>
                 <a:ea typeface="Tahoma" panose="020B0604030504040204" pitchFamily="34" charset="0"/>
@@ -7624,7 +7613,7 @@
             <a:r>
               <a:rPr lang="it-IT" sz="2400" b="1">
                 <a:solidFill>
-                  <a:srgbClr val="27282D"/>
+                  <a:schemeClr val="tx1"/>
                 </a:solidFill>
                 <a:latin typeface="Tahoma" panose="020B0604030504040204" pitchFamily="34" charset="0"/>
                 <a:ea typeface="Tahoma" panose="020B0604030504040204" pitchFamily="34" charset="0"/>
@@ -7635,7 +7624,7 @@
             <a:r>
               <a:rPr lang="it-IT" sz="2400">
                 <a:solidFill>
-                  <a:srgbClr val="27282D"/>
+                  <a:schemeClr val="tx1"/>
                 </a:solidFill>
                 <a:latin typeface="Tahoma" panose="020B0604030504040204" pitchFamily="34" charset="0"/>
                 <a:ea typeface="Tahoma" panose="020B0604030504040204" pitchFamily="34" charset="0"/>
@@ -7646,7 +7635,7 @@
             <a:r>
               <a:rPr lang="it-IT" sz="2400" b="1">
                 <a:solidFill>
-                  <a:srgbClr val="27282D"/>
+                  <a:schemeClr val="tx1"/>
                 </a:solidFill>
                 <a:latin typeface="Tahoma" panose="020B0604030504040204" pitchFamily="34" charset="0"/>
                 <a:ea typeface="Tahoma" panose="020B0604030504040204" pitchFamily="34" charset="0"/>
@@ -7657,7 +7646,7 @@
             <a:r>
               <a:rPr lang="it-IT" sz="2400">
                 <a:solidFill>
-                  <a:srgbClr val="27282D"/>
+                  <a:schemeClr val="tx1"/>
                 </a:solidFill>
                 <a:latin typeface="Tahoma" panose="020B0604030504040204" pitchFamily="34" charset="0"/>
                 <a:ea typeface="Tahoma" panose="020B0604030504040204" pitchFamily="34" charset="0"/>
@@ -7754,13 +7743,6 @@
   <p:clrMapOvr>
     <a:masterClrMapping/>
   </p:clrMapOvr>
-  <p:timing>
-    <p:tnLst>
-      <p:par>
-        <p:cTn id="1" dur="indefinite" restart="never" nodeType="tmRoot"/>
-      </p:par>
-    </p:tnLst>
-  </p:timing>
 </p:sld>
 </file>
 
@@ -7823,7 +7805,7 @@
             <a:r>
               <a:rPr lang="it-IT" sz="2400">
                 <a:solidFill>
-                  <a:srgbClr val="27282D"/>
+                  <a:schemeClr val="tx1"/>
                 </a:solidFill>
                 <a:latin typeface="Tahoma" panose="020B0604030504040204" pitchFamily="34" charset="0"/>
                 <a:ea typeface="Tahoma" panose="020B0604030504040204" pitchFamily="34" charset="0"/>
@@ -7834,7 +7816,7 @@
             <a:r>
               <a:rPr lang="it-IT" sz="2400" b="1">
                 <a:solidFill>
-                  <a:srgbClr val="27282D"/>
+                  <a:schemeClr val="tx1"/>
                 </a:solidFill>
                 <a:latin typeface="Tahoma" panose="020B0604030504040204" pitchFamily="34" charset="0"/>
                 <a:ea typeface="Tahoma" panose="020B0604030504040204" pitchFamily="34" charset="0"/>
@@ -7845,7 +7827,7 @@
             <a:r>
               <a:rPr lang="it-IT" sz="2400">
                 <a:solidFill>
-                  <a:srgbClr val="27282D"/>
+                  <a:schemeClr val="tx1"/>
                 </a:solidFill>
                 <a:latin typeface="Tahoma" panose="020B0604030504040204" pitchFamily="34" charset="0"/>
                 <a:ea typeface="Tahoma" panose="020B0604030504040204" pitchFamily="34" charset="0"/>
@@ -7856,7 +7838,7 @@
             <a:r>
               <a:rPr lang="it-IT" sz="2400" b="1">
                 <a:solidFill>
-                  <a:srgbClr val="27282D"/>
+                  <a:schemeClr val="tx1"/>
                 </a:solidFill>
                 <a:latin typeface="Tahoma" panose="020B0604030504040204" pitchFamily="34" charset="0"/>
                 <a:ea typeface="Tahoma" panose="020B0604030504040204" pitchFamily="34" charset="0"/>
@@ -7867,7 +7849,7 @@
             <a:r>
               <a:rPr lang="it-IT" sz="2400">
                 <a:solidFill>
-                  <a:srgbClr val="27282D"/>
+                  <a:schemeClr val="tx1"/>
                 </a:solidFill>
                 <a:latin typeface="Tahoma" panose="020B0604030504040204" pitchFamily="34" charset="0"/>
                 <a:ea typeface="Tahoma" panose="020B0604030504040204" pitchFamily="34" charset="0"/>
@@ -7893,7 +7875,7 @@
             <a:r>
               <a:rPr lang="it-IT" sz="2400">
                 <a:solidFill>
-                  <a:srgbClr val="27282D"/>
+                  <a:schemeClr val="tx1"/>
                 </a:solidFill>
                 <a:latin typeface="Tahoma" panose="020B0604030504040204" pitchFamily="34" charset="0"/>
                 <a:ea typeface="Tahoma" panose="020B0604030504040204" pitchFamily="34" charset="0"/>
@@ -7904,7 +7886,7 @@
             <a:r>
               <a:rPr lang="it-IT" sz="2400" b="1">
                 <a:solidFill>
-                  <a:srgbClr val="27282D"/>
+                  <a:schemeClr val="tx1"/>
                 </a:solidFill>
                 <a:latin typeface="Tahoma" panose="020B0604030504040204" pitchFamily="34" charset="0"/>
                 <a:ea typeface="Tahoma" panose="020B0604030504040204" pitchFamily="34" charset="0"/>
@@ -7915,7 +7897,7 @@
             <a:r>
               <a:rPr lang="it-IT" sz="2400">
                 <a:solidFill>
-                  <a:srgbClr val="27282D"/>
+                  <a:schemeClr val="tx1"/>
                 </a:solidFill>
                 <a:latin typeface="Tahoma" panose="020B0604030504040204" pitchFamily="34" charset="0"/>
                 <a:ea typeface="Tahoma" panose="020B0604030504040204" pitchFamily="34" charset="0"/>
@@ -7926,7 +7908,7 @@
             <a:r>
               <a:rPr lang="it-IT" sz="2400" b="1">
                 <a:solidFill>
-                  <a:srgbClr val="27282D"/>
+                  <a:schemeClr val="tx1"/>
                 </a:solidFill>
                 <a:latin typeface="Tahoma" panose="020B0604030504040204" pitchFamily="34" charset="0"/>
                 <a:ea typeface="Tahoma" panose="020B0604030504040204" pitchFamily="34" charset="0"/>
@@ -7937,7 +7919,7 @@
             <a:r>
               <a:rPr lang="it-IT" sz="2400">
                 <a:solidFill>
-                  <a:srgbClr val="27282D"/>
+                  <a:schemeClr val="tx1"/>
                 </a:solidFill>
                 <a:latin typeface="Tahoma" panose="020B0604030504040204" pitchFamily="34" charset="0"/>
                 <a:ea typeface="Tahoma" panose="020B0604030504040204" pitchFamily="34" charset="0"/>
@@ -7948,7 +7930,7 @@
             <a:r>
               <a:rPr lang="it-IT" sz="2400" b="1">
                 <a:solidFill>
-                  <a:srgbClr val="27282D"/>
+                  <a:schemeClr val="tx1"/>
                 </a:solidFill>
                 <a:latin typeface="Tahoma" panose="020B0604030504040204" pitchFamily="34" charset="0"/>
                 <a:ea typeface="Tahoma" panose="020B0604030504040204" pitchFamily="34" charset="0"/>
@@ -7959,7 +7941,7 @@
             <a:r>
               <a:rPr lang="it-IT" sz="2400">
                 <a:solidFill>
-                  <a:srgbClr val="27282D"/>
+                  <a:schemeClr val="tx1"/>
                 </a:solidFill>
                 <a:latin typeface="Tahoma" panose="020B0604030504040204" pitchFamily="34" charset="0"/>
                 <a:ea typeface="Tahoma" panose="020B0604030504040204" pitchFamily="34" charset="0"/>
@@ -7970,7 +7952,7 @@
             <a:r>
               <a:rPr lang="it-IT" sz="2400" b="1">
                 <a:solidFill>
-                  <a:srgbClr val="27282D"/>
+                  <a:schemeClr val="tx1"/>
                 </a:solidFill>
                 <a:latin typeface="Tahoma" panose="020B0604030504040204" pitchFamily="34" charset="0"/>
                 <a:ea typeface="Tahoma" panose="020B0604030504040204" pitchFamily="34" charset="0"/>
@@ -7981,7 +7963,7 @@
             <a:r>
               <a:rPr lang="it-IT" sz="2400">
                 <a:solidFill>
-                  <a:srgbClr val="27282D"/>
+                  <a:schemeClr val="tx1"/>
                 </a:solidFill>
                 <a:latin typeface="Tahoma" panose="020B0604030504040204" pitchFamily="34" charset="0"/>
                 <a:ea typeface="Tahoma" panose="020B0604030504040204" pitchFamily="34" charset="0"/>
@@ -8007,7 +7989,7 @@
             <a:r>
               <a:rPr lang="it-IT" sz="2400">
                 <a:solidFill>
-                  <a:srgbClr val="27282D"/>
+                  <a:schemeClr val="tx1"/>
                 </a:solidFill>
                 <a:latin typeface="Tahoma" panose="020B0604030504040204" pitchFamily="34" charset="0"/>
                 <a:ea typeface="Tahoma" panose="020B0604030504040204" pitchFamily="34" charset="0"/>
@@ -8018,7 +8000,7 @@
             <a:r>
               <a:rPr lang="it-IT" sz="2400" b="1">
                 <a:solidFill>
-                  <a:srgbClr val="27282D"/>
+                  <a:schemeClr val="tx1"/>
                 </a:solidFill>
                 <a:latin typeface="Tahoma" panose="020B0604030504040204" pitchFamily="34" charset="0"/>
                 <a:ea typeface="Tahoma" panose="020B0604030504040204" pitchFamily="34" charset="0"/>
@@ -8029,7 +8011,7 @@
             <a:r>
               <a:rPr lang="it-IT" sz="2400">
                 <a:solidFill>
-                  <a:srgbClr val="27282D"/>
+                  <a:schemeClr val="tx1"/>
                 </a:solidFill>
                 <a:latin typeface="Tahoma" panose="020B0604030504040204" pitchFamily="34" charset="0"/>
                 <a:ea typeface="Tahoma" panose="020B0604030504040204" pitchFamily="34" charset="0"/>
@@ -8126,13 +8108,6 @@
   <p:clrMapOvr>
     <a:masterClrMapping/>
   </p:clrMapOvr>
-  <p:timing>
-    <p:tnLst>
-      <p:par>
-        <p:cTn id="1" dur="indefinite" restart="never" nodeType="tmRoot"/>
-      </p:par>
-    </p:tnLst>
-  </p:timing>
 </p:sld>
 </file>
 
@@ -8195,7 +8170,7 @@
             <a:r>
               <a:rPr lang="it-IT" sz="2400">
                 <a:solidFill>
-                  <a:srgbClr val="27282D"/>
+                  <a:schemeClr val="tx1"/>
                 </a:solidFill>
                 <a:latin typeface="Tahoma" panose="020B0604030504040204" pitchFamily="34" charset="0"/>
                 <a:ea typeface="Tahoma" panose="020B0604030504040204" pitchFamily="34" charset="0"/>
@@ -8206,7 +8181,7 @@
             <a:r>
               <a:rPr lang="it-IT" sz="2400" b="1">
                 <a:solidFill>
-                  <a:srgbClr val="27282D"/>
+                  <a:schemeClr val="tx1"/>
                 </a:solidFill>
                 <a:latin typeface="Tahoma" panose="020B0604030504040204" pitchFamily="34" charset="0"/>
                 <a:ea typeface="Tahoma" panose="020B0604030504040204" pitchFamily="34" charset="0"/>
@@ -8217,7 +8192,7 @@
             <a:r>
               <a:rPr lang="it-IT" sz="2400">
                 <a:solidFill>
-                  <a:srgbClr val="27282D"/>
+                  <a:schemeClr val="tx1"/>
                 </a:solidFill>
                 <a:latin typeface="Tahoma" panose="020B0604030504040204" pitchFamily="34" charset="0"/>
                 <a:ea typeface="Tahoma" panose="020B0604030504040204" pitchFamily="34" charset="0"/>
@@ -8228,7 +8203,7 @@
             <a:r>
               <a:rPr lang="it-IT" sz="2400" b="1">
                 <a:solidFill>
-                  <a:srgbClr val="27282D"/>
+                  <a:schemeClr val="tx1"/>
                 </a:solidFill>
                 <a:latin typeface="Tahoma" panose="020B0604030504040204" pitchFamily="34" charset="0"/>
                 <a:ea typeface="Tahoma" panose="020B0604030504040204" pitchFamily="34" charset="0"/>
@@ -8239,7 +8214,7 @@
             <a:r>
               <a:rPr lang="it-IT" sz="2400">
                 <a:solidFill>
-                  <a:srgbClr val="27282D"/>
+                  <a:schemeClr val="tx1"/>
                 </a:solidFill>
                 <a:latin typeface="Tahoma" panose="020B0604030504040204" pitchFamily="34" charset="0"/>
                 <a:ea typeface="Tahoma" panose="020B0604030504040204" pitchFamily="34" charset="0"/>
@@ -8250,7 +8225,7 @@
             <a:r>
               <a:rPr lang="it-IT" sz="2400" b="1">
                 <a:solidFill>
-                  <a:srgbClr val="27282D"/>
+                  <a:schemeClr val="tx1"/>
                 </a:solidFill>
                 <a:latin typeface="Tahoma" panose="020B0604030504040204" pitchFamily="34" charset="0"/>
                 <a:ea typeface="Tahoma" panose="020B0604030504040204" pitchFamily="34" charset="0"/>
@@ -8261,7 +8236,7 @@
             <a:r>
               <a:rPr lang="it-IT" sz="2400">
                 <a:solidFill>
-                  <a:srgbClr val="27282D"/>
+                  <a:schemeClr val="tx1"/>
                 </a:solidFill>
                 <a:latin typeface="Tahoma" panose="020B0604030504040204" pitchFamily="34" charset="0"/>
                 <a:ea typeface="Tahoma" panose="020B0604030504040204" pitchFamily="34" charset="0"/>
@@ -8388,13 +8363,6 @@
   <p:clrMapOvr>
     <a:masterClrMapping/>
   </p:clrMapOvr>
-  <p:timing>
-    <p:tnLst>
-      <p:par>
-        <p:cTn id="1" dur="indefinite" restart="never" nodeType="tmRoot"/>
-      </p:par>
-    </p:tnLst>
-  </p:timing>
 </p:sld>
 </file>
 
@@ -8457,7 +8425,7 @@
             <a:r>
               <a:rPr lang="it-IT" sz="2400">
                 <a:solidFill>
-                  <a:srgbClr val="27282D"/>
+                  <a:schemeClr val="tx1"/>
                 </a:solidFill>
                 <a:latin typeface="Tahoma" panose="020B0604030504040204" pitchFamily="34" charset="0"/>
                 <a:ea typeface="Tahoma" panose="020B0604030504040204" pitchFamily="34" charset="0"/>
@@ -8468,7 +8436,7 @@
             <a:r>
               <a:rPr lang="it-IT" sz="2400" b="1">
                 <a:solidFill>
-                  <a:srgbClr val="27282D"/>
+                  <a:schemeClr val="tx1"/>
                 </a:solidFill>
                 <a:latin typeface="Tahoma" panose="020B0604030504040204" pitchFamily="34" charset="0"/>
                 <a:ea typeface="Tahoma" panose="020B0604030504040204" pitchFamily="34" charset="0"/>
@@ -8479,7 +8447,7 @@
             <a:r>
               <a:rPr lang="it-IT" sz="2400">
                 <a:solidFill>
-                  <a:srgbClr val="27282D"/>
+                  <a:schemeClr val="tx1"/>
                 </a:solidFill>
                 <a:latin typeface="Tahoma" panose="020B0604030504040204" pitchFamily="34" charset="0"/>
                 <a:ea typeface="Tahoma" panose="020B0604030504040204" pitchFamily="34" charset="0"/>
@@ -8490,7 +8458,7 @@
             <a:r>
               <a:rPr lang="it-IT" sz="2400" b="1">
                 <a:solidFill>
-                  <a:srgbClr val="27282D"/>
+                  <a:schemeClr val="tx1"/>
                 </a:solidFill>
                 <a:latin typeface="Tahoma" panose="020B0604030504040204" pitchFamily="34" charset="0"/>
                 <a:ea typeface="Tahoma" panose="020B0604030504040204" pitchFamily="34" charset="0"/>
@@ -8501,7 +8469,7 @@
             <a:r>
               <a:rPr lang="it-IT" sz="2400">
                 <a:solidFill>
-                  <a:srgbClr val="27282D"/>
+                  <a:schemeClr val="tx1"/>
                 </a:solidFill>
                 <a:latin typeface="Tahoma" panose="020B0604030504040204" pitchFamily="34" charset="0"/>
                 <a:ea typeface="Tahoma" panose="020B0604030504040204" pitchFamily="34" charset="0"/>
@@ -8527,7 +8495,7 @@
             <a:r>
               <a:rPr lang="it-IT" sz="2400">
                 <a:solidFill>
-                  <a:srgbClr val="27282D"/>
+                  <a:schemeClr val="tx1"/>
                 </a:solidFill>
                 <a:latin typeface="Tahoma" panose="020B0604030504040204" pitchFamily="34" charset="0"/>
                 <a:ea typeface="Tahoma" panose="020B0604030504040204" pitchFamily="34" charset="0"/>
@@ -8538,7 +8506,7 @@
             <a:r>
               <a:rPr lang="it-IT" sz="2400" b="1">
                 <a:solidFill>
-                  <a:srgbClr val="27282D"/>
+                  <a:schemeClr val="tx1"/>
                 </a:solidFill>
                 <a:latin typeface="Tahoma" panose="020B0604030504040204" pitchFamily="34" charset="0"/>
                 <a:ea typeface="Tahoma" panose="020B0604030504040204" pitchFamily="34" charset="0"/>
@@ -8549,7 +8517,7 @@
             <a:r>
               <a:rPr lang="it-IT" sz="2400">
                 <a:solidFill>
-                  <a:srgbClr val="27282D"/>
+                  <a:schemeClr val="tx1"/>
                 </a:solidFill>
                 <a:latin typeface="Tahoma" panose="020B0604030504040204" pitchFamily="34" charset="0"/>
                 <a:ea typeface="Tahoma" panose="020B0604030504040204" pitchFamily="34" charset="0"/>
@@ -8560,7 +8528,7 @@
             <a:r>
               <a:rPr lang="it-IT" sz="2400" b="1">
                 <a:solidFill>
-                  <a:srgbClr val="27282D"/>
+                  <a:schemeClr val="tx1"/>
                 </a:solidFill>
                 <a:latin typeface="Tahoma" panose="020B0604030504040204" pitchFamily="34" charset="0"/>
                 <a:ea typeface="Tahoma" panose="020B0604030504040204" pitchFamily="34" charset="0"/>
@@ -8571,7 +8539,7 @@
             <a:r>
               <a:rPr lang="it-IT" sz="2400">
                 <a:solidFill>
-                  <a:srgbClr val="27282D"/>
+                  <a:schemeClr val="tx1"/>
                 </a:solidFill>
                 <a:latin typeface="Tahoma" panose="020B0604030504040204" pitchFamily="34" charset="0"/>
                 <a:ea typeface="Tahoma" panose="020B0604030504040204" pitchFamily="34" charset="0"/>
@@ -8597,7 +8565,7 @@
             <a:r>
               <a:rPr lang="it-IT" sz="2400">
                 <a:solidFill>
-                  <a:srgbClr val="27282D"/>
+                  <a:schemeClr val="tx1"/>
                 </a:solidFill>
                 <a:latin typeface="Tahoma" panose="020B0604030504040204" pitchFamily="34" charset="0"/>
                 <a:ea typeface="Tahoma" panose="020B0604030504040204" pitchFamily="34" charset="0"/>
@@ -8608,7 +8576,7 @@
             <a:r>
               <a:rPr lang="it-IT" sz="2400" b="1">
                 <a:solidFill>
-                  <a:srgbClr val="27282D"/>
+                  <a:schemeClr val="tx1"/>
                 </a:solidFill>
                 <a:latin typeface="Tahoma" panose="020B0604030504040204" pitchFamily="34" charset="0"/>
                 <a:ea typeface="Tahoma" panose="020B0604030504040204" pitchFamily="34" charset="0"/>
@@ -8619,7 +8587,7 @@
             <a:r>
               <a:rPr lang="it-IT" sz="2400">
                 <a:solidFill>
-                  <a:srgbClr val="27282D"/>
+                  <a:schemeClr val="tx1"/>
                 </a:solidFill>
                 <a:latin typeface="Tahoma" panose="020B0604030504040204" pitchFamily="34" charset="0"/>
                 <a:ea typeface="Tahoma" panose="020B0604030504040204" pitchFamily="34" charset="0"/>
@@ -8630,7 +8598,7 @@
             <a:r>
               <a:rPr lang="it-IT" sz="2400" b="1">
                 <a:solidFill>
-                  <a:srgbClr val="27282D"/>
+                  <a:schemeClr val="tx1"/>
                 </a:solidFill>
                 <a:latin typeface="Tahoma" panose="020B0604030504040204" pitchFamily="34" charset="0"/>
                 <a:ea typeface="Tahoma" panose="020B0604030504040204" pitchFamily="34" charset="0"/>
@@ -8641,7 +8609,7 @@
             <a:r>
               <a:rPr lang="it-IT" sz="2400">
                 <a:solidFill>
-                  <a:srgbClr val="27282D"/>
+                  <a:schemeClr val="tx1"/>
                 </a:solidFill>
                 <a:latin typeface="Tahoma" panose="020B0604030504040204" pitchFamily="34" charset="0"/>
                 <a:ea typeface="Tahoma" panose="020B0604030504040204" pitchFamily="34" charset="0"/>
@@ -8652,7 +8620,7 @@
             <a:r>
               <a:rPr lang="it-IT" sz="2400" b="1">
                 <a:solidFill>
-                  <a:srgbClr val="27282D"/>
+                  <a:schemeClr val="tx1"/>
                 </a:solidFill>
                 <a:latin typeface="Tahoma" panose="020B0604030504040204" pitchFamily="34" charset="0"/>
                 <a:ea typeface="Tahoma" panose="020B0604030504040204" pitchFamily="34" charset="0"/>
@@ -8663,7 +8631,7 @@
             <a:r>
               <a:rPr lang="it-IT" sz="2400">
                 <a:solidFill>
-                  <a:srgbClr val="27282D"/>
+                  <a:schemeClr val="tx1"/>
                 </a:solidFill>
                 <a:latin typeface="Tahoma" panose="020B0604030504040204" pitchFamily="34" charset="0"/>
                 <a:ea typeface="Tahoma" panose="020B0604030504040204" pitchFamily="34" charset="0"/>
@@ -8689,7 +8657,7 @@
             <a:r>
               <a:rPr lang="it-IT" sz="2400">
                 <a:solidFill>
-                  <a:srgbClr val="27282D"/>
+                  <a:schemeClr val="tx1"/>
                 </a:solidFill>
                 <a:latin typeface="Tahoma" panose="020B0604030504040204" pitchFamily="34" charset="0"/>
                 <a:ea typeface="Tahoma" panose="020B0604030504040204" pitchFamily="34" charset="0"/>
@@ -8700,7 +8668,7 @@
             <a:r>
               <a:rPr lang="it-IT" sz="2400" b="1">
                 <a:solidFill>
-                  <a:srgbClr val="27282D"/>
+                  <a:schemeClr val="tx1"/>
                 </a:solidFill>
                 <a:latin typeface="Tahoma" panose="020B0604030504040204" pitchFamily="34" charset="0"/>
                 <a:ea typeface="Tahoma" panose="020B0604030504040204" pitchFamily="34" charset="0"/>
@@ -8711,7 +8679,7 @@
             <a:r>
               <a:rPr lang="it-IT" sz="2400">
                 <a:solidFill>
-                  <a:srgbClr val="27282D"/>
+                  <a:schemeClr val="tx1"/>
                 </a:solidFill>
                 <a:latin typeface="Tahoma" panose="020B0604030504040204" pitchFamily="34" charset="0"/>
                 <a:ea typeface="Tahoma" panose="020B0604030504040204" pitchFamily="34" charset="0"/>
@@ -8722,7 +8690,7 @@
             <a:r>
               <a:rPr lang="it-IT" sz="2400" b="1">
                 <a:solidFill>
-                  <a:srgbClr val="27282D"/>
+                  <a:schemeClr val="tx1"/>
                 </a:solidFill>
                 <a:latin typeface="Tahoma" panose="020B0604030504040204" pitchFamily="34" charset="0"/>
                 <a:ea typeface="Tahoma" panose="020B0604030504040204" pitchFamily="34" charset="0"/>
@@ -8733,7 +8701,7 @@
             <a:r>
               <a:rPr lang="it-IT" sz="2400">
                 <a:solidFill>
-                  <a:srgbClr val="27282D"/>
+                  <a:schemeClr val="tx1"/>
                 </a:solidFill>
                 <a:latin typeface="Tahoma" panose="020B0604030504040204" pitchFamily="34" charset="0"/>
                 <a:ea typeface="Tahoma" panose="020B0604030504040204" pitchFamily="34" charset="0"/>
@@ -8744,7 +8712,7 @@
             <a:r>
               <a:rPr lang="it-IT" sz="2400" b="1">
                 <a:solidFill>
-                  <a:srgbClr val="27282D"/>
+                  <a:schemeClr val="tx1"/>
                 </a:solidFill>
                 <a:latin typeface="Tahoma" panose="020B0604030504040204" pitchFamily="34" charset="0"/>
                 <a:ea typeface="Tahoma" panose="020B0604030504040204" pitchFamily="34" charset="0"/>
@@ -8755,7 +8723,7 @@
             <a:r>
               <a:rPr lang="it-IT" sz="2400">
                 <a:solidFill>
-                  <a:srgbClr val="27282D"/>
+                  <a:schemeClr val="tx1"/>
                 </a:solidFill>
                 <a:latin typeface="Tahoma" panose="020B0604030504040204" pitchFamily="34" charset="0"/>
                 <a:ea typeface="Tahoma" panose="020B0604030504040204" pitchFamily="34" charset="0"/>
@@ -8766,7 +8734,7 @@
             <a:r>
               <a:rPr lang="it-IT" sz="2400" b="1">
                 <a:solidFill>
-                  <a:srgbClr val="27282D"/>
+                  <a:schemeClr val="tx1"/>
                 </a:solidFill>
                 <a:latin typeface="Tahoma" panose="020B0604030504040204" pitchFamily="34" charset="0"/>
                 <a:ea typeface="Tahoma" panose="020B0604030504040204" pitchFamily="34" charset="0"/>
@@ -8777,7 +8745,7 @@
             <a:r>
               <a:rPr lang="it-IT" sz="2400">
                 <a:solidFill>
-                  <a:srgbClr val="27282D"/>
+                  <a:schemeClr val="tx1"/>
                 </a:solidFill>
                 <a:latin typeface="Tahoma" panose="020B0604030504040204" pitchFamily="34" charset="0"/>
                 <a:ea typeface="Tahoma" panose="020B0604030504040204" pitchFamily="34" charset="0"/>
@@ -8897,13 +8865,6 @@
   <p:clrMapOvr>
     <a:masterClrMapping/>
   </p:clrMapOvr>
-  <p:timing>
-    <p:tnLst>
-      <p:par>
-        <p:cTn id="1" dur="indefinite" restart="never" nodeType="tmRoot"/>
-      </p:par>
-    </p:tnLst>
-  </p:timing>
 </p:sld>
 </file>
 
@@ -8957,7 +8918,7 @@
             <a:r>
               <a:rPr lang="it-IT" sz="2400">
                 <a:solidFill>
-                  <a:srgbClr val="27282D"/>
+                  <a:schemeClr val="tx1"/>
                 </a:solidFill>
                 <a:latin typeface="Tahoma" panose="020B0604030504040204" pitchFamily="34" charset="0"/>
                 <a:ea typeface="Tahoma" panose="020B0604030504040204" pitchFamily="34" charset="0"/>
@@ -8968,7 +8929,7 @@
             <a:r>
               <a:rPr lang="it-IT" sz="2400" b="1">
                 <a:solidFill>
-                  <a:srgbClr val="27282D"/>
+                  <a:schemeClr val="tx1"/>
                 </a:solidFill>
                 <a:latin typeface="Tahoma" panose="020B0604030504040204" pitchFamily="34" charset="0"/>
                 <a:ea typeface="Tahoma" panose="020B0604030504040204" pitchFamily="34" charset="0"/>
@@ -8979,7 +8940,7 @@
             <a:r>
               <a:rPr lang="it-IT" sz="2400">
                 <a:solidFill>
-                  <a:srgbClr val="27282D"/>
+                  <a:schemeClr val="tx1"/>
                 </a:solidFill>
                 <a:latin typeface="Tahoma" panose="020B0604030504040204" pitchFamily="34" charset="0"/>
                 <a:ea typeface="Tahoma" panose="020B0604030504040204" pitchFamily="34" charset="0"/>
@@ -8990,7 +8951,7 @@
             <a:r>
               <a:rPr lang="it-IT" sz="2400" b="1">
                 <a:solidFill>
-                  <a:srgbClr val="27282D"/>
+                  <a:schemeClr val="tx1"/>
                 </a:solidFill>
                 <a:latin typeface="Tahoma" panose="020B0604030504040204" pitchFamily="34" charset="0"/>
                 <a:ea typeface="Tahoma" panose="020B0604030504040204" pitchFamily="34" charset="0"/>
@@ -9001,7 +8962,7 @@
             <a:r>
               <a:rPr lang="it-IT" sz="2400">
                 <a:solidFill>
-                  <a:srgbClr val="27282D"/>
+                  <a:schemeClr val="tx1"/>
                 </a:solidFill>
                 <a:latin typeface="Tahoma" panose="020B0604030504040204" pitchFamily="34" charset="0"/>
                 <a:ea typeface="Tahoma" panose="020B0604030504040204" pitchFamily="34" charset="0"/>
@@ -9012,7 +8973,7 @@
             <a:r>
               <a:rPr lang="it-IT" sz="2400" b="1">
                 <a:solidFill>
-                  <a:srgbClr val="27282D"/>
+                  <a:schemeClr val="tx1"/>
                 </a:solidFill>
                 <a:latin typeface="Tahoma" panose="020B0604030504040204" pitchFamily="34" charset="0"/>
                 <a:ea typeface="Tahoma" panose="020B0604030504040204" pitchFamily="34" charset="0"/>
@@ -9023,7 +8984,7 @@
             <a:r>
               <a:rPr lang="it-IT" sz="2400">
                 <a:solidFill>
-                  <a:srgbClr val="27282D"/>
+                  <a:schemeClr val="tx1"/>
                 </a:solidFill>
                 <a:latin typeface="Tahoma" panose="020B0604030504040204" pitchFamily="34" charset="0"/>
                 <a:ea typeface="Tahoma" panose="020B0604030504040204" pitchFamily="34" charset="0"/>
@@ -9034,7 +8995,7 @@
             <a:r>
               <a:rPr lang="it-IT" sz="2400" b="1">
                 <a:solidFill>
-                  <a:srgbClr val="27282D"/>
+                  <a:schemeClr val="tx1"/>
                 </a:solidFill>
                 <a:latin typeface="Tahoma" panose="020B0604030504040204" pitchFamily="34" charset="0"/>
                 <a:ea typeface="Tahoma" panose="020B0604030504040204" pitchFamily="34" charset="0"/>
@@ -9045,7 +9006,7 @@
             <a:r>
               <a:rPr lang="it-IT" sz="2400">
                 <a:solidFill>
-                  <a:srgbClr val="27282D"/>
+                  <a:schemeClr val="tx1"/>
                 </a:solidFill>
                 <a:latin typeface="Tahoma" panose="020B0604030504040204" pitchFamily="34" charset="0"/>
                 <a:ea typeface="Tahoma" panose="020B0604030504040204" pitchFamily="34" charset="0"/>
@@ -9056,7 +9017,7 @@
             <a:r>
               <a:rPr lang="it-IT" sz="2400" b="1">
                 <a:solidFill>
-                  <a:srgbClr val="27282D"/>
+                  <a:schemeClr val="tx1"/>
                 </a:solidFill>
                 <a:latin typeface="Tahoma" panose="020B0604030504040204" pitchFamily="34" charset="0"/>
                 <a:ea typeface="Tahoma" panose="020B0604030504040204" pitchFamily="34" charset="0"/>
@@ -9067,7 +9028,7 @@
             <a:r>
               <a:rPr lang="it-IT" sz="2400">
                 <a:solidFill>
-                  <a:srgbClr val="27282D"/>
+                  <a:schemeClr val="tx1"/>
                 </a:solidFill>
                 <a:latin typeface="Tahoma" panose="020B0604030504040204" pitchFamily="34" charset="0"/>
                 <a:ea typeface="Tahoma" panose="020B0604030504040204" pitchFamily="34" charset="0"/>
@@ -9078,7 +9039,7 @@
             <a:r>
               <a:rPr lang="it-IT" sz="2400" b="1">
                 <a:solidFill>
-                  <a:srgbClr val="27282D"/>
+                  <a:schemeClr val="tx1"/>
                 </a:solidFill>
                 <a:latin typeface="Tahoma" panose="020B0604030504040204" pitchFamily="34" charset="0"/>
                 <a:ea typeface="Tahoma" panose="020B0604030504040204" pitchFamily="34" charset="0"/>
@@ -9089,7 +9050,7 @@
             <a:r>
               <a:rPr lang="it-IT" sz="2400">
                 <a:solidFill>
-                  <a:srgbClr val="27282D"/>
+                  <a:schemeClr val="tx1"/>
                 </a:solidFill>
                 <a:latin typeface="Tahoma" panose="020B0604030504040204" pitchFamily="34" charset="0"/>
                 <a:ea typeface="Tahoma" panose="020B0604030504040204" pitchFamily="34" charset="0"/>
@@ -9100,7 +9061,7 @@
             <a:r>
               <a:rPr lang="it-IT" sz="2400" b="1">
                 <a:solidFill>
-                  <a:srgbClr val="27282D"/>
+                  <a:schemeClr val="tx1"/>
                 </a:solidFill>
                 <a:latin typeface="Tahoma" panose="020B0604030504040204" pitchFamily="34" charset="0"/>
                 <a:ea typeface="Tahoma" panose="020B0604030504040204" pitchFamily="34" charset="0"/>
@@ -9111,7 +9072,7 @@
             <a:r>
               <a:rPr lang="it-IT" sz="2400">
                 <a:solidFill>
-                  <a:srgbClr val="27282D"/>
+                  <a:schemeClr val="tx1"/>
                 </a:solidFill>
                 <a:latin typeface="Tahoma" panose="020B0604030504040204" pitchFamily="34" charset="0"/>
                 <a:ea typeface="Tahoma" panose="020B0604030504040204" pitchFamily="34" charset="0"/>
@@ -9128,7 +9089,7 @@
             <a:r>
               <a:rPr lang="it-IT" sz="2400">
                 <a:solidFill>
-                  <a:srgbClr val="27282D"/>
+                  <a:schemeClr val="tx1"/>
                 </a:solidFill>
                 <a:latin typeface="Tahoma" panose="020B0604030504040204" pitchFamily="34" charset="0"/>
                 <a:ea typeface="Tahoma" panose="020B0604030504040204" pitchFamily="34" charset="0"/>
@@ -9139,7 +9100,7 @@
             <a:r>
               <a:rPr lang="it-IT" sz="2400" b="1">
                 <a:solidFill>
-                  <a:srgbClr val="27282D"/>
+                  <a:schemeClr val="tx1"/>
                 </a:solidFill>
                 <a:latin typeface="Tahoma" panose="020B0604030504040204" pitchFamily="34" charset="0"/>
                 <a:ea typeface="Tahoma" panose="020B0604030504040204" pitchFamily="34" charset="0"/>
@@ -9150,7 +9111,7 @@
             <a:r>
               <a:rPr lang="it-IT" sz="2400">
                 <a:solidFill>
-                  <a:srgbClr val="27282D"/>
+                  <a:schemeClr val="tx1"/>
                 </a:solidFill>
                 <a:latin typeface="Tahoma" panose="020B0604030504040204" pitchFamily="34" charset="0"/>
                 <a:ea typeface="Tahoma" panose="020B0604030504040204" pitchFamily="34" charset="0"/>
@@ -9161,7 +9122,7 @@
             <a:r>
               <a:rPr lang="it-IT" sz="2400" b="1">
                 <a:solidFill>
-                  <a:srgbClr val="27282D"/>
+                  <a:schemeClr val="tx1"/>
                 </a:solidFill>
                 <a:latin typeface="Tahoma" panose="020B0604030504040204" pitchFamily="34" charset="0"/>
                 <a:ea typeface="Tahoma" panose="020B0604030504040204" pitchFamily="34" charset="0"/>
@@ -9172,7 +9133,7 @@
             <a:r>
               <a:rPr lang="it-IT" sz="2400">
                 <a:solidFill>
-                  <a:srgbClr val="27282D"/>
+                  <a:schemeClr val="tx1"/>
                 </a:solidFill>
                 <a:latin typeface="Tahoma" panose="020B0604030504040204" pitchFamily="34" charset="0"/>
                 <a:ea typeface="Tahoma" panose="020B0604030504040204" pitchFamily="34" charset="0"/>
@@ -9183,7 +9144,7 @@
             <a:r>
               <a:rPr lang="it-IT" sz="2400" b="1">
                 <a:solidFill>
-                  <a:srgbClr val="27282D"/>
+                  <a:schemeClr val="tx1"/>
                 </a:solidFill>
                 <a:latin typeface="Tahoma" panose="020B0604030504040204" pitchFamily="34" charset="0"/>
                 <a:ea typeface="Tahoma" panose="020B0604030504040204" pitchFamily="34" charset="0"/>
@@ -9194,7 +9155,7 @@
             <a:r>
               <a:rPr lang="it-IT" sz="2400">
                 <a:solidFill>
-                  <a:srgbClr val="27282D"/>
+                  <a:schemeClr val="tx1"/>
                 </a:solidFill>
                 <a:latin typeface="Tahoma" panose="020B0604030504040204" pitchFamily="34" charset="0"/>
                 <a:ea typeface="Tahoma" panose="020B0604030504040204" pitchFamily="34" charset="0"/>
@@ -9205,7 +9166,7 @@
             <a:r>
               <a:rPr lang="it-IT" sz="2400" b="1">
                 <a:solidFill>
-                  <a:srgbClr val="27282D"/>
+                  <a:schemeClr val="tx1"/>
                 </a:solidFill>
                 <a:latin typeface="Tahoma" panose="020B0604030504040204" pitchFamily="34" charset="0"/>
                 <a:ea typeface="Tahoma" panose="020B0604030504040204" pitchFamily="34" charset="0"/>
@@ -9216,7 +9177,7 @@
             <a:r>
               <a:rPr lang="it-IT" sz="2400">
                 <a:solidFill>
-                  <a:srgbClr val="27282D"/>
+                  <a:schemeClr val="tx1"/>
                 </a:solidFill>
                 <a:latin typeface="Tahoma" panose="020B0604030504040204" pitchFamily="34" charset="0"/>
                 <a:ea typeface="Tahoma" panose="020B0604030504040204" pitchFamily="34" charset="0"/>
@@ -9233,7 +9194,7 @@
             <a:r>
               <a:rPr lang="it-IT" sz="2400" b="1">
                 <a:solidFill>
-                  <a:srgbClr val="27282D"/>
+                  <a:schemeClr val="tx1"/>
                 </a:solidFill>
                 <a:latin typeface="Tahoma" panose="020B0604030504040204" pitchFamily="34" charset="0"/>
                 <a:ea typeface="Tahoma" panose="020B0604030504040204" pitchFamily="34" charset="0"/>
@@ -9244,7 +9205,7 @@
             <a:r>
               <a:rPr lang="it-IT" sz="2400">
                 <a:solidFill>
-                  <a:srgbClr val="27282D"/>
+                  <a:schemeClr val="tx1"/>
                 </a:solidFill>
                 <a:latin typeface="Tahoma" panose="020B0604030504040204" pitchFamily="34" charset="0"/>
                 <a:ea typeface="Tahoma" panose="020B0604030504040204" pitchFamily="34" charset="0"/>
@@ -9255,7 +9216,7 @@
             <a:r>
               <a:rPr lang="it-IT" sz="2400" b="1">
                 <a:solidFill>
-                  <a:srgbClr val="27282D"/>
+                  <a:schemeClr val="tx1"/>
                 </a:solidFill>
                 <a:latin typeface="Tahoma" panose="020B0604030504040204" pitchFamily="34" charset="0"/>
                 <a:ea typeface="Tahoma" panose="020B0604030504040204" pitchFamily="34" charset="0"/>
@@ -9266,7 +9227,7 @@
             <a:r>
               <a:rPr lang="it-IT" sz="2400">
                 <a:solidFill>
-                  <a:srgbClr val="27282D"/>
+                  <a:schemeClr val="tx1"/>
                 </a:solidFill>
                 <a:latin typeface="Tahoma" panose="020B0604030504040204" pitchFamily="34" charset="0"/>
                 <a:ea typeface="Tahoma" panose="020B0604030504040204" pitchFamily="34" charset="0"/>
@@ -9277,7 +9238,7 @@
             <a:r>
               <a:rPr lang="it-IT" sz="2400" b="1">
                 <a:solidFill>
-                  <a:srgbClr val="27282D"/>
+                  <a:schemeClr val="tx1"/>
                 </a:solidFill>
                 <a:latin typeface="Tahoma" panose="020B0604030504040204" pitchFamily="34" charset="0"/>
                 <a:ea typeface="Tahoma" panose="020B0604030504040204" pitchFamily="34" charset="0"/>
@@ -9288,7 +9249,7 @@
             <a:r>
               <a:rPr lang="it-IT" sz="2400">
                 <a:solidFill>
-                  <a:srgbClr val="27282D"/>
+                  <a:schemeClr val="tx1"/>
                 </a:solidFill>
                 <a:latin typeface="Tahoma" panose="020B0604030504040204" pitchFamily="34" charset="0"/>
                 <a:ea typeface="Tahoma" panose="020B0604030504040204" pitchFamily="34" charset="0"/>
@@ -9305,7 +9266,7 @@
             <a:r>
               <a:rPr lang="it-IT" sz="2400">
                 <a:solidFill>
-                  <a:srgbClr val="27282D"/>
+                  <a:schemeClr val="tx1"/>
                 </a:solidFill>
                 <a:latin typeface="Tahoma" panose="020B0604030504040204" pitchFamily="34" charset="0"/>
                 <a:ea typeface="Tahoma" panose="020B0604030504040204" pitchFamily="34" charset="0"/>
@@ -9316,7 +9277,7 @@
             <a:r>
               <a:rPr lang="it-IT" sz="2400" b="1">
                 <a:solidFill>
-                  <a:srgbClr val="27282D"/>
+                  <a:schemeClr val="tx1"/>
                 </a:solidFill>
                 <a:latin typeface="Tahoma" panose="020B0604030504040204" pitchFamily="34" charset="0"/>
                 <a:ea typeface="Tahoma" panose="020B0604030504040204" pitchFamily="34" charset="0"/>
@@ -9327,7 +9288,7 @@
             <a:r>
               <a:rPr lang="it-IT" sz="2400">
                 <a:solidFill>
-                  <a:srgbClr val="27282D"/>
+                  <a:schemeClr val="tx1"/>
                 </a:solidFill>
                 <a:latin typeface="Tahoma" panose="020B0604030504040204" pitchFamily="34" charset="0"/>
                 <a:ea typeface="Tahoma" panose="020B0604030504040204" pitchFamily="34" charset="0"/>
@@ -9338,7 +9299,7 @@
             <a:r>
               <a:rPr lang="it-IT" sz="2400" b="1">
                 <a:solidFill>
-                  <a:srgbClr val="27282D"/>
+                  <a:schemeClr val="tx1"/>
                 </a:solidFill>
                 <a:latin typeface="Tahoma" panose="020B0604030504040204" pitchFamily="34" charset="0"/>
                 <a:ea typeface="Tahoma" panose="020B0604030504040204" pitchFamily="34" charset="0"/>
@@ -9349,7 +9310,7 @@
             <a:r>
               <a:rPr lang="it-IT" sz="2400">
                 <a:solidFill>
-                  <a:srgbClr val="27282D"/>
+                  <a:schemeClr val="tx1"/>
                 </a:solidFill>
                 <a:latin typeface="Tahoma" panose="020B0604030504040204" pitchFamily="34" charset="0"/>
                 <a:ea typeface="Tahoma" panose="020B0604030504040204" pitchFamily="34" charset="0"/>
@@ -9446,13 +9407,6 @@
   <p:clrMapOvr>
     <a:masterClrMapping/>
   </p:clrMapOvr>
-  <p:timing>
-    <p:tnLst>
-      <p:par>
-        <p:cTn id="1" dur="indefinite" restart="never" nodeType="tmRoot"/>
-      </p:par>
-    </p:tnLst>
-  </p:timing>
 </p:sld>
 </file>
 
@@ -9506,7 +9460,7 @@
             <a:r>
               <a:rPr lang="it-IT" sz="2400" b="1">
                 <a:solidFill>
-                  <a:srgbClr val="27282D"/>
+                  <a:schemeClr val="tx1"/>
                 </a:solidFill>
                 <a:latin typeface="Tahoma" panose="020B0604030504040204" pitchFamily="34" charset="0"/>
                 <a:ea typeface="Tahoma" panose="020B0604030504040204" pitchFamily="34" charset="0"/>
@@ -9517,7 +9471,7 @@
             <a:r>
               <a:rPr lang="it-IT" sz="2400">
                 <a:solidFill>
-                  <a:srgbClr val="27282D"/>
+                  <a:schemeClr val="tx1"/>
                 </a:solidFill>
                 <a:latin typeface="Tahoma" panose="020B0604030504040204" pitchFamily="34" charset="0"/>
                 <a:ea typeface="Tahoma" panose="020B0604030504040204" pitchFamily="34" charset="0"/>
@@ -9528,7 +9482,7 @@
             <a:r>
               <a:rPr lang="it-IT" sz="2400" b="1">
                 <a:solidFill>
-                  <a:srgbClr val="27282D"/>
+                  <a:schemeClr val="tx1"/>
                 </a:solidFill>
                 <a:latin typeface="Tahoma" panose="020B0604030504040204" pitchFamily="34" charset="0"/>
                 <a:ea typeface="Tahoma" panose="020B0604030504040204" pitchFamily="34" charset="0"/>
@@ -9539,7 +9493,7 @@
             <a:r>
               <a:rPr lang="it-IT" sz="2400">
                 <a:solidFill>
-                  <a:srgbClr val="27282D"/>
+                  <a:schemeClr val="tx1"/>
                 </a:solidFill>
                 <a:latin typeface="Tahoma" panose="020B0604030504040204" pitchFamily="34" charset="0"/>
                 <a:ea typeface="Tahoma" panose="020B0604030504040204" pitchFamily="34" charset="0"/>
@@ -9550,7 +9504,7 @@
             <a:r>
               <a:rPr lang="it-IT" sz="2400" b="1">
                 <a:solidFill>
-                  <a:srgbClr val="27282D"/>
+                  <a:schemeClr val="tx1"/>
                 </a:solidFill>
                 <a:latin typeface="Tahoma" panose="020B0604030504040204" pitchFamily="34" charset="0"/>
                 <a:ea typeface="Tahoma" panose="020B0604030504040204" pitchFamily="34" charset="0"/>
@@ -9561,7 +9515,7 @@
             <a:r>
               <a:rPr lang="it-IT" sz="2400">
                 <a:solidFill>
-                  <a:srgbClr val="27282D"/>
+                  <a:schemeClr val="tx1"/>
                 </a:solidFill>
                 <a:latin typeface="Tahoma" panose="020B0604030504040204" pitchFamily="34" charset="0"/>
                 <a:ea typeface="Tahoma" panose="020B0604030504040204" pitchFamily="34" charset="0"/>
@@ -9725,13 +9679,6 @@
   <p:clrMapOvr>
     <a:masterClrMapping/>
   </p:clrMapOvr>
-  <p:timing>
-    <p:tnLst>
-      <p:par>
-        <p:cTn id="1" dur="indefinite" restart="never" nodeType="tmRoot"/>
-      </p:par>
-    </p:tnLst>
-  </p:timing>
 </p:sld>
 </file>
 
@@ -9785,7 +9732,7 @@
             <a:r>
               <a:rPr lang="it-IT" sz="2400">
                 <a:solidFill>
-                  <a:srgbClr val="27282D"/>
+                  <a:schemeClr val="tx1"/>
                 </a:solidFill>
                 <a:latin typeface="Tahoma" panose="020B0604030504040204" pitchFamily="34" charset="0"/>
                 <a:ea typeface="Tahoma" panose="020B0604030504040204" pitchFamily="34" charset="0"/>
@@ -9796,7 +9743,7 @@
             <a:r>
               <a:rPr lang="it-IT" sz="2400" b="1">
                 <a:solidFill>
-                  <a:srgbClr val="27282D"/>
+                  <a:schemeClr val="tx1"/>
                 </a:solidFill>
                 <a:latin typeface="Tahoma" panose="020B0604030504040204" pitchFamily="34" charset="0"/>
                 <a:ea typeface="Tahoma" panose="020B0604030504040204" pitchFamily="34" charset="0"/>
@@ -9807,7 +9754,7 @@
             <a:r>
               <a:rPr lang="it-IT" sz="2400">
                 <a:solidFill>
-                  <a:srgbClr val="27282D"/>
+                  <a:schemeClr val="tx1"/>
                 </a:solidFill>
                 <a:latin typeface="Tahoma" panose="020B0604030504040204" pitchFamily="34" charset="0"/>
                 <a:ea typeface="Tahoma" panose="020B0604030504040204" pitchFamily="34" charset="0"/>
@@ -9818,7 +9765,7 @@
             <a:r>
               <a:rPr lang="it-IT" sz="2400" b="1">
                 <a:solidFill>
-                  <a:srgbClr val="27282D"/>
+                  <a:schemeClr val="tx1"/>
                 </a:solidFill>
                 <a:latin typeface="Tahoma" panose="020B0604030504040204" pitchFamily="34" charset="0"/>
                 <a:ea typeface="Tahoma" panose="020B0604030504040204" pitchFamily="34" charset="0"/>
@@ -9829,7 +9776,7 @@
             <a:r>
               <a:rPr lang="it-IT" sz="2400">
                 <a:solidFill>
-                  <a:srgbClr val="27282D"/>
+                  <a:schemeClr val="tx1"/>
                 </a:solidFill>
                 <a:latin typeface="Tahoma" panose="020B0604030504040204" pitchFamily="34" charset="0"/>
                 <a:ea typeface="Tahoma" panose="020B0604030504040204" pitchFamily="34" charset="0"/>
@@ -9846,7 +9793,7 @@
             <a:r>
               <a:rPr lang="it-IT" sz="2400" b="1">
                 <a:solidFill>
-                  <a:srgbClr val="27282D"/>
+                  <a:schemeClr val="tx1"/>
                 </a:solidFill>
                 <a:latin typeface="Tahoma" panose="020B0604030504040204" pitchFamily="34" charset="0"/>
                 <a:ea typeface="Tahoma" panose="020B0604030504040204" pitchFamily="34" charset="0"/>
@@ -9857,7 +9804,7 @@
             <a:r>
               <a:rPr lang="it-IT" sz="2400">
                 <a:solidFill>
-                  <a:srgbClr val="27282D"/>
+                  <a:schemeClr val="tx1"/>
                 </a:solidFill>
                 <a:latin typeface="Tahoma" panose="020B0604030504040204" pitchFamily="34" charset="0"/>
                 <a:ea typeface="Tahoma" panose="020B0604030504040204" pitchFamily="34" charset="0"/>
@@ -9868,7 +9815,7 @@
             <a:r>
               <a:rPr lang="it-IT" sz="2400" b="1">
                 <a:solidFill>
-                  <a:srgbClr val="27282D"/>
+                  <a:schemeClr val="tx1"/>
                 </a:solidFill>
                 <a:latin typeface="Tahoma" panose="020B0604030504040204" pitchFamily="34" charset="0"/>
                 <a:ea typeface="Tahoma" panose="020B0604030504040204" pitchFamily="34" charset="0"/>
@@ -9879,7 +9826,7 @@
             <a:r>
               <a:rPr lang="it-IT" sz="2400">
                 <a:solidFill>
-                  <a:srgbClr val="27282D"/>
+                  <a:schemeClr val="tx1"/>
                 </a:solidFill>
                 <a:latin typeface="Tahoma" panose="020B0604030504040204" pitchFamily="34" charset="0"/>
                 <a:ea typeface="Tahoma" panose="020B0604030504040204" pitchFamily="34" charset="0"/>
@@ -9896,7 +9843,7 @@
             <a:r>
               <a:rPr lang="it-IT" sz="2400">
                 <a:solidFill>
-                  <a:srgbClr val="27282D"/>
+                  <a:schemeClr val="tx1"/>
                 </a:solidFill>
                 <a:latin typeface="Tahoma" panose="020B0604030504040204" pitchFamily="34" charset="0"/>
                 <a:ea typeface="Tahoma" panose="020B0604030504040204" pitchFamily="34" charset="0"/>
@@ -9907,7 +9854,7 @@
             <a:r>
               <a:rPr lang="it-IT" sz="2400" b="1">
                 <a:solidFill>
-                  <a:srgbClr val="27282D"/>
+                  <a:schemeClr val="tx1"/>
                 </a:solidFill>
                 <a:latin typeface="Tahoma" panose="020B0604030504040204" pitchFamily="34" charset="0"/>
                 <a:ea typeface="Tahoma" panose="020B0604030504040204" pitchFamily="34" charset="0"/>
@@ -9918,7 +9865,7 @@
             <a:r>
               <a:rPr lang="it-IT" sz="2400">
                 <a:solidFill>
-                  <a:srgbClr val="27282D"/>
+                  <a:schemeClr val="tx1"/>
                 </a:solidFill>
                 <a:latin typeface="Tahoma" panose="020B0604030504040204" pitchFamily="34" charset="0"/>
                 <a:ea typeface="Tahoma" panose="020B0604030504040204" pitchFamily="34" charset="0"/>
@@ -9929,7 +9876,7 @@
             <a:r>
               <a:rPr lang="it-IT" sz="2400" b="1">
                 <a:solidFill>
-                  <a:srgbClr val="27282D"/>
+                  <a:schemeClr val="tx1"/>
                 </a:solidFill>
                 <a:latin typeface="Tahoma" panose="020B0604030504040204" pitchFamily="34" charset="0"/>
                 <a:ea typeface="Tahoma" panose="020B0604030504040204" pitchFamily="34" charset="0"/>
@@ -9940,7 +9887,7 @@
             <a:r>
               <a:rPr lang="it-IT" sz="2400">
                 <a:solidFill>
-                  <a:srgbClr val="27282D"/>
+                  <a:schemeClr val="tx1"/>
                 </a:solidFill>
                 <a:latin typeface="Tahoma" panose="020B0604030504040204" pitchFamily="34" charset="0"/>
                 <a:ea typeface="Tahoma" panose="020B0604030504040204" pitchFamily="34" charset="0"/>
@@ -9951,7 +9898,7 @@
             <a:r>
               <a:rPr lang="it-IT" sz="2400" b="1">
                 <a:solidFill>
-                  <a:srgbClr val="27282D"/>
+                  <a:schemeClr val="tx1"/>
                 </a:solidFill>
                 <a:latin typeface="Tahoma" panose="020B0604030504040204" pitchFamily="34" charset="0"/>
                 <a:ea typeface="Tahoma" panose="020B0604030504040204" pitchFamily="34" charset="0"/>
@@ -9962,7 +9909,7 @@
             <a:r>
               <a:rPr lang="it-IT" sz="2400">
                 <a:solidFill>
-                  <a:srgbClr val="27282D"/>
+                  <a:schemeClr val="tx1"/>
                 </a:solidFill>
                 <a:latin typeface="Tahoma" panose="020B0604030504040204" pitchFamily="34" charset="0"/>
                 <a:ea typeface="Tahoma" panose="020B0604030504040204" pitchFamily="34" charset="0"/>
@@ -9973,7 +9920,7 @@
             <a:r>
               <a:rPr lang="it-IT" sz="2400" b="1">
                 <a:solidFill>
-                  <a:srgbClr val="27282D"/>
+                  <a:schemeClr val="tx1"/>
                 </a:solidFill>
                 <a:latin typeface="Tahoma" panose="020B0604030504040204" pitchFamily="34" charset="0"/>
                 <a:ea typeface="Tahoma" panose="020B0604030504040204" pitchFamily="34" charset="0"/>
@@ -9984,7 +9931,7 @@
             <a:r>
               <a:rPr lang="it-IT" sz="2400">
                 <a:solidFill>
-                  <a:srgbClr val="27282D"/>
+                  <a:schemeClr val="tx1"/>
                 </a:solidFill>
                 <a:latin typeface="Tahoma" panose="020B0604030504040204" pitchFamily="34" charset="0"/>
                 <a:ea typeface="Tahoma" panose="020B0604030504040204" pitchFamily="34" charset="0"/>
@@ -9994,16 +9941,16 @@
             </a:r>
           </a:p>
           <a:p>
-            <a:r>
-              <a:rPr lang="it-IT" sz="2400"/>
-              <a:t/>
-            </a:r>
             <a:br>
-              <a:rPr lang="it-IT" sz="2400"/>
+              <a:rPr lang="it-IT" sz="2400">
+                <a:solidFill>
+                  <a:schemeClr val="tx1"/>
+                </a:solidFill>
+              </a:rPr>
             </a:br>
             <a:endParaRPr lang="it-IT" sz="2400">
               <a:solidFill>
-                <a:srgbClr val="27282D"/>
+                <a:schemeClr val="tx1"/>
               </a:solidFill>
               <a:latin typeface="Tahoma" panose="020B0604030504040204" pitchFamily="34" charset="0"/>
               <a:ea typeface="Tahoma" panose="020B0604030504040204" pitchFamily="34" charset="0"/>
@@ -10165,13 +10112,6 @@
   <p:clrMapOvr>
     <a:masterClrMapping/>
   </p:clrMapOvr>
-  <p:timing>
-    <p:tnLst>
-      <p:par>
-        <p:cTn id="1" dur="indefinite" restart="never" nodeType="tmRoot"/>
-      </p:par>
-    </p:tnLst>
-  </p:timing>
 </p:sld>
 </file>
 
@@ -10225,7 +10165,7 @@
             <a:r>
               <a:rPr lang="it-IT" sz="2400" b="1">
                 <a:solidFill>
-                  <a:srgbClr val="27282D"/>
+                  <a:schemeClr val="tx1"/>
                 </a:solidFill>
                 <a:effectLst/>
                 <a:latin typeface="Tahoma" panose="020B0604030504040204" pitchFamily="34" charset="0"/>
@@ -10237,7 +10177,7 @@
             <a:r>
               <a:rPr lang="it-IT" sz="2400" b="0" i="0">
                 <a:solidFill>
-                  <a:srgbClr val="27282D"/>
+                  <a:schemeClr val="tx1"/>
                 </a:solidFill>
                 <a:effectLst/>
                 <a:latin typeface="Tahoma" panose="020B0604030504040204" pitchFamily="34" charset="0"/>
@@ -10249,7 +10189,7 @@
             <a:r>
               <a:rPr lang="it-IT" sz="2400" b="1" i="0">
                 <a:solidFill>
-                  <a:srgbClr val="27282D"/>
+                  <a:schemeClr val="tx1"/>
                 </a:solidFill>
                 <a:effectLst/>
                 <a:latin typeface="Tahoma" panose="020B0604030504040204" pitchFamily="34" charset="0"/>
@@ -10261,7 +10201,7 @@
             <a:r>
               <a:rPr lang="it-IT" sz="2400" b="0" i="0">
                 <a:solidFill>
-                  <a:srgbClr val="27282D"/>
+                  <a:schemeClr val="tx1"/>
                 </a:solidFill>
                 <a:effectLst/>
                 <a:latin typeface="Tahoma" panose="020B0604030504040204" pitchFamily="34" charset="0"/>
@@ -10273,7 +10213,7 @@
             <a:r>
               <a:rPr lang="it-IT" sz="2400" b="1" i="0">
                 <a:solidFill>
-                  <a:srgbClr val="27282D"/>
+                  <a:schemeClr val="tx1"/>
                 </a:solidFill>
                 <a:effectLst/>
                 <a:latin typeface="Tahoma" panose="020B0604030504040204" pitchFamily="34" charset="0"/>
@@ -10285,7 +10225,7 @@
             <a:r>
               <a:rPr lang="it-IT" sz="2400" b="0" i="0">
                 <a:solidFill>
-                  <a:srgbClr val="27282D"/>
+                  <a:schemeClr val="tx1"/>
                 </a:solidFill>
                 <a:effectLst/>
                 <a:latin typeface="Tahoma" panose="020B0604030504040204" pitchFamily="34" charset="0"/>
@@ -10297,7 +10237,7 @@
             <a:r>
               <a:rPr lang="it-IT" sz="2400" b="1" i="0">
                 <a:solidFill>
-                  <a:srgbClr val="27282D"/>
+                  <a:schemeClr val="tx1"/>
                 </a:solidFill>
                 <a:effectLst/>
                 <a:latin typeface="Tahoma" panose="020B0604030504040204" pitchFamily="34" charset="0"/>
@@ -10309,7 +10249,7 @@
             <a:r>
               <a:rPr lang="it-IT" sz="2400" b="0" i="0">
                 <a:solidFill>
-                  <a:srgbClr val="27282D"/>
+                  <a:schemeClr val="tx1"/>
                 </a:solidFill>
                 <a:effectLst/>
                 <a:latin typeface="Tahoma" panose="020B0604030504040204" pitchFamily="34" charset="0"/>
@@ -10321,7 +10261,7 @@
             <a:r>
               <a:rPr lang="it-IT" sz="2400" b="1" i="0">
                 <a:solidFill>
-                  <a:srgbClr val="27282D"/>
+                  <a:schemeClr val="tx1"/>
                 </a:solidFill>
                 <a:effectLst/>
                 <a:latin typeface="Tahoma" panose="020B0604030504040204" pitchFamily="34" charset="0"/>
@@ -10333,7 +10273,7 @@
             <a:r>
               <a:rPr lang="it-IT" sz="2400" b="0" i="0">
                 <a:solidFill>
-                  <a:srgbClr val="27282D"/>
+                  <a:schemeClr val="tx1"/>
                 </a:solidFill>
                 <a:effectLst/>
                 <a:latin typeface="Tahoma" panose="020B0604030504040204" pitchFamily="34" charset="0"/>
@@ -10351,7 +10291,7 @@
             <a:r>
               <a:rPr lang="it-IT" sz="2400">
                 <a:solidFill>
-                  <a:srgbClr val="27282D"/>
+                  <a:schemeClr val="tx1"/>
                 </a:solidFill>
                 <a:effectLst/>
                 <a:latin typeface="Tahoma" panose="020B0604030504040204" pitchFamily="34" charset="0"/>
@@ -10363,7 +10303,7 @@
             <a:r>
               <a:rPr lang="it-IT" sz="2400" b="1">
                 <a:solidFill>
-                  <a:srgbClr val="27282D"/>
+                  <a:schemeClr val="tx1"/>
                 </a:solidFill>
                 <a:effectLst/>
                 <a:latin typeface="Tahoma" panose="020B0604030504040204" pitchFamily="34" charset="0"/>
@@ -10375,7 +10315,7 @@
             <a:r>
               <a:rPr lang="it-IT" sz="2400">
                 <a:solidFill>
-                  <a:srgbClr val="27282D"/>
+                  <a:schemeClr val="tx1"/>
                 </a:solidFill>
                 <a:effectLst/>
                 <a:latin typeface="Tahoma" panose="020B0604030504040204" pitchFamily="34" charset="0"/>
@@ -10387,7 +10327,7 @@
             <a:r>
               <a:rPr lang="it-IT" sz="2400" b="1">
                 <a:solidFill>
-                  <a:srgbClr val="27282D"/>
+                  <a:schemeClr val="tx1"/>
                 </a:solidFill>
                 <a:effectLst/>
                 <a:latin typeface="Tahoma" panose="020B0604030504040204" pitchFamily="34" charset="0"/>
@@ -10399,7 +10339,7 @@
             <a:r>
               <a:rPr lang="it-IT" sz="2400">
                 <a:solidFill>
-                  <a:srgbClr val="27282D"/>
+                  <a:schemeClr val="tx1"/>
                 </a:solidFill>
                 <a:effectLst/>
                 <a:latin typeface="Tahoma" panose="020B0604030504040204" pitchFamily="34" charset="0"/>
@@ -10416,7 +10356,7 @@
             </a:pPr>
             <a:endParaRPr lang="it-IT" sz="2400">
               <a:solidFill>
-                <a:srgbClr val="27282D"/>
+                <a:schemeClr val="tx1"/>
               </a:solidFill>
               <a:latin typeface="Tahoma" panose="020B0604030504040204" pitchFamily="34" charset="0"/>
               <a:ea typeface="Tahoma" panose="020B0604030504040204" pitchFamily="34" charset="0"/>
@@ -10609,13 +10549,6 @@
   <p:clrMapOvr>
     <a:masterClrMapping/>
   </p:clrMapOvr>
-  <p:timing>
-    <p:tnLst>
-      <p:par>
-        <p:cTn id="1" dur="indefinite" restart="never" nodeType="tmRoot"/>
-      </p:par>
-    </p:tnLst>
-  </p:timing>
 </p:sld>
 </file>
 
@@ -10669,7 +10602,7 @@
             <a:r>
               <a:rPr lang="it-IT" sz="2400">
                 <a:solidFill>
-                  <a:srgbClr val="27282D"/>
+                  <a:schemeClr val="tx1"/>
                 </a:solidFill>
                 <a:latin typeface="Tahoma" panose="020B0604030504040204" pitchFamily="34" charset="0"/>
                 <a:ea typeface="Tahoma" panose="020B0604030504040204" pitchFamily="34" charset="0"/>
@@ -10680,7 +10613,7 @@
             <a:r>
               <a:rPr lang="it-IT" sz="2400" b="1">
                 <a:solidFill>
-                  <a:srgbClr val="27282D"/>
+                  <a:schemeClr val="tx1"/>
                 </a:solidFill>
                 <a:latin typeface="Tahoma" panose="020B0604030504040204" pitchFamily="34" charset="0"/>
                 <a:ea typeface="Tahoma" panose="020B0604030504040204" pitchFamily="34" charset="0"/>
@@ -10691,7 +10624,7 @@
             <a:r>
               <a:rPr lang="it-IT" sz="2400">
                 <a:solidFill>
-                  <a:srgbClr val="27282D"/>
+                  <a:schemeClr val="tx1"/>
                 </a:solidFill>
                 <a:latin typeface="Tahoma" panose="020B0604030504040204" pitchFamily="34" charset="0"/>
                 <a:ea typeface="Tahoma" panose="020B0604030504040204" pitchFamily="34" charset="0"/>
@@ -10702,7 +10635,7 @@
             <a:r>
               <a:rPr lang="it-IT" sz="2400" b="1">
                 <a:solidFill>
-                  <a:srgbClr val="27282D"/>
+                  <a:schemeClr val="tx1"/>
                 </a:solidFill>
                 <a:latin typeface="Tahoma" panose="020B0604030504040204" pitchFamily="34" charset="0"/>
                 <a:ea typeface="Tahoma" panose="020B0604030504040204" pitchFamily="34" charset="0"/>
@@ -10713,7 +10646,7 @@
             <a:r>
               <a:rPr lang="it-IT" sz="2400">
                 <a:solidFill>
-                  <a:srgbClr val="27282D"/>
+                  <a:schemeClr val="tx1"/>
                 </a:solidFill>
                 <a:latin typeface="Tahoma" panose="020B0604030504040204" pitchFamily="34" charset="0"/>
                 <a:ea typeface="Tahoma" panose="020B0604030504040204" pitchFamily="34" charset="0"/>
@@ -10730,7 +10663,7 @@
             <a:r>
               <a:rPr lang="it-IT" sz="2400">
                 <a:solidFill>
-                  <a:srgbClr val="27282D"/>
+                  <a:schemeClr val="tx1"/>
                 </a:solidFill>
                 <a:latin typeface="Tahoma" panose="020B0604030504040204" pitchFamily="34" charset="0"/>
                 <a:ea typeface="Tahoma" panose="020B0604030504040204" pitchFamily="34" charset="0"/>
@@ -10741,7 +10674,7 @@
             <a:r>
               <a:rPr lang="it-IT" sz="2400" b="1">
                 <a:solidFill>
-                  <a:srgbClr val="27282D"/>
+                  <a:schemeClr val="tx1"/>
                 </a:solidFill>
                 <a:latin typeface="Tahoma" panose="020B0604030504040204" pitchFamily="34" charset="0"/>
                 <a:ea typeface="Tahoma" panose="020B0604030504040204" pitchFamily="34" charset="0"/>
@@ -10752,7 +10685,7 @@
             <a:r>
               <a:rPr lang="it-IT" sz="2400">
                 <a:solidFill>
-                  <a:srgbClr val="27282D"/>
+                  <a:schemeClr val="tx1"/>
                 </a:solidFill>
                 <a:latin typeface="Tahoma" panose="020B0604030504040204" pitchFamily="34" charset="0"/>
                 <a:ea typeface="Tahoma" panose="020B0604030504040204" pitchFamily="34" charset="0"/>
@@ -10763,7 +10696,7 @@
             <a:r>
               <a:rPr lang="it-IT" sz="2400" b="1">
                 <a:solidFill>
-                  <a:srgbClr val="27282D"/>
+                  <a:schemeClr val="tx1"/>
                 </a:solidFill>
                 <a:latin typeface="Tahoma" panose="020B0604030504040204" pitchFamily="34" charset="0"/>
                 <a:ea typeface="Tahoma" panose="020B0604030504040204" pitchFamily="34" charset="0"/>
@@ -10774,7 +10707,7 @@
             <a:r>
               <a:rPr lang="it-IT" sz="2400">
                 <a:solidFill>
-                  <a:srgbClr val="27282D"/>
+                  <a:schemeClr val="tx1"/>
                 </a:solidFill>
                 <a:latin typeface="Tahoma" panose="020B0604030504040204" pitchFamily="34" charset="0"/>
                 <a:ea typeface="Tahoma" panose="020B0604030504040204" pitchFamily="34" charset="0"/>
@@ -10785,7 +10718,7 @@
             <a:r>
               <a:rPr lang="it-IT" sz="2400" b="1">
                 <a:solidFill>
-                  <a:srgbClr val="27282D"/>
+                  <a:schemeClr val="tx1"/>
                 </a:solidFill>
                 <a:latin typeface="Tahoma" panose="020B0604030504040204" pitchFamily="34" charset="0"/>
                 <a:ea typeface="Tahoma" panose="020B0604030504040204" pitchFamily="34" charset="0"/>
@@ -10796,7 +10729,7 @@
             <a:r>
               <a:rPr lang="it-IT" sz="2400">
                 <a:solidFill>
-                  <a:srgbClr val="27282D"/>
+                  <a:schemeClr val="tx1"/>
                 </a:solidFill>
                 <a:latin typeface="Tahoma" panose="020B0604030504040204" pitchFamily="34" charset="0"/>
                 <a:ea typeface="Tahoma" panose="020B0604030504040204" pitchFamily="34" charset="0"/>
@@ -10813,7 +10746,7 @@
             <a:r>
               <a:rPr lang="it-IT" sz="2400">
                 <a:solidFill>
-                  <a:srgbClr val="27282D"/>
+                  <a:schemeClr val="tx1"/>
                 </a:solidFill>
                 <a:latin typeface="Tahoma" panose="020B0604030504040204" pitchFamily="34" charset="0"/>
                 <a:ea typeface="Tahoma" panose="020B0604030504040204" pitchFamily="34" charset="0"/>
@@ -10824,7 +10757,7 @@
             <a:r>
               <a:rPr lang="it-IT" sz="2400" b="1">
                 <a:solidFill>
-                  <a:srgbClr val="27282D"/>
+                  <a:schemeClr val="tx1"/>
                 </a:solidFill>
                 <a:latin typeface="Tahoma" panose="020B0604030504040204" pitchFamily="34" charset="0"/>
                 <a:ea typeface="Tahoma" panose="020B0604030504040204" pitchFamily="34" charset="0"/>
@@ -10835,7 +10768,7 @@
             <a:r>
               <a:rPr lang="it-IT" sz="2400">
                 <a:solidFill>
-                  <a:srgbClr val="27282D"/>
+                  <a:schemeClr val="tx1"/>
                 </a:solidFill>
                 <a:latin typeface="Tahoma" panose="020B0604030504040204" pitchFamily="34" charset="0"/>
                 <a:ea typeface="Tahoma" panose="020B0604030504040204" pitchFamily="34" charset="0"/>
@@ -10846,7 +10779,7 @@
             <a:r>
               <a:rPr lang="it-IT" sz="2400" b="1">
                 <a:solidFill>
-                  <a:srgbClr val="27282D"/>
+                  <a:schemeClr val="tx1"/>
                 </a:solidFill>
                 <a:latin typeface="Tahoma" panose="020B0604030504040204" pitchFamily="34" charset="0"/>
                 <a:ea typeface="Tahoma" panose="020B0604030504040204" pitchFamily="34" charset="0"/>
@@ -10857,7 +10790,7 @@
             <a:r>
               <a:rPr lang="it-IT" sz="2400">
                 <a:solidFill>
-                  <a:srgbClr val="27282D"/>
+                  <a:schemeClr val="tx1"/>
                 </a:solidFill>
                 <a:latin typeface="Tahoma" panose="020B0604030504040204" pitchFamily="34" charset="0"/>
                 <a:ea typeface="Tahoma" panose="020B0604030504040204" pitchFamily="34" charset="0"/>
@@ -10868,7 +10801,7 @@
             <a:r>
               <a:rPr lang="it-IT" sz="2400" b="1">
                 <a:solidFill>
-                  <a:srgbClr val="27282D"/>
+                  <a:schemeClr val="tx1"/>
                 </a:solidFill>
                 <a:latin typeface="Tahoma" panose="020B0604030504040204" pitchFamily="34" charset="0"/>
                 <a:ea typeface="Tahoma" panose="020B0604030504040204" pitchFamily="34" charset="0"/>
@@ -10879,7 +10812,7 @@
             <a:r>
               <a:rPr lang="it-IT" sz="2400">
                 <a:solidFill>
-                  <a:srgbClr val="27282D"/>
+                  <a:schemeClr val="tx1"/>
                 </a:solidFill>
                 <a:latin typeface="Tahoma" panose="020B0604030504040204" pitchFamily="34" charset="0"/>
                 <a:ea typeface="Tahoma" panose="020B0604030504040204" pitchFamily="34" charset="0"/>
@@ -10890,7 +10823,7 @@
             <a:r>
               <a:rPr lang="it-IT" sz="2400" b="1">
                 <a:solidFill>
-                  <a:srgbClr val="27282D"/>
+                  <a:schemeClr val="tx1"/>
                 </a:solidFill>
                 <a:latin typeface="Tahoma" panose="020B0604030504040204" pitchFamily="34" charset="0"/>
                 <a:ea typeface="Tahoma" panose="020B0604030504040204" pitchFamily="34" charset="0"/>
@@ -10901,7 +10834,7 @@
             <a:r>
               <a:rPr lang="it-IT" sz="2400">
                 <a:solidFill>
-                  <a:srgbClr val="27282D"/>
+                  <a:schemeClr val="tx1"/>
                 </a:solidFill>
                 <a:latin typeface="Tahoma" panose="020B0604030504040204" pitchFamily="34" charset="0"/>
                 <a:ea typeface="Tahoma" panose="020B0604030504040204" pitchFamily="34" charset="0"/>
@@ -10912,7 +10845,7 @@
             <a:r>
               <a:rPr lang="it-IT" sz="2400" b="1">
                 <a:solidFill>
-                  <a:srgbClr val="27282D"/>
+                  <a:schemeClr val="tx1"/>
                 </a:solidFill>
                 <a:latin typeface="Tahoma" panose="020B0604030504040204" pitchFamily="34" charset="0"/>
                 <a:ea typeface="Tahoma" panose="020B0604030504040204" pitchFamily="34" charset="0"/>
@@ -10923,7 +10856,7 @@
             <a:r>
               <a:rPr lang="it-IT" sz="2400">
                 <a:solidFill>
-                  <a:srgbClr val="27282D"/>
+                  <a:schemeClr val="tx1"/>
                 </a:solidFill>
                 <a:latin typeface="Tahoma" panose="020B0604030504040204" pitchFamily="34" charset="0"/>
                 <a:ea typeface="Tahoma" panose="020B0604030504040204" pitchFamily="34" charset="0"/>
@@ -10939,7 +10872,7 @@
             </a:pPr>
             <a:endParaRPr lang="it-IT" sz="2400">
               <a:solidFill>
-                <a:srgbClr val="27282D"/>
+                <a:schemeClr val="tx1"/>
               </a:solidFill>
               <a:latin typeface="Tahoma" panose="020B0604030504040204" pitchFamily="34" charset="0"/>
               <a:ea typeface="Tahoma" panose="020B0604030504040204" pitchFamily="34" charset="0"/>
@@ -11146,13 +11079,6 @@
   <p:clrMapOvr>
     <a:masterClrMapping/>
   </p:clrMapOvr>
-  <p:timing>
-    <p:tnLst>
-      <p:par>
-        <p:cTn id="1" dur="indefinite" restart="never" nodeType="tmRoot"/>
-      </p:par>
-    </p:tnLst>
-  </p:timing>
 </p:sld>
 </file>
 
@@ -11414,10 +11340,6 @@
                 <a:cs typeface="Tahoma" panose="020B0604030504040204" pitchFamily="34" charset="0"/>
               </a:rPr>
               <a:t>Algoritmi di consenso distribuito</a:t>
-            </a:r>
-            <a:r>
-              <a:rPr lang="it-IT"/>
-              <a:t/>
             </a:r>
             <a:br>
               <a:rPr lang="it-IT"/>
@@ -11519,7 +11441,7 @@
             <a:r>
               <a:rPr lang="it-IT" sz="2400">
                 <a:solidFill>
-                  <a:srgbClr val="27282D"/>
+                  <a:schemeClr val="tx1"/>
                 </a:solidFill>
                 <a:latin typeface="Tahoma" panose="020B0604030504040204" pitchFamily="34" charset="0"/>
                 <a:ea typeface="Tahoma" panose="020B0604030504040204" pitchFamily="34" charset="0"/>
@@ -11530,7 +11452,7 @@
             <a:r>
               <a:rPr lang="it-IT" sz="2400" b="1">
                 <a:solidFill>
-                  <a:srgbClr val="27282D"/>
+                  <a:schemeClr val="tx1"/>
                 </a:solidFill>
                 <a:latin typeface="Tahoma" panose="020B0604030504040204" pitchFamily="34" charset="0"/>
                 <a:ea typeface="Tahoma" panose="020B0604030504040204" pitchFamily="34" charset="0"/>
@@ -11541,7 +11463,7 @@
             <a:r>
               <a:rPr lang="it-IT" sz="2400">
                 <a:solidFill>
-                  <a:srgbClr val="27282D"/>
+                  <a:schemeClr val="tx1"/>
                 </a:solidFill>
                 <a:latin typeface="Tahoma" panose="020B0604030504040204" pitchFamily="34" charset="0"/>
                 <a:ea typeface="Tahoma" panose="020B0604030504040204" pitchFamily="34" charset="0"/>
@@ -11552,7 +11474,7 @@
             <a:r>
               <a:rPr lang="it-IT" sz="2400" b="1">
                 <a:solidFill>
-                  <a:srgbClr val="27282D"/>
+                  <a:schemeClr val="tx1"/>
                 </a:solidFill>
                 <a:latin typeface="Tahoma" panose="020B0604030504040204" pitchFamily="34" charset="0"/>
                 <a:ea typeface="Tahoma" panose="020B0604030504040204" pitchFamily="34" charset="0"/>
@@ -11563,7 +11485,7 @@
             <a:r>
               <a:rPr lang="it-IT" sz="2400">
                 <a:solidFill>
-                  <a:srgbClr val="27282D"/>
+                  <a:schemeClr val="tx1"/>
                 </a:solidFill>
                 <a:latin typeface="Tahoma" panose="020B0604030504040204" pitchFamily="34" charset="0"/>
                 <a:ea typeface="Tahoma" panose="020B0604030504040204" pitchFamily="34" charset="0"/>
@@ -11574,7 +11496,7 @@
             <a:r>
               <a:rPr lang="it-IT" sz="2400" b="1">
                 <a:solidFill>
-                  <a:srgbClr val="27282D"/>
+                  <a:schemeClr val="tx1"/>
                 </a:solidFill>
                 <a:latin typeface="Tahoma" panose="020B0604030504040204" pitchFamily="34" charset="0"/>
                 <a:ea typeface="Tahoma" panose="020B0604030504040204" pitchFamily="34" charset="0"/>
@@ -11585,7 +11507,7 @@
             <a:r>
               <a:rPr lang="it-IT" sz="2400">
                 <a:solidFill>
-                  <a:srgbClr val="27282D"/>
+                  <a:schemeClr val="tx1"/>
                 </a:solidFill>
                 <a:latin typeface="Tahoma" panose="020B0604030504040204" pitchFamily="34" charset="0"/>
                 <a:ea typeface="Tahoma" panose="020B0604030504040204" pitchFamily="34" charset="0"/>
@@ -11596,7 +11518,7 @@
             <a:r>
               <a:rPr lang="it-IT" sz="2400" b="1">
                 <a:solidFill>
-                  <a:srgbClr val="27282D"/>
+                  <a:schemeClr val="tx1"/>
                 </a:solidFill>
                 <a:latin typeface="Tahoma" panose="020B0604030504040204" pitchFamily="34" charset="0"/>
                 <a:ea typeface="Tahoma" panose="020B0604030504040204" pitchFamily="34" charset="0"/>
@@ -11607,7 +11529,7 @@
             <a:r>
               <a:rPr lang="it-IT" sz="2400">
                 <a:solidFill>
-                  <a:srgbClr val="27282D"/>
+                  <a:schemeClr val="tx1"/>
                 </a:solidFill>
                 <a:latin typeface="Tahoma" panose="020B0604030504040204" pitchFamily="34" charset="0"/>
                 <a:ea typeface="Tahoma" panose="020B0604030504040204" pitchFamily="34" charset="0"/>
@@ -11618,7 +11540,7 @@
             <a:r>
               <a:rPr lang="it-IT" sz="2400" b="1">
                 <a:solidFill>
-                  <a:srgbClr val="27282D"/>
+                  <a:schemeClr val="tx1"/>
                 </a:solidFill>
                 <a:latin typeface="Tahoma" panose="020B0604030504040204" pitchFamily="34" charset="0"/>
                 <a:ea typeface="Tahoma" panose="020B0604030504040204" pitchFamily="34" charset="0"/>
@@ -11629,7 +11551,7 @@
             <a:r>
               <a:rPr lang="it-IT" sz="2400">
                 <a:solidFill>
-                  <a:srgbClr val="27282D"/>
+                  <a:schemeClr val="tx1"/>
                 </a:solidFill>
                 <a:latin typeface="Tahoma" panose="020B0604030504040204" pitchFamily="34" charset="0"/>
                 <a:ea typeface="Tahoma" panose="020B0604030504040204" pitchFamily="34" charset="0"/>
@@ -11824,13 +11746,6 @@
   <p:clrMapOvr>
     <a:masterClrMapping/>
   </p:clrMapOvr>
-  <p:timing>
-    <p:tnLst>
-      <p:par>
-        <p:cTn id="1" dur="indefinite" restart="never" nodeType="tmRoot"/>
-      </p:par>
-    </p:tnLst>
-  </p:timing>
 </p:sld>
 </file>
 
@@ -11884,7 +11799,7 @@
             <a:r>
               <a:rPr lang="it-IT" sz="2400">
                 <a:solidFill>
-                  <a:srgbClr val="27282D"/>
+                  <a:schemeClr val="tx1"/>
                 </a:solidFill>
                 <a:latin typeface="Tahoma" panose="020B0604030504040204" pitchFamily="34" charset="0"/>
                 <a:ea typeface="Tahoma" panose="020B0604030504040204" pitchFamily="34" charset="0"/>
@@ -11895,7 +11810,7 @@
             <a:r>
               <a:rPr lang="it-IT" sz="2400" b="1">
                 <a:solidFill>
-                  <a:srgbClr val="27282D"/>
+                  <a:schemeClr val="tx1"/>
                 </a:solidFill>
                 <a:latin typeface="Tahoma" panose="020B0604030504040204" pitchFamily="34" charset="0"/>
                 <a:ea typeface="Tahoma" panose="020B0604030504040204" pitchFamily="34" charset="0"/>
@@ -11906,7 +11821,7 @@
             <a:r>
               <a:rPr lang="it-IT" sz="2400">
                 <a:solidFill>
-                  <a:srgbClr val="27282D"/>
+                  <a:schemeClr val="tx1"/>
                 </a:solidFill>
                 <a:latin typeface="Tahoma" panose="020B0604030504040204" pitchFamily="34" charset="0"/>
                 <a:ea typeface="Tahoma" panose="020B0604030504040204" pitchFamily="34" charset="0"/>
@@ -11922,7 +11837,7 @@
             </a:pPr>
             <a:endParaRPr lang="it-IT" sz="2400">
               <a:solidFill>
-                <a:srgbClr val="27282D"/>
+                <a:schemeClr val="tx1"/>
               </a:solidFill>
               <a:latin typeface="Tahoma" panose="020B0604030504040204" pitchFamily="34" charset="0"/>
               <a:ea typeface="Tahoma" panose="020B0604030504040204" pitchFamily="34" charset="0"/>
@@ -11936,7 +11851,7 @@
             </a:pPr>
             <a:endParaRPr lang="it-IT" sz="2400">
               <a:solidFill>
-                <a:srgbClr val="27282D"/>
+                <a:schemeClr val="tx1"/>
               </a:solidFill>
               <a:latin typeface="Tahoma" panose="020B0604030504040204" pitchFamily="34" charset="0"/>
               <a:ea typeface="Tahoma" panose="020B0604030504040204" pitchFamily="34" charset="0"/>
@@ -11959,7 +11874,7 @@
             </a:pPr>
             <a:endParaRPr lang="it-IT" sz="2400">
               <a:solidFill>
-                <a:srgbClr val="27282D"/>
+                <a:schemeClr val="tx1"/>
               </a:solidFill>
               <a:latin typeface="Tahoma" panose="020B0604030504040204" pitchFamily="34" charset="0"/>
               <a:ea typeface="Tahoma" panose="020B0604030504040204" pitchFamily="34" charset="0"/>
@@ -12129,13 +12044,6 @@
   <p:clrMapOvr>
     <a:masterClrMapping/>
   </p:clrMapOvr>
-  <p:timing>
-    <p:tnLst>
-      <p:par>
-        <p:cTn id="1" dur="indefinite" restart="never" nodeType="tmRoot"/>
-      </p:par>
-    </p:tnLst>
-  </p:timing>
 </p:sld>
 </file>
 
@@ -12189,7 +12097,7 @@
             <a:r>
               <a:rPr lang="it-IT" sz="2400">
                 <a:solidFill>
-                  <a:srgbClr val="27282D"/>
+                  <a:schemeClr val="tx1"/>
                 </a:solidFill>
                 <a:latin typeface="Tahoma" panose="020B0604030504040204" pitchFamily="34" charset="0"/>
                 <a:ea typeface="Tahoma" panose="020B0604030504040204" pitchFamily="34" charset="0"/>
@@ -12200,7 +12108,7 @@
             <a:r>
               <a:rPr lang="it-IT" sz="2400" b="1">
                 <a:solidFill>
-                  <a:srgbClr val="27282D"/>
+                  <a:schemeClr val="tx1"/>
                 </a:solidFill>
                 <a:latin typeface="Tahoma" panose="020B0604030504040204" pitchFamily="34" charset="0"/>
                 <a:ea typeface="Tahoma" panose="020B0604030504040204" pitchFamily="34" charset="0"/>
@@ -12211,7 +12119,7 @@
             <a:r>
               <a:rPr lang="it-IT" sz="2400">
                 <a:solidFill>
-                  <a:srgbClr val="27282D"/>
+                  <a:schemeClr val="tx1"/>
                 </a:solidFill>
                 <a:latin typeface="Tahoma" panose="020B0604030504040204" pitchFamily="34" charset="0"/>
                 <a:ea typeface="Tahoma" panose="020B0604030504040204" pitchFamily="34" charset="0"/>
@@ -12222,7 +12130,7 @@
             <a:r>
               <a:rPr lang="it-IT" sz="2400" b="1">
                 <a:solidFill>
-                  <a:srgbClr val="27282D"/>
+                  <a:schemeClr val="tx1"/>
                 </a:solidFill>
                 <a:latin typeface="Tahoma" panose="020B0604030504040204" pitchFamily="34" charset="0"/>
                 <a:ea typeface="Tahoma" panose="020B0604030504040204" pitchFamily="34" charset="0"/>
@@ -12233,7 +12141,7 @@
             <a:r>
               <a:rPr lang="it-IT" sz="2400">
                 <a:solidFill>
-                  <a:srgbClr val="27282D"/>
+                  <a:schemeClr val="tx1"/>
                 </a:solidFill>
                 <a:latin typeface="Tahoma" panose="020B0604030504040204" pitchFamily="34" charset="0"/>
                 <a:ea typeface="Tahoma" panose="020B0604030504040204" pitchFamily="34" charset="0"/>
@@ -12244,7 +12152,7 @@
             <a:r>
               <a:rPr lang="it-IT" sz="2400" b="1">
                 <a:solidFill>
-                  <a:srgbClr val="27282D"/>
+                  <a:schemeClr val="tx1"/>
                 </a:solidFill>
                 <a:latin typeface="Tahoma" panose="020B0604030504040204" pitchFamily="34" charset="0"/>
                 <a:ea typeface="Tahoma" panose="020B0604030504040204" pitchFamily="34" charset="0"/>
@@ -12255,7 +12163,7 @@
             <a:r>
               <a:rPr lang="it-IT" sz="2400">
                 <a:solidFill>
-                  <a:srgbClr val="27282D"/>
+                  <a:schemeClr val="tx1"/>
                 </a:solidFill>
                 <a:latin typeface="Tahoma" panose="020B0604030504040204" pitchFamily="34" charset="0"/>
                 <a:ea typeface="Tahoma" panose="020B0604030504040204" pitchFamily="34" charset="0"/>
@@ -12266,7 +12174,7 @@
             <a:r>
               <a:rPr lang="it-IT" sz="2400" b="1">
                 <a:solidFill>
-                  <a:srgbClr val="27282D"/>
+                  <a:schemeClr val="tx1"/>
                 </a:solidFill>
                 <a:latin typeface="Tahoma" panose="020B0604030504040204" pitchFamily="34" charset="0"/>
                 <a:ea typeface="Tahoma" panose="020B0604030504040204" pitchFamily="34" charset="0"/>
@@ -12277,7 +12185,7 @@
             <a:r>
               <a:rPr lang="it-IT" sz="2400">
                 <a:solidFill>
-                  <a:srgbClr val="27282D"/>
+                  <a:schemeClr val="tx1"/>
                 </a:solidFill>
                 <a:latin typeface="Tahoma" panose="020B0604030504040204" pitchFamily="34" charset="0"/>
                 <a:ea typeface="Tahoma" panose="020B0604030504040204" pitchFamily="34" charset="0"/>
@@ -12294,7 +12202,7 @@
             <a:r>
               <a:rPr lang="it-IT" sz="2400">
                 <a:solidFill>
-                  <a:srgbClr val="27282D"/>
+                  <a:schemeClr val="tx1"/>
                 </a:solidFill>
                 <a:latin typeface="Tahoma" panose="020B0604030504040204" pitchFamily="34" charset="0"/>
                 <a:ea typeface="Tahoma" panose="020B0604030504040204" pitchFamily="34" charset="0"/>
@@ -12305,7 +12213,7 @@
             <a:r>
               <a:rPr lang="it-IT" sz="2400" b="1">
                 <a:solidFill>
-                  <a:srgbClr val="27282D"/>
+                  <a:schemeClr val="tx1"/>
                 </a:solidFill>
                 <a:latin typeface="Tahoma" panose="020B0604030504040204" pitchFamily="34" charset="0"/>
                 <a:ea typeface="Tahoma" panose="020B0604030504040204" pitchFamily="34" charset="0"/>
@@ -12316,7 +12224,7 @@
             <a:r>
               <a:rPr lang="it-IT" sz="2400">
                 <a:solidFill>
-                  <a:srgbClr val="27282D"/>
+                  <a:schemeClr val="tx1"/>
                 </a:solidFill>
                 <a:latin typeface="Tahoma" panose="020B0604030504040204" pitchFamily="34" charset="0"/>
                 <a:ea typeface="Tahoma" panose="020B0604030504040204" pitchFamily="34" charset="0"/>
@@ -12341,7 +12249,7 @@
             </a:pPr>
             <a:endParaRPr lang="it-IT" sz="2400">
               <a:solidFill>
-                <a:srgbClr val="27282D"/>
+                <a:schemeClr val="tx1"/>
               </a:solidFill>
               <a:latin typeface="Tahoma" panose="020B0604030504040204" pitchFamily="34" charset="0"/>
               <a:ea typeface="Tahoma" panose="020B0604030504040204" pitchFamily="34" charset="0"/>
@@ -12564,7 +12472,7 @@
             <a:r>
               <a:rPr lang="it-IT" sz="2400">
                 <a:solidFill>
-                  <a:srgbClr val="27282D"/>
+                  <a:schemeClr val="tx1"/>
                 </a:solidFill>
                 <a:latin typeface="Tahoma" panose="020B0604030504040204" pitchFamily="34" charset="0"/>
                 <a:ea typeface="Tahoma" panose="020B0604030504040204" pitchFamily="34" charset="0"/>
@@ -12575,7 +12483,7 @@
             <a:r>
               <a:rPr lang="it-IT" sz="2400" b="1">
                 <a:solidFill>
-                  <a:srgbClr val="27282D"/>
+                  <a:schemeClr val="tx1"/>
                 </a:solidFill>
                 <a:latin typeface="Tahoma" panose="020B0604030504040204" pitchFamily="34" charset="0"/>
                 <a:ea typeface="Tahoma" panose="020B0604030504040204" pitchFamily="34" charset="0"/>
@@ -12586,7 +12494,7 @@
             <a:r>
               <a:rPr lang="it-IT" sz="2400">
                 <a:solidFill>
-                  <a:srgbClr val="27282D"/>
+                  <a:schemeClr val="tx1"/>
                 </a:solidFill>
                 <a:latin typeface="Tahoma" panose="020B0604030504040204" pitchFamily="34" charset="0"/>
                 <a:ea typeface="Tahoma" panose="020B0604030504040204" pitchFamily="34" charset="0"/>
@@ -12597,7 +12505,7 @@
             <a:r>
               <a:rPr lang="it-IT" sz="2400" b="1">
                 <a:solidFill>
-                  <a:srgbClr val="27282D"/>
+                  <a:schemeClr val="tx1"/>
                 </a:solidFill>
                 <a:latin typeface="Tahoma" panose="020B0604030504040204" pitchFamily="34" charset="0"/>
                 <a:ea typeface="Tahoma" panose="020B0604030504040204" pitchFamily="34" charset="0"/>
@@ -12608,7 +12516,7 @@
             <a:r>
               <a:rPr lang="it-IT" sz="2400">
                 <a:solidFill>
-                  <a:srgbClr val="27282D"/>
+                  <a:schemeClr val="tx1"/>
                 </a:solidFill>
                 <a:latin typeface="Tahoma" panose="020B0604030504040204" pitchFamily="34" charset="0"/>
                 <a:ea typeface="Tahoma" panose="020B0604030504040204" pitchFamily="34" charset="0"/>
@@ -12619,7 +12527,7 @@
             <a:r>
               <a:rPr lang="it-IT" sz="2400" b="1">
                 <a:solidFill>
-                  <a:srgbClr val="27282D"/>
+                  <a:schemeClr val="tx1"/>
                 </a:solidFill>
                 <a:latin typeface="Tahoma" panose="020B0604030504040204" pitchFamily="34" charset="0"/>
                 <a:ea typeface="Tahoma" panose="020B0604030504040204" pitchFamily="34" charset="0"/>
@@ -12630,7 +12538,7 @@
             <a:r>
               <a:rPr lang="it-IT" sz="2400">
                 <a:solidFill>
-                  <a:srgbClr val="27282D"/>
+                  <a:schemeClr val="tx1"/>
                 </a:solidFill>
                 <a:latin typeface="Tahoma" panose="020B0604030504040204" pitchFamily="34" charset="0"/>
                 <a:ea typeface="Tahoma" panose="020B0604030504040204" pitchFamily="34" charset="0"/>
@@ -12641,7 +12549,7 @@
             <a:r>
               <a:rPr lang="it-IT" sz="2400" b="1">
                 <a:solidFill>
-                  <a:srgbClr val="27282D"/>
+                  <a:schemeClr val="tx1"/>
                 </a:solidFill>
                 <a:latin typeface="Tahoma" panose="020B0604030504040204" pitchFamily="34" charset="0"/>
                 <a:ea typeface="Tahoma" panose="020B0604030504040204" pitchFamily="34" charset="0"/>
@@ -12652,7 +12560,7 @@
             <a:r>
               <a:rPr lang="it-IT" sz="2400">
                 <a:solidFill>
-                  <a:srgbClr val="27282D"/>
+                  <a:schemeClr val="tx1"/>
                 </a:solidFill>
                 <a:latin typeface="Tahoma" panose="020B0604030504040204" pitchFamily="34" charset="0"/>
                 <a:ea typeface="Tahoma" panose="020B0604030504040204" pitchFamily="34" charset="0"/>
@@ -12669,7 +12577,7 @@
             <a:r>
               <a:rPr lang="it-IT" sz="2400">
                 <a:solidFill>
-                  <a:srgbClr val="27282D"/>
+                  <a:schemeClr val="tx1"/>
                 </a:solidFill>
                 <a:latin typeface="Tahoma" panose="020B0604030504040204" pitchFamily="34" charset="0"/>
                 <a:ea typeface="Tahoma" panose="020B0604030504040204" pitchFamily="34" charset="0"/>
@@ -12680,7 +12588,7 @@
             <a:r>
               <a:rPr lang="it-IT" sz="2400" b="1">
                 <a:solidFill>
-                  <a:srgbClr val="27282D"/>
+                  <a:schemeClr val="tx1"/>
                 </a:solidFill>
                 <a:latin typeface="Tahoma" panose="020B0604030504040204" pitchFamily="34" charset="0"/>
                 <a:ea typeface="Tahoma" panose="020B0604030504040204" pitchFamily="34" charset="0"/>
@@ -12691,7 +12599,7 @@
             <a:r>
               <a:rPr lang="it-IT" sz="2400">
                 <a:solidFill>
-                  <a:srgbClr val="27282D"/>
+                  <a:schemeClr val="tx1"/>
                 </a:solidFill>
                 <a:latin typeface="Tahoma" panose="020B0604030504040204" pitchFamily="34" charset="0"/>
                 <a:ea typeface="Tahoma" panose="020B0604030504040204" pitchFamily="34" charset="0"/>
@@ -12702,7 +12610,7 @@
             <a:r>
               <a:rPr lang="it-IT" sz="2400" b="1">
                 <a:solidFill>
-                  <a:srgbClr val="27282D"/>
+                  <a:schemeClr val="tx1"/>
                 </a:solidFill>
                 <a:latin typeface="Tahoma" panose="020B0604030504040204" pitchFamily="34" charset="0"/>
                 <a:ea typeface="Tahoma" panose="020B0604030504040204" pitchFamily="34" charset="0"/>
@@ -12713,7 +12621,7 @@
             <a:r>
               <a:rPr lang="it-IT" sz="2400">
                 <a:solidFill>
-                  <a:srgbClr val="27282D"/>
+                  <a:schemeClr val="tx1"/>
                 </a:solidFill>
                 <a:latin typeface="Tahoma" panose="020B0604030504040204" pitchFamily="34" charset="0"/>
                 <a:ea typeface="Tahoma" panose="020B0604030504040204" pitchFamily="34" charset="0"/>
@@ -12730,7 +12638,7 @@
             <a:r>
               <a:rPr lang="it-IT" sz="2400">
                 <a:solidFill>
-                  <a:srgbClr val="27282D"/>
+                  <a:schemeClr val="tx1"/>
                 </a:solidFill>
                 <a:latin typeface="Tahoma" panose="020B0604030504040204" pitchFamily="34" charset="0"/>
                 <a:ea typeface="Tahoma" panose="020B0604030504040204" pitchFamily="34" charset="0"/>
@@ -12741,7 +12649,7 @@
             <a:r>
               <a:rPr lang="it-IT" sz="2400" b="1">
                 <a:solidFill>
-                  <a:srgbClr val="27282D"/>
+                  <a:schemeClr val="tx1"/>
                 </a:solidFill>
                 <a:latin typeface="Tahoma" panose="020B0604030504040204" pitchFamily="34" charset="0"/>
                 <a:ea typeface="Tahoma" panose="020B0604030504040204" pitchFamily="34" charset="0"/>
@@ -12752,7 +12660,7 @@
             <a:r>
               <a:rPr lang="it-IT" sz="2400">
                 <a:solidFill>
-                  <a:srgbClr val="27282D"/>
+                  <a:schemeClr val="tx1"/>
                 </a:solidFill>
                 <a:latin typeface="Tahoma" panose="020B0604030504040204" pitchFamily="34" charset="0"/>
                 <a:ea typeface="Tahoma" panose="020B0604030504040204" pitchFamily="34" charset="0"/>
@@ -12763,7 +12671,7 @@
             <a:r>
               <a:rPr lang="it-IT" sz="2400" b="1">
                 <a:solidFill>
-                  <a:srgbClr val="27282D"/>
+                  <a:schemeClr val="tx1"/>
                 </a:solidFill>
                 <a:latin typeface="Tahoma" panose="020B0604030504040204" pitchFamily="34" charset="0"/>
                 <a:ea typeface="Tahoma" panose="020B0604030504040204" pitchFamily="34" charset="0"/>
@@ -12774,7 +12682,7 @@
             <a:r>
               <a:rPr lang="it-IT" sz="2400">
                 <a:solidFill>
-                  <a:srgbClr val="27282D"/>
+                  <a:schemeClr val="tx1"/>
                 </a:solidFill>
                 <a:latin typeface="Tahoma" panose="020B0604030504040204" pitchFamily="34" charset="0"/>
                 <a:ea typeface="Tahoma" panose="020B0604030504040204" pitchFamily="34" charset="0"/>
@@ -12785,7 +12693,7 @@
             <a:r>
               <a:rPr lang="it-IT" sz="2400" b="1">
                 <a:solidFill>
-                  <a:srgbClr val="27282D"/>
+                  <a:schemeClr val="tx1"/>
                 </a:solidFill>
                 <a:latin typeface="Tahoma" panose="020B0604030504040204" pitchFamily="34" charset="0"/>
                 <a:ea typeface="Tahoma" panose="020B0604030504040204" pitchFamily="34" charset="0"/>
@@ -12796,7 +12704,7 @@
             <a:r>
               <a:rPr lang="it-IT" sz="2400">
                 <a:solidFill>
-                  <a:srgbClr val="27282D"/>
+                  <a:schemeClr val="tx1"/>
                 </a:solidFill>
                 <a:latin typeface="Tahoma" panose="020B0604030504040204" pitchFamily="34" charset="0"/>
                 <a:ea typeface="Tahoma" panose="020B0604030504040204" pitchFamily="34" charset="0"/>
@@ -12813,7 +12721,7 @@
             <a:r>
               <a:rPr lang="it-IT" sz="2400">
                 <a:solidFill>
-                  <a:srgbClr val="27282D"/>
+                  <a:schemeClr val="tx1"/>
                 </a:solidFill>
                 <a:latin typeface="Tahoma" panose="020B0604030504040204" pitchFamily="34" charset="0"/>
                 <a:ea typeface="Tahoma" panose="020B0604030504040204" pitchFamily="34" charset="0"/>
@@ -12824,7 +12732,7 @@
             <a:r>
               <a:rPr lang="it-IT" sz="2400" b="1">
                 <a:solidFill>
-                  <a:srgbClr val="27282D"/>
+                  <a:schemeClr val="tx1"/>
                 </a:solidFill>
                 <a:latin typeface="Tahoma" panose="020B0604030504040204" pitchFamily="34" charset="0"/>
                 <a:ea typeface="Tahoma" panose="020B0604030504040204" pitchFamily="34" charset="0"/>
@@ -12835,7 +12743,7 @@
             <a:r>
               <a:rPr lang="it-IT" sz="2400">
                 <a:solidFill>
-                  <a:srgbClr val="27282D"/>
+                  <a:schemeClr val="tx1"/>
                 </a:solidFill>
                 <a:latin typeface="Tahoma" panose="020B0604030504040204" pitchFamily="34" charset="0"/>
                 <a:ea typeface="Tahoma" panose="020B0604030504040204" pitchFamily="34" charset="0"/>
@@ -12846,7 +12754,7 @@
             <a:r>
               <a:rPr lang="it-IT" sz="2400" b="1">
                 <a:solidFill>
-                  <a:srgbClr val="27282D"/>
+                  <a:schemeClr val="tx1"/>
                 </a:solidFill>
                 <a:latin typeface="Tahoma" panose="020B0604030504040204" pitchFamily="34" charset="0"/>
                 <a:ea typeface="Tahoma" panose="020B0604030504040204" pitchFamily="34" charset="0"/>
@@ -12857,7 +12765,7 @@
             <a:r>
               <a:rPr lang="it-IT" sz="2400">
                 <a:solidFill>
-                  <a:srgbClr val="27282D"/>
+                  <a:schemeClr val="tx1"/>
                 </a:solidFill>
                 <a:latin typeface="Tahoma" panose="020B0604030504040204" pitchFamily="34" charset="0"/>
                 <a:ea typeface="Tahoma" panose="020B0604030504040204" pitchFamily="34" charset="0"/>
@@ -12873,7 +12781,7 @@
             </a:pPr>
             <a:endParaRPr lang="it-IT" sz="2400">
               <a:solidFill>
-                <a:srgbClr val="27282D"/>
+                <a:schemeClr val="tx1"/>
               </a:solidFill>
               <a:latin typeface="Tahoma" panose="020B0604030504040204" pitchFamily="34" charset="0"/>
               <a:ea typeface="Tahoma" panose="020B0604030504040204" pitchFamily="34" charset="0"/>
@@ -12887,7 +12795,7 @@
             </a:pPr>
             <a:endParaRPr lang="it-IT" sz="2400">
               <a:solidFill>
-                <a:srgbClr val="27282D"/>
+                <a:schemeClr val="tx1"/>
               </a:solidFill>
               <a:latin typeface="Tahoma" panose="020B0604030504040204" pitchFamily="34" charset="0"/>
               <a:ea typeface="Tahoma" panose="020B0604030504040204" pitchFamily="34" charset="0"/>
@@ -12901,7 +12809,7 @@
             </a:pPr>
             <a:endParaRPr lang="it-IT" sz="2400">
               <a:solidFill>
-                <a:srgbClr val="27282D"/>
+                <a:schemeClr val="tx1"/>
               </a:solidFill>
               <a:latin typeface="Tahoma" panose="020B0604030504040204" pitchFamily="34" charset="0"/>
               <a:ea typeface="Tahoma" panose="020B0604030504040204" pitchFamily="34" charset="0"/>
@@ -12915,7 +12823,7 @@
             </a:pPr>
             <a:endParaRPr lang="it-IT" sz="2400">
               <a:solidFill>
-                <a:srgbClr val="27282D"/>
+                <a:schemeClr val="tx1"/>
               </a:solidFill>
               <a:latin typeface="Tahoma" panose="020B0604030504040204" pitchFamily="34" charset="0"/>
               <a:ea typeface="Tahoma" panose="020B0604030504040204" pitchFamily="34" charset="0"/>
@@ -12938,7 +12846,7 @@
             </a:pPr>
             <a:endParaRPr lang="it-IT" sz="2400">
               <a:solidFill>
-                <a:srgbClr val="27282D"/>
+                <a:schemeClr val="tx1"/>
               </a:solidFill>
               <a:latin typeface="Tahoma" panose="020B0604030504040204" pitchFamily="34" charset="0"/>
               <a:ea typeface="Tahoma" panose="020B0604030504040204" pitchFamily="34" charset="0"/>
@@ -13586,10 +13494,6 @@
                 <a:cs typeface="Tahoma" panose="020B0604030504040204" pitchFamily="34" charset="0"/>
               </a:rPr>
               <a:t>Algoritmi di consenso distribuito</a:t>
-            </a:r>
-            <a:r>
-              <a:rPr lang="it-IT"/>
-              <a:t/>
             </a:r>
             <a:br>
               <a:rPr lang="it-IT"/>
@@ -13853,10 +13757,6 @@
               </a:rPr>
               <a:t>Algoritmi di consenso distribuito</a:t>
             </a:r>
-            <a:r>
-              <a:rPr lang="it-IT"/>
-              <a:t/>
-            </a:r>
             <a:br>
               <a:rPr lang="it-IT"/>
             </a:br>
@@ -15112,39 +15012,7 @@
                 <a:ea typeface="Tahoma" panose="020B0604030504040204" pitchFamily="34" charset="0"/>
                 <a:cs typeface="Tahoma" panose="020B0604030504040204" pitchFamily="34" charset="0"/>
               </a:rPr>
-              <a:t>. Dobbiamo essere in grado di scoprire quando qualcuno sta imbrogliando. Idealmente, </a:t>
-            </a:r>
-            <a:r>
-              <a:rPr lang="it-IT" sz="2400" dirty="0" smtClean="0">
-                <a:latin typeface="Tahoma" panose="020B0604030504040204" pitchFamily="34" charset="0"/>
-                <a:ea typeface="Tahoma" panose="020B0604030504040204" pitchFamily="34" charset="0"/>
-                <a:cs typeface="Tahoma" panose="020B0604030504040204" pitchFamily="34" charset="0"/>
-              </a:rPr>
-              <a:t>dovrebbe </a:t>
-            </a:r>
-            <a:r>
-              <a:rPr lang="it-IT" sz="2400" dirty="0">
-                <a:latin typeface="Tahoma" panose="020B0604030504040204" pitchFamily="34" charset="0"/>
-                <a:ea typeface="Tahoma" panose="020B0604030504040204" pitchFamily="34" charset="0"/>
-                <a:cs typeface="Tahoma" panose="020B0604030504040204" pitchFamily="34" charset="0"/>
-              </a:rPr>
-              <a:t>essere costoso </a:t>
-            </a:r>
-            <a:r>
-              <a:rPr lang="it-IT" sz="2400" dirty="0" smtClean="0">
-                <a:latin typeface="Tahoma" panose="020B0604030504040204" pitchFamily="34" charset="0"/>
-                <a:ea typeface="Tahoma" panose="020B0604030504040204" pitchFamily="34" charset="0"/>
-                <a:cs typeface="Tahoma" panose="020B0604030504040204" pitchFamily="34" charset="0"/>
-              </a:rPr>
-              <a:t>produrre</a:t>
-            </a:r>
-            <a:r>
-              <a:rPr lang="it-IT" sz="2400" dirty="0">
-                <a:latin typeface="Tahoma" panose="020B0604030504040204" pitchFamily="34" charset="0"/>
-                <a:ea typeface="Tahoma" panose="020B0604030504040204" pitchFamily="34" charset="0"/>
-                <a:cs typeface="Tahoma" panose="020B0604030504040204" pitchFamily="34" charset="0"/>
-              </a:rPr>
-              <a:t> </a:t>
+              <a:t>. Dobbiamo essere in grado di scoprire quando qualcuno sta imbrogliando. Idealmente, dovrebbe essere costoso produrre </a:t>
             </a:r>
             <a:r>
               <a:rPr lang="it-IT" sz="2400" b="1" dirty="0">
@@ -15811,13 +15679,6 @@
   <p:clrMapOvr>
     <a:masterClrMapping/>
   </p:clrMapOvr>
-  <p:timing>
-    <p:tnLst>
-      <p:par>
-        <p:cTn id="1" dur="indefinite" restart="never" nodeType="tmRoot"/>
-      </p:par>
-    </p:tnLst>
-  </p:timing>
 </p:sld>
 </file>
 
@@ -16386,6 +16247,20 @@
 </file>
 
 <file path=customXml/item1.xml><?xml version="1.0" encoding="utf-8"?>
+<p:properties xmlns:p="http://schemas.microsoft.com/office/2006/metadata/properties" xmlns:xsi="http://www.w3.org/2001/XMLSchema-instance" xmlns:pc="http://schemas.microsoft.com/office/infopath/2007/PartnerControls">
+  <documentManagement>
+    <SottoCategoria xmlns="679261c3-551f-4e86-913f-177e0e529669">-</SottoCategoria>
+    <Categoria xmlns="c58f2efd-82a8-4ecf-b395-8c25e928921d">Power Point</Categoria>
+    <_dlc_DocId xmlns="459159c4-d20a-4ff3-9b11-fbd127bd52e5">INTRANET-14-158</_dlc_DocId>
+    <_dlc_DocIdUrl xmlns="459159c4-d20a-4ff3-9b11-fbd127bd52e5">
+      <Url>https://intranet.istat.it/Collaborativi/_layouts/15/DocIdRedir.aspx?ID=INTRANET-14-158</Url>
+      <Description>INTRANET-14-158</Description>
+    </_dlc_DocIdUrl>
+  </documentManagement>
+</p:properties>
+</file>
+
+<file path=customXml/item2.xml><?xml version="1.0" encoding="utf-8"?>
 <ct:contentTypeSchema xmlns:ct="http://schemas.microsoft.com/office/2006/metadata/contentType" xmlns:ma="http://schemas.microsoft.com/office/2006/metadata/properties/metaAttributes" ct:_="" ma:_="" ma:contentTypeName="Documento" ma:contentTypeID="0x010100661A2BE3120D674DA36C11D6006822D4" ma:contentTypeVersion="3" ma:contentTypeDescription="Creare un nuovo documento." ma:contentTypeScope="" ma:versionID="2ad8b07f9840a1ce9cd199d874146b74">
   <xsd:schema xmlns:xsd="http://www.w3.org/2001/XMLSchema" xmlns:xs="http://www.w3.org/2001/XMLSchema" xmlns:p="http://schemas.microsoft.com/office/2006/metadata/properties" xmlns:ns2="c58f2efd-82a8-4ecf-b395-8c25e928921d" xmlns:ns3="459159c4-d20a-4ff3-9b11-fbd127bd52e5" xmlns:ns4="679261c3-551f-4e86-913f-177e0e529669" targetNamespace="http://schemas.microsoft.com/office/2006/metadata/properties" ma:root="true" ma:fieldsID="fffb0e16fb90ffea59fef1085e90ecca" ns2:_="" ns3:_="" ns4:_="">
     <xsd:import namespace="c58f2efd-82a8-4ecf-b395-8c25e928921d"/>
@@ -16572,30 +16447,7 @@
 </ct:contentTypeSchema>
 </file>
 
-<file path=customXml/item2.xml><?xml version="1.0" encoding="utf-8"?>
-<p:properties xmlns:p="http://schemas.microsoft.com/office/2006/metadata/properties" xmlns:xsi="http://www.w3.org/2001/XMLSchema-instance" xmlns:pc="http://schemas.microsoft.com/office/infopath/2007/PartnerControls">
-  <documentManagement>
-    <SottoCategoria xmlns="679261c3-551f-4e86-913f-177e0e529669">-</SottoCategoria>
-    <Categoria xmlns="c58f2efd-82a8-4ecf-b395-8c25e928921d">Power Point</Categoria>
-    <_dlc_DocId xmlns="459159c4-d20a-4ff3-9b11-fbd127bd52e5">INTRANET-14-158</_dlc_DocId>
-    <_dlc_DocIdUrl xmlns="459159c4-d20a-4ff3-9b11-fbd127bd52e5">
-      <Url>https://intranet.istat.it/Collaborativi/_layouts/15/DocIdRedir.aspx?ID=INTRANET-14-158</Url>
-      <Description>INTRANET-14-158</Description>
-    </_dlc_DocIdUrl>
-  </documentManagement>
-</p:properties>
-</file>
-
 <file path=customXml/item3.xml><?xml version="1.0" encoding="utf-8"?>
-<?mso-contentType ?>
-<FormTemplates xmlns="http://schemas.microsoft.com/sharepoint/v3/contenttype/forms">
-  <Display>DocumentLibraryForm</Display>
-  <Edit>DocumentLibraryForm</Edit>
-  <New>DocumentLibraryForm</New>
-</FormTemplates>
-</file>
-
-<file path=customXml/item4.xml><?xml version="1.0" encoding="utf-8"?>
 <?mso-contentType ?>
 <spe:Receivers xmlns:spe="http://schemas.microsoft.com/sharepoint/events">
   <Receiver>
@@ -16645,7 +16497,34 @@
 </spe:Receivers>
 </file>
 
+<file path=customXml/item4.xml><?xml version="1.0" encoding="utf-8"?>
+<?mso-contentType ?>
+<FormTemplates xmlns="http://schemas.microsoft.com/sharepoint/v3/contenttype/forms">
+  <Display>DocumentLibraryForm</Display>
+  <Edit>DocumentLibraryForm</Edit>
+  <New>DocumentLibraryForm</New>
+</FormTemplates>
+</file>
+
 <file path=customXml/itemProps1.xml><?xml version="1.0" encoding="utf-8"?>
+<ds:datastoreItem xmlns:ds="http://schemas.openxmlformats.org/officeDocument/2006/customXml" ds:itemID="{3EF378BC-F4D0-4510-B4EC-07B6EFE18CF8}">
+  <ds:schemaRefs>
+    <ds:schemaRef ds:uri="http://schemas.microsoft.com/office/2006/documentManagement/types"/>
+    <ds:schemaRef ds:uri="http://purl.org/dc/terms/"/>
+    <ds:schemaRef ds:uri="http://purl.org/dc/dcmitype/"/>
+    <ds:schemaRef ds:uri="http://www.w3.org/XML/1998/namespace"/>
+    <ds:schemaRef ds:uri="http://purl.org/dc/elements/1.1/"/>
+    <ds:schemaRef ds:uri="679261c3-551f-4e86-913f-177e0e529669"/>
+    <ds:schemaRef ds:uri="459159c4-d20a-4ff3-9b11-fbd127bd52e5"/>
+    <ds:schemaRef ds:uri="http://schemas.microsoft.com/office/infopath/2007/PartnerControls"/>
+    <ds:schemaRef ds:uri="c58f2efd-82a8-4ecf-b395-8c25e928921d"/>
+    <ds:schemaRef ds:uri="http://schemas.openxmlformats.org/package/2006/metadata/core-properties"/>
+    <ds:schemaRef ds:uri="http://schemas.microsoft.com/office/2006/metadata/properties"/>
+  </ds:schemaRefs>
+</ds:datastoreItem>
+</file>
+
+<file path=customXml/itemProps2.xml><?xml version="1.0" encoding="utf-8"?>
 <ds:datastoreItem xmlns:ds="http://schemas.openxmlformats.org/officeDocument/2006/customXml" ds:itemID="{3F66F418-6054-4EA5-BF8E-6AF3CEAE6265}">
   <ds:schemaRefs>
     <ds:schemaRef ds:uri="http://schemas.microsoft.com/office/2006/metadata/contentType"/>
@@ -16665,36 +16544,18 @@
 </ds:datastoreItem>
 </file>
 
-<file path=customXml/itemProps2.xml><?xml version="1.0" encoding="utf-8"?>
-<ds:datastoreItem xmlns:ds="http://schemas.openxmlformats.org/officeDocument/2006/customXml" ds:itemID="{3EF378BC-F4D0-4510-B4EC-07B6EFE18CF8}">
+<file path=customXml/itemProps3.xml><?xml version="1.0" encoding="utf-8"?>
+<ds:datastoreItem xmlns:ds="http://schemas.openxmlformats.org/officeDocument/2006/customXml" ds:itemID="{D9296C4F-9DE9-4B43-AA80-1FC85656CFFA}">
   <ds:schemaRefs>
-    <ds:schemaRef ds:uri="http://schemas.microsoft.com/office/2006/documentManagement/types"/>
-    <ds:schemaRef ds:uri="http://purl.org/dc/terms/"/>
-    <ds:schemaRef ds:uri="http://purl.org/dc/dcmitype/"/>
-    <ds:schemaRef ds:uri="http://www.w3.org/XML/1998/namespace"/>
-    <ds:schemaRef ds:uri="http://purl.org/dc/elements/1.1/"/>
-    <ds:schemaRef ds:uri="679261c3-551f-4e86-913f-177e0e529669"/>
-    <ds:schemaRef ds:uri="459159c4-d20a-4ff3-9b11-fbd127bd52e5"/>
-    <ds:schemaRef ds:uri="http://schemas.microsoft.com/office/infopath/2007/PartnerControls"/>
-    <ds:schemaRef ds:uri="c58f2efd-82a8-4ecf-b395-8c25e928921d"/>
-    <ds:schemaRef ds:uri="http://schemas.openxmlformats.org/package/2006/metadata/core-properties"/>
-    <ds:schemaRef ds:uri="http://schemas.microsoft.com/office/2006/metadata/properties"/>
+    <ds:schemaRef ds:uri="http://schemas.microsoft.com/sharepoint/events"/>
   </ds:schemaRefs>
 </ds:datastoreItem>
 </file>
 
-<file path=customXml/itemProps3.xml><?xml version="1.0" encoding="utf-8"?>
+<file path=customXml/itemProps4.xml><?xml version="1.0" encoding="utf-8"?>
 <ds:datastoreItem xmlns:ds="http://schemas.openxmlformats.org/officeDocument/2006/customXml" ds:itemID="{BD9C238D-4D5C-4783-820B-4854DCE45D41}">
   <ds:schemaRefs>
     <ds:schemaRef ds:uri="http://schemas.microsoft.com/sharepoint/v3/contenttype/forms"/>
   </ds:schemaRefs>
 </ds:datastoreItem>
-</file>
-
-<file path=customXml/itemProps4.xml><?xml version="1.0" encoding="utf-8"?>
-<ds:datastoreItem xmlns:ds="http://schemas.openxmlformats.org/officeDocument/2006/customXml" ds:itemID="{D9296C4F-9DE9-4B43-AA80-1FC85656CFFA}">
-  <ds:schemaRefs>
-    <ds:schemaRef ds:uri="http://schemas.microsoft.com/sharepoint/events"/>
-  </ds:schemaRefs>
-</ds:datastoreItem>
 </file>